--- a/course/1 - Basic Programming/Basic Programming.pptx
+++ b/course/1 - Basic Programming/Basic Programming.pptx
@@ -20,6 +20,21 @@
     <p:sldId id="267" r:id="rId14"/>
     <p:sldId id="268" r:id="rId15"/>
     <p:sldId id="269" r:id="rId16"/>
+    <p:sldId id="272" r:id="rId17"/>
+    <p:sldId id="273" r:id="rId18"/>
+    <p:sldId id="274" r:id="rId19"/>
+    <p:sldId id="275" r:id="rId20"/>
+    <p:sldId id="276" r:id="rId21"/>
+    <p:sldId id="277" r:id="rId22"/>
+    <p:sldId id="278" r:id="rId23"/>
+    <p:sldId id="279" r:id="rId24"/>
+    <p:sldId id="280" r:id="rId25"/>
+    <p:sldId id="281" r:id="rId26"/>
+    <p:sldId id="282" r:id="rId27"/>
+    <p:sldId id="284" r:id="rId28"/>
+    <p:sldId id="285" r:id="rId29"/>
+    <p:sldId id="283" r:id="rId30"/>
+    <p:sldId id="286" r:id="rId31"/>
   </p:sldIdLst>
   <p:sldSz cx="12192000" cy="6858000"/>
   <p:notesSz cx="6858000" cy="9144000"/>
@@ -252,7 +267,7 @@
           <a:p>
             <a:fld id="{C764DE79-268F-4C1A-8933-263129D2AF90}" type="datetimeFigureOut">
               <a:rPr lang="en-US" dirty="0"/>
-              <a:t>3/27/2016</a:t>
+              <a:t>3/29/2016</a:t>
             </a:fld>
             <a:endParaRPr lang="en-US" dirty="0"/>
           </a:p>
@@ -422,7 +437,7 @@
           <a:p>
             <a:fld id="{C764DE79-268F-4C1A-8933-263129D2AF90}" type="datetimeFigureOut">
               <a:rPr lang="en-US" dirty="0"/>
-              <a:t>3/27/2016</a:t>
+              <a:t>3/29/2016</a:t>
             </a:fld>
             <a:endParaRPr lang="en-US" dirty="0"/>
           </a:p>
@@ -602,7 +617,7 @@
           <a:p>
             <a:fld id="{C764DE79-268F-4C1A-8933-263129D2AF90}" type="datetimeFigureOut">
               <a:rPr lang="en-US" dirty="0"/>
-              <a:t>3/27/2016</a:t>
+              <a:t>3/29/2016</a:t>
             </a:fld>
             <a:endParaRPr lang="en-US" dirty="0"/>
           </a:p>
@@ -772,7 +787,7 @@
           <a:p>
             <a:fld id="{C764DE79-268F-4C1A-8933-263129D2AF90}" type="datetimeFigureOut">
               <a:rPr lang="en-US" dirty="0"/>
-              <a:t>3/27/2016</a:t>
+              <a:t>3/29/2016</a:t>
             </a:fld>
             <a:endParaRPr lang="en-US" dirty="0"/>
           </a:p>
@@ -1018,7 +1033,7 @@
           <a:p>
             <a:fld id="{C764DE79-268F-4C1A-8933-263129D2AF90}" type="datetimeFigureOut">
               <a:rPr lang="en-US" dirty="0"/>
-              <a:t>3/27/2016</a:t>
+              <a:t>3/29/2016</a:t>
             </a:fld>
             <a:endParaRPr lang="en-US" dirty="0"/>
           </a:p>
@@ -1250,7 +1265,7 @@
           <a:p>
             <a:fld id="{C764DE79-268F-4C1A-8933-263129D2AF90}" type="datetimeFigureOut">
               <a:rPr lang="en-US" dirty="0"/>
-              <a:t>3/27/2016</a:t>
+              <a:t>3/29/2016</a:t>
             </a:fld>
             <a:endParaRPr lang="en-US" dirty="0"/>
           </a:p>
@@ -1617,7 +1632,7 @@
           <a:p>
             <a:fld id="{C764DE79-268F-4C1A-8933-263129D2AF90}" type="datetimeFigureOut">
               <a:rPr lang="en-US" dirty="0"/>
-              <a:t>3/27/2016</a:t>
+              <a:t>3/29/2016</a:t>
             </a:fld>
             <a:endParaRPr lang="en-US" dirty="0"/>
           </a:p>
@@ -1735,7 +1750,7 @@
           <a:p>
             <a:fld id="{C764DE79-268F-4C1A-8933-263129D2AF90}" type="datetimeFigureOut">
               <a:rPr lang="en-US" dirty="0"/>
-              <a:t>3/27/2016</a:t>
+              <a:t>3/29/2016</a:t>
             </a:fld>
             <a:endParaRPr lang="en-US" dirty="0"/>
           </a:p>
@@ -1830,7 +1845,7 @@
           <a:p>
             <a:fld id="{C764DE79-268F-4C1A-8933-263129D2AF90}" type="datetimeFigureOut">
               <a:rPr lang="en-US" dirty="0"/>
-              <a:t>3/27/2016</a:t>
+              <a:t>3/29/2016</a:t>
             </a:fld>
             <a:endParaRPr lang="en-US" dirty="0"/>
           </a:p>
@@ -2107,7 +2122,7 @@
           <a:p>
             <a:fld id="{C764DE79-268F-4C1A-8933-263129D2AF90}" type="datetimeFigureOut">
               <a:rPr lang="en-US" dirty="0"/>
-              <a:t>3/27/2016</a:t>
+              <a:t>3/29/2016</a:t>
             </a:fld>
             <a:endParaRPr lang="en-US" dirty="0"/>
           </a:p>
@@ -2364,7 +2379,7 @@
           <a:p>
             <a:fld id="{C764DE79-268F-4C1A-8933-263129D2AF90}" type="datetimeFigureOut">
               <a:rPr lang="en-US" dirty="0"/>
-              <a:t>3/27/2016</a:t>
+              <a:t>3/29/2016</a:t>
             </a:fld>
             <a:endParaRPr lang="en-US" dirty="0"/>
           </a:p>
@@ -2577,7 +2592,7 @@
           <a:p>
             <a:fld id="{C764DE79-268F-4C1A-8933-263129D2AF90}" type="datetimeFigureOut">
               <a:rPr lang="en-US" dirty="0"/>
-              <a:t>3/27/2016</a:t>
+              <a:t>3/29/2016</a:t>
             </a:fld>
             <a:endParaRPr lang="en-US" dirty="0"/>
           </a:p>
@@ -3120,8 +3135,12 @@
           <a:lstStyle/>
           <a:p>
             <a:r>
-              <a:rPr lang="en-US" dirty="0"/>
-              <a:t>Interpolation – inserting variables into a string</a:t>
+              <a:rPr lang="en-US" b="1" dirty="0"/>
+              <a:t>Interpolation</a:t>
+            </a:r>
+            <a:r>
+              <a:rPr lang="en-US" dirty="0"/>
+              <a:t> – inserting variables into a string</a:t>
             </a:r>
           </a:p>
           <a:p>
@@ -3138,22 +3157,18 @@
           </a:p>
           <a:p>
             <a:r>
-              <a:rPr lang="en-US" dirty="0"/>
-              <a:t>Escaping – Ignoring a special character in a string</a:t>
-            </a:r>
-          </a:p>
-          <a:p>
-            <a:r>
-              <a:rPr lang="en-US" dirty="0"/>
-              <a:t>Put a \ (backslash) before a quote to make </a:t>
-            </a:r>
-            <a:r>
-              <a:rPr lang="en-US"/>
-              <a:t>PHP</a:t>
-            </a:r>
-            <a:r>
-              <a:rPr lang="en-US" dirty="0"/>
-              <a:t> ignore it</a:t>
+              <a:rPr lang="en-US" b="1" dirty="0"/>
+              <a:t>Escaping</a:t>
+            </a:r>
+            <a:r>
+              <a:rPr lang="en-US" dirty="0"/>
+              <a:t> – Ignoring a special character in a string</a:t>
+            </a:r>
+          </a:p>
+          <a:p>
+            <a:r>
+              <a:rPr lang="en-US" dirty="0"/>
+              <a:t>Put a \ (backslash) before a quote to make PHP ignore it</a:t>
             </a:r>
           </a:p>
         </p:txBody>
@@ -3771,14 +3786,38 @@
           <a:lstStyle/>
           <a:p>
             <a:r>
-              <a:rPr lang="en-US" dirty="0"/>
-              <a:t>Operators operate on data</a:t>
-            </a:r>
-          </a:p>
-          <a:p>
-            <a:r>
-              <a:rPr lang="en-US" dirty="0"/>
-              <a:t>Three types: math, logical, bitwise</a:t>
+              <a:rPr lang="en-US" b="1" dirty="0"/>
+              <a:t>Operators</a:t>
+            </a:r>
+            <a:r>
+              <a:rPr lang="en-US" dirty="0"/>
+              <a:t> operate on data</a:t>
+            </a:r>
+          </a:p>
+          <a:p>
+            <a:r>
+              <a:rPr lang="en-US" dirty="0"/>
+              <a:t>Three types: </a:t>
+            </a:r>
+            <a:r>
+              <a:rPr lang="en-US" b="1" dirty="0"/>
+              <a:t>math</a:t>
+            </a:r>
+            <a:r>
+              <a:rPr lang="en-US" dirty="0"/>
+              <a:t>, </a:t>
+            </a:r>
+            <a:r>
+              <a:rPr lang="en-US" b="1" dirty="0"/>
+              <a:t>logical</a:t>
+            </a:r>
+            <a:r>
+              <a:rPr lang="en-US" dirty="0"/>
+              <a:t>, </a:t>
+            </a:r>
+            <a:r>
+              <a:rPr lang="en-US" b="1" dirty="0"/>
+              <a:t>bitwise</a:t>
             </a:r>
           </a:p>
           <a:p>
@@ -3796,7 +3835,15 @@
           <a:p>
             <a:r>
               <a:rPr lang="en-US" dirty="0"/>
-              <a:t>% is modulus, gives the remainder of division</a:t>
+              <a:t>% is </a:t>
+            </a:r>
+            <a:r>
+              <a:rPr lang="en-US" b="1" dirty="0"/>
+              <a:t>modulus</a:t>
+            </a:r>
+            <a:r>
+              <a:rPr lang="en-US" dirty="0"/>
+              <a:t>, gives the remainder of division</a:t>
             </a:r>
           </a:p>
           <a:p>
@@ -4383,46 +4430,98 @@
           <a:p>
             <a:r>
               <a:rPr lang="en-US" dirty="0"/>
-              <a:t>++ (Increment) adds one the number before it</a:t>
-            </a:r>
-          </a:p>
-          <a:p>
-            <a:r>
-              <a:rPr lang="en-US" dirty="0"/>
-              <a:t>-- (Decrement) subtracts one instead</a:t>
-            </a:r>
-          </a:p>
-          <a:p>
-            <a:r>
-              <a:rPr lang="en-US" dirty="0"/>
-              <a:t>. (Concatenate) connects two strings</a:t>
-            </a:r>
-          </a:p>
-          <a:p>
-            <a:r>
-              <a:rPr lang="en-US" dirty="0"/>
-              <a:t>Logical operators work on Booleans</a:t>
+              <a:t>++ (</a:t>
+            </a:r>
+            <a:r>
+              <a:rPr lang="en-US" b="1" dirty="0"/>
+              <a:t>Increment</a:t>
+            </a:r>
+            <a:r>
+              <a:rPr lang="en-US" dirty="0"/>
+              <a:t>) adds one the number before it</a:t>
+            </a:r>
+          </a:p>
+          <a:p>
+            <a:r>
+              <a:rPr lang="en-US" dirty="0"/>
+              <a:t>-- (</a:t>
+            </a:r>
+            <a:r>
+              <a:rPr lang="en-US" b="1" dirty="0"/>
+              <a:t>Decrement</a:t>
+            </a:r>
+            <a:r>
+              <a:rPr lang="en-US" dirty="0"/>
+              <a:t>) subtracts one instead</a:t>
+            </a:r>
+          </a:p>
+          <a:p>
+            <a:r>
+              <a:rPr lang="en-US" dirty="0"/>
+              <a:t>. (</a:t>
+            </a:r>
+            <a:r>
+              <a:rPr lang="en-US" b="1" dirty="0"/>
+              <a:t>Concatenate</a:t>
+            </a:r>
+            <a:r>
+              <a:rPr lang="en-US" dirty="0"/>
+              <a:t>) connects two strings</a:t>
+            </a:r>
+          </a:p>
+          <a:p>
+            <a:r>
+              <a:rPr lang="en-US" b="1" dirty="0"/>
+              <a:t>Logical operators </a:t>
+            </a:r>
+            <a:r>
+              <a:rPr lang="en-US" dirty="0"/>
+              <a:t>work on Booleans</a:t>
             </a:r>
           </a:p>
           <a:p>
             <a:pPr lvl="1"/>
             <a:r>
               <a:rPr lang="en-US" dirty="0"/>
-              <a:t>&amp;&amp; (and) is true if both inputs are true</a:t>
+              <a:t>&amp;&amp; (</a:t>
+            </a:r>
+            <a:r>
+              <a:rPr lang="en-US" b="1" dirty="0"/>
+              <a:t>and</a:t>
+            </a:r>
+            <a:r>
+              <a:rPr lang="en-US" dirty="0"/>
+              <a:t>) is true if both inputs are true</a:t>
             </a:r>
           </a:p>
           <a:p>
             <a:pPr lvl="1"/>
             <a:r>
               <a:rPr lang="en-US" dirty="0"/>
-              <a:t>|| (or) is true if one or both inputs are true</a:t>
+              <a:t>|| (</a:t>
+            </a:r>
+            <a:r>
+              <a:rPr lang="en-US" b="1" dirty="0"/>
+              <a:t>or</a:t>
+            </a:r>
+            <a:r>
+              <a:rPr lang="en-US" dirty="0"/>
+              <a:t>) is true if one or both inputs are true</a:t>
             </a:r>
           </a:p>
           <a:p>
             <a:pPr lvl="1"/>
             <a:r>
               <a:rPr lang="en-US" dirty="0"/>
-              <a:t>! (not) goes in front of a </a:t>
+              <a:t>! (</a:t>
+            </a:r>
+            <a:r>
+              <a:rPr lang="en-US" b="1" dirty="0"/>
+              <a:t>not</a:t>
+            </a:r>
+            <a:r>
+              <a:rPr lang="en-US" dirty="0"/>
+              <a:t>) goes in front of a </a:t>
             </a:r>
             <a:r>
               <a:rPr lang="en-US" dirty="0" err="1"/>
@@ -5117,6 +5216,881 @@
 </p:sld>
 </file>
 
+<file path=ppt/slides/slide16.xml><?xml version="1.0" encoding="utf-8"?>
+<p:sld xmlns:a="http://schemas.openxmlformats.org/drawingml/2006/main" xmlns:r="http://schemas.openxmlformats.org/officeDocument/2006/relationships" xmlns:p="http://schemas.openxmlformats.org/presentationml/2006/main">
+  <p:cSld>
+    <p:spTree>
+      <p:nvGrpSpPr>
+        <p:cNvPr id="1" name=""/>
+        <p:cNvGrpSpPr/>
+        <p:nvPr/>
+      </p:nvGrpSpPr>
+      <p:grpSpPr>
+        <a:xfrm>
+          <a:off x="0" y="0"/>
+          <a:ext cx="0" cy="0"/>
+          <a:chOff x="0" y="0"/>
+          <a:chExt cx="0" cy="0"/>
+        </a:xfrm>
+      </p:grpSpPr>
+      <p:sp>
+        <p:nvSpPr>
+          <p:cNvPr id="2" name="Title 1"/>
+          <p:cNvSpPr>
+            <a:spLocks noGrp="1"/>
+          </p:cNvSpPr>
+          <p:nvPr>
+            <p:ph type="title"/>
+          </p:nvPr>
+        </p:nvSpPr>
+        <p:spPr>
+          <a:xfrm>
+            <a:off x="831850" y="3622902"/>
+            <a:ext cx="10515600" cy="939573"/>
+          </a:xfrm>
+        </p:spPr>
+        <p:txBody>
+          <a:bodyPr/>
+          <a:lstStyle/>
+          <a:p>
+            <a:r>
+              <a:rPr lang="en-US" dirty="0"/>
+              <a:t>Functions</a:t>
+            </a:r>
+          </a:p>
+        </p:txBody>
+      </p:sp>
+      <p:sp>
+        <p:nvSpPr>
+          <p:cNvPr id="3" name="Content Placeholder 2"/>
+          <p:cNvSpPr>
+            <a:spLocks noGrp="1"/>
+          </p:cNvSpPr>
+          <p:nvPr>
+            <p:ph type="body" idx="1"/>
+          </p:nvPr>
+        </p:nvSpPr>
+        <p:spPr>
+          <a:xfrm>
+            <a:off x="831850" y="3143704"/>
+            <a:ext cx="10515600" cy="479198"/>
+          </a:xfrm>
+        </p:spPr>
+        <p:txBody>
+          <a:bodyPr anchor="b"/>
+          <a:lstStyle/>
+          <a:p>
+            <a:r>
+              <a:rPr lang="en-US" dirty="0"/>
+              <a:t>Lesson 2</a:t>
+            </a:r>
+          </a:p>
+        </p:txBody>
+      </p:sp>
+    </p:spTree>
+    <p:extLst>
+      <p:ext uri="{BB962C8B-B14F-4D97-AF65-F5344CB8AC3E}">
+        <p14:creationId xmlns:p14="http://schemas.microsoft.com/office/powerpoint/2010/main" val="2393728014"/>
+      </p:ext>
+    </p:extLst>
+  </p:cSld>
+  <p:clrMapOvr>
+    <a:masterClrMapping/>
+  </p:clrMapOvr>
+</p:sld>
+</file>
+
+<file path=ppt/slides/slide17.xml><?xml version="1.0" encoding="utf-8"?>
+<p:sld xmlns:a="http://schemas.openxmlformats.org/drawingml/2006/main" xmlns:r="http://schemas.openxmlformats.org/officeDocument/2006/relationships" xmlns:p="http://schemas.openxmlformats.org/presentationml/2006/main">
+  <p:cSld>
+    <p:spTree>
+      <p:nvGrpSpPr>
+        <p:cNvPr id="1" name=""/>
+        <p:cNvGrpSpPr/>
+        <p:nvPr/>
+      </p:nvGrpSpPr>
+      <p:grpSpPr>
+        <a:xfrm>
+          <a:off x="0" y="0"/>
+          <a:ext cx="0" cy="0"/>
+          <a:chOff x="0" y="0"/>
+          <a:chExt cx="0" cy="0"/>
+        </a:xfrm>
+      </p:grpSpPr>
+      <p:sp>
+        <p:nvSpPr>
+          <p:cNvPr id="2" name="Title 1"/>
+          <p:cNvSpPr>
+            <a:spLocks noGrp="1"/>
+          </p:cNvSpPr>
+          <p:nvPr>
+            <p:ph type="title"/>
+          </p:nvPr>
+        </p:nvSpPr>
+        <p:spPr/>
+        <p:txBody>
+          <a:bodyPr/>
+          <a:lstStyle/>
+          <a:p>
+            <a:r>
+              <a:rPr lang="en-US" dirty="0"/>
+              <a:t>What is </a:t>
+            </a:r>
+            <a:r>
+              <a:rPr lang="en-US"/>
+              <a:t>a function?</a:t>
+            </a:r>
+          </a:p>
+        </p:txBody>
+      </p:sp>
+      <p:sp>
+        <p:nvSpPr>
+          <p:cNvPr id="3" name="Text Placeholder 2"/>
+          <p:cNvSpPr>
+            <a:spLocks noGrp="1"/>
+          </p:cNvSpPr>
+          <p:nvPr>
+            <p:ph idx="1"/>
+          </p:nvPr>
+        </p:nvSpPr>
+        <p:spPr/>
+        <p:txBody>
+          <a:bodyPr/>
+          <a:lstStyle/>
+          <a:p>
+            <a:r>
+              <a:rPr lang="en-US" b="1" dirty="0"/>
+              <a:t>Function</a:t>
+            </a:r>
+            <a:r>
+              <a:rPr lang="en-US" dirty="0"/>
+              <a:t> – A named block of code that can be reused</a:t>
+            </a:r>
+          </a:p>
+          <a:p>
+            <a:r>
+              <a:rPr lang="en-US" dirty="0"/>
+              <a:t>Function names work like variable names, but no $</a:t>
+            </a:r>
+          </a:p>
+          <a:p>
+            <a:r>
+              <a:rPr lang="en-US" dirty="0"/>
+              <a:t>Functions are </a:t>
+            </a:r>
+            <a:r>
+              <a:rPr lang="en-US" b="1" dirty="0"/>
+              <a:t>called</a:t>
+            </a:r>
+            <a:r>
+              <a:rPr lang="en-US" dirty="0"/>
+              <a:t> (run) using parentheses</a:t>
+            </a:r>
+          </a:p>
+          <a:p>
+            <a:r>
+              <a:rPr lang="en-US" b="1" dirty="0"/>
+              <a:t>Arguments</a:t>
+            </a:r>
+            <a:r>
+              <a:rPr lang="en-US" dirty="0"/>
+              <a:t> (data used by the function) go inside the parentheses</a:t>
+            </a:r>
+          </a:p>
+          <a:p>
+            <a:r>
+              <a:rPr lang="en-US" dirty="0"/>
+              <a:t>Data comes out of the function via a </a:t>
+            </a:r>
+            <a:r>
+              <a:rPr lang="en-US" b="1" dirty="0"/>
+              <a:t>return value</a:t>
+            </a:r>
+          </a:p>
+          <a:p>
+            <a:r>
+              <a:rPr lang="en-US" dirty="0"/>
+              <a:t>Return values can be used like any other piece of data</a:t>
+            </a:r>
+          </a:p>
+          <a:p>
+            <a:pPr lvl="1"/>
+            <a:r>
+              <a:rPr lang="en-US" dirty="0"/>
+              <a:t>Put it in a variable, use an operator on it, use it as a function argument, etc.</a:t>
+            </a:r>
+          </a:p>
+        </p:txBody>
+      </p:sp>
+    </p:spTree>
+    <p:extLst>
+      <p:ext uri="{BB962C8B-B14F-4D97-AF65-F5344CB8AC3E}">
+        <p14:creationId xmlns:p14="http://schemas.microsoft.com/office/powerpoint/2010/main" val="3980354190"/>
+      </p:ext>
+    </p:extLst>
+  </p:cSld>
+  <p:clrMapOvr>
+    <a:masterClrMapping/>
+  </p:clrMapOvr>
+</p:sld>
+</file>
+
+<file path=ppt/slides/slide18.xml><?xml version="1.0" encoding="utf-8"?>
+<p:sld xmlns:a="http://schemas.openxmlformats.org/drawingml/2006/main" xmlns:r="http://schemas.openxmlformats.org/officeDocument/2006/relationships" xmlns:p="http://schemas.openxmlformats.org/presentationml/2006/main">
+  <p:cSld>
+    <p:spTree>
+      <p:nvGrpSpPr>
+        <p:cNvPr id="1" name=""/>
+        <p:cNvGrpSpPr/>
+        <p:nvPr/>
+      </p:nvGrpSpPr>
+      <p:grpSpPr>
+        <a:xfrm>
+          <a:off x="0" y="0"/>
+          <a:ext cx="0" cy="0"/>
+          <a:chOff x="0" y="0"/>
+          <a:chExt cx="0" cy="0"/>
+        </a:xfrm>
+      </p:grpSpPr>
+      <p:sp>
+        <p:nvSpPr>
+          <p:cNvPr id="5" name="TextBox 4"/>
+          <p:cNvSpPr txBox="1"/>
+          <p:nvPr/>
+        </p:nvSpPr>
+        <p:spPr>
+          <a:xfrm>
+            <a:off x="0" y="583973"/>
+            <a:ext cx="935489" cy="6370975"/>
+          </a:xfrm>
+          <a:prstGeom prst="rect">
+            <a:avLst/>
+          </a:prstGeom>
+          <a:solidFill>
+            <a:schemeClr val="bg1">
+              <a:lumMod val="85000"/>
+            </a:schemeClr>
+          </a:solidFill>
+        </p:spPr>
+        <p:txBody>
+          <a:bodyPr wrap="square" rtlCol="0" anchor="ctr">
+            <a:spAutoFit/>
+          </a:bodyPr>
+          <a:lstStyle/>
+          <a:p>
+            <a:pPr algn="r"/>
+            <a:r>
+              <a:rPr lang="en-US" sz="2400" dirty="0">
+                <a:solidFill>
+                  <a:schemeClr val="accent3">
+                    <a:lumMod val="50000"/>
+                  </a:schemeClr>
+                </a:solidFill>
+                <a:latin typeface="Consolas" panose="020B0609020204030204" pitchFamily="49" charset="0"/>
+              </a:rPr>
+              <a:t>1</a:t>
+            </a:r>
+          </a:p>
+          <a:p>
+            <a:pPr algn="r"/>
+            <a:r>
+              <a:rPr lang="en-US" sz="2400" dirty="0">
+                <a:solidFill>
+                  <a:schemeClr val="accent3">
+                    <a:lumMod val="50000"/>
+                  </a:schemeClr>
+                </a:solidFill>
+                <a:latin typeface="Consolas" panose="020B0609020204030204" pitchFamily="49" charset="0"/>
+              </a:rPr>
+              <a:t>2</a:t>
+            </a:r>
+          </a:p>
+          <a:p>
+            <a:pPr algn="r"/>
+            <a:r>
+              <a:rPr lang="en-US" sz="2400" dirty="0">
+                <a:solidFill>
+                  <a:schemeClr val="accent3">
+                    <a:lumMod val="50000"/>
+                  </a:schemeClr>
+                </a:solidFill>
+                <a:latin typeface="Consolas" panose="020B0609020204030204" pitchFamily="49" charset="0"/>
+              </a:rPr>
+              <a:t>3</a:t>
+            </a:r>
+          </a:p>
+          <a:p>
+            <a:pPr algn="r"/>
+            <a:r>
+              <a:rPr lang="en-US" sz="2400" dirty="0">
+                <a:solidFill>
+                  <a:schemeClr val="accent3">
+                    <a:lumMod val="50000"/>
+                  </a:schemeClr>
+                </a:solidFill>
+                <a:latin typeface="Consolas" panose="020B0609020204030204" pitchFamily="49" charset="0"/>
+              </a:rPr>
+              <a:t>4</a:t>
+            </a:r>
+          </a:p>
+          <a:p>
+            <a:pPr algn="r"/>
+            <a:r>
+              <a:rPr lang="en-US" sz="2400" dirty="0">
+                <a:solidFill>
+                  <a:schemeClr val="accent3">
+                    <a:lumMod val="50000"/>
+                  </a:schemeClr>
+                </a:solidFill>
+                <a:latin typeface="Consolas" panose="020B0609020204030204" pitchFamily="49" charset="0"/>
+              </a:rPr>
+              <a:t>5</a:t>
+            </a:r>
+          </a:p>
+          <a:p>
+            <a:pPr algn="r"/>
+            <a:r>
+              <a:rPr lang="en-US" sz="2400" dirty="0">
+                <a:solidFill>
+                  <a:schemeClr val="accent3">
+                    <a:lumMod val="50000"/>
+                  </a:schemeClr>
+                </a:solidFill>
+                <a:latin typeface="Consolas" panose="020B0609020204030204" pitchFamily="49" charset="0"/>
+              </a:rPr>
+              <a:t>6</a:t>
+            </a:r>
+          </a:p>
+          <a:p>
+            <a:pPr algn="r"/>
+            <a:r>
+              <a:rPr lang="en-US" sz="2400" dirty="0">
+                <a:solidFill>
+                  <a:schemeClr val="accent3">
+                    <a:lumMod val="50000"/>
+                  </a:schemeClr>
+                </a:solidFill>
+                <a:latin typeface="Consolas" panose="020B0609020204030204" pitchFamily="49" charset="0"/>
+              </a:rPr>
+              <a:t>7</a:t>
+            </a:r>
+          </a:p>
+          <a:p>
+            <a:pPr algn="r"/>
+            <a:r>
+              <a:rPr lang="en-US" sz="2400" dirty="0">
+                <a:solidFill>
+                  <a:schemeClr val="accent3">
+                    <a:lumMod val="50000"/>
+                  </a:schemeClr>
+                </a:solidFill>
+                <a:latin typeface="Consolas" panose="020B0609020204030204" pitchFamily="49" charset="0"/>
+              </a:rPr>
+              <a:t>8</a:t>
+            </a:r>
+          </a:p>
+          <a:p>
+            <a:pPr algn="r"/>
+            <a:r>
+              <a:rPr lang="en-US" sz="2400" dirty="0">
+                <a:solidFill>
+                  <a:schemeClr val="accent3">
+                    <a:lumMod val="50000"/>
+                  </a:schemeClr>
+                </a:solidFill>
+                <a:latin typeface="Consolas" panose="020B0609020204030204" pitchFamily="49" charset="0"/>
+              </a:rPr>
+              <a:t>9</a:t>
+            </a:r>
+          </a:p>
+          <a:p>
+            <a:pPr algn="r"/>
+            <a:r>
+              <a:rPr lang="en-US" sz="2400" dirty="0">
+                <a:solidFill>
+                  <a:schemeClr val="accent3">
+                    <a:lumMod val="50000"/>
+                  </a:schemeClr>
+                </a:solidFill>
+                <a:latin typeface="Consolas" panose="020B0609020204030204" pitchFamily="49" charset="0"/>
+              </a:rPr>
+              <a:t>10</a:t>
+            </a:r>
+          </a:p>
+          <a:p>
+            <a:pPr algn="r"/>
+            <a:r>
+              <a:rPr lang="en-US" sz="2400" dirty="0">
+                <a:solidFill>
+                  <a:schemeClr val="accent3">
+                    <a:lumMod val="50000"/>
+                  </a:schemeClr>
+                </a:solidFill>
+                <a:latin typeface="Consolas" panose="020B0609020204030204" pitchFamily="49" charset="0"/>
+              </a:rPr>
+              <a:t>11</a:t>
+            </a:r>
+          </a:p>
+          <a:p>
+            <a:pPr algn="r"/>
+            <a:r>
+              <a:rPr lang="en-US" sz="2400" dirty="0">
+                <a:solidFill>
+                  <a:schemeClr val="accent3">
+                    <a:lumMod val="50000"/>
+                  </a:schemeClr>
+                </a:solidFill>
+                <a:latin typeface="Consolas" panose="020B0609020204030204" pitchFamily="49" charset="0"/>
+              </a:rPr>
+              <a:t>12</a:t>
+            </a:r>
+          </a:p>
+          <a:p>
+            <a:pPr algn="r"/>
+            <a:r>
+              <a:rPr lang="en-US" sz="2400" dirty="0">
+                <a:solidFill>
+                  <a:schemeClr val="accent3">
+                    <a:lumMod val="50000"/>
+                  </a:schemeClr>
+                </a:solidFill>
+                <a:latin typeface="Consolas" panose="020B0609020204030204" pitchFamily="49" charset="0"/>
+              </a:rPr>
+              <a:t>13</a:t>
+            </a:r>
+          </a:p>
+          <a:p>
+            <a:pPr algn="r"/>
+            <a:r>
+              <a:rPr lang="en-US" sz="2400" dirty="0">
+                <a:solidFill>
+                  <a:schemeClr val="accent3">
+                    <a:lumMod val="50000"/>
+                  </a:schemeClr>
+                </a:solidFill>
+                <a:latin typeface="Consolas" panose="020B0609020204030204" pitchFamily="49" charset="0"/>
+              </a:rPr>
+              <a:t>14</a:t>
+            </a:r>
+          </a:p>
+          <a:p>
+            <a:pPr algn="r"/>
+            <a:r>
+              <a:rPr lang="en-US" sz="2400" dirty="0">
+                <a:solidFill>
+                  <a:schemeClr val="accent3">
+                    <a:lumMod val="50000"/>
+                  </a:schemeClr>
+                </a:solidFill>
+                <a:latin typeface="Consolas" panose="020B0609020204030204" pitchFamily="49" charset="0"/>
+              </a:rPr>
+              <a:t>15</a:t>
+            </a:r>
+          </a:p>
+          <a:p>
+            <a:pPr algn="r"/>
+            <a:r>
+              <a:rPr lang="en-US" sz="2400" dirty="0">
+                <a:solidFill>
+                  <a:schemeClr val="accent3">
+                    <a:lumMod val="50000"/>
+                  </a:schemeClr>
+                </a:solidFill>
+                <a:latin typeface="Consolas" panose="020B0609020204030204" pitchFamily="49" charset="0"/>
+              </a:rPr>
+              <a:t>16</a:t>
+            </a:r>
+          </a:p>
+          <a:p>
+            <a:pPr algn="r"/>
+            <a:endParaRPr lang="en-US" sz="2400" dirty="0">
+              <a:latin typeface="Consolas" panose="020B0609020204030204" pitchFamily="49" charset="0"/>
+            </a:endParaRPr>
+          </a:p>
+        </p:txBody>
+      </p:sp>
+      <p:sp>
+        <p:nvSpPr>
+          <p:cNvPr id="6" name="TextBox 5"/>
+          <p:cNvSpPr txBox="1"/>
+          <p:nvPr/>
+        </p:nvSpPr>
+        <p:spPr>
+          <a:xfrm>
+            <a:off x="935490" y="583973"/>
+            <a:ext cx="11256511" cy="3046988"/>
+          </a:xfrm>
+          <a:prstGeom prst="rect">
+            <a:avLst/>
+          </a:prstGeom>
+          <a:noFill/>
+        </p:spPr>
+        <p:txBody>
+          <a:bodyPr wrap="square" rtlCol="0">
+            <a:spAutoFit/>
+          </a:bodyPr>
+          <a:lstStyle/>
+          <a:p>
+            <a:pPr marL="0" indent="0">
+              <a:buNone/>
+            </a:pPr>
+            <a:r>
+              <a:rPr lang="en-US" sz="2400" dirty="0">
+                <a:solidFill>
+                  <a:srgbClr val="7030A0"/>
+                </a:solidFill>
+                <a:latin typeface="Consolas" panose="020B0609020204030204" pitchFamily="49" charset="0"/>
+              </a:rPr>
+              <a:t>&lt;?php</a:t>
+            </a:r>
+            <a:endParaRPr lang="en-US" sz="2400" dirty="0">
+              <a:latin typeface="Consolas" panose="020B0609020204030204" pitchFamily="49" charset="0"/>
+            </a:endParaRPr>
+          </a:p>
+          <a:p>
+            <a:pPr marL="0" indent="0">
+              <a:buNone/>
+            </a:pPr>
+            <a:endParaRPr lang="en-US" sz="2400" dirty="0">
+              <a:latin typeface="Consolas" panose="020B0609020204030204" pitchFamily="49" charset="0"/>
+            </a:endParaRPr>
+          </a:p>
+          <a:p>
+            <a:r>
+              <a:rPr lang="en-US" sz="2400" dirty="0" err="1">
+                <a:latin typeface="Consolas" panose="020B0609020204030204" pitchFamily="49" charset="0"/>
+              </a:rPr>
+              <a:t>var_dump</a:t>
+            </a:r>
+            <a:r>
+              <a:rPr lang="en-US" sz="2400" dirty="0">
+                <a:latin typeface="Consolas" panose="020B0609020204030204" pitchFamily="49" charset="0"/>
+              </a:rPr>
+              <a:t>(</a:t>
+            </a:r>
+            <a:r>
+              <a:rPr lang="en-US" sz="2400" dirty="0">
+                <a:solidFill>
+                  <a:schemeClr val="accent2"/>
+                </a:solidFill>
+                <a:latin typeface="Consolas" panose="020B0609020204030204" pitchFamily="49" charset="0"/>
+              </a:rPr>
+              <a:t>"I'm using a function!"</a:t>
+            </a:r>
+            <a:r>
+              <a:rPr lang="en-US" sz="2400" dirty="0">
+                <a:latin typeface="Consolas" panose="020B0609020204030204" pitchFamily="49" charset="0"/>
+              </a:rPr>
+              <a:t>);</a:t>
+            </a:r>
+          </a:p>
+          <a:p>
+            <a:pPr marL="0" indent="0">
+              <a:buNone/>
+            </a:pPr>
+            <a:endParaRPr lang="en-US" sz="2400" dirty="0">
+              <a:latin typeface="Consolas" panose="020B0609020204030204" pitchFamily="49" charset="0"/>
+            </a:endParaRPr>
+          </a:p>
+          <a:p>
+            <a:pPr marL="0" indent="0">
+              <a:buNone/>
+            </a:pPr>
+            <a:r>
+              <a:rPr lang="en-US" sz="2400" dirty="0">
+                <a:latin typeface="Consolas" panose="020B0609020204030204" pitchFamily="49" charset="0"/>
+              </a:rPr>
+              <a:t>$sine = sin(</a:t>
+            </a:r>
+            <a:r>
+              <a:rPr lang="en-US" sz="2400" dirty="0">
+                <a:solidFill>
+                  <a:srgbClr val="C00000"/>
+                </a:solidFill>
+                <a:latin typeface="Consolas" panose="020B0609020204030204" pitchFamily="49" charset="0"/>
+              </a:rPr>
+              <a:t>2</a:t>
+            </a:r>
+            <a:r>
+              <a:rPr lang="en-US" sz="2400" dirty="0">
+                <a:latin typeface="Consolas" panose="020B0609020204030204" pitchFamily="49" charset="0"/>
+              </a:rPr>
+              <a:t>);</a:t>
+            </a:r>
+          </a:p>
+          <a:p>
+            <a:pPr marL="0" indent="0">
+              <a:buNone/>
+            </a:pPr>
+            <a:r>
+              <a:rPr lang="en-US" sz="2400" dirty="0">
+                <a:solidFill>
+                  <a:srgbClr val="0070C0"/>
+                </a:solidFill>
+                <a:latin typeface="Consolas" panose="020B0609020204030204" pitchFamily="49" charset="0"/>
+              </a:rPr>
+              <a:t>echo</a:t>
+            </a:r>
+            <a:r>
+              <a:rPr lang="en-US" sz="2400" dirty="0">
+                <a:latin typeface="Consolas" panose="020B0609020204030204" pitchFamily="49" charset="0"/>
+              </a:rPr>
+              <a:t> $sine;</a:t>
+            </a:r>
+          </a:p>
+          <a:p>
+            <a:pPr marL="0" indent="0">
+              <a:buNone/>
+            </a:pPr>
+            <a:endParaRPr lang="en-US" sz="2400" dirty="0">
+              <a:latin typeface="Consolas" panose="020B0609020204030204" pitchFamily="49" charset="0"/>
+            </a:endParaRPr>
+          </a:p>
+          <a:p>
+            <a:pPr marL="0" indent="0">
+              <a:buNone/>
+            </a:pPr>
+            <a:r>
+              <a:rPr lang="en-US" sz="2400" dirty="0">
+                <a:solidFill>
+                  <a:srgbClr val="0070C0"/>
+                </a:solidFill>
+                <a:latin typeface="Consolas" panose="020B0609020204030204" pitchFamily="49" charset="0"/>
+              </a:rPr>
+              <a:t>echo</a:t>
+            </a:r>
+            <a:r>
+              <a:rPr lang="en-US" sz="2400" dirty="0">
+                <a:latin typeface="Consolas" panose="020B0609020204030204" pitchFamily="49" charset="0"/>
+              </a:rPr>
+              <a:t> sin(cos(</a:t>
+            </a:r>
+            <a:r>
+              <a:rPr lang="en-US" sz="2400" dirty="0">
+                <a:solidFill>
+                  <a:srgbClr val="C00000"/>
+                </a:solidFill>
+                <a:latin typeface="Consolas" panose="020B0609020204030204" pitchFamily="49" charset="0"/>
+              </a:rPr>
+              <a:t>1.5</a:t>
+            </a:r>
+            <a:r>
+              <a:rPr lang="en-US" sz="2400" dirty="0">
+                <a:latin typeface="Consolas" panose="020B0609020204030204" pitchFamily="49" charset="0"/>
+              </a:rPr>
+              <a:t>) + </a:t>
+            </a:r>
+            <a:r>
+              <a:rPr lang="en-US" sz="2400" dirty="0">
+                <a:solidFill>
+                  <a:srgbClr val="C00000"/>
+                </a:solidFill>
+                <a:latin typeface="Consolas" panose="020B0609020204030204" pitchFamily="49" charset="0"/>
+              </a:rPr>
+              <a:t>1</a:t>
+            </a:r>
+            <a:r>
+              <a:rPr lang="en-US" sz="2400" dirty="0">
+                <a:latin typeface="Consolas" panose="020B0609020204030204" pitchFamily="49" charset="0"/>
+              </a:rPr>
+              <a:t>);</a:t>
+            </a:r>
+          </a:p>
+        </p:txBody>
+      </p:sp>
+      <p:sp>
+        <p:nvSpPr>
+          <p:cNvPr id="2" name="Title 1"/>
+          <p:cNvSpPr>
+            <a:spLocks noGrp="1"/>
+          </p:cNvSpPr>
+          <p:nvPr>
+            <p:ph type="title"/>
+          </p:nvPr>
+        </p:nvSpPr>
+        <p:spPr>
+          <a:xfrm>
+            <a:off x="1" y="0"/>
+            <a:ext cx="12192000" cy="583973"/>
+          </a:xfrm>
+          <a:solidFill>
+            <a:schemeClr val="bg1">
+              <a:lumMod val="50000"/>
+            </a:schemeClr>
+          </a:solidFill>
+          <a:ln>
+            <a:noFill/>
+          </a:ln>
+        </p:spPr>
+        <p:style>
+          <a:lnRef idx="2">
+            <a:schemeClr val="accent3">
+              <a:shade val="50000"/>
+            </a:schemeClr>
+          </a:lnRef>
+          <a:fillRef idx="1">
+            <a:schemeClr val="accent3"/>
+          </a:fillRef>
+          <a:effectRef idx="0">
+            <a:schemeClr val="accent3"/>
+          </a:effectRef>
+          <a:fontRef idx="minor">
+            <a:schemeClr val="lt1"/>
+          </a:fontRef>
+        </p:style>
+        <p:txBody>
+          <a:bodyPr>
+            <a:normAutofit fontScale="90000"/>
+          </a:bodyPr>
+          <a:lstStyle/>
+          <a:p>
+            <a:pPr algn="ctr"/>
+            <a:r>
+              <a:rPr lang="en-US" sz="3600" dirty="0"/>
+              <a:t>Example 2-1 : Using Functions</a:t>
+            </a:r>
+          </a:p>
+        </p:txBody>
+      </p:sp>
+    </p:spTree>
+    <p:extLst>
+      <p:ext uri="{BB962C8B-B14F-4D97-AF65-F5344CB8AC3E}">
+        <p14:creationId xmlns:p14="http://schemas.microsoft.com/office/powerpoint/2010/main" val="2623913557"/>
+      </p:ext>
+    </p:extLst>
+  </p:cSld>
+  <p:clrMapOvr>
+    <a:masterClrMapping/>
+  </p:clrMapOvr>
+</p:sld>
+</file>
+
+<file path=ppt/slides/slide19.xml><?xml version="1.0" encoding="utf-8"?>
+<p:sld xmlns:a="http://schemas.openxmlformats.org/drawingml/2006/main" xmlns:r="http://schemas.openxmlformats.org/officeDocument/2006/relationships" xmlns:p="http://schemas.openxmlformats.org/presentationml/2006/main">
+  <p:cSld>
+    <p:spTree>
+      <p:nvGrpSpPr>
+        <p:cNvPr id="1" name=""/>
+        <p:cNvGrpSpPr/>
+        <p:nvPr/>
+      </p:nvGrpSpPr>
+      <p:grpSpPr>
+        <a:xfrm>
+          <a:off x="0" y="0"/>
+          <a:ext cx="0" cy="0"/>
+          <a:chOff x="0" y="0"/>
+          <a:chExt cx="0" cy="0"/>
+        </a:xfrm>
+      </p:grpSpPr>
+      <p:sp>
+        <p:nvSpPr>
+          <p:cNvPr id="2" name="Title 1"/>
+          <p:cNvSpPr>
+            <a:spLocks noGrp="1"/>
+          </p:cNvSpPr>
+          <p:nvPr>
+            <p:ph type="title"/>
+          </p:nvPr>
+        </p:nvSpPr>
+        <p:spPr/>
+        <p:txBody>
+          <a:bodyPr/>
+          <a:lstStyle/>
+          <a:p>
+            <a:r>
+              <a:rPr lang="en-US" dirty="0"/>
+              <a:t>Declaring a function</a:t>
+            </a:r>
+          </a:p>
+        </p:txBody>
+      </p:sp>
+      <p:sp>
+        <p:nvSpPr>
+          <p:cNvPr id="3" name="Content Placeholder 2"/>
+          <p:cNvSpPr>
+            <a:spLocks noGrp="1"/>
+          </p:cNvSpPr>
+          <p:nvPr>
+            <p:ph idx="1"/>
+          </p:nvPr>
+        </p:nvSpPr>
+        <p:spPr/>
+        <p:txBody>
+          <a:bodyPr/>
+          <a:lstStyle/>
+          <a:p>
+            <a:r>
+              <a:rPr lang="en-US" dirty="0"/>
+              <a:t>Functions are created, or </a:t>
+            </a:r>
+            <a:r>
+              <a:rPr lang="en-US" b="1" dirty="0"/>
+              <a:t>declared</a:t>
+            </a:r>
+            <a:r>
+              <a:rPr lang="en-US" dirty="0"/>
+              <a:t>, with the </a:t>
+            </a:r>
+            <a:r>
+              <a:rPr lang="en-US" sz="2400" dirty="0">
+                <a:solidFill>
+                  <a:srgbClr val="0070C0"/>
+                </a:solidFill>
+                <a:latin typeface="Consolas" panose="020B0609020204030204" pitchFamily="49" charset="0"/>
+              </a:rPr>
+              <a:t>function</a:t>
+            </a:r>
+            <a:r>
+              <a:rPr lang="en-US" dirty="0"/>
+              <a:t> keyword</a:t>
+            </a:r>
+          </a:p>
+          <a:p>
+            <a:r>
+              <a:rPr lang="en-US" dirty="0"/>
+              <a:t>Code for the function is contained in braces </a:t>
+            </a:r>
+            <a:r>
+              <a:rPr lang="en-US" sz="2400" dirty="0">
+                <a:latin typeface="Consolas" panose="020B0609020204030204" pitchFamily="49" charset="0"/>
+              </a:rPr>
+              <a:t>{}</a:t>
+            </a:r>
+          </a:p>
+          <a:p>
+            <a:r>
+              <a:rPr lang="en-US" dirty="0"/>
+              <a:t>Function declarations can go (almost) anywhere</a:t>
+            </a:r>
+          </a:p>
+          <a:p>
+            <a:pPr lvl="1"/>
+            <a:r>
+              <a:rPr lang="en-US" dirty="0"/>
+              <a:t>Don’t put them inside anything or you will probably break things</a:t>
+            </a:r>
+          </a:p>
+          <a:p>
+            <a:r>
+              <a:rPr lang="en-US" dirty="0"/>
+              <a:t>Any code can go inside a function</a:t>
+            </a:r>
+          </a:p>
+        </p:txBody>
+      </p:sp>
+    </p:spTree>
+    <p:extLst>
+      <p:ext uri="{BB962C8B-B14F-4D97-AF65-F5344CB8AC3E}">
+        <p14:creationId xmlns:p14="http://schemas.microsoft.com/office/powerpoint/2010/main" val="1320041415"/>
+      </p:ext>
+    </p:extLst>
+  </p:cSld>
+  <p:clrMapOvr>
+    <a:masterClrMapping/>
+  </p:clrMapOvr>
+</p:sld>
+</file>
+
 <file path=ppt/slides/slide2.xml><?xml version="1.0" encoding="utf-8"?>
 <p:sld xmlns:a="http://schemas.openxmlformats.org/drawingml/2006/main" xmlns:r="http://schemas.openxmlformats.org/officeDocument/2006/relationships" xmlns:p="http://schemas.openxmlformats.org/presentationml/2006/main">
   <p:cSld>
@@ -5160,6 +6134,2863 @@
     <p:extLst>
       <p:ext uri="{BB962C8B-B14F-4D97-AF65-F5344CB8AC3E}">
         <p14:creationId xmlns:p14="http://schemas.microsoft.com/office/powerpoint/2010/main" val="1928176109"/>
+      </p:ext>
+    </p:extLst>
+  </p:cSld>
+  <p:clrMapOvr>
+    <a:masterClrMapping/>
+  </p:clrMapOvr>
+</p:sld>
+</file>
+
+<file path=ppt/slides/slide20.xml><?xml version="1.0" encoding="utf-8"?>
+<p:sld xmlns:a="http://schemas.openxmlformats.org/drawingml/2006/main" xmlns:r="http://schemas.openxmlformats.org/officeDocument/2006/relationships" xmlns:p="http://schemas.openxmlformats.org/presentationml/2006/main">
+  <p:cSld>
+    <p:spTree>
+      <p:nvGrpSpPr>
+        <p:cNvPr id="1" name=""/>
+        <p:cNvGrpSpPr/>
+        <p:nvPr/>
+      </p:nvGrpSpPr>
+      <p:grpSpPr>
+        <a:xfrm>
+          <a:off x="0" y="0"/>
+          <a:ext cx="0" cy="0"/>
+          <a:chOff x="0" y="0"/>
+          <a:chExt cx="0" cy="0"/>
+        </a:xfrm>
+      </p:grpSpPr>
+      <p:sp>
+        <p:nvSpPr>
+          <p:cNvPr id="5" name="TextBox 4"/>
+          <p:cNvSpPr txBox="1"/>
+          <p:nvPr/>
+        </p:nvSpPr>
+        <p:spPr>
+          <a:xfrm>
+            <a:off x="0" y="583973"/>
+            <a:ext cx="935489" cy="6370975"/>
+          </a:xfrm>
+          <a:prstGeom prst="rect">
+            <a:avLst/>
+          </a:prstGeom>
+          <a:solidFill>
+            <a:schemeClr val="bg1">
+              <a:lumMod val="85000"/>
+            </a:schemeClr>
+          </a:solidFill>
+        </p:spPr>
+        <p:txBody>
+          <a:bodyPr wrap="square" rtlCol="0" anchor="ctr">
+            <a:spAutoFit/>
+          </a:bodyPr>
+          <a:lstStyle/>
+          <a:p>
+            <a:pPr algn="r"/>
+            <a:r>
+              <a:rPr lang="en-US" sz="2400" dirty="0">
+                <a:solidFill>
+                  <a:schemeClr val="accent3">
+                    <a:lumMod val="50000"/>
+                  </a:schemeClr>
+                </a:solidFill>
+                <a:latin typeface="Consolas" panose="020B0609020204030204" pitchFamily="49" charset="0"/>
+              </a:rPr>
+              <a:t>1</a:t>
+            </a:r>
+          </a:p>
+          <a:p>
+            <a:pPr algn="r"/>
+            <a:r>
+              <a:rPr lang="en-US" sz="2400" dirty="0">
+                <a:solidFill>
+                  <a:schemeClr val="accent3">
+                    <a:lumMod val="50000"/>
+                  </a:schemeClr>
+                </a:solidFill>
+                <a:latin typeface="Consolas" panose="020B0609020204030204" pitchFamily="49" charset="0"/>
+              </a:rPr>
+              <a:t>2</a:t>
+            </a:r>
+          </a:p>
+          <a:p>
+            <a:pPr algn="r"/>
+            <a:r>
+              <a:rPr lang="en-US" sz="2400" dirty="0">
+                <a:solidFill>
+                  <a:schemeClr val="accent3">
+                    <a:lumMod val="50000"/>
+                  </a:schemeClr>
+                </a:solidFill>
+                <a:latin typeface="Consolas" panose="020B0609020204030204" pitchFamily="49" charset="0"/>
+              </a:rPr>
+              <a:t>3</a:t>
+            </a:r>
+          </a:p>
+          <a:p>
+            <a:pPr algn="r"/>
+            <a:r>
+              <a:rPr lang="en-US" sz="2400" dirty="0">
+                <a:solidFill>
+                  <a:schemeClr val="accent3">
+                    <a:lumMod val="50000"/>
+                  </a:schemeClr>
+                </a:solidFill>
+                <a:latin typeface="Consolas" panose="020B0609020204030204" pitchFamily="49" charset="0"/>
+              </a:rPr>
+              <a:t>4</a:t>
+            </a:r>
+          </a:p>
+          <a:p>
+            <a:pPr algn="r"/>
+            <a:r>
+              <a:rPr lang="en-US" sz="2400" dirty="0">
+                <a:solidFill>
+                  <a:schemeClr val="accent3">
+                    <a:lumMod val="50000"/>
+                  </a:schemeClr>
+                </a:solidFill>
+                <a:latin typeface="Consolas" panose="020B0609020204030204" pitchFamily="49" charset="0"/>
+              </a:rPr>
+              <a:t>5</a:t>
+            </a:r>
+          </a:p>
+          <a:p>
+            <a:pPr algn="r"/>
+            <a:r>
+              <a:rPr lang="en-US" sz="2400" dirty="0">
+                <a:solidFill>
+                  <a:schemeClr val="accent3">
+                    <a:lumMod val="50000"/>
+                  </a:schemeClr>
+                </a:solidFill>
+                <a:latin typeface="Consolas" panose="020B0609020204030204" pitchFamily="49" charset="0"/>
+              </a:rPr>
+              <a:t>6</a:t>
+            </a:r>
+          </a:p>
+          <a:p>
+            <a:pPr algn="r"/>
+            <a:r>
+              <a:rPr lang="en-US" sz="2400" dirty="0">
+                <a:solidFill>
+                  <a:schemeClr val="accent3">
+                    <a:lumMod val="50000"/>
+                  </a:schemeClr>
+                </a:solidFill>
+                <a:latin typeface="Consolas" panose="020B0609020204030204" pitchFamily="49" charset="0"/>
+              </a:rPr>
+              <a:t>7</a:t>
+            </a:r>
+          </a:p>
+          <a:p>
+            <a:pPr algn="r"/>
+            <a:r>
+              <a:rPr lang="en-US" sz="2400" dirty="0">
+                <a:solidFill>
+                  <a:schemeClr val="accent3">
+                    <a:lumMod val="50000"/>
+                  </a:schemeClr>
+                </a:solidFill>
+                <a:latin typeface="Consolas" panose="020B0609020204030204" pitchFamily="49" charset="0"/>
+              </a:rPr>
+              <a:t>8</a:t>
+            </a:r>
+          </a:p>
+          <a:p>
+            <a:pPr algn="r"/>
+            <a:r>
+              <a:rPr lang="en-US" sz="2400" dirty="0">
+                <a:solidFill>
+                  <a:schemeClr val="accent3">
+                    <a:lumMod val="50000"/>
+                  </a:schemeClr>
+                </a:solidFill>
+                <a:latin typeface="Consolas" panose="020B0609020204030204" pitchFamily="49" charset="0"/>
+              </a:rPr>
+              <a:t>9</a:t>
+            </a:r>
+          </a:p>
+          <a:p>
+            <a:pPr algn="r"/>
+            <a:r>
+              <a:rPr lang="en-US" sz="2400" dirty="0">
+                <a:solidFill>
+                  <a:schemeClr val="accent3">
+                    <a:lumMod val="50000"/>
+                  </a:schemeClr>
+                </a:solidFill>
+                <a:latin typeface="Consolas" panose="020B0609020204030204" pitchFamily="49" charset="0"/>
+              </a:rPr>
+              <a:t>10</a:t>
+            </a:r>
+          </a:p>
+          <a:p>
+            <a:pPr algn="r"/>
+            <a:r>
+              <a:rPr lang="en-US" sz="2400" dirty="0">
+                <a:solidFill>
+                  <a:schemeClr val="accent3">
+                    <a:lumMod val="50000"/>
+                  </a:schemeClr>
+                </a:solidFill>
+                <a:latin typeface="Consolas" panose="020B0609020204030204" pitchFamily="49" charset="0"/>
+              </a:rPr>
+              <a:t>11</a:t>
+            </a:r>
+          </a:p>
+          <a:p>
+            <a:pPr algn="r"/>
+            <a:r>
+              <a:rPr lang="en-US" sz="2400" dirty="0">
+                <a:solidFill>
+                  <a:schemeClr val="accent3">
+                    <a:lumMod val="50000"/>
+                  </a:schemeClr>
+                </a:solidFill>
+                <a:latin typeface="Consolas" panose="020B0609020204030204" pitchFamily="49" charset="0"/>
+              </a:rPr>
+              <a:t>12</a:t>
+            </a:r>
+          </a:p>
+          <a:p>
+            <a:pPr algn="r"/>
+            <a:r>
+              <a:rPr lang="en-US" sz="2400" dirty="0">
+                <a:solidFill>
+                  <a:schemeClr val="accent3">
+                    <a:lumMod val="50000"/>
+                  </a:schemeClr>
+                </a:solidFill>
+                <a:latin typeface="Consolas" panose="020B0609020204030204" pitchFamily="49" charset="0"/>
+              </a:rPr>
+              <a:t>13</a:t>
+            </a:r>
+          </a:p>
+          <a:p>
+            <a:pPr algn="r"/>
+            <a:r>
+              <a:rPr lang="en-US" sz="2400" dirty="0">
+                <a:solidFill>
+                  <a:schemeClr val="accent3">
+                    <a:lumMod val="50000"/>
+                  </a:schemeClr>
+                </a:solidFill>
+                <a:latin typeface="Consolas" panose="020B0609020204030204" pitchFamily="49" charset="0"/>
+              </a:rPr>
+              <a:t>14</a:t>
+            </a:r>
+          </a:p>
+          <a:p>
+            <a:pPr algn="r"/>
+            <a:r>
+              <a:rPr lang="en-US" sz="2400" dirty="0">
+                <a:solidFill>
+                  <a:schemeClr val="accent3">
+                    <a:lumMod val="50000"/>
+                  </a:schemeClr>
+                </a:solidFill>
+                <a:latin typeface="Consolas" panose="020B0609020204030204" pitchFamily="49" charset="0"/>
+              </a:rPr>
+              <a:t>15</a:t>
+            </a:r>
+          </a:p>
+          <a:p>
+            <a:pPr algn="r"/>
+            <a:r>
+              <a:rPr lang="en-US" sz="2400" dirty="0">
+                <a:solidFill>
+                  <a:schemeClr val="accent3">
+                    <a:lumMod val="50000"/>
+                  </a:schemeClr>
+                </a:solidFill>
+                <a:latin typeface="Consolas" panose="020B0609020204030204" pitchFamily="49" charset="0"/>
+              </a:rPr>
+              <a:t>16</a:t>
+            </a:r>
+          </a:p>
+          <a:p>
+            <a:pPr algn="r"/>
+            <a:endParaRPr lang="en-US" sz="2400" dirty="0">
+              <a:latin typeface="Consolas" panose="020B0609020204030204" pitchFamily="49" charset="0"/>
+            </a:endParaRPr>
+          </a:p>
+        </p:txBody>
+      </p:sp>
+      <p:sp>
+        <p:nvSpPr>
+          <p:cNvPr id="6" name="TextBox 5"/>
+          <p:cNvSpPr txBox="1"/>
+          <p:nvPr/>
+        </p:nvSpPr>
+        <p:spPr>
+          <a:xfrm>
+            <a:off x="935490" y="583973"/>
+            <a:ext cx="11256511" cy="3416320"/>
+          </a:xfrm>
+          <a:prstGeom prst="rect">
+            <a:avLst/>
+          </a:prstGeom>
+          <a:noFill/>
+        </p:spPr>
+        <p:txBody>
+          <a:bodyPr wrap="square" rtlCol="0">
+            <a:spAutoFit/>
+          </a:bodyPr>
+          <a:lstStyle/>
+          <a:p>
+            <a:pPr marL="0" indent="0">
+              <a:buNone/>
+            </a:pPr>
+            <a:r>
+              <a:rPr lang="en-US" sz="2400" dirty="0">
+                <a:solidFill>
+                  <a:srgbClr val="7030A0"/>
+                </a:solidFill>
+                <a:latin typeface="Consolas" panose="020B0609020204030204" pitchFamily="49" charset="0"/>
+              </a:rPr>
+              <a:t>&lt;?php</a:t>
+            </a:r>
+            <a:endParaRPr lang="en-US" sz="2400" dirty="0">
+              <a:latin typeface="Consolas" panose="020B0609020204030204" pitchFamily="49" charset="0"/>
+            </a:endParaRPr>
+          </a:p>
+          <a:p>
+            <a:pPr marL="0" indent="0">
+              <a:buNone/>
+            </a:pPr>
+            <a:endParaRPr lang="en-US" sz="2400" dirty="0">
+              <a:latin typeface="Consolas" panose="020B0609020204030204" pitchFamily="49" charset="0"/>
+            </a:endParaRPr>
+          </a:p>
+          <a:p>
+            <a:r>
+              <a:rPr lang="en-US" sz="2400" dirty="0">
+                <a:solidFill>
+                  <a:srgbClr val="0070C0"/>
+                </a:solidFill>
+                <a:latin typeface="Consolas" panose="020B0609020204030204" pitchFamily="49" charset="0"/>
+              </a:rPr>
+              <a:t>function</a:t>
+            </a:r>
+            <a:r>
+              <a:rPr lang="en-US" sz="2400" dirty="0">
+                <a:latin typeface="Consolas" panose="020B0609020204030204" pitchFamily="49" charset="0"/>
+              </a:rPr>
+              <a:t> foobar() {</a:t>
+            </a:r>
+          </a:p>
+          <a:p>
+            <a:endParaRPr lang="en-US" sz="2400" dirty="0">
+              <a:latin typeface="Consolas" panose="020B0609020204030204" pitchFamily="49" charset="0"/>
+            </a:endParaRPr>
+          </a:p>
+          <a:p>
+            <a:r>
+              <a:rPr lang="en-US" sz="2400" dirty="0">
+                <a:latin typeface="Consolas" panose="020B0609020204030204" pitchFamily="49" charset="0"/>
+              </a:rPr>
+              <a:t>    </a:t>
+            </a:r>
+            <a:r>
+              <a:rPr lang="en-US" sz="2400" dirty="0">
+                <a:solidFill>
+                  <a:srgbClr val="0070C0"/>
+                </a:solidFill>
+                <a:latin typeface="Consolas" panose="020B0609020204030204" pitchFamily="49" charset="0"/>
+              </a:rPr>
+              <a:t>echo</a:t>
+            </a:r>
+            <a:r>
+              <a:rPr lang="en-US" sz="2400" dirty="0">
+                <a:latin typeface="Consolas" panose="020B0609020204030204" pitchFamily="49" charset="0"/>
+              </a:rPr>
+              <a:t> </a:t>
+            </a:r>
+            <a:r>
+              <a:rPr lang="en-US" sz="2400" dirty="0">
+                <a:solidFill>
+                  <a:schemeClr val="accent2"/>
+                </a:solidFill>
+                <a:latin typeface="Consolas" panose="020B0609020204030204" pitchFamily="49" charset="0"/>
+              </a:rPr>
+              <a:t>"foobar"</a:t>
+            </a:r>
+            <a:r>
+              <a:rPr lang="en-US" sz="2400" dirty="0">
+                <a:latin typeface="Consolas" panose="020B0609020204030204" pitchFamily="49" charset="0"/>
+              </a:rPr>
+              <a:t>;</a:t>
+            </a:r>
+          </a:p>
+          <a:p>
+            <a:endParaRPr lang="en-US" sz="2400" dirty="0">
+              <a:latin typeface="Consolas" panose="020B0609020204030204" pitchFamily="49" charset="0"/>
+            </a:endParaRPr>
+          </a:p>
+          <a:p>
+            <a:r>
+              <a:rPr lang="en-US" sz="2400" dirty="0">
+                <a:latin typeface="Consolas" panose="020B0609020204030204" pitchFamily="49" charset="0"/>
+              </a:rPr>
+              <a:t>}</a:t>
+            </a:r>
+          </a:p>
+          <a:p>
+            <a:endParaRPr lang="en-US" sz="2400" dirty="0">
+              <a:latin typeface="Consolas" panose="020B0609020204030204" pitchFamily="49" charset="0"/>
+            </a:endParaRPr>
+          </a:p>
+          <a:p>
+            <a:r>
+              <a:rPr lang="en-US" sz="2400" dirty="0">
+                <a:latin typeface="Consolas" panose="020B0609020204030204" pitchFamily="49" charset="0"/>
+              </a:rPr>
+              <a:t>foobar();</a:t>
+            </a:r>
+          </a:p>
+        </p:txBody>
+      </p:sp>
+      <p:sp>
+        <p:nvSpPr>
+          <p:cNvPr id="2" name="Title 1"/>
+          <p:cNvSpPr>
+            <a:spLocks noGrp="1"/>
+          </p:cNvSpPr>
+          <p:nvPr>
+            <p:ph type="title"/>
+          </p:nvPr>
+        </p:nvSpPr>
+        <p:spPr>
+          <a:xfrm>
+            <a:off x="1" y="0"/>
+            <a:ext cx="12192000" cy="583973"/>
+          </a:xfrm>
+          <a:solidFill>
+            <a:schemeClr val="bg1">
+              <a:lumMod val="50000"/>
+            </a:schemeClr>
+          </a:solidFill>
+          <a:ln>
+            <a:noFill/>
+          </a:ln>
+        </p:spPr>
+        <p:style>
+          <a:lnRef idx="2">
+            <a:schemeClr val="accent3">
+              <a:shade val="50000"/>
+            </a:schemeClr>
+          </a:lnRef>
+          <a:fillRef idx="1">
+            <a:schemeClr val="accent3"/>
+          </a:fillRef>
+          <a:effectRef idx="0">
+            <a:schemeClr val="accent3"/>
+          </a:effectRef>
+          <a:fontRef idx="minor">
+            <a:schemeClr val="lt1"/>
+          </a:fontRef>
+        </p:style>
+        <p:txBody>
+          <a:bodyPr>
+            <a:normAutofit fontScale="90000"/>
+          </a:bodyPr>
+          <a:lstStyle/>
+          <a:p>
+            <a:pPr algn="ctr"/>
+            <a:r>
+              <a:rPr lang="en-US" sz="3600" dirty="0"/>
+              <a:t>Example 2-2 : Declaring Functions</a:t>
+            </a:r>
+          </a:p>
+        </p:txBody>
+      </p:sp>
+    </p:spTree>
+    <p:extLst>
+      <p:ext uri="{BB962C8B-B14F-4D97-AF65-F5344CB8AC3E}">
+        <p14:creationId xmlns:p14="http://schemas.microsoft.com/office/powerpoint/2010/main" val="655476403"/>
+      </p:ext>
+    </p:extLst>
+  </p:cSld>
+  <p:clrMapOvr>
+    <a:masterClrMapping/>
+  </p:clrMapOvr>
+</p:sld>
+</file>
+
+<file path=ppt/slides/slide21.xml><?xml version="1.0" encoding="utf-8"?>
+<p:sld xmlns:a="http://schemas.openxmlformats.org/drawingml/2006/main" xmlns:r="http://schemas.openxmlformats.org/officeDocument/2006/relationships" xmlns:p="http://schemas.openxmlformats.org/presentationml/2006/main">
+  <p:cSld>
+    <p:spTree>
+      <p:nvGrpSpPr>
+        <p:cNvPr id="1" name=""/>
+        <p:cNvGrpSpPr/>
+        <p:nvPr/>
+      </p:nvGrpSpPr>
+      <p:grpSpPr>
+        <a:xfrm>
+          <a:off x="0" y="0"/>
+          <a:ext cx="0" cy="0"/>
+          <a:chOff x="0" y="0"/>
+          <a:chExt cx="0" cy="0"/>
+        </a:xfrm>
+      </p:grpSpPr>
+      <p:sp>
+        <p:nvSpPr>
+          <p:cNvPr id="2" name="Title 1"/>
+          <p:cNvSpPr>
+            <a:spLocks noGrp="1"/>
+          </p:cNvSpPr>
+          <p:nvPr>
+            <p:ph type="title"/>
+          </p:nvPr>
+        </p:nvSpPr>
+        <p:spPr/>
+        <p:txBody>
+          <a:bodyPr/>
+          <a:lstStyle/>
+          <a:p>
+            <a:r>
+              <a:rPr lang="en-US" dirty="0"/>
+              <a:t>Arguments and return values</a:t>
+            </a:r>
+          </a:p>
+        </p:txBody>
+      </p:sp>
+      <p:sp>
+        <p:nvSpPr>
+          <p:cNvPr id="3" name="Content Placeholder 2"/>
+          <p:cNvSpPr>
+            <a:spLocks noGrp="1"/>
+          </p:cNvSpPr>
+          <p:nvPr>
+            <p:ph idx="1"/>
+          </p:nvPr>
+        </p:nvSpPr>
+        <p:spPr/>
+        <p:txBody>
+          <a:bodyPr/>
+          <a:lstStyle/>
+          <a:p>
+            <a:r>
+              <a:rPr lang="en-US" dirty="0"/>
+              <a:t>Arguments are given to your function through variables</a:t>
+            </a:r>
+          </a:p>
+          <a:p>
+            <a:r>
+              <a:rPr lang="en-US" dirty="0"/>
+              <a:t>Names for the arguments go in the parentheses in the declaration</a:t>
+            </a:r>
+          </a:p>
+          <a:p>
+            <a:r>
+              <a:rPr lang="en-US" dirty="0"/>
+              <a:t>Values are returned using the </a:t>
+            </a:r>
+            <a:r>
+              <a:rPr lang="en-US" sz="2400" dirty="0">
+                <a:solidFill>
+                  <a:srgbClr val="0070C0"/>
+                </a:solidFill>
+                <a:latin typeface="Consolas" panose="020B0609020204030204" pitchFamily="49" charset="0"/>
+              </a:rPr>
+              <a:t>return</a:t>
+            </a:r>
+            <a:r>
+              <a:rPr lang="en-US" dirty="0"/>
+              <a:t> keyword</a:t>
+            </a:r>
+          </a:p>
+          <a:p>
+            <a:r>
+              <a:rPr lang="en-US" sz="2400" dirty="0">
+                <a:solidFill>
+                  <a:srgbClr val="0070C0"/>
+                </a:solidFill>
+                <a:latin typeface="Consolas" panose="020B0609020204030204" pitchFamily="49" charset="0"/>
+              </a:rPr>
+              <a:t>return</a:t>
+            </a:r>
+            <a:r>
+              <a:rPr lang="en-US" dirty="0"/>
+              <a:t> is used like </a:t>
+            </a:r>
+            <a:r>
+              <a:rPr lang="en-US" sz="2400" dirty="0">
+                <a:solidFill>
+                  <a:srgbClr val="0070C0"/>
+                </a:solidFill>
+                <a:latin typeface="Consolas" panose="020B0609020204030204" pitchFamily="49" charset="0"/>
+              </a:rPr>
+              <a:t>echo</a:t>
+            </a:r>
+          </a:p>
+          <a:p>
+            <a:r>
+              <a:rPr lang="en-US" dirty="0"/>
+              <a:t>Code after the </a:t>
+            </a:r>
+            <a:r>
+              <a:rPr lang="en-US" sz="2400" dirty="0">
+                <a:solidFill>
+                  <a:srgbClr val="0070C0"/>
+                </a:solidFill>
+                <a:latin typeface="Consolas" panose="020B0609020204030204" pitchFamily="49" charset="0"/>
+              </a:rPr>
+              <a:t>return</a:t>
+            </a:r>
+            <a:r>
+              <a:rPr lang="en-US" dirty="0"/>
+              <a:t> statement is not run</a:t>
+            </a:r>
+          </a:p>
+        </p:txBody>
+      </p:sp>
+    </p:spTree>
+    <p:extLst>
+      <p:ext uri="{BB962C8B-B14F-4D97-AF65-F5344CB8AC3E}">
+        <p14:creationId xmlns:p14="http://schemas.microsoft.com/office/powerpoint/2010/main" val="1713286341"/>
+      </p:ext>
+    </p:extLst>
+  </p:cSld>
+  <p:clrMapOvr>
+    <a:masterClrMapping/>
+  </p:clrMapOvr>
+</p:sld>
+</file>
+
+<file path=ppt/slides/slide22.xml><?xml version="1.0" encoding="utf-8"?>
+<p:sld xmlns:a="http://schemas.openxmlformats.org/drawingml/2006/main" xmlns:r="http://schemas.openxmlformats.org/officeDocument/2006/relationships" xmlns:p="http://schemas.openxmlformats.org/presentationml/2006/main">
+  <p:cSld>
+    <p:spTree>
+      <p:nvGrpSpPr>
+        <p:cNvPr id="1" name=""/>
+        <p:cNvGrpSpPr/>
+        <p:nvPr/>
+      </p:nvGrpSpPr>
+      <p:grpSpPr>
+        <a:xfrm>
+          <a:off x="0" y="0"/>
+          <a:ext cx="0" cy="0"/>
+          <a:chOff x="0" y="0"/>
+          <a:chExt cx="0" cy="0"/>
+        </a:xfrm>
+      </p:grpSpPr>
+      <p:sp>
+        <p:nvSpPr>
+          <p:cNvPr id="5" name="TextBox 4"/>
+          <p:cNvSpPr txBox="1"/>
+          <p:nvPr/>
+        </p:nvSpPr>
+        <p:spPr>
+          <a:xfrm>
+            <a:off x="0" y="583973"/>
+            <a:ext cx="935489" cy="6370975"/>
+          </a:xfrm>
+          <a:prstGeom prst="rect">
+            <a:avLst/>
+          </a:prstGeom>
+          <a:solidFill>
+            <a:schemeClr val="bg1">
+              <a:lumMod val="85000"/>
+            </a:schemeClr>
+          </a:solidFill>
+        </p:spPr>
+        <p:txBody>
+          <a:bodyPr wrap="square" rtlCol="0" anchor="ctr">
+            <a:spAutoFit/>
+          </a:bodyPr>
+          <a:lstStyle/>
+          <a:p>
+            <a:pPr algn="r"/>
+            <a:r>
+              <a:rPr lang="en-US" sz="2400" dirty="0">
+                <a:solidFill>
+                  <a:schemeClr val="accent3">
+                    <a:lumMod val="50000"/>
+                  </a:schemeClr>
+                </a:solidFill>
+                <a:latin typeface="Consolas" panose="020B0609020204030204" pitchFamily="49" charset="0"/>
+              </a:rPr>
+              <a:t>1</a:t>
+            </a:r>
+          </a:p>
+          <a:p>
+            <a:pPr algn="r"/>
+            <a:r>
+              <a:rPr lang="en-US" sz="2400" dirty="0">
+                <a:solidFill>
+                  <a:schemeClr val="accent3">
+                    <a:lumMod val="50000"/>
+                  </a:schemeClr>
+                </a:solidFill>
+                <a:latin typeface="Consolas" panose="020B0609020204030204" pitchFamily="49" charset="0"/>
+              </a:rPr>
+              <a:t>2</a:t>
+            </a:r>
+          </a:p>
+          <a:p>
+            <a:pPr algn="r"/>
+            <a:r>
+              <a:rPr lang="en-US" sz="2400" dirty="0">
+                <a:solidFill>
+                  <a:schemeClr val="accent3">
+                    <a:lumMod val="50000"/>
+                  </a:schemeClr>
+                </a:solidFill>
+                <a:latin typeface="Consolas" panose="020B0609020204030204" pitchFamily="49" charset="0"/>
+              </a:rPr>
+              <a:t>3</a:t>
+            </a:r>
+          </a:p>
+          <a:p>
+            <a:pPr algn="r"/>
+            <a:r>
+              <a:rPr lang="en-US" sz="2400" dirty="0">
+                <a:solidFill>
+                  <a:schemeClr val="accent3">
+                    <a:lumMod val="50000"/>
+                  </a:schemeClr>
+                </a:solidFill>
+                <a:latin typeface="Consolas" panose="020B0609020204030204" pitchFamily="49" charset="0"/>
+              </a:rPr>
+              <a:t>4</a:t>
+            </a:r>
+          </a:p>
+          <a:p>
+            <a:pPr algn="r"/>
+            <a:r>
+              <a:rPr lang="en-US" sz="2400" dirty="0">
+                <a:solidFill>
+                  <a:schemeClr val="accent3">
+                    <a:lumMod val="50000"/>
+                  </a:schemeClr>
+                </a:solidFill>
+                <a:latin typeface="Consolas" panose="020B0609020204030204" pitchFamily="49" charset="0"/>
+              </a:rPr>
+              <a:t>5</a:t>
+            </a:r>
+          </a:p>
+          <a:p>
+            <a:pPr algn="r"/>
+            <a:r>
+              <a:rPr lang="en-US" sz="2400" dirty="0">
+                <a:solidFill>
+                  <a:schemeClr val="accent3">
+                    <a:lumMod val="50000"/>
+                  </a:schemeClr>
+                </a:solidFill>
+                <a:latin typeface="Consolas" panose="020B0609020204030204" pitchFamily="49" charset="0"/>
+              </a:rPr>
+              <a:t>6</a:t>
+            </a:r>
+          </a:p>
+          <a:p>
+            <a:pPr algn="r"/>
+            <a:r>
+              <a:rPr lang="en-US" sz="2400" dirty="0">
+                <a:solidFill>
+                  <a:schemeClr val="accent3">
+                    <a:lumMod val="50000"/>
+                  </a:schemeClr>
+                </a:solidFill>
+                <a:latin typeface="Consolas" panose="020B0609020204030204" pitchFamily="49" charset="0"/>
+              </a:rPr>
+              <a:t>7</a:t>
+            </a:r>
+          </a:p>
+          <a:p>
+            <a:pPr algn="r"/>
+            <a:r>
+              <a:rPr lang="en-US" sz="2400" dirty="0">
+                <a:solidFill>
+                  <a:schemeClr val="accent3">
+                    <a:lumMod val="50000"/>
+                  </a:schemeClr>
+                </a:solidFill>
+                <a:latin typeface="Consolas" panose="020B0609020204030204" pitchFamily="49" charset="0"/>
+              </a:rPr>
+              <a:t>8</a:t>
+            </a:r>
+          </a:p>
+          <a:p>
+            <a:pPr algn="r"/>
+            <a:r>
+              <a:rPr lang="en-US" sz="2400" dirty="0">
+                <a:solidFill>
+                  <a:schemeClr val="accent3">
+                    <a:lumMod val="50000"/>
+                  </a:schemeClr>
+                </a:solidFill>
+                <a:latin typeface="Consolas" panose="020B0609020204030204" pitchFamily="49" charset="0"/>
+              </a:rPr>
+              <a:t>9</a:t>
+            </a:r>
+          </a:p>
+          <a:p>
+            <a:pPr algn="r"/>
+            <a:r>
+              <a:rPr lang="en-US" sz="2400" dirty="0">
+                <a:solidFill>
+                  <a:schemeClr val="accent3">
+                    <a:lumMod val="50000"/>
+                  </a:schemeClr>
+                </a:solidFill>
+                <a:latin typeface="Consolas" panose="020B0609020204030204" pitchFamily="49" charset="0"/>
+              </a:rPr>
+              <a:t>10</a:t>
+            </a:r>
+          </a:p>
+          <a:p>
+            <a:pPr algn="r"/>
+            <a:r>
+              <a:rPr lang="en-US" sz="2400" dirty="0">
+                <a:solidFill>
+                  <a:schemeClr val="accent3">
+                    <a:lumMod val="50000"/>
+                  </a:schemeClr>
+                </a:solidFill>
+                <a:latin typeface="Consolas" panose="020B0609020204030204" pitchFamily="49" charset="0"/>
+              </a:rPr>
+              <a:t>11</a:t>
+            </a:r>
+          </a:p>
+          <a:p>
+            <a:pPr algn="r"/>
+            <a:r>
+              <a:rPr lang="en-US" sz="2400" dirty="0">
+                <a:solidFill>
+                  <a:schemeClr val="accent3">
+                    <a:lumMod val="50000"/>
+                  </a:schemeClr>
+                </a:solidFill>
+                <a:latin typeface="Consolas" panose="020B0609020204030204" pitchFamily="49" charset="0"/>
+              </a:rPr>
+              <a:t>12</a:t>
+            </a:r>
+          </a:p>
+          <a:p>
+            <a:pPr algn="r"/>
+            <a:r>
+              <a:rPr lang="en-US" sz="2400" dirty="0">
+                <a:solidFill>
+                  <a:schemeClr val="accent3">
+                    <a:lumMod val="50000"/>
+                  </a:schemeClr>
+                </a:solidFill>
+                <a:latin typeface="Consolas" panose="020B0609020204030204" pitchFamily="49" charset="0"/>
+              </a:rPr>
+              <a:t>13</a:t>
+            </a:r>
+          </a:p>
+          <a:p>
+            <a:pPr algn="r"/>
+            <a:r>
+              <a:rPr lang="en-US" sz="2400" dirty="0">
+                <a:solidFill>
+                  <a:schemeClr val="accent3">
+                    <a:lumMod val="50000"/>
+                  </a:schemeClr>
+                </a:solidFill>
+                <a:latin typeface="Consolas" panose="020B0609020204030204" pitchFamily="49" charset="0"/>
+              </a:rPr>
+              <a:t>14</a:t>
+            </a:r>
+          </a:p>
+          <a:p>
+            <a:pPr algn="r"/>
+            <a:r>
+              <a:rPr lang="en-US" sz="2400" dirty="0">
+                <a:solidFill>
+                  <a:schemeClr val="accent3">
+                    <a:lumMod val="50000"/>
+                  </a:schemeClr>
+                </a:solidFill>
+                <a:latin typeface="Consolas" panose="020B0609020204030204" pitchFamily="49" charset="0"/>
+              </a:rPr>
+              <a:t>15</a:t>
+            </a:r>
+          </a:p>
+          <a:p>
+            <a:pPr algn="r"/>
+            <a:r>
+              <a:rPr lang="en-US" sz="2400" dirty="0">
+                <a:solidFill>
+                  <a:schemeClr val="accent3">
+                    <a:lumMod val="50000"/>
+                  </a:schemeClr>
+                </a:solidFill>
+                <a:latin typeface="Consolas" panose="020B0609020204030204" pitchFamily="49" charset="0"/>
+              </a:rPr>
+              <a:t>16</a:t>
+            </a:r>
+          </a:p>
+          <a:p>
+            <a:pPr algn="r"/>
+            <a:endParaRPr lang="en-US" sz="2400" dirty="0">
+              <a:latin typeface="Consolas" panose="020B0609020204030204" pitchFamily="49" charset="0"/>
+            </a:endParaRPr>
+          </a:p>
+        </p:txBody>
+      </p:sp>
+      <p:sp>
+        <p:nvSpPr>
+          <p:cNvPr id="6" name="TextBox 5"/>
+          <p:cNvSpPr txBox="1"/>
+          <p:nvPr/>
+        </p:nvSpPr>
+        <p:spPr>
+          <a:xfrm>
+            <a:off x="935490" y="583973"/>
+            <a:ext cx="11256511" cy="3416320"/>
+          </a:xfrm>
+          <a:prstGeom prst="rect">
+            <a:avLst/>
+          </a:prstGeom>
+          <a:noFill/>
+        </p:spPr>
+        <p:txBody>
+          <a:bodyPr wrap="square" rtlCol="0">
+            <a:spAutoFit/>
+          </a:bodyPr>
+          <a:lstStyle/>
+          <a:p>
+            <a:pPr marL="0" indent="0">
+              <a:buNone/>
+            </a:pPr>
+            <a:r>
+              <a:rPr lang="en-US" sz="2400" dirty="0">
+                <a:solidFill>
+                  <a:srgbClr val="7030A0"/>
+                </a:solidFill>
+                <a:latin typeface="Consolas" panose="020B0609020204030204" pitchFamily="49" charset="0"/>
+              </a:rPr>
+              <a:t>&lt;?php</a:t>
+            </a:r>
+            <a:endParaRPr lang="en-US" sz="2400" dirty="0">
+              <a:latin typeface="Consolas" panose="020B0609020204030204" pitchFamily="49" charset="0"/>
+            </a:endParaRPr>
+          </a:p>
+          <a:p>
+            <a:pPr marL="0" indent="0">
+              <a:buNone/>
+            </a:pPr>
+            <a:endParaRPr lang="en-US" sz="2400" dirty="0">
+              <a:latin typeface="Consolas" panose="020B0609020204030204" pitchFamily="49" charset="0"/>
+            </a:endParaRPr>
+          </a:p>
+          <a:p>
+            <a:r>
+              <a:rPr lang="en-US" sz="2400" dirty="0">
+                <a:solidFill>
+                  <a:srgbClr val="0070C0"/>
+                </a:solidFill>
+                <a:latin typeface="Consolas" panose="020B0609020204030204" pitchFamily="49" charset="0"/>
+              </a:rPr>
+              <a:t>function</a:t>
+            </a:r>
+            <a:r>
+              <a:rPr lang="en-US" sz="2400" dirty="0">
+                <a:latin typeface="Consolas" panose="020B0609020204030204" pitchFamily="49" charset="0"/>
+              </a:rPr>
+              <a:t> </a:t>
+            </a:r>
+            <a:r>
+              <a:rPr lang="en-US" sz="2400" dirty="0" err="1">
+                <a:latin typeface="Consolas" panose="020B0609020204030204" pitchFamily="49" charset="0"/>
+              </a:rPr>
+              <a:t>addthree</a:t>
+            </a:r>
+            <a:r>
+              <a:rPr lang="en-US" sz="2400" dirty="0">
+                <a:latin typeface="Consolas" panose="020B0609020204030204" pitchFamily="49" charset="0"/>
+              </a:rPr>
+              <a:t>($num1, $num2, $num3) {</a:t>
+            </a:r>
+          </a:p>
+          <a:p>
+            <a:endParaRPr lang="en-US" sz="2400" dirty="0">
+              <a:latin typeface="Consolas" panose="020B0609020204030204" pitchFamily="49" charset="0"/>
+            </a:endParaRPr>
+          </a:p>
+          <a:p>
+            <a:r>
+              <a:rPr lang="en-US" sz="2400" dirty="0">
+                <a:latin typeface="Consolas" panose="020B0609020204030204" pitchFamily="49" charset="0"/>
+              </a:rPr>
+              <a:t>    </a:t>
+            </a:r>
+            <a:r>
+              <a:rPr lang="en-US" sz="2400" dirty="0">
+                <a:solidFill>
+                  <a:srgbClr val="0070C0"/>
+                </a:solidFill>
+                <a:latin typeface="Consolas" panose="020B0609020204030204" pitchFamily="49" charset="0"/>
+              </a:rPr>
+              <a:t>return</a:t>
+            </a:r>
+            <a:r>
+              <a:rPr lang="en-US" sz="2400" dirty="0">
+                <a:latin typeface="Consolas" panose="020B0609020204030204" pitchFamily="49" charset="0"/>
+              </a:rPr>
+              <a:t> $num1 + $num2 + $num3;</a:t>
+            </a:r>
+          </a:p>
+          <a:p>
+            <a:endParaRPr lang="en-US" sz="2400" dirty="0">
+              <a:latin typeface="Consolas" panose="020B0609020204030204" pitchFamily="49" charset="0"/>
+            </a:endParaRPr>
+          </a:p>
+          <a:p>
+            <a:r>
+              <a:rPr lang="en-US" sz="2400" dirty="0">
+                <a:latin typeface="Consolas" panose="020B0609020204030204" pitchFamily="49" charset="0"/>
+              </a:rPr>
+              <a:t>}</a:t>
+            </a:r>
+          </a:p>
+          <a:p>
+            <a:endParaRPr lang="en-US" sz="2400" dirty="0">
+              <a:latin typeface="Consolas" panose="020B0609020204030204" pitchFamily="49" charset="0"/>
+            </a:endParaRPr>
+          </a:p>
+          <a:p>
+            <a:r>
+              <a:rPr lang="en-US" sz="2400" dirty="0">
+                <a:solidFill>
+                  <a:srgbClr val="0070C0"/>
+                </a:solidFill>
+                <a:latin typeface="Consolas" panose="020B0609020204030204" pitchFamily="49" charset="0"/>
+              </a:rPr>
+              <a:t>echo</a:t>
+            </a:r>
+            <a:r>
+              <a:rPr lang="en-US" sz="2400" dirty="0">
+                <a:latin typeface="Consolas" panose="020B0609020204030204" pitchFamily="49" charset="0"/>
+              </a:rPr>
+              <a:t> </a:t>
+            </a:r>
+            <a:r>
+              <a:rPr lang="en-US" sz="2400" dirty="0" err="1">
+                <a:latin typeface="Consolas" panose="020B0609020204030204" pitchFamily="49" charset="0"/>
+              </a:rPr>
+              <a:t>addthree</a:t>
+            </a:r>
+            <a:r>
+              <a:rPr lang="en-US" sz="2400" dirty="0">
+                <a:latin typeface="Consolas" panose="020B0609020204030204" pitchFamily="49" charset="0"/>
+              </a:rPr>
+              <a:t>(</a:t>
+            </a:r>
+            <a:r>
+              <a:rPr lang="en-US" sz="2400" dirty="0">
+                <a:solidFill>
+                  <a:srgbClr val="C00000"/>
+                </a:solidFill>
+                <a:latin typeface="Consolas" panose="020B0609020204030204" pitchFamily="49" charset="0"/>
+              </a:rPr>
+              <a:t>2</a:t>
+            </a:r>
+            <a:r>
+              <a:rPr lang="en-US" sz="2400" dirty="0">
+                <a:latin typeface="Consolas" panose="020B0609020204030204" pitchFamily="49" charset="0"/>
+              </a:rPr>
+              <a:t>, </a:t>
+            </a:r>
+            <a:r>
+              <a:rPr lang="en-US" sz="2400" dirty="0">
+                <a:solidFill>
+                  <a:srgbClr val="C00000"/>
+                </a:solidFill>
+                <a:latin typeface="Consolas" panose="020B0609020204030204" pitchFamily="49" charset="0"/>
+              </a:rPr>
+              <a:t>4</a:t>
+            </a:r>
+            <a:r>
+              <a:rPr lang="en-US" sz="2400" dirty="0">
+                <a:latin typeface="Consolas" panose="020B0609020204030204" pitchFamily="49" charset="0"/>
+              </a:rPr>
+              <a:t>, </a:t>
+            </a:r>
+            <a:r>
+              <a:rPr lang="en-US" sz="2400" dirty="0">
+                <a:solidFill>
+                  <a:srgbClr val="C00000"/>
+                </a:solidFill>
+                <a:latin typeface="Consolas" panose="020B0609020204030204" pitchFamily="49" charset="0"/>
+              </a:rPr>
+              <a:t>6</a:t>
+            </a:r>
+            <a:r>
+              <a:rPr lang="en-US" sz="2400" dirty="0">
+                <a:latin typeface="Consolas" panose="020B0609020204030204" pitchFamily="49" charset="0"/>
+              </a:rPr>
+              <a:t>);</a:t>
+            </a:r>
+          </a:p>
+        </p:txBody>
+      </p:sp>
+      <p:sp>
+        <p:nvSpPr>
+          <p:cNvPr id="2" name="Title 1"/>
+          <p:cNvSpPr>
+            <a:spLocks noGrp="1"/>
+          </p:cNvSpPr>
+          <p:nvPr>
+            <p:ph type="title"/>
+          </p:nvPr>
+        </p:nvSpPr>
+        <p:spPr>
+          <a:xfrm>
+            <a:off x="1" y="0"/>
+            <a:ext cx="12192000" cy="583973"/>
+          </a:xfrm>
+          <a:solidFill>
+            <a:schemeClr val="bg1">
+              <a:lumMod val="50000"/>
+            </a:schemeClr>
+          </a:solidFill>
+          <a:ln>
+            <a:noFill/>
+          </a:ln>
+        </p:spPr>
+        <p:style>
+          <a:lnRef idx="2">
+            <a:schemeClr val="accent3">
+              <a:shade val="50000"/>
+            </a:schemeClr>
+          </a:lnRef>
+          <a:fillRef idx="1">
+            <a:schemeClr val="accent3"/>
+          </a:fillRef>
+          <a:effectRef idx="0">
+            <a:schemeClr val="accent3"/>
+          </a:effectRef>
+          <a:fontRef idx="minor">
+            <a:schemeClr val="lt1"/>
+          </a:fontRef>
+        </p:style>
+        <p:txBody>
+          <a:bodyPr>
+            <a:normAutofit fontScale="90000"/>
+          </a:bodyPr>
+          <a:lstStyle/>
+          <a:p>
+            <a:pPr algn="ctr"/>
+            <a:r>
+              <a:rPr lang="en-US" sz="3600" dirty="0"/>
+              <a:t>Example 2-3 : Arguments and Return Values</a:t>
+            </a:r>
+          </a:p>
+        </p:txBody>
+      </p:sp>
+    </p:spTree>
+    <p:extLst>
+      <p:ext uri="{BB962C8B-B14F-4D97-AF65-F5344CB8AC3E}">
+        <p14:creationId xmlns:p14="http://schemas.microsoft.com/office/powerpoint/2010/main" val="1971012813"/>
+      </p:ext>
+    </p:extLst>
+  </p:cSld>
+  <p:clrMapOvr>
+    <a:masterClrMapping/>
+  </p:clrMapOvr>
+</p:sld>
+</file>
+
+<file path=ppt/slides/slide23.xml><?xml version="1.0" encoding="utf-8"?>
+<p:sld xmlns:a="http://schemas.openxmlformats.org/drawingml/2006/main" xmlns:r="http://schemas.openxmlformats.org/officeDocument/2006/relationships" xmlns:p="http://schemas.openxmlformats.org/presentationml/2006/main">
+  <p:cSld>
+    <p:spTree>
+      <p:nvGrpSpPr>
+        <p:cNvPr id="1" name=""/>
+        <p:cNvGrpSpPr/>
+        <p:nvPr/>
+      </p:nvGrpSpPr>
+      <p:grpSpPr>
+        <a:xfrm>
+          <a:off x="0" y="0"/>
+          <a:ext cx="0" cy="0"/>
+          <a:chOff x="0" y="0"/>
+          <a:chExt cx="0" cy="0"/>
+        </a:xfrm>
+      </p:grpSpPr>
+      <p:sp>
+        <p:nvSpPr>
+          <p:cNvPr id="2" name="Title 1"/>
+          <p:cNvSpPr>
+            <a:spLocks noGrp="1"/>
+          </p:cNvSpPr>
+          <p:nvPr>
+            <p:ph type="title"/>
+          </p:nvPr>
+        </p:nvSpPr>
+        <p:spPr>
+          <a:xfrm>
+            <a:off x="831850" y="3622902"/>
+            <a:ext cx="10515600" cy="939573"/>
+          </a:xfrm>
+        </p:spPr>
+        <p:txBody>
+          <a:bodyPr/>
+          <a:lstStyle/>
+          <a:p>
+            <a:r>
+              <a:rPr lang="en-US" dirty="0"/>
+              <a:t>Arrays</a:t>
+            </a:r>
+          </a:p>
+        </p:txBody>
+      </p:sp>
+      <p:sp>
+        <p:nvSpPr>
+          <p:cNvPr id="3" name="Content Placeholder 2"/>
+          <p:cNvSpPr>
+            <a:spLocks noGrp="1"/>
+          </p:cNvSpPr>
+          <p:nvPr>
+            <p:ph type="body" idx="1"/>
+          </p:nvPr>
+        </p:nvSpPr>
+        <p:spPr>
+          <a:xfrm>
+            <a:off x="831850" y="3143704"/>
+            <a:ext cx="10515600" cy="479198"/>
+          </a:xfrm>
+        </p:spPr>
+        <p:txBody>
+          <a:bodyPr anchor="b"/>
+          <a:lstStyle/>
+          <a:p>
+            <a:r>
+              <a:rPr lang="en-US" dirty="0"/>
+              <a:t>Lesson 3</a:t>
+            </a:r>
+          </a:p>
+        </p:txBody>
+      </p:sp>
+    </p:spTree>
+    <p:extLst>
+      <p:ext uri="{BB962C8B-B14F-4D97-AF65-F5344CB8AC3E}">
+        <p14:creationId xmlns:p14="http://schemas.microsoft.com/office/powerpoint/2010/main" val="2923851807"/>
+      </p:ext>
+    </p:extLst>
+  </p:cSld>
+  <p:clrMapOvr>
+    <a:masterClrMapping/>
+  </p:clrMapOvr>
+</p:sld>
+</file>
+
+<file path=ppt/slides/slide24.xml><?xml version="1.0" encoding="utf-8"?>
+<p:sld xmlns:a="http://schemas.openxmlformats.org/drawingml/2006/main" xmlns:r="http://schemas.openxmlformats.org/officeDocument/2006/relationships" xmlns:p="http://schemas.openxmlformats.org/presentationml/2006/main">
+  <p:cSld>
+    <p:spTree>
+      <p:nvGrpSpPr>
+        <p:cNvPr id="1" name=""/>
+        <p:cNvGrpSpPr/>
+        <p:nvPr/>
+      </p:nvGrpSpPr>
+      <p:grpSpPr>
+        <a:xfrm>
+          <a:off x="0" y="0"/>
+          <a:ext cx="0" cy="0"/>
+          <a:chOff x="0" y="0"/>
+          <a:chExt cx="0" cy="0"/>
+        </a:xfrm>
+      </p:grpSpPr>
+      <p:sp>
+        <p:nvSpPr>
+          <p:cNvPr id="2" name="Title 1"/>
+          <p:cNvSpPr>
+            <a:spLocks noGrp="1"/>
+          </p:cNvSpPr>
+          <p:nvPr>
+            <p:ph type="title"/>
+          </p:nvPr>
+        </p:nvSpPr>
+        <p:spPr/>
+        <p:txBody>
+          <a:bodyPr/>
+          <a:lstStyle/>
+          <a:p>
+            <a:r>
+              <a:rPr lang="en-US" dirty="0"/>
+              <a:t>What is an array?</a:t>
+            </a:r>
+          </a:p>
+        </p:txBody>
+      </p:sp>
+      <p:sp>
+        <p:nvSpPr>
+          <p:cNvPr id="3" name="Text Placeholder 2"/>
+          <p:cNvSpPr>
+            <a:spLocks noGrp="1"/>
+          </p:cNvSpPr>
+          <p:nvPr>
+            <p:ph idx="1"/>
+          </p:nvPr>
+        </p:nvSpPr>
+        <p:spPr/>
+        <p:txBody>
+          <a:bodyPr/>
+          <a:lstStyle/>
+          <a:p>
+            <a:r>
+              <a:rPr lang="en-US" dirty="0"/>
+              <a:t>An array is a list of variables within a variable</a:t>
+            </a:r>
+          </a:p>
+          <a:p>
+            <a:r>
+              <a:rPr lang="en-US" b="1" dirty="0"/>
+              <a:t>Elements</a:t>
+            </a:r>
+            <a:r>
+              <a:rPr lang="en-US" dirty="0"/>
+              <a:t> (variables) in an array can be anything, even another array</a:t>
+            </a:r>
+            <a:endParaRPr lang="en-US" b="1" dirty="0"/>
+          </a:p>
+          <a:p>
+            <a:r>
+              <a:rPr lang="en-US" dirty="0"/>
+              <a:t>Each element</a:t>
+            </a:r>
+            <a:r>
+              <a:rPr lang="en-US" b="1" dirty="0"/>
+              <a:t> </a:t>
+            </a:r>
+            <a:r>
+              <a:rPr lang="en-US" dirty="0"/>
+              <a:t>in an array has a </a:t>
+            </a:r>
+            <a:r>
+              <a:rPr lang="en-US" b="1" dirty="0"/>
+              <a:t>key </a:t>
+            </a:r>
+            <a:r>
+              <a:rPr lang="en-US" dirty="0"/>
+              <a:t>(name) and a value</a:t>
+            </a:r>
+          </a:p>
+          <a:p>
+            <a:r>
+              <a:rPr lang="en-US" dirty="0"/>
+              <a:t>Keys can be integers or strings</a:t>
+            </a:r>
+          </a:p>
+        </p:txBody>
+      </p:sp>
+    </p:spTree>
+    <p:extLst>
+      <p:ext uri="{BB962C8B-B14F-4D97-AF65-F5344CB8AC3E}">
+        <p14:creationId xmlns:p14="http://schemas.microsoft.com/office/powerpoint/2010/main" val="1107590639"/>
+      </p:ext>
+    </p:extLst>
+  </p:cSld>
+  <p:clrMapOvr>
+    <a:masterClrMapping/>
+  </p:clrMapOvr>
+</p:sld>
+</file>
+
+<file path=ppt/slides/slide25.xml><?xml version="1.0" encoding="utf-8"?>
+<p:sld xmlns:a="http://schemas.openxmlformats.org/drawingml/2006/main" xmlns:r="http://schemas.openxmlformats.org/officeDocument/2006/relationships" xmlns:p="http://schemas.openxmlformats.org/presentationml/2006/main">
+  <p:cSld>
+    <p:spTree>
+      <p:nvGrpSpPr>
+        <p:cNvPr id="1" name=""/>
+        <p:cNvGrpSpPr/>
+        <p:nvPr/>
+      </p:nvGrpSpPr>
+      <p:grpSpPr>
+        <a:xfrm>
+          <a:off x="0" y="0"/>
+          <a:ext cx="0" cy="0"/>
+          <a:chOff x="0" y="0"/>
+          <a:chExt cx="0" cy="0"/>
+        </a:xfrm>
+      </p:grpSpPr>
+      <p:sp>
+        <p:nvSpPr>
+          <p:cNvPr id="2" name="Title 1"/>
+          <p:cNvSpPr>
+            <a:spLocks noGrp="1"/>
+          </p:cNvSpPr>
+          <p:nvPr>
+            <p:ph type="title"/>
+          </p:nvPr>
+        </p:nvSpPr>
+        <p:spPr/>
+        <p:txBody>
+          <a:bodyPr/>
+          <a:lstStyle/>
+          <a:p>
+            <a:r>
+              <a:rPr lang="en-US" dirty="0"/>
+              <a:t>Creating arrays</a:t>
+            </a:r>
+          </a:p>
+        </p:txBody>
+      </p:sp>
+      <p:sp>
+        <p:nvSpPr>
+          <p:cNvPr id="3" name="Content Placeholder 2"/>
+          <p:cNvSpPr>
+            <a:spLocks noGrp="1"/>
+          </p:cNvSpPr>
+          <p:nvPr>
+            <p:ph idx="1"/>
+          </p:nvPr>
+        </p:nvSpPr>
+        <p:spPr/>
+        <p:txBody>
+          <a:bodyPr/>
+          <a:lstStyle/>
+          <a:p>
+            <a:r>
+              <a:rPr lang="en-US" dirty="0"/>
+              <a:t>Arrays are created using brackets</a:t>
+            </a:r>
+          </a:p>
+          <a:p>
+            <a:r>
+              <a:rPr lang="en-US" dirty="0"/>
+              <a:t>Elements can be listed inside the brackets</a:t>
+            </a:r>
+          </a:p>
+          <a:p>
+            <a:r>
+              <a:rPr lang="en-US" dirty="0"/>
+              <a:t>Elements follow the format </a:t>
+            </a:r>
+            <a:r>
+              <a:rPr lang="en-US" sz="2400" dirty="0">
+                <a:latin typeface="Consolas" panose="020B0609020204030204" pitchFamily="49" charset="0"/>
+              </a:rPr>
+              <a:t>key =&gt; value,</a:t>
+            </a:r>
+          </a:p>
+          <a:p>
+            <a:r>
+              <a:rPr lang="en-US" dirty="0"/>
+              <a:t>Arrays can be stored to a variable using =</a:t>
+            </a:r>
+          </a:p>
+          <a:p>
+            <a:r>
+              <a:rPr lang="en-US" dirty="0"/>
+              <a:t>Elements are accessed by putting the key in brackets: </a:t>
+            </a:r>
+            <a:r>
+              <a:rPr lang="en-US" sz="2400" dirty="0">
+                <a:latin typeface="Consolas" panose="020B0609020204030204" pitchFamily="49" charset="0"/>
+              </a:rPr>
+              <a:t>[]</a:t>
+            </a:r>
+          </a:p>
+        </p:txBody>
+      </p:sp>
+    </p:spTree>
+    <p:extLst>
+      <p:ext uri="{BB962C8B-B14F-4D97-AF65-F5344CB8AC3E}">
+        <p14:creationId xmlns:p14="http://schemas.microsoft.com/office/powerpoint/2010/main" val="1172790237"/>
+      </p:ext>
+    </p:extLst>
+  </p:cSld>
+  <p:clrMapOvr>
+    <a:masterClrMapping/>
+  </p:clrMapOvr>
+</p:sld>
+</file>
+
+<file path=ppt/slides/slide26.xml><?xml version="1.0" encoding="utf-8"?>
+<p:sld xmlns:a="http://schemas.openxmlformats.org/drawingml/2006/main" xmlns:r="http://schemas.openxmlformats.org/officeDocument/2006/relationships" xmlns:p="http://schemas.openxmlformats.org/presentationml/2006/main">
+  <p:cSld>
+    <p:spTree>
+      <p:nvGrpSpPr>
+        <p:cNvPr id="1" name=""/>
+        <p:cNvGrpSpPr/>
+        <p:nvPr/>
+      </p:nvGrpSpPr>
+      <p:grpSpPr>
+        <a:xfrm>
+          <a:off x="0" y="0"/>
+          <a:ext cx="0" cy="0"/>
+          <a:chOff x="0" y="0"/>
+          <a:chExt cx="0" cy="0"/>
+        </a:xfrm>
+      </p:grpSpPr>
+      <p:sp>
+        <p:nvSpPr>
+          <p:cNvPr id="5" name="TextBox 4"/>
+          <p:cNvSpPr txBox="1"/>
+          <p:nvPr/>
+        </p:nvSpPr>
+        <p:spPr>
+          <a:xfrm>
+            <a:off x="0" y="583973"/>
+            <a:ext cx="935489" cy="6370975"/>
+          </a:xfrm>
+          <a:prstGeom prst="rect">
+            <a:avLst/>
+          </a:prstGeom>
+          <a:solidFill>
+            <a:schemeClr val="bg1">
+              <a:lumMod val="85000"/>
+            </a:schemeClr>
+          </a:solidFill>
+        </p:spPr>
+        <p:txBody>
+          <a:bodyPr wrap="square" rtlCol="0" anchor="ctr">
+            <a:spAutoFit/>
+          </a:bodyPr>
+          <a:lstStyle/>
+          <a:p>
+            <a:pPr algn="r"/>
+            <a:r>
+              <a:rPr lang="en-US" sz="2400" dirty="0">
+                <a:solidFill>
+                  <a:schemeClr val="accent3">
+                    <a:lumMod val="50000"/>
+                  </a:schemeClr>
+                </a:solidFill>
+                <a:latin typeface="Consolas" panose="020B0609020204030204" pitchFamily="49" charset="0"/>
+              </a:rPr>
+              <a:t>1</a:t>
+            </a:r>
+          </a:p>
+          <a:p>
+            <a:pPr algn="r"/>
+            <a:r>
+              <a:rPr lang="en-US" sz="2400" dirty="0">
+                <a:solidFill>
+                  <a:schemeClr val="accent3">
+                    <a:lumMod val="50000"/>
+                  </a:schemeClr>
+                </a:solidFill>
+                <a:latin typeface="Consolas" panose="020B0609020204030204" pitchFamily="49" charset="0"/>
+              </a:rPr>
+              <a:t>2</a:t>
+            </a:r>
+          </a:p>
+          <a:p>
+            <a:pPr algn="r"/>
+            <a:r>
+              <a:rPr lang="en-US" sz="2400" dirty="0">
+                <a:solidFill>
+                  <a:schemeClr val="accent3">
+                    <a:lumMod val="50000"/>
+                  </a:schemeClr>
+                </a:solidFill>
+                <a:latin typeface="Consolas" panose="020B0609020204030204" pitchFamily="49" charset="0"/>
+              </a:rPr>
+              <a:t>3</a:t>
+            </a:r>
+          </a:p>
+          <a:p>
+            <a:pPr algn="r"/>
+            <a:r>
+              <a:rPr lang="en-US" sz="2400" dirty="0">
+                <a:solidFill>
+                  <a:schemeClr val="accent3">
+                    <a:lumMod val="50000"/>
+                  </a:schemeClr>
+                </a:solidFill>
+                <a:latin typeface="Consolas" panose="020B0609020204030204" pitchFamily="49" charset="0"/>
+              </a:rPr>
+              <a:t>4</a:t>
+            </a:r>
+          </a:p>
+          <a:p>
+            <a:pPr algn="r"/>
+            <a:r>
+              <a:rPr lang="en-US" sz="2400" dirty="0">
+                <a:solidFill>
+                  <a:schemeClr val="accent3">
+                    <a:lumMod val="50000"/>
+                  </a:schemeClr>
+                </a:solidFill>
+                <a:latin typeface="Consolas" panose="020B0609020204030204" pitchFamily="49" charset="0"/>
+              </a:rPr>
+              <a:t>5</a:t>
+            </a:r>
+          </a:p>
+          <a:p>
+            <a:pPr algn="r"/>
+            <a:r>
+              <a:rPr lang="en-US" sz="2400" dirty="0">
+                <a:solidFill>
+                  <a:schemeClr val="accent3">
+                    <a:lumMod val="50000"/>
+                  </a:schemeClr>
+                </a:solidFill>
+                <a:latin typeface="Consolas" panose="020B0609020204030204" pitchFamily="49" charset="0"/>
+              </a:rPr>
+              <a:t>6</a:t>
+            </a:r>
+          </a:p>
+          <a:p>
+            <a:pPr algn="r"/>
+            <a:r>
+              <a:rPr lang="en-US" sz="2400" dirty="0">
+                <a:solidFill>
+                  <a:schemeClr val="accent3">
+                    <a:lumMod val="50000"/>
+                  </a:schemeClr>
+                </a:solidFill>
+                <a:latin typeface="Consolas" panose="020B0609020204030204" pitchFamily="49" charset="0"/>
+              </a:rPr>
+              <a:t>7</a:t>
+            </a:r>
+          </a:p>
+          <a:p>
+            <a:pPr algn="r"/>
+            <a:r>
+              <a:rPr lang="en-US" sz="2400" dirty="0">
+                <a:solidFill>
+                  <a:schemeClr val="accent3">
+                    <a:lumMod val="50000"/>
+                  </a:schemeClr>
+                </a:solidFill>
+                <a:latin typeface="Consolas" panose="020B0609020204030204" pitchFamily="49" charset="0"/>
+              </a:rPr>
+              <a:t>8</a:t>
+            </a:r>
+          </a:p>
+          <a:p>
+            <a:pPr algn="r"/>
+            <a:r>
+              <a:rPr lang="en-US" sz="2400" dirty="0">
+                <a:solidFill>
+                  <a:schemeClr val="accent3">
+                    <a:lumMod val="50000"/>
+                  </a:schemeClr>
+                </a:solidFill>
+                <a:latin typeface="Consolas" panose="020B0609020204030204" pitchFamily="49" charset="0"/>
+              </a:rPr>
+              <a:t>9</a:t>
+            </a:r>
+          </a:p>
+          <a:p>
+            <a:pPr algn="r"/>
+            <a:r>
+              <a:rPr lang="en-US" sz="2400" dirty="0">
+                <a:solidFill>
+                  <a:schemeClr val="accent3">
+                    <a:lumMod val="50000"/>
+                  </a:schemeClr>
+                </a:solidFill>
+                <a:latin typeface="Consolas" panose="020B0609020204030204" pitchFamily="49" charset="0"/>
+              </a:rPr>
+              <a:t>10</a:t>
+            </a:r>
+          </a:p>
+          <a:p>
+            <a:pPr algn="r"/>
+            <a:r>
+              <a:rPr lang="en-US" sz="2400" dirty="0">
+                <a:solidFill>
+                  <a:schemeClr val="accent3">
+                    <a:lumMod val="50000"/>
+                  </a:schemeClr>
+                </a:solidFill>
+                <a:latin typeface="Consolas" panose="020B0609020204030204" pitchFamily="49" charset="0"/>
+              </a:rPr>
+              <a:t>11</a:t>
+            </a:r>
+          </a:p>
+          <a:p>
+            <a:pPr algn="r"/>
+            <a:r>
+              <a:rPr lang="en-US" sz="2400" dirty="0">
+                <a:solidFill>
+                  <a:schemeClr val="accent3">
+                    <a:lumMod val="50000"/>
+                  </a:schemeClr>
+                </a:solidFill>
+                <a:latin typeface="Consolas" panose="020B0609020204030204" pitchFamily="49" charset="0"/>
+              </a:rPr>
+              <a:t>12</a:t>
+            </a:r>
+          </a:p>
+          <a:p>
+            <a:pPr algn="r"/>
+            <a:r>
+              <a:rPr lang="en-US" sz="2400" dirty="0">
+                <a:solidFill>
+                  <a:schemeClr val="accent3">
+                    <a:lumMod val="50000"/>
+                  </a:schemeClr>
+                </a:solidFill>
+                <a:latin typeface="Consolas" panose="020B0609020204030204" pitchFamily="49" charset="0"/>
+              </a:rPr>
+              <a:t>13</a:t>
+            </a:r>
+          </a:p>
+          <a:p>
+            <a:pPr algn="r"/>
+            <a:r>
+              <a:rPr lang="en-US" sz="2400" dirty="0">
+                <a:solidFill>
+                  <a:schemeClr val="accent3">
+                    <a:lumMod val="50000"/>
+                  </a:schemeClr>
+                </a:solidFill>
+                <a:latin typeface="Consolas" panose="020B0609020204030204" pitchFamily="49" charset="0"/>
+              </a:rPr>
+              <a:t>14</a:t>
+            </a:r>
+          </a:p>
+          <a:p>
+            <a:pPr algn="r"/>
+            <a:r>
+              <a:rPr lang="en-US" sz="2400" dirty="0">
+                <a:solidFill>
+                  <a:schemeClr val="accent3">
+                    <a:lumMod val="50000"/>
+                  </a:schemeClr>
+                </a:solidFill>
+                <a:latin typeface="Consolas" panose="020B0609020204030204" pitchFamily="49" charset="0"/>
+              </a:rPr>
+              <a:t>15</a:t>
+            </a:r>
+          </a:p>
+          <a:p>
+            <a:pPr algn="r"/>
+            <a:r>
+              <a:rPr lang="en-US" sz="2400" dirty="0">
+                <a:solidFill>
+                  <a:schemeClr val="accent3">
+                    <a:lumMod val="50000"/>
+                  </a:schemeClr>
+                </a:solidFill>
+                <a:latin typeface="Consolas" panose="020B0609020204030204" pitchFamily="49" charset="0"/>
+              </a:rPr>
+              <a:t>16</a:t>
+            </a:r>
+          </a:p>
+          <a:p>
+            <a:pPr algn="r"/>
+            <a:endParaRPr lang="en-US" sz="2400" dirty="0">
+              <a:latin typeface="Consolas" panose="020B0609020204030204" pitchFamily="49" charset="0"/>
+            </a:endParaRPr>
+          </a:p>
+        </p:txBody>
+      </p:sp>
+      <p:sp>
+        <p:nvSpPr>
+          <p:cNvPr id="6" name="TextBox 5"/>
+          <p:cNvSpPr txBox="1"/>
+          <p:nvPr/>
+        </p:nvSpPr>
+        <p:spPr>
+          <a:xfrm>
+            <a:off x="935490" y="583973"/>
+            <a:ext cx="11256511" cy="4154984"/>
+          </a:xfrm>
+          <a:prstGeom prst="rect">
+            <a:avLst/>
+          </a:prstGeom>
+          <a:noFill/>
+        </p:spPr>
+        <p:txBody>
+          <a:bodyPr wrap="square" rtlCol="0">
+            <a:spAutoFit/>
+          </a:bodyPr>
+          <a:lstStyle/>
+          <a:p>
+            <a:pPr marL="0" indent="0">
+              <a:buNone/>
+            </a:pPr>
+            <a:r>
+              <a:rPr lang="en-US" sz="2400" dirty="0">
+                <a:solidFill>
+                  <a:srgbClr val="7030A0"/>
+                </a:solidFill>
+                <a:latin typeface="Consolas" panose="020B0609020204030204" pitchFamily="49" charset="0"/>
+              </a:rPr>
+              <a:t>&lt;?php</a:t>
+            </a:r>
+            <a:endParaRPr lang="en-US" sz="2400" dirty="0">
+              <a:latin typeface="Consolas" panose="020B0609020204030204" pitchFamily="49" charset="0"/>
+            </a:endParaRPr>
+          </a:p>
+          <a:p>
+            <a:pPr marL="0" indent="0">
+              <a:buNone/>
+            </a:pPr>
+            <a:endParaRPr lang="en-US" sz="2400" dirty="0">
+              <a:latin typeface="Consolas" panose="020B0609020204030204" pitchFamily="49" charset="0"/>
+            </a:endParaRPr>
+          </a:p>
+          <a:p>
+            <a:r>
+              <a:rPr lang="en-US" sz="2400" dirty="0">
+                <a:latin typeface="Consolas" panose="020B0609020204030204" pitchFamily="49" charset="0"/>
+              </a:rPr>
+              <a:t>$array = [</a:t>
+            </a:r>
+          </a:p>
+          <a:p>
+            <a:r>
+              <a:rPr lang="en-US" sz="2400" dirty="0">
+                <a:latin typeface="Consolas" panose="020B0609020204030204" pitchFamily="49" charset="0"/>
+              </a:rPr>
+              <a:t>    </a:t>
+            </a:r>
+            <a:r>
+              <a:rPr lang="en-US" sz="2400" dirty="0">
+                <a:solidFill>
+                  <a:srgbClr val="C00000"/>
+                </a:solidFill>
+                <a:latin typeface="Consolas" panose="020B0609020204030204" pitchFamily="49" charset="0"/>
+              </a:rPr>
+              <a:t>1</a:t>
+            </a:r>
+            <a:r>
+              <a:rPr lang="en-US" sz="2400" dirty="0">
+                <a:latin typeface="Consolas" panose="020B0609020204030204" pitchFamily="49" charset="0"/>
+              </a:rPr>
+              <a:t> =&gt; </a:t>
+            </a:r>
+            <a:r>
+              <a:rPr lang="en-US" sz="2400" dirty="0">
+                <a:solidFill>
+                  <a:schemeClr val="accent2"/>
+                </a:solidFill>
+                <a:latin typeface="Consolas" panose="020B0609020204030204" pitchFamily="49" charset="0"/>
+              </a:rPr>
+              <a:t>"foo"</a:t>
+            </a:r>
+            <a:r>
+              <a:rPr lang="en-US" sz="2400" dirty="0">
+                <a:latin typeface="Consolas" panose="020B0609020204030204" pitchFamily="49" charset="0"/>
+              </a:rPr>
+              <a:t>,</a:t>
+            </a:r>
+          </a:p>
+          <a:p>
+            <a:r>
+              <a:rPr lang="en-US" sz="2400" dirty="0">
+                <a:latin typeface="Consolas" panose="020B0609020204030204" pitchFamily="49" charset="0"/>
+              </a:rPr>
+              <a:t>    </a:t>
+            </a:r>
+            <a:r>
+              <a:rPr lang="en-US" sz="2400" dirty="0">
+                <a:solidFill>
+                  <a:srgbClr val="C00000"/>
+                </a:solidFill>
+                <a:latin typeface="Consolas" panose="020B0609020204030204" pitchFamily="49" charset="0"/>
+              </a:rPr>
+              <a:t>2</a:t>
+            </a:r>
+            <a:r>
+              <a:rPr lang="en-US" sz="2400" dirty="0">
+                <a:latin typeface="Consolas" panose="020B0609020204030204" pitchFamily="49" charset="0"/>
+              </a:rPr>
+              <a:t> =&gt; </a:t>
+            </a:r>
+            <a:r>
+              <a:rPr lang="en-US" sz="2400" dirty="0">
+                <a:solidFill>
+                  <a:schemeClr val="accent2"/>
+                </a:solidFill>
+                <a:latin typeface="Consolas" panose="020B0609020204030204" pitchFamily="49" charset="0"/>
+              </a:rPr>
+              <a:t>"bar"</a:t>
+            </a:r>
+            <a:r>
+              <a:rPr lang="en-US" sz="2400" dirty="0">
+                <a:latin typeface="Consolas" panose="020B0609020204030204" pitchFamily="49" charset="0"/>
+              </a:rPr>
+              <a:t>,</a:t>
+            </a:r>
+          </a:p>
+          <a:p>
+            <a:r>
+              <a:rPr lang="en-US" sz="2400" dirty="0">
+                <a:latin typeface="Consolas" panose="020B0609020204030204" pitchFamily="49" charset="0"/>
+              </a:rPr>
+              <a:t>    </a:t>
+            </a:r>
+            <a:r>
+              <a:rPr lang="en-US" sz="2400" dirty="0">
+                <a:solidFill>
+                  <a:schemeClr val="accent2"/>
+                </a:solidFill>
+                <a:latin typeface="Consolas" panose="020B0609020204030204" pitchFamily="49" charset="0"/>
+              </a:rPr>
+              <a:t>"foobar" </a:t>
+            </a:r>
+            <a:r>
+              <a:rPr lang="en-US" sz="2400" dirty="0">
+                <a:latin typeface="Consolas" panose="020B0609020204030204" pitchFamily="49" charset="0"/>
+              </a:rPr>
+              <a:t>=&gt; </a:t>
+            </a:r>
+            <a:r>
+              <a:rPr lang="en-US" sz="2400" dirty="0">
+                <a:solidFill>
+                  <a:srgbClr val="C00000"/>
+                </a:solidFill>
+                <a:latin typeface="Consolas" panose="020B0609020204030204" pitchFamily="49" charset="0"/>
+              </a:rPr>
+              <a:t>10</a:t>
+            </a:r>
+            <a:r>
+              <a:rPr lang="en-US" sz="2400" dirty="0">
+                <a:latin typeface="Consolas" panose="020B0609020204030204" pitchFamily="49" charset="0"/>
+              </a:rPr>
+              <a:t>,</a:t>
+            </a:r>
+          </a:p>
+          <a:p>
+            <a:r>
+              <a:rPr lang="en-US" sz="2400" dirty="0">
+                <a:latin typeface="Consolas" panose="020B0609020204030204" pitchFamily="49" charset="0"/>
+              </a:rPr>
+              <a:t>];</a:t>
+            </a:r>
+          </a:p>
+          <a:p>
+            <a:endParaRPr lang="en-US" sz="2400" dirty="0">
+              <a:latin typeface="Consolas" panose="020B0609020204030204" pitchFamily="49" charset="0"/>
+            </a:endParaRPr>
+          </a:p>
+          <a:p>
+            <a:r>
+              <a:rPr lang="en-US" sz="2400" dirty="0">
+                <a:solidFill>
+                  <a:srgbClr val="0070C0"/>
+                </a:solidFill>
+                <a:latin typeface="Consolas" panose="020B0609020204030204" pitchFamily="49" charset="0"/>
+              </a:rPr>
+              <a:t>echo</a:t>
+            </a:r>
+            <a:r>
+              <a:rPr lang="en-US" sz="2400" dirty="0">
+                <a:latin typeface="Consolas" panose="020B0609020204030204" pitchFamily="49" charset="0"/>
+              </a:rPr>
+              <a:t> $array[</a:t>
+            </a:r>
+            <a:r>
+              <a:rPr lang="en-US" sz="2400" dirty="0">
+                <a:solidFill>
+                  <a:srgbClr val="C00000"/>
+                </a:solidFill>
+                <a:latin typeface="Consolas" panose="020B0609020204030204" pitchFamily="49" charset="0"/>
+              </a:rPr>
+              <a:t>2</a:t>
+            </a:r>
+            <a:r>
+              <a:rPr lang="en-US" sz="2400" dirty="0">
+                <a:latin typeface="Consolas" panose="020B0609020204030204" pitchFamily="49" charset="0"/>
+              </a:rPr>
+              <a:t>];</a:t>
+            </a:r>
+          </a:p>
+          <a:p>
+            <a:endParaRPr lang="en-US" sz="2400" dirty="0">
+              <a:solidFill>
+                <a:srgbClr val="0070C0"/>
+              </a:solidFill>
+              <a:latin typeface="Consolas" panose="020B0609020204030204" pitchFamily="49" charset="0"/>
+            </a:endParaRPr>
+          </a:p>
+          <a:p>
+            <a:r>
+              <a:rPr lang="en-US" sz="2400" dirty="0" err="1">
+                <a:latin typeface="Consolas" panose="020B0609020204030204" pitchFamily="49" charset="0"/>
+              </a:rPr>
+              <a:t>var_dump</a:t>
+            </a:r>
+            <a:r>
+              <a:rPr lang="en-US" sz="2400" dirty="0">
+                <a:latin typeface="Consolas" panose="020B0609020204030204" pitchFamily="49" charset="0"/>
+              </a:rPr>
+              <a:t>($array);</a:t>
+            </a:r>
+          </a:p>
+        </p:txBody>
+      </p:sp>
+      <p:sp>
+        <p:nvSpPr>
+          <p:cNvPr id="2" name="Title 1"/>
+          <p:cNvSpPr>
+            <a:spLocks noGrp="1"/>
+          </p:cNvSpPr>
+          <p:nvPr>
+            <p:ph type="title"/>
+          </p:nvPr>
+        </p:nvSpPr>
+        <p:spPr>
+          <a:xfrm>
+            <a:off x="1" y="0"/>
+            <a:ext cx="12192000" cy="583973"/>
+          </a:xfrm>
+          <a:solidFill>
+            <a:schemeClr val="bg1">
+              <a:lumMod val="50000"/>
+            </a:schemeClr>
+          </a:solidFill>
+          <a:ln>
+            <a:noFill/>
+          </a:ln>
+        </p:spPr>
+        <p:style>
+          <a:lnRef idx="2">
+            <a:schemeClr val="accent3">
+              <a:shade val="50000"/>
+            </a:schemeClr>
+          </a:lnRef>
+          <a:fillRef idx="1">
+            <a:schemeClr val="accent3"/>
+          </a:fillRef>
+          <a:effectRef idx="0">
+            <a:schemeClr val="accent3"/>
+          </a:effectRef>
+          <a:fontRef idx="minor">
+            <a:schemeClr val="lt1"/>
+          </a:fontRef>
+        </p:style>
+        <p:txBody>
+          <a:bodyPr>
+            <a:normAutofit fontScale="90000"/>
+          </a:bodyPr>
+          <a:lstStyle/>
+          <a:p>
+            <a:pPr algn="ctr"/>
+            <a:r>
+              <a:rPr lang="en-US" sz="3600" dirty="0"/>
+              <a:t>Example 3-1 : Basic Arrays</a:t>
+            </a:r>
+          </a:p>
+        </p:txBody>
+      </p:sp>
+    </p:spTree>
+    <p:extLst>
+      <p:ext uri="{BB962C8B-B14F-4D97-AF65-F5344CB8AC3E}">
+        <p14:creationId xmlns:p14="http://schemas.microsoft.com/office/powerpoint/2010/main" val="685522219"/>
+      </p:ext>
+    </p:extLst>
+  </p:cSld>
+  <p:clrMapOvr>
+    <a:masterClrMapping/>
+  </p:clrMapOvr>
+</p:sld>
+</file>
+
+<file path=ppt/slides/slide27.xml><?xml version="1.0" encoding="utf-8"?>
+<p:sld xmlns:a="http://schemas.openxmlformats.org/drawingml/2006/main" xmlns:r="http://schemas.openxmlformats.org/officeDocument/2006/relationships" xmlns:p="http://schemas.openxmlformats.org/presentationml/2006/main">
+  <p:cSld>
+    <p:spTree>
+      <p:nvGrpSpPr>
+        <p:cNvPr id="1" name=""/>
+        <p:cNvGrpSpPr/>
+        <p:nvPr/>
+      </p:nvGrpSpPr>
+      <p:grpSpPr>
+        <a:xfrm>
+          <a:off x="0" y="0"/>
+          <a:ext cx="0" cy="0"/>
+          <a:chOff x="0" y="0"/>
+          <a:chExt cx="0" cy="0"/>
+        </a:xfrm>
+      </p:grpSpPr>
+      <p:sp>
+        <p:nvSpPr>
+          <p:cNvPr id="2" name="Title 1"/>
+          <p:cNvSpPr>
+            <a:spLocks noGrp="1"/>
+          </p:cNvSpPr>
+          <p:nvPr>
+            <p:ph type="title"/>
+          </p:nvPr>
+        </p:nvSpPr>
+        <p:spPr/>
+        <p:txBody>
+          <a:bodyPr/>
+          <a:lstStyle/>
+          <a:p>
+            <a:r>
+              <a:rPr lang="en-US" dirty="0"/>
+              <a:t>Adding and Removing Elements</a:t>
+            </a:r>
+          </a:p>
+        </p:txBody>
+      </p:sp>
+      <p:sp>
+        <p:nvSpPr>
+          <p:cNvPr id="3" name="Content Placeholder 2"/>
+          <p:cNvSpPr>
+            <a:spLocks noGrp="1"/>
+          </p:cNvSpPr>
+          <p:nvPr>
+            <p:ph idx="1"/>
+          </p:nvPr>
+        </p:nvSpPr>
+        <p:spPr/>
+        <p:txBody>
+          <a:bodyPr/>
+          <a:lstStyle/>
+          <a:p>
+            <a:r>
+              <a:rPr lang="en-US" dirty="0"/>
+              <a:t>Values can be set using =</a:t>
+            </a:r>
+          </a:p>
+          <a:p>
+            <a:r>
+              <a:rPr lang="en-US" dirty="0"/>
+              <a:t>= will create elements which do not exist</a:t>
+            </a:r>
+          </a:p>
+          <a:p>
+            <a:r>
+              <a:rPr lang="en-US" dirty="0"/>
+              <a:t>Elements can be removed using </a:t>
+            </a:r>
+            <a:r>
+              <a:rPr lang="en-US" sz="2400" dirty="0">
+                <a:latin typeface="Consolas" panose="020B0609020204030204" pitchFamily="49" charset="0"/>
+              </a:rPr>
+              <a:t>unset()</a:t>
+            </a:r>
+          </a:p>
+        </p:txBody>
+      </p:sp>
+    </p:spTree>
+    <p:extLst>
+      <p:ext uri="{BB962C8B-B14F-4D97-AF65-F5344CB8AC3E}">
+        <p14:creationId xmlns:p14="http://schemas.microsoft.com/office/powerpoint/2010/main" val="121302743"/>
+      </p:ext>
+    </p:extLst>
+  </p:cSld>
+  <p:clrMapOvr>
+    <a:masterClrMapping/>
+  </p:clrMapOvr>
+</p:sld>
+</file>
+
+<file path=ppt/slides/slide28.xml><?xml version="1.0" encoding="utf-8"?>
+<p:sld xmlns:a="http://schemas.openxmlformats.org/drawingml/2006/main" xmlns:r="http://schemas.openxmlformats.org/officeDocument/2006/relationships" xmlns:p="http://schemas.openxmlformats.org/presentationml/2006/main">
+  <p:cSld>
+    <p:spTree>
+      <p:nvGrpSpPr>
+        <p:cNvPr id="1" name=""/>
+        <p:cNvGrpSpPr/>
+        <p:nvPr/>
+      </p:nvGrpSpPr>
+      <p:grpSpPr>
+        <a:xfrm>
+          <a:off x="0" y="0"/>
+          <a:ext cx="0" cy="0"/>
+          <a:chOff x="0" y="0"/>
+          <a:chExt cx="0" cy="0"/>
+        </a:xfrm>
+      </p:grpSpPr>
+      <p:sp>
+        <p:nvSpPr>
+          <p:cNvPr id="5" name="TextBox 4"/>
+          <p:cNvSpPr txBox="1"/>
+          <p:nvPr/>
+        </p:nvSpPr>
+        <p:spPr>
+          <a:xfrm>
+            <a:off x="0" y="583973"/>
+            <a:ext cx="935489" cy="6370975"/>
+          </a:xfrm>
+          <a:prstGeom prst="rect">
+            <a:avLst/>
+          </a:prstGeom>
+          <a:solidFill>
+            <a:schemeClr val="bg1">
+              <a:lumMod val="85000"/>
+            </a:schemeClr>
+          </a:solidFill>
+        </p:spPr>
+        <p:txBody>
+          <a:bodyPr wrap="square" rtlCol="0" anchor="ctr">
+            <a:spAutoFit/>
+          </a:bodyPr>
+          <a:lstStyle/>
+          <a:p>
+            <a:pPr algn="r"/>
+            <a:r>
+              <a:rPr lang="en-US" sz="2400" dirty="0">
+                <a:solidFill>
+                  <a:schemeClr val="accent3">
+                    <a:lumMod val="50000"/>
+                  </a:schemeClr>
+                </a:solidFill>
+                <a:latin typeface="Consolas" panose="020B0609020204030204" pitchFamily="49" charset="0"/>
+              </a:rPr>
+              <a:t>1</a:t>
+            </a:r>
+          </a:p>
+          <a:p>
+            <a:pPr algn="r"/>
+            <a:r>
+              <a:rPr lang="en-US" sz="2400" dirty="0">
+                <a:solidFill>
+                  <a:schemeClr val="accent3">
+                    <a:lumMod val="50000"/>
+                  </a:schemeClr>
+                </a:solidFill>
+                <a:latin typeface="Consolas" panose="020B0609020204030204" pitchFamily="49" charset="0"/>
+              </a:rPr>
+              <a:t>2</a:t>
+            </a:r>
+          </a:p>
+          <a:p>
+            <a:pPr algn="r"/>
+            <a:r>
+              <a:rPr lang="en-US" sz="2400" dirty="0">
+                <a:solidFill>
+                  <a:schemeClr val="accent3">
+                    <a:lumMod val="50000"/>
+                  </a:schemeClr>
+                </a:solidFill>
+                <a:latin typeface="Consolas" panose="020B0609020204030204" pitchFamily="49" charset="0"/>
+              </a:rPr>
+              <a:t>3</a:t>
+            </a:r>
+          </a:p>
+          <a:p>
+            <a:pPr algn="r"/>
+            <a:r>
+              <a:rPr lang="en-US" sz="2400" dirty="0">
+                <a:solidFill>
+                  <a:schemeClr val="accent3">
+                    <a:lumMod val="50000"/>
+                  </a:schemeClr>
+                </a:solidFill>
+                <a:latin typeface="Consolas" panose="020B0609020204030204" pitchFamily="49" charset="0"/>
+              </a:rPr>
+              <a:t>4</a:t>
+            </a:r>
+          </a:p>
+          <a:p>
+            <a:pPr algn="r"/>
+            <a:r>
+              <a:rPr lang="en-US" sz="2400" dirty="0">
+                <a:solidFill>
+                  <a:schemeClr val="accent3">
+                    <a:lumMod val="50000"/>
+                  </a:schemeClr>
+                </a:solidFill>
+                <a:latin typeface="Consolas" panose="020B0609020204030204" pitchFamily="49" charset="0"/>
+              </a:rPr>
+              <a:t>5</a:t>
+            </a:r>
+          </a:p>
+          <a:p>
+            <a:pPr algn="r"/>
+            <a:r>
+              <a:rPr lang="en-US" sz="2400" dirty="0">
+                <a:solidFill>
+                  <a:schemeClr val="accent3">
+                    <a:lumMod val="50000"/>
+                  </a:schemeClr>
+                </a:solidFill>
+                <a:latin typeface="Consolas" panose="020B0609020204030204" pitchFamily="49" charset="0"/>
+              </a:rPr>
+              <a:t>6</a:t>
+            </a:r>
+          </a:p>
+          <a:p>
+            <a:pPr algn="r"/>
+            <a:r>
+              <a:rPr lang="en-US" sz="2400" dirty="0">
+                <a:solidFill>
+                  <a:schemeClr val="accent3">
+                    <a:lumMod val="50000"/>
+                  </a:schemeClr>
+                </a:solidFill>
+                <a:latin typeface="Consolas" panose="020B0609020204030204" pitchFamily="49" charset="0"/>
+              </a:rPr>
+              <a:t>7</a:t>
+            </a:r>
+          </a:p>
+          <a:p>
+            <a:pPr algn="r"/>
+            <a:r>
+              <a:rPr lang="en-US" sz="2400" dirty="0">
+                <a:solidFill>
+                  <a:schemeClr val="accent3">
+                    <a:lumMod val="50000"/>
+                  </a:schemeClr>
+                </a:solidFill>
+                <a:latin typeface="Consolas" panose="020B0609020204030204" pitchFamily="49" charset="0"/>
+              </a:rPr>
+              <a:t>8</a:t>
+            </a:r>
+          </a:p>
+          <a:p>
+            <a:pPr algn="r"/>
+            <a:r>
+              <a:rPr lang="en-US" sz="2400" dirty="0">
+                <a:solidFill>
+                  <a:schemeClr val="accent3">
+                    <a:lumMod val="50000"/>
+                  </a:schemeClr>
+                </a:solidFill>
+                <a:latin typeface="Consolas" panose="020B0609020204030204" pitchFamily="49" charset="0"/>
+              </a:rPr>
+              <a:t>9</a:t>
+            </a:r>
+          </a:p>
+          <a:p>
+            <a:pPr algn="r"/>
+            <a:r>
+              <a:rPr lang="en-US" sz="2400" dirty="0">
+                <a:solidFill>
+                  <a:schemeClr val="accent3">
+                    <a:lumMod val="50000"/>
+                  </a:schemeClr>
+                </a:solidFill>
+                <a:latin typeface="Consolas" panose="020B0609020204030204" pitchFamily="49" charset="0"/>
+              </a:rPr>
+              <a:t>10</a:t>
+            </a:r>
+          </a:p>
+          <a:p>
+            <a:pPr algn="r"/>
+            <a:r>
+              <a:rPr lang="en-US" sz="2400" dirty="0">
+                <a:solidFill>
+                  <a:schemeClr val="accent3">
+                    <a:lumMod val="50000"/>
+                  </a:schemeClr>
+                </a:solidFill>
+                <a:latin typeface="Consolas" panose="020B0609020204030204" pitchFamily="49" charset="0"/>
+              </a:rPr>
+              <a:t>11</a:t>
+            </a:r>
+          </a:p>
+          <a:p>
+            <a:pPr algn="r"/>
+            <a:r>
+              <a:rPr lang="en-US" sz="2400" dirty="0">
+                <a:solidFill>
+                  <a:schemeClr val="accent3">
+                    <a:lumMod val="50000"/>
+                  </a:schemeClr>
+                </a:solidFill>
+                <a:latin typeface="Consolas" panose="020B0609020204030204" pitchFamily="49" charset="0"/>
+              </a:rPr>
+              <a:t>12</a:t>
+            </a:r>
+          </a:p>
+          <a:p>
+            <a:pPr algn="r"/>
+            <a:r>
+              <a:rPr lang="en-US" sz="2400" dirty="0">
+                <a:solidFill>
+                  <a:schemeClr val="accent3">
+                    <a:lumMod val="50000"/>
+                  </a:schemeClr>
+                </a:solidFill>
+                <a:latin typeface="Consolas" panose="020B0609020204030204" pitchFamily="49" charset="0"/>
+              </a:rPr>
+              <a:t>13</a:t>
+            </a:r>
+          </a:p>
+          <a:p>
+            <a:pPr algn="r"/>
+            <a:r>
+              <a:rPr lang="en-US" sz="2400" dirty="0">
+                <a:solidFill>
+                  <a:schemeClr val="accent3">
+                    <a:lumMod val="50000"/>
+                  </a:schemeClr>
+                </a:solidFill>
+                <a:latin typeface="Consolas" panose="020B0609020204030204" pitchFamily="49" charset="0"/>
+              </a:rPr>
+              <a:t>14</a:t>
+            </a:r>
+          </a:p>
+          <a:p>
+            <a:pPr algn="r"/>
+            <a:r>
+              <a:rPr lang="en-US" sz="2400" dirty="0">
+                <a:solidFill>
+                  <a:schemeClr val="accent3">
+                    <a:lumMod val="50000"/>
+                  </a:schemeClr>
+                </a:solidFill>
+                <a:latin typeface="Consolas" panose="020B0609020204030204" pitchFamily="49" charset="0"/>
+              </a:rPr>
+              <a:t>15</a:t>
+            </a:r>
+          </a:p>
+          <a:p>
+            <a:pPr algn="r"/>
+            <a:r>
+              <a:rPr lang="en-US" sz="2400" dirty="0">
+                <a:solidFill>
+                  <a:schemeClr val="accent3">
+                    <a:lumMod val="50000"/>
+                  </a:schemeClr>
+                </a:solidFill>
+                <a:latin typeface="Consolas" panose="020B0609020204030204" pitchFamily="49" charset="0"/>
+              </a:rPr>
+              <a:t>16</a:t>
+            </a:r>
+          </a:p>
+          <a:p>
+            <a:pPr algn="r"/>
+            <a:endParaRPr lang="en-US" sz="2400" dirty="0">
+              <a:latin typeface="Consolas" panose="020B0609020204030204" pitchFamily="49" charset="0"/>
+            </a:endParaRPr>
+          </a:p>
+        </p:txBody>
+      </p:sp>
+      <p:sp>
+        <p:nvSpPr>
+          <p:cNvPr id="6" name="TextBox 5"/>
+          <p:cNvSpPr txBox="1"/>
+          <p:nvPr/>
+        </p:nvSpPr>
+        <p:spPr>
+          <a:xfrm>
+            <a:off x="935490" y="583973"/>
+            <a:ext cx="11256511" cy="4893647"/>
+          </a:xfrm>
+          <a:prstGeom prst="rect">
+            <a:avLst/>
+          </a:prstGeom>
+          <a:noFill/>
+        </p:spPr>
+        <p:txBody>
+          <a:bodyPr wrap="square" rtlCol="0">
+            <a:spAutoFit/>
+          </a:bodyPr>
+          <a:lstStyle/>
+          <a:p>
+            <a:pPr marL="0" indent="0">
+              <a:buNone/>
+            </a:pPr>
+            <a:r>
+              <a:rPr lang="en-US" sz="2400" dirty="0">
+                <a:solidFill>
+                  <a:srgbClr val="7030A0"/>
+                </a:solidFill>
+                <a:latin typeface="Consolas" panose="020B0609020204030204" pitchFamily="49" charset="0"/>
+              </a:rPr>
+              <a:t>&lt;?php</a:t>
+            </a:r>
+            <a:endParaRPr lang="en-US" sz="2400" dirty="0">
+              <a:latin typeface="Consolas" panose="020B0609020204030204" pitchFamily="49" charset="0"/>
+            </a:endParaRPr>
+          </a:p>
+          <a:p>
+            <a:pPr marL="0" indent="0">
+              <a:buNone/>
+            </a:pPr>
+            <a:endParaRPr lang="en-US" sz="2400" dirty="0">
+              <a:latin typeface="Consolas" panose="020B0609020204030204" pitchFamily="49" charset="0"/>
+            </a:endParaRPr>
+          </a:p>
+          <a:p>
+            <a:r>
+              <a:rPr lang="en-US" sz="2400" dirty="0">
+                <a:latin typeface="Consolas" panose="020B0609020204030204" pitchFamily="49" charset="0"/>
+              </a:rPr>
+              <a:t>$array = [</a:t>
+            </a:r>
+          </a:p>
+          <a:p>
+            <a:r>
+              <a:rPr lang="en-US" sz="2400" dirty="0">
+                <a:latin typeface="Consolas" panose="020B0609020204030204" pitchFamily="49" charset="0"/>
+              </a:rPr>
+              <a:t>    </a:t>
+            </a:r>
+            <a:r>
+              <a:rPr lang="en-US" sz="2400" dirty="0">
+                <a:solidFill>
+                  <a:srgbClr val="C00000"/>
+                </a:solidFill>
+                <a:latin typeface="Consolas" panose="020B0609020204030204" pitchFamily="49" charset="0"/>
+              </a:rPr>
+              <a:t>1</a:t>
+            </a:r>
+            <a:r>
+              <a:rPr lang="en-US" sz="2400" dirty="0">
+                <a:latin typeface="Consolas" panose="020B0609020204030204" pitchFamily="49" charset="0"/>
+              </a:rPr>
+              <a:t> =&gt; </a:t>
+            </a:r>
+            <a:r>
+              <a:rPr lang="en-US" sz="2400" dirty="0">
+                <a:solidFill>
+                  <a:schemeClr val="accent2"/>
+                </a:solidFill>
+                <a:latin typeface="Consolas" panose="020B0609020204030204" pitchFamily="49" charset="0"/>
+              </a:rPr>
+              <a:t>"foo"</a:t>
+            </a:r>
+            <a:r>
+              <a:rPr lang="en-US" sz="2400" dirty="0">
+                <a:latin typeface="Consolas" panose="020B0609020204030204" pitchFamily="49" charset="0"/>
+              </a:rPr>
+              <a:t>,</a:t>
+            </a:r>
+          </a:p>
+          <a:p>
+            <a:r>
+              <a:rPr lang="en-US" sz="2400" dirty="0">
+                <a:latin typeface="Consolas" panose="020B0609020204030204" pitchFamily="49" charset="0"/>
+              </a:rPr>
+              <a:t>    </a:t>
+            </a:r>
+            <a:r>
+              <a:rPr lang="en-US" sz="2400" dirty="0">
+                <a:solidFill>
+                  <a:srgbClr val="C00000"/>
+                </a:solidFill>
+                <a:latin typeface="Consolas" panose="020B0609020204030204" pitchFamily="49" charset="0"/>
+              </a:rPr>
+              <a:t>2</a:t>
+            </a:r>
+            <a:r>
+              <a:rPr lang="en-US" sz="2400" dirty="0">
+                <a:latin typeface="Consolas" panose="020B0609020204030204" pitchFamily="49" charset="0"/>
+              </a:rPr>
+              <a:t> =&gt; </a:t>
+            </a:r>
+            <a:r>
+              <a:rPr lang="en-US" sz="2400" dirty="0">
+                <a:solidFill>
+                  <a:schemeClr val="accent2"/>
+                </a:solidFill>
+                <a:latin typeface="Consolas" panose="020B0609020204030204" pitchFamily="49" charset="0"/>
+              </a:rPr>
+              <a:t>"bar"</a:t>
+            </a:r>
+            <a:r>
+              <a:rPr lang="en-US" sz="2400" dirty="0">
+                <a:latin typeface="Consolas" panose="020B0609020204030204" pitchFamily="49" charset="0"/>
+              </a:rPr>
+              <a:t>,</a:t>
+            </a:r>
+          </a:p>
+          <a:p>
+            <a:r>
+              <a:rPr lang="en-US" sz="2400" dirty="0">
+                <a:latin typeface="Consolas" panose="020B0609020204030204" pitchFamily="49" charset="0"/>
+              </a:rPr>
+              <a:t>];</a:t>
+            </a:r>
+          </a:p>
+          <a:p>
+            <a:endParaRPr lang="en-US" sz="2400" dirty="0">
+              <a:latin typeface="Consolas" panose="020B0609020204030204" pitchFamily="49" charset="0"/>
+            </a:endParaRPr>
+          </a:p>
+          <a:p>
+            <a:r>
+              <a:rPr lang="en-US" sz="2400" dirty="0">
+                <a:latin typeface="Consolas" panose="020B0609020204030204" pitchFamily="49" charset="0"/>
+              </a:rPr>
+              <a:t>$array[</a:t>
+            </a:r>
+            <a:r>
+              <a:rPr lang="en-US" sz="2400" dirty="0">
+                <a:solidFill>
+                  <a:srgbClr val="C00000"/>
+                </a:solidFill>
+                <a:latin typeface="Consolas" panose="020B0609020204030204" pitchFamily="49" charset="0"/>
+              </a:rPr>
+              <a:t>1</a:t>
+            </a:r>
+            <a:r>
+              <a:rPr lang="en-US" sz="2400" dirty="0">
+                <a:latin typeface="Consolas" panose="020B0609020204030204" pitchFamily="49" charset="0"/>
+              </a:rPr>
+              <a:t>] = </a:t>
+            </a:r>
+            <a:r>
+              <a:rPr lang="en-US" sz="2400" dirty="0">
+                <a:solidFill>
+                  <a:schemeClr val="accent2"/>
+                </a:solidFill>
+                <a:latin typeface="Consolas" panose="020B0609020204030204" pitchFamily="49" charset="0"/>
+              </a:rPr>
+              <a:t>"</a:t>
+            </a:r>
+            <a:r>
+              <a:rPr lang="en-US" sz="2400" dirty="0" err="1">
+                <a:solidFill>
+                  <a:schemeClr val="accent2"/>
+                </a:solidFill>
+                <a:latin typeface="Consolas" panose="020B0609020204030204" pitchFamily="49" charset="0"/>
+              </a:rPr>
+              <a:t>asdf</a:t>
+            </a:r>
+            <a:r>
+              <a:rPr lang="en-US" sz="2400" dirty="0">
+                <a:solidFill>
+                  <a:schemeClr val="accent2"/>
+                </a:solidFill>
+                <a:latin typeface="Consolas" panose="020B0609020204030204" pitchFamily="49" charset="0"/>
+              </a:rPr>
+              <a:t>"</a:t>
+            </a:r>
+            <a:r>
+              <a:rPr lang="en-US" sz="2400" dirty="0">
+                <a:latin typeface="Consolas" panose="020B0609020204030204" pitchFamily="49" charset="0"/>
+              </a:rPr>
+              <a:t>;</a:t>
+            </a:r>
+          </a:p>
+          <a:p>
+            <a:r>
+              <a:rPr lang="en-US" sz="2400" dirty="0">
+                <a:latin typeface="Consolas" panose="020B0609020204030204" pitchFamily="49" charset="0"/>
+              </a:rPr>
+              <a:t>$array[</a:t>
+            </a:r>
+            <a:r>
+              <a:rPr lang="en-US" sz="2400" dirty="0">
+                <a:solidFill>
+                  <a:srgbClr val="C00000"/>
+                </a:solidFill>
+                <a:latin typeface="Consolas" panose="020B0609020204030204" pitchFamily="49" charset="0"/>
+              </a:rPr>
+              <a:t>3</a:t>
+            </a:r>
+            <a:r>
+              <a:rPr lang="en-US" sz="2400" dirty="0">
+                <a:latin typeface="Consolas" panose="020B0609020204030204" pitchFamily="49" charset="0"/>
+              </a:rPr>
+              <a:t>] = </a:t>
+            </a:r>
+            <a:r>
+              <a:rPr lang="en-US" sz="2400" dirty="0">
+                <a:solidFill>
+                  <a:srgbClr val="C00000"/>
+                </a:solidFill>
+                <a:latin typeface="Consolas" panose="020B0609020204030204" pitchFamily="49" charset="0"/>
+              </a:rPr>
+              <a:t>10</a:t>
+            </a:r>
+            <a:r>
+              <a:rPr lang="en-US" sz="2400" dirty="0">
+                <a:latin typeface="Consolas" panose="020B0609020204030204" pitchFamily="49" charset="0"/>
+              </a:rPr>
+              <a:t>;</a:t>
+            </a:r>
+          </a:p>
+          <a:p>
+            <a:endParaRPr lang="en-US" sz="2400" dirty="0">
+              <a:latin typeface="Consolas" panose="020B0609020204030204" pitchFamily="49" charset="0"/>
+            </a:endParaRPr>
+          </a:p>
+          <a:p>
+            <a:r>
+              <a:rPr lang="en-US" sz="2400" dirty="0">
+                <a:latin typeface="Consolas" panose="020B0609020204030204" pitchFamily="49" charset="0"/>
+              </a:rPr>
+              <a:t>unset($array[</a:t>
+            </a:r>
+            <a:r>
+              <a:rPr lang="en-US" sz="2400" dirty="0">
+                <a:solidFill>
+                  <a:srgbClr val="C00000"/>
+                </a:solidFill>
+                <a:latin typeface="Consolas" panose="020B0609020204030204" pitchFamily="49" charset="0"/>
+              </a:rPr>
+              <a:t>2</a:t>
+            </a:r>
+            <a:r>
+              <a:rPr lang="en-US" sz="2400" dirty="0">
+                <a:latin typeface="Consolas" panose="020B0609020204030204" pitchFamily="49" charset="0"/>
+              </a:rPr>
+              <a:t>]);</a:t>
+            </a:r>
+          </a:p>
+          <a:p>
+            <a:endParaRPr lang="en-US" sz="2400" dirty="0">
+              <a:solidFill>
+                <a:srgbClr val="0070C0"/>
+              </a:solidFill>
+              <a:latin typeface="Consolas" panose="020B0609020204030204" pitchFamily="49" charset="0"/>
+            </a:endParaRPr>
+          </a:p>
+          <a:p>
+            <a:r>
+              <a:rPr lang="en-US" sz="2400" dirty="0" err="1">
+                <a:latin typeface="Consolas" panose="020B0609020204030204" pitchFamily="49" charset="0"/>
+              </a:rPr>
+              <a:t>var_dump</a:t>
+            </a:r>
+            <a:r>
+              <a:rPr lang="en-US" sz="2400" dirty="0">
+                <a:latin typeface="Consolas" panose="020B0609020204030204" pitchFamily="49" charset="0"/>
+              </a:rPr>
+              <a:t>($array);</a:t>
+            </a:r>
+          </a:p>
+        </p:txBody>
+      </p:sp>
+      <p:sp>
+        <p:nvSpPr>
+          <p:cNvPr id="2" name="Title 1"/>
+          <p:cNvSpPr>
+            <a:spLocks noGrp="1"/>
+          </p:cNvSpPr>
+          <p:nvPr>
+            <p:ph type="title"/>
+          </p:nvPr>
+        </p:nvSpPr>
+        <p:spPr>
+          <a:xfrm>
+            <a:off x="1" y="0"/>
+            <a:ext cx="12192000" cy="583973"/>
+          </a:xfrm>
+          <a:solidFill>
+            <a:schemeClr val="bg1">
+              <a:lumMod val="50000"/>
+            </a:schemeClr>
+          </a:solidFill>
+          <a:ln>
+            <a:noFill/>
+          </a:ln>
+        </p:spPr>
+        <p:style>
+          <a:lnRef idx="2">
+            <a:schemeClr val="accent3">
+              <a:shade val="50000"/>
+            </a:schemeClr>
+          </a:lnRef>
+          <a:fillRef idx="1">
+            <a:schemeClr val="accent3"/>
+          </a:fillRef>
+          <a:effectRef idx="0">
+            <a:schemeClr val="accent3"/>
+          </a:effectRef>
+          <a:fontRef idx="minor">
+            <a:schemeClr val="lt1"/>
+          </a:fontRef>
+        </p:style>
+        <p:txBody>
+          <a:bodyPr>
+            <a:normAutofit fontScale="90000"/>
+          </a:bodyPr>
+          <a:lstStyle/>
+          <a:p>
+            <a:pPr algn="ctr"/>
+            <a:r>
+              <a:rPr lang="en-US" sz="3600" dirty="0"/>
+              <a:t>Example 3-2 : Adding and Removing Elements</a:t>
+            </a:r>
+          </a:p>
+        </p:txBody>
+      </p:sp>
+    </p:spTree>
+    <p:extLst>
+      <p:ext uri="{BB962C8B-B14F-4D97-AF65-F5344CB8AC3E}">
+        <p14:creationId xmlns:p14="http://schemas.microsoft.com/office/powerpoint/2010/main" val="3807429974"/>
+      </p:ext>
+    </p:extLst>
+  </p:cSld>
+  <p:clrMapOvr>
+    <a:masterClrMapping/>
+  </p:clrMapOvr>
+</p:sld>
+</file>
+
+<file path=ppt/slides/slide29.xml><?xml version="1.0" encoding="utf-8"?>
+<p:sld xmlns:a="http://schemas.openxmlformats.org/drawingml/2006/main" xmlns:r="http://schemas.openxmlformats.org/officeDocument/2006/relationships" xmlns:p="http://schemas.openxmlformats.org/presentationml/2006/main">
+  <p:cSld>
+    <p:spTree>
+      <p:nvGrpSpPr>
+        <p:cNvPr id="1" name=""/>
+        <p:cNvGrpSpPr/>
+        <p:nvPr/>
+      </p:nvGrpSpPr>
+      <p:grpSpPr>
+        <a:xfrm>
+          <a:off x="0" y="0"/>
+          <a:ext cx="0" cy="0"/>
+          <a:chOff x="0" y="0"/>
+          <a:chExt cx="0" cy="0"/>
+        </a:xfrm>
+      </p:grpSpPr>
+      <p:sp>
+        <p:nvSpPr>
+          <p:cNvPr id="2" name="Title 1"/>
+          <p:cNvSpPr>
+            <a:spLocks noGrp="1"/>
+          </p:cNvSpPr>
+          <p:nvPr>
+            <p:ph type="title"/>
+          </p:nvPr>
+        </p:nvSpPr>
+        <p:spPr/>
+        <p:txBody>
+          <a:bodyPr/>
+          <a:lstStyle/>
+          <a:p>
+            <a:r>
+              <a:rPr lang="en-US" dirty="0"/>
+              <a:t>Numeric Indexes</a:t>
+            </a:r>
+          </a:p>
+        </p:txBody>
+      </p:sp>
+      <p:sp>
+        <p:nvSpPr>
+          <p:cNvPr id="3" name="Content Placeholder 2"/>
+          <p:cNvSpPr>
+            <a:spLocks noGrp="1"/>
+          </p:cNvSpPr>
+          <p:nvPr>
+            <p:ph idx="1"/>
+          </p:nvPr>
+        </p:nvSpPr>
+        <p:spPr/>
+        <p:txBody>
+          <a:bodyPr/>
+          <a:lstStyle/>
+          <a:p>
+            <a:r>
+              <a:rPr lang="en-US" dirty="0"/>
+              <a:t>PHP can automatically assign </a:t>
+            </a:r>
+            <a:r>
+              <a:rPr lang="en-US" b="1" dirty="0"/>
+              <a:t>numeric indexes </a:t>
+            </a:r>
+            <a:r>
+              <a:rPr lang="en-US" dirty="0"/>
+              <a:t>(integer keys)</a:t>
+            </a:r>
+            <a:endParaRPr lang="en-US" b="1" dirty="0"/>
+          </a:p>
+          <a:p>
+            <a:r>
+              <a:rPr lang="en-US" dirty="0"/>
+              <a:t>Arrays created without keys will be given numeric indexes</a:t>
+            </a:r>
+          </a:p>
+          <a:p>
+            <a:r>
+              <a:rPr lang="en-US" dirty="0"/>
+              <a:t>New elements can be given numeric indexes using empty brackets</a:t>
+            </a:r>
+          </a:p>
+        </p:txBody>
+      </p:sp>
+    </p:spTree>
+    <p:extLst>
+      <p:ext uri="{BB962C8B-B14F-4D97-AF65-F5344CB8AC3E}">
+        <p14:creationId xmlns:p14="http://schemas.microsoft.com/office/powerpoint/2010/main" val="633555496"/>
       </p:ext>
     </p:extLst>
   </p:cSld>
@@ -5225,7 +9056,7 @@
           <a:p>
             <a:r>
               <a:rPr lang="en-US" dirty="0"/>
-              <a:t>Code is written instructions for computers</a:t>
+              <a:t>Code – written instructions for computers</a:t>
             </a:r>
           </a:p>
           <a:p>
@@ -5236,18 +9067,18 @@
           </a:p>
           <a:p>
             <a:r>
-              <a:rPr lang="en-US"/>
-              <a:t>PHP</a:t>
-            </a:r>
-            <a:r>
-              <a:rPr lang="en-US" dirty="0"/>
-              <a:t> is a programming language</a:t>
-            </a:r>
-          </a:p>
-          <a:p>
-            <a:r>
-              <a:rPr lang="en-US" dirty="0"/>
-              <a:t>Programming languages are readable by humans and machines</a:t>
+              <a:rPr lang="en-US" dirty="0"/>
+              <a:t>PHP is a programming language</a:t>
+            </a:r>
+          </a:p>
+          <a:p>
+            <a:r>
+              <a:rPr lang="en-US" b="1" dirty="0"/>
+              <a:t>Programming languages</a:t>
+            </a:r>
+            <a:r>
+              <a:rPr lang="en-US" dirty="0"/>
+              <a:t> are readable by humans and machines</a:t>
             </a:r>
           </a:p>
           <a:p>
@@ -5262,6 +9093,513 @@
     <p:extLst>
       <p:ext uri="{BB962C8B-B14F-4D97-AF65-F5344CB8AC3E}">
         <p14:creationId xmlns:p14="http://schemas.microsoft.com/office/powerpoint/2010/main" val="397912412"/>
+      </p:ext>
+    </p:extLst>
+  </p:cSld>
+  <p:clrMapOvr>
+    <a:masterClrMapping/>
+  </p:clrMapOvr>
+</p:sld>
+</file>
+
+<file path=ppt/slides/slide30.xml><?xml version="1.0" encoding="utf-8"?>
+<p:sld xmlns:a="http://schemas.openxmlformats.org/drawingml/2006/main" xmlns:r="http://schemas.openxmlformats.org/officeDocument/2006/relationships" xmlns:p="http://schemas.openxmlformats.org/presentationml/2006/main">
+  <p:cSld>
+    <p:spTree>
+      <p:nvGrpSpPr>
+        <p:cNvPr id="1" name=""/>
+        <p:cNvGrpSpPr/>
+        <p:nvPr/>
+      </p:nvGrpSpPr>
+      <p:grpSpPr>
+        <a:xfrm>
+          <a:off x="0" y="0"/>
+          <a:ext cx="0" cy="0"/>
+          <a:chOff x="0" y="0"/>
+          <a:chExt cx="0" cy="0"/>
+        </a:xfrm>
+      </p:grpSpPr>
+      <p:sp>
+        <p:nvSpPr>
+          <p:cNvPr id="5" name="TextBox 4"/>
+          <p:cNvSpPr txBox="1"/>
+          <p:nvPr/>
+        </p:nvSpPr>
+        <p:spPr>
+          <a:xfrm>
+            <a:off x="0" y="583973"/>
+            <a:ext cx="935489" cy="6370975"/>
+          </a:xfrm>
+          <a:prstGeom prst="rect">
+            <a:avLst/>
+          </a:prstGeom>
+          <a:solidFill>
+            <a:schemeClr val="bg1">
+              <a:lumMod val="85000"/>
+            </a:schemeClr>
+          </a:solidFill>
+        </p:spPr>
+        <p:txBody>
+          <a:bodyPr wrap="square" rtlCol="0" anchor="ctr">
+            <a:spAutoFit/>
+          </a:bodyPr>
+          <a:lstStyle/>
+          <a:p>
+            <a:pPr algn="r"/>
+            <a:r>
+              <a:rPr lang="en-US" sz="2400" dirty="0">
+                <a:solidFill>
+                  <a:schemeClr val="accent3">
+                    <a:lumMod val="50000"/>
+                  </a:schemeClr>
+                </a:solidFill>
+                <a:latin typeface="Consolas" panose="020B0609020204030204" pitchFamily="49" charset="0"/>
+              </a:rPr>
+              <a:t>1</a:t>
+            </a:r>
+          </a:p>
+          <a:p>
+            <a:pPr algn="r"/>
+            <a:r>
+              <a:rPr lang="en-US" sz="2400" dirty="0">
+                <a:solidFill>
+                  <a:schemeClr val="accent3">
+                    <a:lumMod val="50000"/>
+                  </a:schemeClr>
+                </a:solidFill>
+                <a:latin typeface="Consolas" panose="020B0609020204030204" pitchFamily="49" charset="0"/>
+              </a:rPr>
+              <a:t>2</a:t>
+            </a:r>
+          </a:p>
+          <a:p>
+            <a:pPr algn="r"/>
+            <a:r>
+              <a:rPr lang="en-US" sz="2400" dirty="0">
+                <a:solidFill>
+                  <a:schemeClr val="accent3">
+                    <a:lumMod val="50000"/>
+                  </a:schemeClr>
+                </a:solidFill>
+                <a:latin typeface="Consolas" panose="020B0609020204030204" pitchFamily="49" charset="0"/>
+              </a:rPr>
+              <a:t>3</a:t>
+            </a:r>
+          </a:p>
+          <a:p>
+            <a:pPr algn="r"/>
+            <a:r>
+              <a:rPr lang="en-US" sz="2400" dirty="0">
+                <a:solidFill>
+                  <a:schemeClr val="accent3">
+                    <a:lumMod val="50000"/>
+                  </a:schemeClr>
+                </a:solidFill>
+                <a:latin typeface="Consolas" panose="020B0609020204030204" pitchFamily="49" charset="0"/>
+              </a:rPr>
+              <a:t>4</a:t>
+            </a:r>
+          </a:p>
+          <a:p>
+            <a:pPr algn="r"/>
+            <a:r>
+              <a:rPr lang="en-US" sz="2400" dirty="0">
+                <a:solidFill>
+                  <a:schemeClr val="accent3">
+                    <a:lumMod val="50000"/>
+                  </a:schemeClr>
+                </a:solidFill>
+                <a:latin typeface="Consolas" panose="020B0609020204030204" pitchFamily="49" charset="0"/>
+              </a:rPr>
+              <a:t>5</a:t>
+            </a:r>
+          </a:p>
+          <a:p>
+            <a:pPr algn="r"/>
+            <a:r>
+              <a:rPr lang="en-US" sz="2400" dirty="0">
+                <a:solidFill>
+                  <a:schemeClr val="accent3">
+                    <a:lumMod val="50000"/>
+                  </a:schemeClr>
+                </a:solidFill>
+                <a:latin typeface="Consolas" panose="020B0609020204030204" pitchFamily="49" charset="0"/>
+              </a:rPr>
+              <a:t>6</a:t>
+            </a:r>
+          </a:p>
+          <a:p>
+            <a:pPr algn="r"/>
+            <a:r>
+              <a:rPr lang="en-US" sz="2400" dirty="0">
+                <a:solidFill>
+                  <a:schemeClr val="accent3">
+                    <a:lumMod val="50000"/>
+                  </a:schemeClr>
+                </a:solidFill>
+                <a:latin typeface="Consolas" panose="020B0609020204030204" pitchFamily="49" charset="0"/>
+              </a:rPr>
+              <a:t>7</a:t>
+            </a:r>
+          </a:p>
+          <a:p>
+            <a:pPr algn="r"/>
+            <a:r>
+              <a:rPr lang="en-US" sz="2400" dirty="0">
+                <a:solidFill>
+                  <a:schemeClr val="accent3">
+                    <a:lumMod val="50000"/>
+                  </a:schemeClr>
+                </a:solidFill>
+                <a:latin typeface="Consolas" panose="020B0609020204030204" pitchFamily="49" charset="0"/>
+              </a:rPr>
+              <a:t>8</a:t>
+            </a:r>
+          </a:p>
+          <a:p>
+            <a:pPr algn="r"/>
+            <a:r>
+              <a:rPr lang="en-US" sz="2400" dirty="0">
+                <a:solidFill>
+                  <a:schemeClr val="accent3">
+                    <a:lumMod val="50000"/>
+                  </a:schemeClr>
+                </a:solidFill>
+                <a:latin typeface="Consolas" panose="020B0609020204030204" pitchFamily="49" charset="0"/>
+              </a:rPr>
+              <a:t>9</a:t>
+            </a:r>
+          </a:p>
+          <a:p>
+            <a:pPr algn="r"/>
+            <a:r>
+              <a:rPr lang="en-US" sz="2400" dirty="0">
+                <a:solidFill>
+                  <a:schemeClr val="accent3">
+                    <a:lumMod val="50000"/>
+                  </a:schemeClr>
+                </a:solidFill>
+                <a:latin typeface="Consolas" panose="020B0609020204030204" pitchFamily="49" charset="0"/>
+              </a:rPr>
+              <a:t>10</a:t>
+            </a:r>
+          </a:p>
+          <a:p>
+            <a:pPr algn="r"/>
+            <a:r>
+              <a:rPr lang="en-US" sz="2400" dirty="0">
+                <a:solidFill>
+                  <a:schemeClr val="accent3">
+                    <a:lumMod val="50000"/>
+                  </a:schemeClr>
+                </a:solidFill>
+                <a:latin typeface="Consolas" panose="020B0609020204030204" pitchFamily="49" charset="0"/>
+              </a:rPr>
+              <a:t>11</a:t>
+            </a:r>
+          </a:p>
+          <a:p>
+            <a:pPr algn="r"/>
+            <a:r>
+              <a:rPr lang="en-US" sz="2400" dirty="0">
+                <a:solidFill>
+                  <a:schemeClr val="accent3">
+                    <a:lumMod val="50000"/>
+                  </a:schemeClr>
+                </a:solidFill>
+                <a:latin typeface="Consolas" panose="020B0609020204030204" pitchFamily="49" charset="0"/>
+              </a:rPr>
+              <a:t>12</a:t>
+            </a:r>
+          </a:p>
+          <a:p>
+            <a:pPr algn="r"/>
+            <a:r>
+              <a:rPr lang="en-US" sz="2400" dirty="0">
+                <a:solidFill>
+                  <a:schemeClr val="accent3">
+                    <a:lumMod val="50000"/>
+                  </a:schemeClr>
+                </a:solidFill>
+                <a:latin typeface="Consolas" panose="020B0609020204030204" pitchFamily="49" charset="0"/>
+              </a:rPr>
+              <a:t>13</a:t>
+            </a:r>
+          </a:p>
+          <a:p>
+            <a:pPr algn="r"/>
+            <a:r>
+              <a:rPr lang="en-US" sz="2400" dirty="0">
+                <a:solidFill>
+                  <a:schemeClr val="accent3">
+                    <a:lumMod val="50000"/>
+                  </a:schemeClr>
+                </a:solidFill>
+                <a:latin typeface="Consolas" panose="020B0609020204030204" pitchFamily="49" charset="0"/>
+              </a:rPr>
+              <a:t>14</a:t>
+            </a:r>
+          </a:p>
+          <a:p>
+            <a:pPr algn="r"/>
+            <a:r>
+              <a:rPr lang="en-US" sz="2400" dirty="0">
+                <a:solidFill>
+                  <a:schemeClr val="accent3">
+                    <a:lumMod val="50000"/>
+                  </a:schemeClr>
+                </a:solidFill>
+                <a:latin typeface="Consolas" panose="020B0609020204030204" pitchFamily="49" charset="0"/>
+              </a:rPr>
+              <a:t>15</a:t>
+            </a:r>
+          </a:p>
+          <a:p>
+            <a:pPr algn="r"/>
+            <a:r>
+              <a:rPr lang="en-US" sz="2400" dirty="0">
+                <a:solidFill>
+                  <a:schemeClr val="accent3">
+                    <a:lumMod val="50000"/>
+                  </a:schemeClr>
+                </a:solidFill>
+                <a:latin typeface="Consolas" panose="020B0609020204030204" pitchFamily="49" charset="0"/>
+              </a:rPr>
+              <a:t>16</a:t>
+            </a:r>
+          </a:p>
+          <a:p>
+            <a:pPr algn="r"/>
+            <a:endParaRPr lang="en-US" sz="2400" dirty="0">
+              <a:latin typeface="Consolas" panose="020B0609020204030204" pitchFamily="49" charset="0"/>
+            </a:endParaRPr>
+          </a:p>
+        </p:txBody>
+      </p:sp>
+      <p:sp>
+        <p:nvSpPr>
+          <p:cNvPr id="6" name="TextBox 5"/>
+          <p:cNvSpPr txBox="1"/>
+          <p:nvPr/>
+        </p:nvSpPr>
+        <p:spPr>
+          <a:xfrm>
+            <a:off x="935490" y="583973"/>
+            <a:ext cx="11256511" cy="3785652"/>
+          </a:xfrm>
+          <a:prstGeom prst="rect">
+            <a:avLst/>
+          </a:prstGeom>
+          <a:noFill/>
+        </p:spPr>
+        <p:txBody>
+          <a:bodyPr wrap="square" rtlCol="0">
+            <a:spAutoFit/>
+          </a:bodyPr>
+          <a:lstStyle/>
+          <a:p>
+            <a:pPr marL="0" indent="0">
+              <a:buNone/>
+            </a:pPr>
+            <a:r>
+              <a:rPr lang="en-US" sz="2400" dirty="0">
+                <a:solidFill>
+                  <a:srgbClr val="7030A0"/>
+                </a:solidFill>
+                <a:latin typeface="Consolas" panose="020B0609020204030204" pitchFamily="49" charset="0"/>
+              </a:rPr>
+              <a:t>&lt;?php</a:t>
+            </a:r>
+            <a:endParaRPr lang="en-US" sz="2400" dirty="0">
+              <a:latin typeface="Consolas" panose="020B0609020204030204" pitchFamily="49" charset="0"/>
+            </a:endParaRPr>
+          </a:p>
+          <a:p>
+            <a:pPr marL="0" indent="0">
+              <a:buNone/>
+            </a:pPr>
+            <a:endParaRPr lang="en-US" sz="2400" dirty="0">
+              <a:latin typeface="Consolas" panose="020B0609020204030204" pitchFamily="49" charset="0"/>
+            </a:endParaRPr>
+          </a:p>
+          <a:p>
+            <a:r>
+              <a:rPr lang="en-US" sz="2400" dirty="0">
+                <a:latin typeface="Consolas" panose="020B0609020204030204" pitchFamily="49" charset="0"/>
+              </a:rPr>
+              <a:t>$array = [</a:t>
+            </a:r>
+          </a:p>
+          <a:p>
+            <a:r>
+              <a:rPr lang="en-US" sz="2400" dirty="0">
+                <a:solidFill>
+                  <a:schemeClr val="accent2"/>
+                </a:solidFill>
+                <a:latin typeface="Consolas" panose="020B0609020204030204" pitchFamily="49" charset="0"/>
+              </a:rPr>
+              <a:t>    "foo"</a:t>
+            </a:r>
+            <a:r>
+              <a:rPr lang="en-US" sz="2400" dirty="0">
+                <a:latin typeface="Consolas" panose="020B0609020204030204" pitchFamily="49" charset="0"/>
+              </a:rPr>
+              <a:t>,</a:t>
+            </a:r>
+          </a:p>
+          <a:p>
+            <a:r>
+              <a:rPr lang="en-US" sz="2400" dirty="0">
+                <a:solidFill>
+                  <a:schemeClr val="accent2"/>
+                </a:solidFill>
+                <a:latin typeface="Consolas" panose="020B0609020204030204" pitchFamily="49" charset="0"/>
+              </a:rPr>
+              <a:t>    "bar"</a:t>
+            </a:r>
+            <a:r>
+              <a:rPr lang="en-US" sz="2400" dirty="0">
+                <a:latin typeface="Consolas" panose="020B0609020204030204" pitchFamily="49" charset="0"/>
+              </a:rPr>
+              <a:t>,</a:t>
+            </a:r>
+          </a:p>
+          <a:p>
+            <a:r>
+              <a:rPr lang="en-US" sz="2400" dirty="0">
+                <a:latin typeface="Consolas" panose="020B0609020204030204" pitchFamily="49" charset="0"/>
+              </a:rPr>
+              <a:t>];</a:t>
+            </a:r>
+          </a:p>
+          <a:p>
+            <a:endParaRPr lang="en-US" sz="2400" dirty="0">
+              <a:latin typeface="Consolas" panose="020B0609020204030204" pitchFamily="49" charset="0"/>
+            </a:endParaRPr>
+          </a:p>
+          <a:p>
+            <a:r>
+              <a:rPr lang="en-US" sz="2400" dirty="0">
+                <a:latin typeface="Consolas" panose="020B0609020204030204" pitchFamily="49" charset="0"/>
+              </a:rPr>
+              <a:t>$array[] = </a:t>
+            </a:r>
+            <a:r>
+              <a:rPr lang="en-US" sz="2400" dirty="0">
+                <a:solidFill>
+                  <a:schemeClr val="accent2"/>
+                </a:solidFill>
+                <a:latin typeface="Consolas" panose="020B0609020204030204" pitchFamily="49" charset="0"/>
+              </a:rPr>
+              <a:t>"</a:t>
+            </a:r>
+            <a:r>
+              <a:rPr lang="en-US" sz="2400" dirty="0" err="1">
+                <a:solidFill>
+                  <a:schemeClr val="accent2"/>
+                </a:solidFill>
+                <a:latin typeface="Consolas" panose="020B0609020204030204" pitchFamily="49" charset="0"/>
+              </a:rPr>
+              <a:t>asdf</a:t>
+            </a:r>
+            <a:r>
+              <a:rPr lang="en-US" sz="2400" dirty="0">
+                <a:solidFill>
+                  <a:schemeClr val="accent2"/>
+                </a:solidFill>
+                <a:latin typeface="Consolas" panose="020B0609020204030204" pitchFamily="49" charset="0"/>
+              </a:rPr>
+              <a:t>"</a:t>
+            </a:r>
+            <a:r>
+              <a:rPr lang="en-US" sz="2400" dirty="0">
+                <a:latin typeface="Consolas" panose="020B0609020204030204" pitchFamily="49" charset="0"/>
+              </a:rPr>
+              <a:t>;</a:t>
+            </a:r>
+          </a:p>
+          <a:p>
+            <a:endParaRPr lang="en-US" sz="2400" dirty="0">
+              <a:solidFill>
+                <a:srgbClr val="0070C0"/>
+              </a:solidFill>
+              <a:latin typeface="Consolas" panose="020B0609020204030204" pitchFamily="49" charset="0"/>
+            </a:endParaRPr>
+          </a:p>
+          <a:p>
+            <a:r>
+              <a:rPr lang="en-US" sz="2400" dirty="0" err="1">
+                <a:latin typeface="Consolas" panose="020B0609020204030204" pitchFamily="49" charset="0"/>
+              </a:rPr>
+              <a:t>var_dump</a:t>
+            </a:r>
+            <a:r>
+              <a:rPr lang="en-US" sz="2400" dirty="0">
+                <a:latin typeface="Consolas" panose="020B0609020204030204" pitchFamily="49" charset="0"/>
+              </a:rPr>
+              <a:t>($array);</a:t>
+            </a:r>
+          </a:p>
+        </p:txBody>
+      </p:sp>
+      <p:sp>
+        <p:nvSpPr>
+          <p:cNvPr id="2" name="Title 1"/>
+          <p:cNvSpPr>
+            <a:spLocks noGrp="1"/>
+          </p:cNvSpPr>
+          <p:nvPr>
+            <p:ph type="title"/>
+          </p:nvPr>
+        </p:nvSpPr>
+        <p:spPr>
+          <a:xfrm>
+            <a:off x="1" y="0"/>
+            <a:ext cx="12192000" cy="583973"/>
+          </a:xfrm>
+          <a:solidFill>
+            <a:schemeClr val="bg1">
+              <a:lumMod val="50000"/>
+            </a:schemeClr>
+          </a:solidFill>
+          <a:ln>
+            <a:noFill/>
+          </a:ln>
+        </p:spPr>
+        <p:style>
+          <a:lnRef idx="2">
+            <a:schemeClr val="accent3">
+              <a:shade val="50000"/>
+            </a:schemeClr>
+          </a:lnRef>
+          <a:fillRef idx="1">
+            <a:schemeClr val="accent3"/>
+          </a:fillRef>
+          <a:effectRef idx="0">
+            <a:schemeClr val="accent3"/>
+          </a:effectRef>
+          <a:fontRef idx="minor">
+            <a:schemeClr val="lt1"/>
+          </a:fontRef>
+        </p:style>
+        <p:txBody>
+          <a:bodyPr>
+            <a:normAutofit fontScale="90000"/>
+          </a:bodyPr>
+          <a:lstStyle/>
+          <a:p>
+            <a:pPr algn="ctr"/>
+            <a:r>
+              <a:rPr lang="en-US" sz="3600" dirty="0"/>
+              <a:t>Example 3-3 : Numeric Indexes</a:t>
+            </a:r>
+          </a:p>
+        </p:txBody>
+      </p:sp>
+    </p:spTree>
+    <p:extLst>
+      <p:ext uri="{BB962C8B-B14F-4D97-AF65-F5344CB8AC3E}">
+        <p14:creationId xmlns:p14="http://schemas.microsoft.com/office/powerpoint/2010/main" val="1897348559"/>
       </p:ext>
     </p:extLst>
   </p:cSld>
@@ -5327,33 +9665,34 @@
           <a:p>
             <a:r>
               <a:rPr lang="en-US" dirty="0"/>
-              <a:t>Code is a list of instructions</a:t>
-            </a:r>
-          </a:p>
-          <a:p>
-            <a:r>
-              <a:rPr lang="en-US" dirty="0"/>
-              <a:t>Each instruction tells the computer to do something</a:t>
-            </a:r>
-          </a:p>
-          <a:p>
-            <a:r>
-              <a:rPr lang="en-US" dirty="0"/>
-              <a:t>Instructions are followed in order</a:t>
-            </a:r>
-          </a:p>
-          <a:p>
-            <a:r>
-              <a:rPr lang="en-US" dirty="0"/>
-              <a:t>In </a:t>
-            </a:r>
-            <a:r>
-              <a:rPr lang="en-US"/>
-              <a:t>PHP</a:t>
-            </a:r>
-            <a:r>
-              <a:rPr lang="en-US" dirty="0"/>
-              <a:t>, instructions end with a semicolon (;)</a:t>
+              <a:t>Code is a list of </a:t>
+            </a:r>
+            <a:r>
+              <a:rPr lang="en-US" b="1" dirty="0"/>
+              <a:t>statements </a:t>
+            </a:r>
+            <a:r>
+              <a:rPr lang="en-US" dirty="0"/>
+              <a:t>(instructions for the computer)</a:t>
+            </a:r>
+            <a:endParaRPr lang="en-US" b="1" dirty="0"/>
+          </a:p>
+          <a:p>
+            <a:r>
+              <a:rPr lang="en-US" dirty="0"/>
+              <a:t>Each statement tells the computer to do something</a:t>
+            </a:r>
+          </a:p>
+          <a:p>
+            <a:r>
+              <a:rPr lang="en-US" dirty="0"/>
+              <a:t>Statements are followed in order</a:t>
+            </a:r>
+          </a:p>
+          <a:p>
+            <a:r>
+              <a:rPr lang="en-US" dirty="0"/>
+              <a:t>In PHP, statements end with a semicolon (;)</a:t>
             </a:r>
           </a:p>
         </p:txBody>
@@ -5971,18 +10310,18 @@
           </a:p>
           <a:p>
             <a:r>
-              <a:rPr lang="en-US" dirty="0"/>
-              <a:t>Type is determined by the data</a:t>
-            </a:r>
-          </a:p>
-          <a:p>
-            <a:r>
-              <a:rPr lang="en-US"/>
-              <a:t>PHP</a:t>
-            </a:r>
-            <a:r>
-              <a:rPr lang="en-US" dirty="0"/>
-              <a:t> can and will change the type if necessary</a:t>
+              <a:rPr lang="en-US" b="1" dirty="0"/>
+              <a:t>Type</a:t>
+            </a:r>
+            <a:r>
+              <a:rPr lang="en-US" dirty="0"/>
+              <a:t> is determined by the data</a:t>
+            </a:r>
+          </a:p>
+          <a:p>
+            <a:r>
+              <a:rPr lang="en-US" dirty="0"/>
+              <a:t>PHP can and will change the type if necessary</a:t>
             </a:r>
           </a:p>
           <a:p>
@@ -5994,8 +10333,12 @@
           <a:p>
             <a:pPr lvl="1"/>
             <a:r>
-              <a:rPr lang="en-US" dirty="0"/>
-              <a:t>String – Text, enclosed with </a:t>
+              <a:rPr lang="en-US" b="1" dirty="0"/>
+              <a:t>String</a:t>
+            </a:r>
+            <a:r>
+              <a:rPr lang="en-US" dirty="0"/>
+              <a:t> – Text, enclosed with </a:t>
             </a:r>
             <a:r>
               <a:rPr lang="en-US" sz="2400" dirty="0">
@@ -6017,22 +10360,34 @@
           <a:p>
             <a:pPr lvl="1"/>
             <a:r>
-              <a:rPr lang="en-US" dirty="0"/>
-              <a:t>Integer – Number without a decimal, can be positive or negative</a:t>
+              <a:rPr lang="en-US" b="1" dirty="0"/>
+              <a:t>Integer</a:t>
+            </a:r>
+            <a:r>
+              <a:rPr lang="en-US" dirty="0"/>
+              <a:t> – Number without a decimal, can be positive or negative</a:t>
             </a:r>
           </a:p>
           <a:p>
             <a:pPr lvl="1"/>
             <a:r>
-              <a:rPr lang="en-US" dirty="0"/>
-              <a:t>Float – Like integer, but with a decimal point (sort of)</a:t>
+              <a:rPr lang="en-US" b="1" dirty="0"/>
+              <a:t>Float</a:t>
+            </a:r>
+            <a:r>
+              <a:rPr lang="en-US" dirty="0"/>
+              <a:t> – Like integer, but with a decimal point (sort of)</a:t>
             </a:r>
           </a:p>
           <a:p>
             <a:pPr lvl="1"/>
             <a:r>
-              <a:rPr lang="en-US" dirty="0"/>
-              <a:t>Boolean – </a:t>
+              <a:rPr lang="en-US" b="1" dirty="0"/>
+              <a:t>Boolean</a:t>
+            </a:r>
+            <a:r>
+              <a:rPr lang="en-US" dirty="0"/>
+              <a:t> – </a:t>
             </a:r>
             <a:r>
               <a:rPr lang="en-US" sz="2200" dirty="0">
@@ -6064,8 +10419,12 @@
           <a:p>
             <a:pPr lvl="1"/>
             <a:r>
-              <a:rPr lang="en-US" dirty="0"/>
-              <a:t>Null – Doesn’t really exist, indicates lack of a value</a:t>
+              <a:rPr lang="en-US" b="1" dirty="0"/>
+              <a:t>Null</a:t>
+            </a:r>
+            <a:r>
+              <a:rPr lang="en-US" dirty="0"/>
+              <a:t> – Doesn’t really exist, indicates lack of a value</a:t>
             </a:r>
           </a:p>
         </p:txBody>
@@ -6138,8 +10497,12 @@
           <a:lstStyle/>
           <a:p>
             <a:r>
-              <a:rPr lang="en-US" dirty="0"/>
-              <a:t>Named containers for storing data</a:t>
+              <a:rPr lang="en-US" b="1" dirty="0"/>
+              <a:t>Variable</a:t>
+            </a:r>
+            <a:r>
+              <a:rPr lang="en-US" dirty="0"/>
+              <a:t> - Named container for storing data</a:t>
             </a:r>
           </a:p>
           <a:p>
@@ -6156,8 +10519,12 @@
           </a:p>
           <a:p>
             <a:r>
-              <a:rPr lang="en-US" dirty="0"/>
-              <a:t>Assign a value to a variable (read: put something in it) with =</a:t>
+              <a:rPr lang="en-US" b="1" dirty="0"/>
+              <a:t>Assign</a:t>
+            </a:r>
+            <a:r>
+              <a:rPr lang="en-US" dirty="0"/>
+              <a:t> a value to a variable (put something in it) with =</a:t>
             </a:r>
           </a:p>
           <a:p>

--- a/course/1 - Basic Programming/Basic Programming.pptx
+++ b/course/1 - Basic Programming/Basic Programming.pptx
@@ -6,27 +6,27 @@
   </p:sldMasterIdLst>
   <p:sldIdLst>
     <p:sldId id="258" r:id="rId2"/>
-    <p:sldId id="257" r:id="rId3"/>
-    <p:sldId id="259" r:id="rId4"/>
-    <p:sldId id="260" r:id="rId5"/>
-    <p:sldId id="261" r:id="rId6"/>
-    <p:sldId id="262" r:id="rId7"/>
-    <p:sldId id="266" r:id="rId8"/>
-    <p:sldId id="263" r:id="rId9"/>
-    <p:sldId id="264" r:id="rId10"/>
-    <p:sldId id="270" r:id="rId11"/>
-    <p:sldId id="271" r:id="rId12"/>
-    <p:sldId id="265" r:id="rId13"/>
-    <p:sldId id="267" r:id="rId14"/>
-    <p:sldId id="268" r:id="rId15"/>
-    <p:sldId id="269" r:id="rId16"/>
-    <p:sldId id="272" r:id="rId17"/>
-    <p:sldId id="273" r:id="rId18"/>
-    <p:sldId id="274" r:id="rId19"/>
-    <p:sldId id="275" r:id="rId20"/>
-    <p:sldId id="276" r:id="rId21"/>
-    <p:sldId id="277" r:id="rId22"/>
-    <p:sldId id="278" r:id="rId23"/>
+    <p:sldId id="262" r:id="rId3"/>
+    <p:sldId id="266" r:id="rId4"/>
+    <p:sldId id="263" r:id="rId5"/>
+    <p:sldId id="264" r:id="rId6"/>
+    <p:sldId id="270" r:id="rId7"/>
+    <p:sldId id="271" r:id="rId8"/>
+    <p:sldId id="311" r:id="rId9"/>
+    <p:sldId id="265" r:id="rId10"/>
+    <p:sldId id="267" r:id="rId11"/>
+    <p:sldId id="268" r:id="rId12"/>
+    <p:sldId id="269" r:id="rId13"/>
+    <p:sldId id="303" r:id="rId14"/>
+    <p:sldId id="304" r:id="rId15"/>
+    <p:sldId id="272" r:id="rId16"/>
+    <p:sldId id="273" r:id="rId17"/>
+    <p:sldId id="274" r:id="rId18"/>
+    <p:sldId id="275" r:id="rId19"/>
+    <p:sldId id="276" r:id="rId20"/>
+    <p:sldId id="277" r:id="rId21"/>
+    <p:sldId id="278" r:id="rId22"/>
+    <p:sldId id="306" r:id="rId23"/>
     <p:sldId id="279" r:id="rId24"/>
     <p:sldId id="280" r:id="rId25"/>
     <p:sldId id="281" r:id="rId26"/>
@@ -35,6 +35,23 @@
     <p:sldId id="285" r:id="rId29"/>
     <p:sldId id="283" r:id="rId30"/>
     <p:sldId id="286" r:id="rId31"/>
+    <p:sldId id="287" r:id="rId32"/>
+    <p:sldId id="288" r:id="rId33"/>
+    <p:sldId id="289" r:id="rId34"/>
+    <p:sldId id="292" r:id="rId35"/>
+    <p:sldId id="293" r:id="rId36"/>
+    <p:sldId id="296" r:id="rId37"/>
+    <p:sldId id="297" r:id="rId38"/>
+    <p:sldId id="298" r:id="rId39"/>
+    <p:sldId id="299" r:id="rId40"/>
+    <p:sldId id="300" r:id="rId41"/>
+    <p:sldId id="301" r:id="rId42"/>
+    <p:sldId id="302" r:id="rId43"/>
+    <p:sldId id="305" r:id="rId44"/>
+    <p:sldId id="308" r:id="rId45"/>
+    <p:sldId id="309" r:id="rId46"/>
+    <p:sldId id="307" r:id="rId47"/>
+    <p:sldId id="312" r:id="rId48"/>
   </p:sldIdLst>
   <p:sldSz cx="12192000" cy="6858000"/>
   <p:notesSz cx="6858000" cy="9144000"/>
@@ -267,7 +284,7 @@
           <a:p>
             <a:fld id="{C764DE79-268F-4C1A-8933-263129D2AF90}" type="datetimeFigureOut">
               <a:rPr lang="en-US" dirty="0"/>
-              <a:t>3/29/2016</a:t>
+              <a:t>4/3/2016</a:t>
             </a:fld>
             <a:endParaRPr lang="en-US" dirty="0"/>
           </a:p>
@@ -437,7 +454,7 @@
           <a:p>
             <a:fld id="{C764DE79-268F-4C1A-8933-263129D2AF90}" type="datetimeFigureOut">
               <a:rPr lang="en-US" dirty="0"/>
-              <a:t>3/29/2016</a:t>
+              <a:t>4/3/2016</a:t>
             </a:fld>
             <a:endParaRPr lang="en-US" dirty="0"/>
           </a:p>
@@ -617,7 +634,7 @@
           <a:p>
             <a:fld id="{C764DE79-268F-4C1A-8933-263129D2AF90}" type="datetimeFigureOut">
               <a:rPr lang="en-US" dirty="0"/>
-              <a:t>3/29/2016</a:t>
+              <a:t>4/3/2016</a:t>
             </a:fld>
             <a:endParaRPr lang="en-US" dirty="0"/>
           </a:p>
@@ -787,7 +804,7 @@
           <a:p>
             <a:fld id="{C764DE79-268F-4C1A-8933-263129D2AF90}" type="datetimeFigureOut">
               <a:rPr lang="en-US" dirty="0"/>
-              <a:t>3/29/2016</a:t>
+              <a:t>4/3/2016</a:t>
             </a:fld>
             <a:endParaRPr lang="en-US" dirty="0"/>
           </a:p>
@@ -1033,7 +1050,7 @@
           <a:p>
             <a:fld id="{C764DE79-268F-4C1A-8933-263129D2AF90}" type="datetimeFigureOut">
               <a:rPr lang="en-US" dirty="0"/>
-              <a:t>3/29/2016</a:t>
+              <a:t>4/3/2016</a:t>
             </a:fld>
             <a:endParaRPr lang="en-US" dirty="0"/>
           </a:p>
@@ -1265,7 +1282,7 @@
           <a:p>
             <a:fld id="{C764DE79-268F-4C1A-8933-263129D2AF90}" type="datetimeFigureOut">
               <a:rPr lang="en-US" dirty="0"/>
-              <a:t>3/29/2016</a:t>
+              <a:t>4/3/2016</a:t>
             </a:fld>
             <a:endParaRPr lang="en-US" dirty="0"/>
           </a:p>
@@ -1632,7 +1649,7 @@
           <a:p>
             <a:fld id="{C764DE79-268F-4C1A-8933-263129D2AF90}" type="datetimeFigureOut">
               <a:rPr lang="en-US" dirty="0"/>
-              <a:t>3/29/2016</a:t>
+              <a:t>4/3/2016</a:t>
             </a:fld>
             <a:endParaRPr lang="en-US" dirty="0"/>
           </a:p>
@@ -1750,7 +1767,7 @@
           <a:p>
             <a:fld id="{C764DE79-268F-4C1A-8933-263129D2AF90}" type="datetimeFigureOut">
               <a:rPr lang="en-US" dirty="0"/>
-              <a:t>3/29/2016</a:t>
+              <a:t>4/3/2016</a:t>
             </a:fld>
             <a:endParaRPr lang="en-US" dirty="0"/>
           </a:p>
@@ -1845,7 +1862,7 @@
           <a:p>
             <a:fld id="{C764DE79-268F-4C1A-8933-263129D2AF90}" type="datetimeFigureOut">
               <a:rPr lang="en-US" dirty="0"/>
-              <a:t>3/29/2016</a:t>
+              <a:t>4/3/2016</a:t>
             </a:fld>
             <a:endParaRPr lang="en-US" dirty="0"/>
           </a:p>
@@ -2122,7 +2139,7 @@
           <a:p>
             <a:fld id="{C764DE79-268F-4C1A-8933-263129D2AF90}" type="datetimeFigureOut">
               <a:rPr lang="en-US" dirty="0"/>
-              <a:t>3/29/2016</a:t>
+              <a:t>4/3/2016</a:t>
             </a:fld>
             <a:endParaRPr lang="en-US" dirty="0"/>
           </a:p>
@@ -2379,7 +2396,7 @@
           <a:p>
             <a:fld id="{C764DE79-268F-4C1A-8933-263129D2AF90}" type="datetimeFigureOut">
               <a:rPr lang="en-US" dirty="0"/>
-              <a:t>3/29/2016</a:t>
+              <a:t>4/3/2016</a:t>
             </a:fld>
             <a:endParaRPr lang="en-US" dirty="0"/>
           </a:p>
@@ -2592,7 +2609,7 @@
           <a:p>
             <a:fld id="{C764DE79-268F-4C1A-8933-263129D2AF90}" type="datetimeFigureOut">
               <a:rPr lang="en-US" dirty="0"/>
-              <a:t>3/29/2016</a:t>
+              <a:t>4/3/2016</a:t>
             </a:fld>
             <a:endParaRPr lang="en-US" dirty="0"/>
           </a:p>
@@ -3099,112 +3116,6 @@
       </p:grpSpPr>
       <p:sp>
         <p:nvSpPr>
-          <p:cNvPr id="2" name="Title 1"/>
-          <p:cNvSpPr>
-            <a:spLocks noGrp="1"/>
-          </p:cNvSpPr>
-          <p:nvPr>
-            <p:ph type="title"/>
-          </p:nvPr>
-        </p:nvSpPr>
-        <p:spPr/>
-        <p:txBody>
-          <a:bodyPr/>
-          <a:lstStyle/>
-          <a:p>
-            <a:r>
-              <a:rPr lang="en-US" dirty="0"/>
-              <a:t>String Interpolation and Escaping</a:t>
-            </a:r>
-          </a:p>
-        </p:txBody>
-      </p:sp>
-      <p:sp>
-        <p:nvSpPr>
-          <p:cNvPr id="3" name="Content Placeholder 2"/>
-          <p:cNvSpPr>
-            <a:spLocks noGrp="1"/>
-          </p:cNvSpPr>
-          <p:nvPr>
-            <p:ph idx="1"/>
-          </p:nvPr>
-        </p:nvSpPr>
-        <p:spPr/>
-        <p:txBody>
-          <a:bodyPr/>
-          <a:lstStyle/>
-          <a:p>
-            <a:r>
-              <a:rPr lang="en-US" b="1" dirty="0"/>
-              <a:t>Interpolation</a:t>
-            </a:r>
-            <a:r>
-              <a:rPr lang="en-US" dirty="0"/>
-              <a:t> – inserting variables into a string</a:t>
-            </a:r>
-          </a:p>
-          <a:p>
-            <a:r>
-              <a:rPr lang="en-US" dirty="0"/>
-              <a:t>Strings with single quotes ('') do not interpolate</a:t>
-            </a:r>
-          </a:p>
-          <a:p>
-            <a:r>
-              <a:rPr lang="en-US" dirty="0"/>
-              <a:t>Strings with double quotes ("") interpolate</a:t>
-            </a:r>
-          </a:p>
-          <a:p>
-            <a:r>
-              <a:rPr lang="en-US" b="1" dirty="0"/>
-              <a:t>Escaping</a:t>
-            </a:r>
-            <a:r>
-              <a:rPr lang="en-US" dirty="0"/>
-              <a:t> – Ignoring a special character in a string</a:t>
-            </a:r>
-          </a:p>
-          <a:p>
-            <a:r>
-              <a:rPr lang="en-US" dirty="0"/>
-              <a:t>Put a \ (backslash) before a quote to make PHP ignore it</a:t>
-            </a:r>
-          </a:p>
-        </p:txBody>
-      </p:sp>
-    </p:spTree>
-    <p:extLst>
-      <p:ext uri="{BB962C8B-B14F-4D97-AF65-F5344CB8AC3E}">
-        <p14:creationId xmlns:p14="http://schemas.microsoft.com/office/powerpoint/2010/main" val="2596129200"/>
-      </p:ext>
-    </p:extLst>
-  </p:cSld>
-  <p:clrMapOvr>
-    <a:masterClrMapping/>
-  </p:clrMapOvr>
-</p:sld>
-</file>
-
-<file path=ppt/slides/slide11.xml><?xml version="1.0" encoding="utf-8"?>
-<p:sld xmlns:a="http://schemas.openxmlformats.org/drawingml/2006/main" xmlns:r="http://schemas.openxmlformats.org/officeDocument/2006/relationships" xmlns:p="http://schemas.openxmlformats.org/presentationml/2006/main">
-  <p:cSld>
-    <p:spTree>
-      <p:nvGrpSpPr>
-        <p:cNvPr id="1" name=""/>
-        <p:cNvGrpSpPr/>
-        <p:nvPr/>
-      </p:nvGrpSpPr>
-      <p:grpSpPr>
-        <a:xfrm>
-          <a:off x="0" y="0"/>
-          <a:ext cx="0" cy="0"/>
-          <a:chOff x="0" y="0"/>
-          <a:chExt cx="0" cy="0"/>
-        </a:xfrm>
-      </p:grpSpPr>
-      <p:sp>
-        <p:nvSpPr>
           <p:cNvPr id="5" name="TextBox 4"/>
           <p:cNvSpPr txBox="1"/>
           <p:nvPr/>
@@ -3469,7 +3380,7 @@
         <p:spPr>
           <a:xfrm>
             <a:off x="935490" y="583973"/>
-            <a:ext cx="11256511" cy="3046988"/>
+            <a:ext cx="11256511" cy="3785652"/>
           </a:xfrm>
           <a:prstGeom prst="rect">
             <a:avLst/>
@@ -3527,24 +3438,18 @@
             </a:pPr>
             <a:r>
               <a:rPr lang="en-US" sz="2400" dirty="0">
-                <a:latin typeface="Consolas" panose="020B0609020204030204" pitchFamily="49" charset="0"/>
-              </a:rPr>
-              <a:t>$foobar = </a:t>
-            </a:r>
-            <a:r>
-              <a:rPr lang="en-US" sz="2400" dirty="0">
-                <a:solidFill>
-                  <a:schemeClr val="accent2"/>
-                </a:solidFill>
-                <a:latin typeface="Consolas" panose="020B0609020204030204" pitchFamily="49" charset="0"/>
-              </a:rPr>
-              <a:t>"abc123"</a:t>
-            </a:r>
-            <a:r>
-              <a:rPr lang="en-US" sz="2400" dirty="0">
-                <a:latin typeface="Consolas" panose="020B0609020204030204" pitchFamily="49" charset="0"/>
-              </a:rPr>
-              <a:t>;</a:t>
+                <a:solidFill>
+                  <a:srgbClr val="0070C0"/>
+                </a:solidFill>
+                <a:latin typeface="Consolas" panose="020B0609020204030204" pitchFamily="49" charset="0"/>
+              </a:rPr>
+              <a:t>echo</a:t>
+            </a:r>
+            <a:r>
+              <a:rPr lang="en-US" sz="2400" dirty="0">
+                <a:latin typeface="Consolas" panose="020B0609020204030204" pitchFamily="49" charset="0"/>
+              </a:rPr>
+              <a:t> 2 + 2;</a:t>
             </a:r>
           </a:p>
           <a:p>
@@ -3561,33 +3466,9 @@
             </a:pPr>
             <a:r>
               <a:rPr lang="en-US" sz="2400" dirty="0">
-                <a:solidFill>
-                  <a:srgbClr val="0070C0"/>
-                </a:solidFill>
-                <a:latin typeface="Consolas" panose="020B0609020204030204" pitchFamily="49" charset="0"/>
-              </a:rPr>
-              <a:t>echo</a:t>
-            </a:r>
-            <a:r>
-              <a:rPr lang="en-US" sz="2400" dirty="0">
-                <a:latin typeface="Consolas" panose="020B0609020204030204" pitchFamily="49" charset="0"/>
-              </a:rPr>
-              <a:t> </a:t>
-            </a:r>
-            <a:r>
-              <a:rPr lang="en-US" sz="2400" dirty="0">
-                <a:solidFill>
-                  <a:schemeClr val="accent2"/>
-                </a:solidFill>
-                <a:latin typeface="Consolas" panose="020B0609020204030204" pitchFamily="49" charset="0"/>
-              </a:rPr>
-              <a:t>"foobar is $foobar"</a:t>
-            </a:r>
-            <a:r>
-              <a:rPr lang="en-US" sz="2400" dirty="0">
-                <a:latin typeface="Consolas" panose="020B0609020204030204" pitchFamily="49" charset="0"/>
-              </a:rPr>
-              <a:t>;</a:t>
+                <a:latin typeface="Consolas" panose="020B0609020204030204" pitchFamily="49" charset="0"/>
+              </a:rPr>
+              <a:t>$foo = 3;</a:t>
             </a:r>
           </a:p>
           <a:p>
@@ -3596,33 +3477,9 @@
             </a:pPr>
             <a:r>
               <a:rPr lang="en-US" sz="2400" dirty="0">
-                <a:solidFill>
-                  <a:srgbClr val="0070C0"/>
-                </a:solidFill>
-                <a:latin typeface="Consolas" panose="020B0609020204030204" pitchFamily="49" charset="0"/>
-              </a:rPr>
-              <a:t>echo</a:t>
-            </a:r>
-            <a:r>
-              <a:rPr lang="en-US" sz="2400" dirty="0">
-                <a:latin typeface="Consolas" panose="020B0609020204030204" pitchFamily="49" charset="0"/>
-              </a:rPr>
-              <a:t> </a:t>
-            </a:r>
-            <a:r>
-              <a:rPr lang="en-US" sz="2400" dirty="0">
-                <a:solidFill>
-                  <a:schemeClr val="accent2"/>
-                </a:solidFill>
-                <a:latin typeface="Consolas" panose="020B0609020204030204" pitchFamily="49" charset="0"/>
-              </a:rPr>
-              <a:t>'foobar is $foobar'</a:t>
-            </a:r>
-            <a:r>
-              <a:rPr lang="en-US" sz="2400" dirty="0">
-                <a:latin typeface="Consolas" panose="020B0609020204030204" pitchFamily="49" charset="0"/>
-              </a:rPr>
-              <a:t>;</a:t>
+                <a:latin typeface="Consolas" panose="020B0609020204030204" pitchFamily="49" charset="0"/>
+              </a:rPr>
+              <a:t>$bar = 4;</a:t>
             </a:r>
           </a:p>
           <a:p>
@@ -3639,6 +3496,25 @@
             </a:pPr>
             <a:r>
               <a:rPr lang="en-US" sz="2400" dirty="0">
+                <a:latin typeface="Consolas" panose="020B0609020204030204" pitchFamily="49" charset="0"/>
+              </a:rPr>
+              <a:t>$foobar = $foo * $bar;</a:t>
+            </a:r>
+          </a:p>
+          <a:p>
+            <a:pPr marL="0" indent="0">
+              <a:buNone/>
+            </a:pPr>
+            <a:endParaRPr lang="en-US" sz="2400" dirty="0">
+              <a:latin typeface="Consolas" panose="020B0609020204030204" pitchFamily="49" charset="0"/>
+            </a:endParaRPr>
+          </a:p>
+          <a:p>
+            <a:pPr marL="0" indent="0">
+              <a:buNone/>
+            </a:pPr>
+            <a:r>
+              <a:rPr lang="en-US" sz="2400" dirty="0">
                 <a:solidFill>
                   <a:srgbClr val="0070C0"/>
                 </a:solidFill>
@@ -3650,16 +3526,7 @@
               <a:rPr lang="en-US" sz="2400" dirty="0">
                 <a:latin typeface="Consolas" panose="020B0609020204030204" pitchFamily="49" charset="0"/>
               </a:rPr>
-              <a:t> </a:t>
-            </a:r>
-            <a:r>
-              <a:rPr lang="en-US" sz="2400" dirty="0">
-                <a:solidFill>
-                  <a:schemeClr val="accent2"/>
-                </a:solidFill>
-                <a:latin typeface="Consolas" panose="020B0609020204030204" pitchFamily="49" charset="0"/>
-              </a:rPr>
-              <a:t>'The quote has escaped! \' ';</a:t>
+              <a:t> ($bar ** foo) % $foobar;</a:t>
             </a:r>
           </a:p>
         </p:txBody>
@@ -3713,7 +3580,7 @@
             <a:pPr algn="ctr"/>
             <a:r>
               <a:rPr lang="en-US" sz="3600" dirty="0"/>
-              <a:t>Example 1-2 : String Interpolation and Escaping</a:t>
+              <a:t>Example 1-3 : Basic Operators</a:t>
             </a:r>
           </a:p>
         </p:txBody>
@@ -3721,7 +3588,180 @@
     </p:spTree>
     <p:extLst>
       <p:ext uri="{BB962C8B-B14F-4D97-AF65-F5344CB8AC3E}">
-        <p14:creationId xmlns:p14="http://schemas.microsoft.com/office/powerpoint/2010/main" val="2773596388"/>
+        <p14:creationId xmlns:p14="http://schemas.microsoft.com/office/powerpoint/2010/main" val="563659054"/>
+      </p:ext>
+    </p:extLst>
+  </p:cSld>
+  <p:clrMapOvr>
+    <a:masterClrMapping/>
+  </p:clrMapOvr>
+</p:sld>
+</file>
+
+<file path=ppt/slides/slide11.xml><?xml version="1.0" encoding="utf-8"?>
+<p:sld xmlns:a="http://schemas.openxmlformats.org/drawingml/2006/main" xmlns:r="http://schemas.openxmlformats.org/officeDocument/2006/relationships" xmlns:p="http://schemas.openxmlformats.org/presentationml/2006/main">
+  <p:cSld>
+    <p:spTree>
+      <p:nvGrpSpPr>
+        <p:cNvPr id="1" name=""/>
+        <p:cNvGrpSpPr/>
+        <p:nvPr/>
+      </p:nvGrpSpPr>
+      <p:grpSpPr>
+        <a:xfrm>
+          <a:off x="0" y="0"/>
+          <a:ext cx="0" cy="0"/>
+          <a:chOff x="0" y="0"/>
+          <a:chExt cx="0" cy="0"/>
+        </a:xfrm>
+      </p:grpSpPr>
+      <p:sp>
+        <p:nvSpPr>
+          <p:cNvPr id="2" name="Title 1"/>
+          <p:cNvSpPr>
+            <a:spLocks noGrp="1"/>
+          </p:cNvSpPr>
+          <p:nvPr>
+            <p:ph type="title"/>
+          </p:nvPr>
+        </p:nvSpPr>
+        <p:spPr/>
+        <p:txBody>
+          <a:bodyPr/>
+          <a:lstStyle/>
+          <a:p>
+            <a:r>
+              <a:rPr lang="en-US" dirty="0"/>
+              <a:t>Advanced Operators</a:t>
+            </a:r>
+          </a:p>
+        </p:txBody>
+      </p:sp>
+      <p:sp>
+        <p:nvSpPr>
+          <p:cNvPr id="3" name="Content Placeholder 2"/>
+          <p:cNvSpPr>
+            <a:spLocks noGrp="1"/>
+          </p:cNvSpPr>
+          <p:nvPr>
+            <p:ph idx="1"/>
+          </p:nvPr>
+        </p:nvSpPr>
+        <p:spPr/>
+        <p:txBody>
+          <a:bodyPr/>
+          <a:lstStyle/>
+          <a:p>
+            <a:r>
+              <a:rPr lang="en-US" dirty="0"/>
+              <a:t>++ (</a:t>
+            </a:r>
+            <a:r>
+              <a:rPr lang="en-US" b="1" dirty="0"/>
+              <a:t>Increment</a:t>
+            </a:r>
+            <a:r>
+              <a:rPr lang="en-US" dirty="0"/>
+              <a:t>) adds one to the number before it</a:t>
+            </a:r>
+          </a:p>
+          <a:p>
+            <a:r>
+              <a:rPr lang="en-US" dirty="0"/>
+              <a:t>-- (</a:t>
+            </a:r>
+            <a:r>
+              <a:rPr lang="en-US" b="1" dirty="0"/>
+              <a:t>Decrement</a:t>
+            </a:r>
+            <a:r>
+              <a:rPr lang="en-US" dirty="0"/>
+              <a:t>) subtracts one instead</a:t>
+            </a:r>
+          </a:p>
+          <a:p>
+            <a:r>
+              <a:rPr lang="en-US" dirty="0"/>
+              <a:t>. (</a:t>
+            </a:r>
+            <a:r>
+              <a:rPr lang="en-US" b="1" dirty="0"/>
+              <a:t>Concatenate</a:t>
+            </a:r>
+            <a:r>
+              <a:rPr lang="en-US" dirty="0"/>
+              <a:t>) connects two strings</a:t>
+            </a:r>
+          </a:p>
+          <a:p>
+            <a:r>
+              <a:rPr lang="en-US" b="1" dirty="0"/>
+              <a:t>Logical operators </a:t>
+            </a:r>
+            <a:r>
+              <a:rPr lang="en-US" dirty="0"/>
+              <a:t>work on Booleans</a:t>
+            </a:r>
+          </a:p>
+          <a:p>
+            <a:pPr lvl="1"/>
+            <a:r>
+              <a:rPr lang="en-US" dirty="0"/>
+              <a:t>&amp;&amp; (</a:t>
+            </a:r>
+            <a:r>
+              <a:rPr lang="en-US" b="1" dirty="0"/>
+              <a:t>and</a:t>
+            </a:r>
+            <a:r>
+              <a:rPr lang="en-US" dirty="0"/>
+              <a:t>) is true if both inputs are true</a:t>
+            </a:r>
+          </a:p>
+          <a:p>
+            <a:pPr lvl="1"/>
+            <a:r>
+              <a:rPr lang="en-US" dirty="0"/>
+              <a:t>|| (</a:t>
+            </a:r>
+            <a:r>
+              <a:rPr lang="en-US" b="1" dirty="0"/>
+              <a:t>or</a:t>
+            </a:r>
+            <a:r>
+              <a:rPr lang="en-US" dirty="0"/>
+              <a:t>) is true if one or both inputs are true</a:t>
+            </a:r>
+          </a:p>
+          <a:p>
+            <a:pPr lvl="1"/>
+            <a:r>
+              <a:rPr lang="en-US" dirty="0"/>
+              <a:t>! (</a:t>
+            </a:r>
+            <a:r>
+              <a:rPr lang="en-US" b="1" dirty="0"/>
+              <a:t>not</a:t>
+            </a:r>
+            <a:r>
+              <a:rPr lang="en-US" dirty="0"/>
+              <a:t>) goes in front of a </a:t>
+            </a:r>
+            <a:r>
+              <a:rPr lang="en-US" dirty="0" err="1"/>
+              <a:t>boolean</a:t>
+            </a:r>
+            <a:r>
+              <a:rPr lang="en-US" dirty="0"/>
+              <a:t> and flips it</a:t>
+            </a:r>
+          </a:p>
+        </p:txBody>
+      </p:sp>
+    </p:spTree>
+    <p:extLst>
+      <p:ext uri="{BB962C8B-B14F-4D97-AF65-F5344CB8AC3E}">
+        <p14:creationId xmlns:p14="http://schemas.microsoft.com/office/powerpoint/2010/main" val="421594006"/>
       </p:ext>
     </p:extLst>
   </p:cSld>
@@ -3750,148 +3790,6 @@
       </p:grpSpPr>
       <p:sp>
         <p:nvSpPr>
-          <p:cNvPr id="2" name="Title 1"/>
-          <p:cNvSpPr>
-            <a:spLocks noGrp="1"/>
-          </p:cNvSpPr>
-          <p:nvPr>
-            <p:ph type="title"/>
-          </p:nvPr>
-        </p:nvSpPr>
-        <p:spPr/>
-        <p:txBody>
-          <a:bodyPr/>
-          <a:lstStyle/>
-          <a:p>
-            <a:r>
-              <a:rPr lang="en-US" dirty="0"/>
-              <a:t>Basic Operators</a:t>
-            </a:r>
-          </a:p>
-        </p:txBody>
-      </p:sp>
-      <p:sp>
-        <p:nvSpPr>
-          <p:cNvPr id="3" name="Content Placeholder 2"/>
-          <p:cNvSpPr>
-            <a:spLocks noGrp="1"/>
-          </p:cNvSpPr>
-          <p:nvPr>
-            <p:ph idx="1"/>
-          </p:nvPr>
-        </p:nvSpPr>
-        <p:spPr/>
-        <p:txBody>
-          <a:bodyPr/>
-          <a:lstStyle/>
-          <a:p>
-            <a:r>
-              <a:rPr lang="en-US" b="1" dirty="0"/>
-              <a:t>Operators</a:t>
-            </a:r>
-            <a:r>
-              <a:rPr lang="en-US" dirty="0"/>
-              <a:t> operate on data</a:t>
-            </a:r>
-          </a:p>
-          <a:p>
-            <a:r>
-              <a:rPr lang="en-US" dirty="0"/>
-              <a:t>Three types: </a:t>
-            </a:r>
-            <a:r>
-              <a:rPr lang="en-US" b="1" dirty="0"/>
-              <a:t>math</a:t>
-            </a:r>
-            <a:r>
-              <a:rPr lang="en-US" dirty="0"/>
-              <a:t>, </a:t>
-            </a:r>
-            <a:r>
-              <a:rPr lang="en-US" b="1" dirty="0"/>
-              <a:t>logical</a:t>
-            </a:r>
-            <a:r>
-              <a:rPr lang="en-US" dirty="0"/>
-              <a:t>, </a:t>
-            </a:r>
-            <a:r>
-              <a:rPr lang="en-US" b="1" dirty="0"/>
-              <a:t>bitwise</a:t>
-            </a:r>
-          </a:p>
-          <a:p>
-            <a:r>
-              <a:rPr lang="en-US" dirty="0"/>
-              <a:t>+ (add), - (subtract), * (multiply), / (divide)</a:t>
-            </a:r>
-          </a:p>
-          <a:p>
-            <a:r>
-              <a:rPr lang="en-US" dirty="0"/>
-              <a:t>** is power (NOT ^, that does something different)</a:t>
-            </a:r>
-          </a:p>
-          <a:p>
-            <a:r>
-              <a:rPr lang="en-US" dirty="0"/>
-              <a:t>% is </a:t>
-            </a:r>
-            <a:r>
-              <a:rPr lang="en-US" b="1" dirty="0"/>
-              <a:t>modulus</a:t>
-            </a:r>
-            <a:r>
-              <a:rPr lang="en-US" dirty="0"/>
-              <a:t>, gives the remainder of division</a:t>
-            </a:r>
-          </a:p>
-          <a:p>
-            <a:r>
-              <a:rPr lang="en-US" dirty="0"/>
-              <a:t>Parentheses and order of operations work just like math class</a:t>
-            </a:r>
-          </a:p>
-          <a:p>
-            <a:r>
-              <a:rPr lang="en-US" dirty="0"/>
-              <a:t>Can use variables, result can be stored in one</a:t>
-            </a:r>
-          </a:p>
-        </p:txBody>
-      </p:sp>
-    </p:spTree>
-    <p:extLst>
-      <p:ext uri="{BB962C8B-B14F-4D97-AF65-F5344CB8AC3E}">
-        <p14:creationId xmlns:p14="http://schemas.microsoft.com/office/powerpoint/2010/main" val="2023057782"/>
-      </p:ext>
-    </p:extLst>
-  </p:cSld>
-  <p:clrMapOvr>
-    <a:masterClrMapping/>
-  </p:clrMapOvr>
-</p:sld>
-</file>
-
-<file path=ppt/slides/slide13.xml><?xml version="1.0" encoding="utf-8"?>
-<p:sld xmlns:a="http://schemas.openxmlformats.org/drawingml/2006/main" xmlns:r="http://schemas.openxmlformats.org/officeDocument/2006/relationships" xmlns:p="http://schemas.openxmlformats.org/presentationml/2006/main">
-  <p:cSld>
-    <p:spTree>
-      <p:nvGrpSpPr>
-        <p:cNvPr id="1" name=""/>
-        <p:cNvGrpSpPr/>
-        <p:nvPr/>
-      </p:nvGrpSpPr>
-      <p:grpSpPr>
-        <a:xfrm>
-          <a:off x="0" y="0"/>
-          <a:ext cx="0" cy="0"/>
-          <a:chOff x="0" y="0"/>
-          <a:chExt cx="0" cy="0"/>
-        </a:xfrm>
-      </p:grpSpPr>
-      <p:sp>
-        <p:nvSpPr>
           <p:cNvPr id="5" name="TextBox 4"/>
           <p:cNvSpPr txBox="1"/>
           <p:nvPr/>
@@ -4191,6 +4089,63 @@
               <a:t>php</a:t>
             </a:r>
             <a:endParaRPr lang="en-US" sz="2400" dirty="0">
+              <a:latin typeface="Consolas" panose="020B0609020204030204" pitchFamily="49" charset="0"/>
+            </a:endParaRPr>
+          </a:p>
+          <a:p>
+            <a:pPr marL="0" indent="0">
+              <a:buNone/>
+            </a:pPr>
+            <a:endParaRPr lang="en-US" sz="2400" dirty="0">
+              <a:latin typeface="Consolas" panose="020B0609020204030204" pitchFamily="49" charset="0"/>
+            </a:endParaRPr>
+          </a:p>
+          <a:p>
+            <a:pPr marL="0" indent="0">
+              <a:buNone/>
+            </a:pPr>
+            <a:r>
+              <a:rPr lang="en-US" sz="2400" dirty="0">
+                <a:latin typeface="Consolas" panose="020B0609020204030204" pitchFamily="49" charset="0"/>
+              </a:rPr>
+              <a:t>$foobar = </a:t>
+            </a:r>
+            <a:r>
+              <a:rPr lang="en-US" sz="2400" dirty="0">
+                <a:solidFill>
+                  <a:srgbClr val="C00000"/>
+                </a:solidFill>
+                <a:latin typeface="Consolas" panose="020B0609020204030204" pitchFamily="49" charset="0"/>
+              </a:rPr>
+              <a:t>10</a:t>
+            </a:r>
+            <a:r>
+              <a:rPr lang="en-US" sz="2400" dirty="0">
+                <a:latin typeface="Consolas" panose="020B0609020204030204" pitchFamily="49" charset="0"/>
+              </a:rPr>
+              <a:t>++;</a:t>
+            </a:r>
+          </a:p>
+          <a:p>
+            <a:pPr marL="0" indent="0">
+              <a:buNone/>
+            </a:pPr>
+            <a:r>
+              <a:rPr lang="en-US" sz="2400" dirty="0">
+                <a:solidFill>
+                  <a:srgbClr val="0070C0"/>
+                </a:solidFill>
+                <a:latin typeface="Consolas" panose="020B0609020204030204" pitchFamily="49" charset="0"/>
+              </a:rPr>
+              <a:t>echo</a:t>
+            </a:r>
+            <a:r>
+              <a:rPr lang="en-US" sz="2400" dirty="0">
+                <a:latin typeface="Consolas" panose="020B0609020204030204" pitchFamily="49" charset="0"/>
+              </a:rPr>
+              <a:t> $foobar;</a:t>
+            </a:r>
+            <a:endParaRPr lang="en-US" sz="2400" dirty="0">
               <a:solidFill>
                 <a:srgbClr val="7030A0"/>
               </a:solidFill>
@@ -4225,7 +4180,37 @@
               <a:rPr lang="en-US" sz="2400" dirty="0">
                 <a:latin typeface="Consolas" panose="020B0609020204030204" pitchFamily="49" charset="0"/>
               </a:rPr>
-              <a:t> 2 + 2;</a:t>
+              <a:t> </a:t>
+            </a:r>
+            <a:r>
+              <a:rPr lang="en-US" sz="2400" dirty="0">
+                <a:solidFill>
+                  <a:schemeClr val="accent2"/>
+                </a:solidFill>
+                <a:latin typeface="Consolas" panose="020B0609020204030204" pitchFamily="49" charset="0"/>
+              </a:rPr>
+              <a:t>"Hello,"</a:t>
+            </a:r>
+            <a:r>
+              <a:rPr lang="en-US" sz="2400" dirty="0">
+                <a:latin typeface="Consolas" panose="020B0609020204030204" pitchFamily="49" charset="0"/>
+              </a:rPr>
+              <a:t> . </a:t>
+            </a:r>
+            <a:r>
+              <a:rPr lang="en-US" sz="2400" dirty="0">
+                <a:solidFill>
+                  <a:schemeClr val="accent2"/>
+                </a:solidFill>
+                <a:latin typeface="Consolas" panose="020B0609020204030204" pitchFamily="49" charset="0"/>
+              </a:rPr>
+              <a:t>" world!"</a:t>
+            </a:r>
+            <a:r>
+              <a:rPr lang="en-US" sz="2400" dirty="0">
+                <a:latin typeface="Consolas" panose="020B0609020204030204" pitchFamily="49" charset="0"/>
+              </a:rPr>
+              <a:t>;</a:t>
             </a:r>
           </a:p>
           <a:p>
@@ -4242,9 +4227,48 @@
             </a:pPr>
             <a:r>
               <a:rPr lang="en-US" sz="2400" dirty="0">
-                <a:latin typeface="Consolas" panose="020B0609020204030204" pitchFamily="49" charset="0"/>
-              </a:rPr>
-              <a:t>$foo = 3;</a:t>
+                <a:solidFill>
+                  <a:srgbClr val="0070C0"/>
+                </a:solidFill>
+                <a:latin typeface="Consolas" panose="020B0609020204030204" pitchFamily="49" charset="0"/>
+              </a:rPr>
+              <a:t>echo</a:t>
+            </a:r>
+            <a:r>
+              <a:rPr lang="en-US" sz="2400" dirty="0">
+                <a:latin typeface="Consolas" panose="020B0609020204030204" pitchFamily="49" charset="0"/>
+              </a:rPr>
+              <a:t> </a:t>
+            </a:r>
+            <a:r>
+              <a:rPr lang="en-US" sz="2400" dirty="0">
+                <a:solidFill>
+                  <a:srgbClr val="0070C0"/>
+                </a:solidFill>
+                <a:latin typeface="Consolas" panose="020B0609020204030204" pitchFamily="49" charset="0"/>
+              </a:rPr>
+              <a:t>true</a:t>
+            </a:r>
+            <a:r>
+              <a:rPr lang="en-US" sz="2400" dirty="0">
+                <a:latin typeface="Consolas" panose="020B0609020204030204" pitchFamily="49" charset="0"/>
+              </a:rPr>
+              <a:t> &amp;&amp; </a:t>
+            </a:r>
+            <a:r>
+              <a:rPr lang="en-US" sz="2400" dirty="0">
+                <a:solidFill>
+                  <a:srgbClr val="0070C0"/>
+                </a:solidFill>
+                <a:latin typeface="Consolas" panose="020B0609020204030204" pitchFamily="49" charset="0"/>
+              </a:rPr>
+              <a:t>false</a:t>
+            </a:r>
+            <a:r>
+              <a:rPr lang="en-US" sz="2400" dirty="0">
+                <a:latin typeface="Consolas" panose="020B0609020204030204" pitchFamily="49" charset="0"/>
+              </a:rPr>
+              <a:t>;</a:t>
             </a:r>
           </a:p>
           <a:p>
@@ -4253,42 +4277,54 @@
             </a:pPr>
             <a:r>
               <a:rPr lang="en-US" sz="2400" dirty="0">
-                <a:latin typeface="Consolas" panose="020B0609020204030204" pitchFamily="49" charset="0"/>
-              </a:rPr>
-              <a:t>$bar = 4;</a:t>
+                <a:solidFill>
+                  <a:srgbClr val="0070C0"/>
+                </a:solidFill>
+                <a:latin typeface="Consolas" panose="020B0609020204030204" pitchFamily="49" charset="0"/>
+              </a:rPr>
+              <a:t>echo</a:t>
+            </a:r>
+            <a:r>
+              <a:rPr lang="en-US" sz="2400" dirty="0">
+                <a:latin typeface="Consolas" panose="020B0609020204030204" pitchFamily="49" charset="0"/>
+              </a:rPr>
+              <a:t> </a:t>
+            </a:r>
+            <a:r>
+              <a:rPr lang="en-US" sz="2400" dirty="0">
+                <a:solidFill>
+                  <a:srgbClr val="0070C0"/>
+                </a:solidFill>
+                <a:latin typeface="Consolas" panose="020B0609020204030204" pitchFamily="49" charset="0"/>
+              </a:rPr>
+              <a:t>true</a:t>
+            </a:r>
+            <a:r>
+              <a:rPr lang="en-US" sz="2400" dirty="0">
+                <a:latin typeface="Consolas" panose="020B0609020204030204" pitchFamily="49" charset="0"/>
+              </a:rPr>
+              <a:t> || </a:t>
+            </a:r>
+            <a:r>
+              <a:rPr lang="en-US" sz="2400" dirty="0">
+                <a:solidFill>
+                  <a:srgbClr val="0070C0"/>
+                </a:solidFill>
+                <a:latin typeface="Consolas" panose="020B0609020204030204" pitchFamily="49" charset="0"/>
+              </a:rPr>
+              <a:t>false</a:t>
+            </a:r>
+            <a:r>
+              <a:rPr lang="en-US" sz="2400" dirty="0">
+                <a:latin typeface="Consolas" panose="020B0609020204030204" pitchFamily="49" charset="0"/>
+              </a:rPr>
+              <a:t>;</a:t>
             </a:r>
           </a:p>
           <a:p>
             <a:pPr marL="0" indent="0">
               <a:buNone/>
             </a:pPr>
-            <a:endParaRPr lang="en-US" sz="2400" dirty="0">
-              <a:latin typeface="Consolas" panose="020B0609020204030204" pitchFamily="49" charset="0"/>
-            </a:endParaRPr>
-          </a:p>
-          <a:p>
-            <a:pPr marL="0" indent="0">
-              <a:buNone/>
-            </a:pPr>
-            <a:r>
-              <a:rPr lang="en-US" sz="2400" dirty="0">
-                <a:latin typeface="Consolas" panose="020B0609020204030204" pitchFamily="49" charset="0"/>
-              </a:rPr>
-              <a:t>$foobar = $foo * $bar;</a:t>
-            </a:r>
-          </a:p>
-          <a:p>
-            <a:pPr marL="0" indent="0">
-              <a:buNone/>
-            </a:pPr>
-            <a:endParaRPr lang="en-US" sz="2400" dirty="0">
-              <a:latin typeface="Consolas" panose="020B0609020204030204" pitchFamily="49" charset="0"/>
-            </a:endParaRPr>
-          </a:p>
-          <a:p>
-            <a:pPr marL="0" indent="0">
-              <a:buNone/>
-            </a:pPr>
             <a:r>
               <a:rPr lang="en-US" sz="2400" dirty="0">
                 <a:solidFill>
@@ -4302,7 +4338,37 @@
               <a:rPr lang="en-US" sz="2400" dirty="0">
                 <a:latin typeface="Consolas" panose="020B0609020204030204" pitchFamily="49" charset="0"/>
               </a:rPr>
-              <a:t> ($bar ** foo) % $foobar;</a:t>
+              <a:t> </a:t>
+            </a:r>
+            <a:r>
+              <a:rPr lang="en-US" sz="2400" dirty="0">
+                <a:solidFill>
+                  <a:srgbClr val="0070C0"/>
+                </a:solidFill>
+                <a:latin typeface="Consolas" panose="020B0609020204030204" pitchFamily="49" charset="0"/>
+              </a:rPr>
+              <a:t>true</a:t>
+            </a:r>
+            <a:r>
+              <a:rPr lang="en-US" sz="2400" dirty="0">
+                <a:latin typeface="Consolas" panose="020B0609020204030204" pitchFamily="49" charset="0"/>
+              </a:rPr>
+              <a:t> &amp;&amp; !</a:t>
+            </a:r>
+            <a:r>
+              <a:rPr lang="en-US" sz="2400" dirty="0">
+                <a:solidFill>
+                  <a:srgbClr val="0070C0"/>
+                </a:solidFill>
+                <a:latin typeface="Consolas" panose="020B0609020204030204" pitchFamily="49" charset="0"/>
+              </a:rPr>
+              <a:t>false</a:t>
+            </a:r>
+            <a:r>
+              <a:rPr lang="en-US" sz="2400" dirty="0">
+                <a:latin typeface="Consolas" panose="020B0609020204030204" pitchFamily="49" charset="0"/>
+              </a:rPr>
+              <a:t>;</a:t>
             </a:r>
           </a:p>
         </p:txBody>
@@ -4356,7 +4422,7 @@
             <a:pPr algn="ctr"/>
             <a:r>
               <a:rPr lang="en-US" sz="3600" dirty="0"/>
-              <a:t>Example 1-3 : Basic Operators</a:t>
+              <a:t>Example 1-4 : Advanced Operators</a:t>
             </a:r>
           </a:p>
         </p:txBody>
@@ -4364,7 +4430,133 @@
     </p:spTree>
     <p:extLst>
       <p:ext uri="{BB962C8B-B14F-4D97-AF65-F5344CB8AC3E}">
-        <p14:creationId xmlns:p14="http://schemas.microsoft.com/office/powerpoint/2010/main" val="563659054"/>
+        <p14:creationId xmlns:p14="http://schemas.microsoft.com/office/powerpoint/2010/main" val="2543802335"/>
+      </p:ext>
+    </p:extLst>
+  </p:cSld>
+  <p:clrMapOvr>
+    <a:masterClrMapping/>
+  </p:clrMapOvr>
+</p:sld>
+</file>
+
+<file path=ppt/slides/slide13.xml><?xml version="1.0" encoding="utf-8"?>
+<p:sld xmlns:a="http://schemas.openxmlformats.org/drawingml/2006/main" xmlns:r="http://schemas.openxmlformats.org/officeDocument/2006/relationships" xmlns:p="http://schemas.openxmlformats.org/presentationml/2006/main">
+  <p:cSld>
+    <p:spTree>
+      <p:nvGrpSpPr>
+        <p:cNvPr id="1" name=""/>
+        <p:cNvGrpSpPr/>
+        <p:nvPr/>
+      </p:nvGrpSpPr>
+      <p:grpSpPr>
+        <a:xfrm>
+          <a:off x="0" y="0"/>
+          <a:ext cx="0" cy="0"/>
+          <a:chOff x="0" y="0"/>
+          <a:chExt cx="0" cy="0"/>
+        </a:xfrm>
+      </p:grpSpPr>
+      <p:sp>
+        <p:nvSpPr>
+          <p:cNvPr id="2" name="Title 1"/>
+          <p:cNvSpPr>
+            <a:spLocks noGrp="1"/>
+          </p:cNvSpPr>
+          <p:nvPr>
+            <p:ph type="title"/>
+          </p:nvPr>
+        </p:nvSpPr>
+        <p:spPr/>
+        <p:txBody>
+          <a:bodyPr/>
+          <a:lstStyle/>
+          <a:p>
+            <a:r>
+              <a:rPr lang="en-US" dirty="0"/>
+              <a:t>Comparison Operators</a:t>
+            </a:r>
+          </a:p>
+        </p:txBody>
+      </p:sp>
+      <p:sp>
+        <p:nvSpPr>
+          <p:cNvPr id="3" name="Content Placeholder 2"/>
+          <p:cNvSpPr>
+            <a:spLocks noGrp="1"/>
+          </p:cNvSpPr>
+          <p:nvPr>
+            <p:ph idx="1"/>
+          </p:nvPr>
+        </p:nvSpPr>
+        <p:spPr/>
+        <p:txBody>
+          <a:bodyPr/>
+          <a:lstStyle/>
+          <a:p>
+            <a:r>
+              <a:rPr lang="en-US" dirty="0"/>
+              <a:t>Comparison operators work on anything, but return a Boolean</a:t>
+            </a:r>
+          </a:p>
+          <a:p>
+            <a:r>
+              <a:rPr lang="en-US" dirty="0"/>
+              <a:t>== (equal) returns true if both values are the same</a:t>
+            </a:r>
+          </a:p>
+          <a:p>
+            <a:r>
+              <a:rPr lang="en-US" dirty="0"/>
+              <a:t>!= (not equal) returns true if the values are different</a:t>
+            </a:r>
+          </a:p>
+          <a:p>
+            <a:r>
+              <a:rPr lang="en-US" dirty="0"/>
+              <a:t>=== (identical) returns true if the values match and are the same type</a:t>
+            </a:r>
+          </a:p>
+          <a:p>
+            <a:r>
+              <a:rPr lang="en-US" dirty="0"/>
+              <a:t>Some comparison operators only work on numbers:</a:t>
+            </a:r>
+          </a:p>
+          <a:p>
+            <a:pPr lvl="1"/>
+            <a:r>
+              <a:rPr lang="en-US" dirty="0"/>
+              <a:t>&gt; (greater than)</a:t>
+            </a:r>
+          </a:p>
+          <a:p>
+            <a:pPr lvl="1"/>
+            <a:r>
+              <a:rPr lang="en-US" dirty="0"/>
+              <a:t>&lt; (less than)</a:t>
+            </a:r>
+          </a:p>
+          <a:p>
+            <a:pPr lvl="1"/>
+            <a:r>
+              <a:rPr lang="en-US" dirty="0"/>
+              <a:t>&gt;= (greater than or equal to)</a:t>
+            </a:r>
+          </a:p>
+          <a:p>
+            <a:pPr lvl="1"/>
+            <a:r>
+              <a:rPr lang="en-US" dirty="0"/>
+              <a:t>&lt;= (less than or equal to)</a:t>
+            </a:r>
+          </a:p>
+        </p:txBody>
+      </p:sp>
+    </p:spTree>
+    <p:extLst>
+      <p:ext uri="{BB962C8B-B14F-4D97-AF65-F5344CB8AC3E}">
+        <p14:creationId xmlns:p14="http://schemas.microsoft.com/office/powerpoint/2010/main" val="1178760912"/>
       </p:ext>
     </p:extLst>
   </p:cSld>
@@ -4393,179 +4585,6 @@
       </p:grpSpPr>
       <p:sp>
         <p:nvSpPr>
-          <p:cNvPr id="2" name="Title 1"/>
-          <p:cNvSpPr>
-            <a:spLocks noGrp="1"/>
-          </p:cNvSpPr>
-          <p:nvPr>
-            <p:ph type="title"/>
-          </p:nvPr>
-        </p:nvSpPr>
-        <p:spPr/>
-        <p:txBody>
-          <a:bodyPr/>
-          <a:lstStyle/>
-          <a:p>
-            <a:r>
-              <a:rPr lang="en-US" dirty="0"/>
-              <a:t>Advanced Operators</a:t>
-            </a:r>
-          </a:p>
-        </p:txBody>
-      </p:sp>
-      <p:sp>
-        <p:nvSpPr>
-          <p:cNvPr id="3" name="Content Placeholder 2"/>
-          <p:cNvSpPr>
-            <a:spLocks noGrp="1"/>
-          </p:cNvSpPr>
-          <p:nvPr>
-            <p:ph idx="1"/>
-          </p:nvPr>
-        </p:nvSpPr>
-        <p:spPr/>
-        <p:txBody>
-          <a:bodyPr/>
-          <a:lstStyle/>
-          <a:p>
-            <a:r>
-              <a:rPr lang="en-US" dirty="0"/>
-              <a:t>++ (</a:t>
-            </a:r>
-            <a:r>
-              <a:rPr lang="en-US" b="1" dirty="0"/>
-              <a:t>Increment</a:t>
-            </a:r>
-            <a:r>
-              <a:rPr lang="en-US" dirty="0"/>
-              <a:t>) adds one the number before it</a:t>
-            </a:r>
-          </a:p>
-          <a:p>
-            <a:r>
-              <a:rPr lang="en-US" dirty="0"/>
-              <a:t>-- (</a:t>
-            </a:r>
-            <a:r>
-              <a:rPr lang="en-US" b="1" dirty="0"/>
-              <a:t>Decrement</a:t>
-            </a:r>
-            <a:r>
-              <a:rPr lang="en-US" dirty="0"/>
-              <a:t>) subtracts one instead</a:t>
-            </a:r>
-          </a:p>
-          <a:p>
-            <a:r>
-              <a:rPr lang="en-US" dirty="0"/>
-              <a:t>. (</a:t>
-            </a:r>
-            <a:r>
-              <a:rPr lang="en-US" b="1" dirty="0"/>
-              <a:t>Concatenate</a:t>
-            </a:r>
-            <a:r>
-              <a:rPr lang="en-US" dirty="0"/>
-              <a:t>) connects two strings</a:t>
-            </a:r>
-          </a:p>
-          <a:p>
-            <a:r>
-              <a:rPr lang="en-US" b="1" dirty="0"/>
-              <a:t>Logical operators </a:t>
-            </a:r>
-            <a:r>
-              <a:rPr lang="en-US" dirty="0"/>
-              <a:t>work on Booleans</a:t>
-            </a:r>
-          </a:p>
-          <a:p>
-            <a:pPr lvl="1"/>
-            <a:r>
-              <a:rPr lang="en-US" dirty="0"/>
-              <a:t>&amp;&amp; (</a:t>
-            </a:r>
-            <a:r>
-              <a:rPr lang="en-US" b="1" dirty="0"/>
-              <a:t>and</a:t>
-            </a:r>
-            <a:r>
-              <a:rPr lang="en-US" dirty="0"/>
-              <a:t>) is true if both inputs are true</a:t>
-            </a:r>
-          </a:p>
-          <a:p>
-            <a:pPr lvl="1"/>
-            <a:r>
-              <a:rPr lang="en-US" dirty="0"/>
-              <a:t>|| (</a:t>
-            </a:r>
-            <a:r>
-              <a:rPr lang="en-US" b="1" dirty="0"/>
-              <a:t>or</a:t>
-            </a:r>
-            <a:r>
-              <a:rPr lang="en-US" dirty="0"/>
-              <a:t>) is true if one or both inputs are true</a:t>
-            </a:r>
-          </a:p>
-          <a:p>
-            <a:pPr lvl="1"/>
-            <a:r>
-              <a:rPr lang="en-US" dirty="0"/>
-              <a:t>! (</a:t>
-            </a:r>
-            <a:r>
-              <a:rPr lang="en-US" b="1" dirty="0"/>
-              <a:t>not</a:t>
-            </a:r>
-            <a:r>
-              <a:rPr lang="en-US" dirty="0"/>
-              <a:t>) goes in front of a </a:t>
-            </a:r>
-            <a:r>
-              <a:rPr lang="en-US" dirty="0" err="1"/>
-              <a:t>boolean</a:t>
-            </a:r>
-            <a:r>
-              <a:rPr lang="en-US" dirty="0"/>
-              <a:t> and flips it</a:t>
-            </a:r>
-          </a:p>
-        </p:txBody>
-      </p:sp>
-    </p:spTree>
-    <p:extLst>
-      <p:ext uri="{BB962C8B-B14F-4D97-AF65-F5344CB8AC3E}">
-        <p14:creationId xmlns:p14="http://schemas.microsoft.com/office/powerpoint/2010/main" val="421594006"/>
-      </p:ext>
-    </p:extLst>
-  </p:cSld>
-  <p:clrMapOvr>
-    <a:masterClrMapping/>
-  </p:clrMapOvr>
-</p:sld>
-</file>
-
-<file path=ppt/slides/slide15.xml><?xml version="1.0" encoding="utf-8"?>
-<p:sld xmlns:a="http://schemas.openxmlformats.org/drawingml/2006/main" xmlns:r="http://schemas.openxmlformats.org/officeDocument/2006/relationships" xmlns:p="http://schemas.openxmlformats.org/presentationml/2006/main">
-  <p:cSld>
-    <p:spTree>
-      <p:nvGrpSpPr>
-        <p:cNvPr id="1" name=""/>
-        <p:cNvGrpSpPr/>
-        <p:nvPr/>
-      </p:nvGrpSpPr>
-      <p:grpSpPr>
-        <a:xfrm>
-          <a:off x="0" y="0"/>
-          <a:ext cx="0" cy="0"/>
-          <a:chOff x="0" y="0"/>
-          <a:chExt cx="0" cy="0"/>
-        </a:xfrm>
-      </p:grpSpPr>
-      <p:sp>
-        <p:nvSpPr>
           <p:cNvPr id="5" name="TextBox 4"/>
           <p:cNvSpPr txBox="1"/>
           <p:nvPr/>
@@ -4830,7 +4849,7 @@
         <p:spPr>
           <a:xfrm>
             <a:off x="935490" y="583973"/>
-            <a:ext cx="11256511" cy="3785652"/>
+            <a:ext cx="11256511" cy="3416320"/>
           </a:xfrm>
           <a:prstGeom prst="rect">
             <a:avLst/>
@@ -4853,20 +4872,155 @@
                 </a:solidFill>
                 <a:latin typeface="Consolas" panose="020B0609020204030204" pitchFamily="49" charset="0"/>
               </a:rPr>
-              <a:t>&lt;?</a:t>
-            </a:r>
-            <a:r>
-              <a:rPr lang="en-US" sz="2400">
-                <a:solidFill>
-                  <a:srgbClr val="7030A0"/>
-                </a:solidFill>
-                <a:latin typeface="Consolas" panose="020B0609020204030204" pitchFamily="49" charset="0"/>
-              </a:rPr>
-              <a:t>php</a:t>
-            </a:r>
+              <a:t>&lt;?php</a:t>
+            </a:r>
+          </a:p>
+          <a:p>
+            <a:pPr marL="0" indent="0">
+              <a:buNone/>
+            </a:pPr>
             <a:endParaRPr lang="en-US" sz="2400" dirty="0">
+              <a:solidFill>
+                <a:srgbClr val="0070C0"/>
+              </a:solidFill>
               <a:latin typeface="Consolas" panose="020B0609020204030204" pitchFamily="49" charset="0"/>
             </a:endParaRPr>
+          </a:p>
+          <a:p>
+            <a:pPr marL="0" indent="0">
+              <a:buNone/>
+            </a:pPr>
+            <a:r>
+              <a:rPr lang="en-US" sz="2400" dirty="0">
+                <a:solidFill>
+                  <a:srgbClr val="0070C0"/>
+                </a:solidFill>
+                <a:latin typeface="Consolas" panose="020B0609020204030204" pitchFamily="49" charset="0"/>
+              </a:rPr>
+              <a:t>echo</a:t>
+            </a:r>
+            <a:r>
+              <a:rPr lang="en-US" sz="2400" dirty="0">
+                <a:latin typeface="Consolas" panose="020B0609020204030204" pitchFamily="49" charset="0"/>
+              </a:rPr>
+              <a:t> </a:t>
+            </a:r>
+            <a:r>
+              <a:rPr lang="en-US" sz="2400" dirty="0">
+                <a:solidFill>
+                  <a:srgbClr val="C00000"/>
+                </a:solidFill>
+                <a:latin typeface="Consolas" panose="020B0609020204030204" pitchFamily="49" charset="0"/>
+              </a:rPr>
+              <a:t>10</a:t>
+            </a:r>
+            <a:r>
+              <a:rPr lang="en-US" sz="2400" dirty="0">
+                <a:solidFill>
+                  <a:srgbClr val="0070C0"/>
+                </a:solidFill>
+                <a:latin typeface="Consolas" panose="020B0609020204030204" pitchFamily="49" charset="0"/>
+              </a:rPr>
+              <a:t> </a:t>
+            </a:r>
+            <a:r>
+              <a:rPr lang="en-US" sz="2400" dirty="0">
+                <a:latin typeface="Consolas" panose="020B0609020204030204" pitchFamily="49" charset="0"/>
+              </a:rPr>
+              <a:t>==</a:t>
+            </a:r>
+            <a:r>
+              <a:rPr lang="en-US" sz="2400" dirty="0">
+                <a:solidFill>
+                  <a:srgbClr val="0070C0"/>
+                </a:solidFill>
+                <a:latin typeface="Consolas" panose="020B0609020204030204" pitchFamily="49" charset="0"/>
+              </a:rPr>
+              <a:t> </a:t>
+            </a:r>
+            <a:r>
+              <a:rPr lang="en-US" sz="2400" dirty="0">
+                <a:solidFill>
+                  <a:schemeClr val="accent2"/>
+                </a:solidFill>
+                <a:latin typeface="Consolas" panose="020B0609020204030204" pitchFamily="49" charset="0"/>
+              </a:rPr>
+              <a:t>“10”</a:t>
+            </a:r>
+            <a:r>
+              <a:rPr lang="en-US" sz="2400" dirty="0">
+                <a:latin typeface="Consolas" panose="020B0609020204030204" pitchFamily="49" charset="0"/>
+              </a:rPr>
+              <a:t>;</a:t>
+            </a:r>
+          </a:p>
+          <a:p>
+            <a:pPr marL="0" indent="0">
+              <a:buNone/>
+            </a:pPr>
+            <a:r>
+              <a:rPr lang="en-US" sz="2400" dirty="0">
+                <a:solidFill>
+                  <a:srgbClr val="0070C0"/>
+                </a:solidFill>
+                <a:latin typeface="Consolas" panose="020B0609020204030204" pitchFamily="49" charset="0"/>
+              </a:rPr>
+              <a:t>echo</a:t>
+            </a:r>
+            <a:r>
+              <a:rPr lang="en-US" sz="2400" dirty="0">
+                <a:latin typeface="Consolas" panose="020B0609020204030204" pitchFamily="49" charset="0"/>
+              </a:rPr>
+              <a:t> </a:t>
+            </a:r>
+            <a:r>
+              <a:rPr lang="en-US" sz="2400" dirty="0">
+                <a:solidFill>
+                  <a:srgbClr val="C00000"/>
+                </a:solidFill>
+                <a:latin typeface="Consolas" panose="020B0609020204030204" pitchFamily="49" charset="0"/>
+              </a:rPr>
+              <a:t>10</a:t>
+            </a:r>
+            <a:r>
+              <a:rPr lang="en-US" sz="2400" dirty="0">
+                <a:solidFill>
+                  <a:srgbClr val="0070C0"/>
+                </a:solidFill>
+                <a:latin typeface="Consolas" panose="020B0609020204030204" pitchFamily="49" charset="0"/>
+              </a:rPr>
+              <a:t> </a:t>
+            </a:r>
+            <a:r>
+              <a:rPr lang="en-US" sz="2400" dirty="0">
+                <a:latin typeface="Consolas" panose="020B0609020204030204" pitchFamily="49" charset="0"/>
+              </a:rPr>
+              <a:t>===</a:t>
+            </a:r>
+            <a:r>
+              <a:rPr lang="en-US" sz="2400" dirty="0">
+                <a:solidFill>
+                  <a:srgbClr val="0070C0"/>
+                </a:solidFill>
+                <a:latin typeface="Consolas" panose="020B0609020204030204" pitchFamily="49" charset="0"/>
+              </a:rPr>
+              <a:t> </a:t>
+            </a:r>
+            <a:r>
+              <a:rPr lang="en-US" sz="2400" dirty="0">
+                <a:solidFill>
+                  <a:schemeClr val="accent2"/>
+                </a:solidFill>
+                <a:latin typeface="Consolas" panose="020B0609020204030204" pitchFamily="49" charset="0"/>
+              </a:rPr>
+              <a:t>“10”</a:t>
+            </a:r>
+            <a:r>
+              <a:rPr lang="en-US" sz="2400" dirty="0">
+                <a:latin typeface="Consolas" panose="020B0609020204030204" pitchFamily="49" charset="0"/>
+              </a:rPr>
+              <a:t>;</a:t>
+            </a:r>
           </a:p>
           <a:p>
             <a:pPr marL="0" indent="0">
@@ -4882,32 +5036,6 @@
             </a:pPr>
             <a:r>
               <a:rPr lang="en-US" sz="2400" dirty="0">
-                <a:latin typeface="Consolas" panose="020B0609020204030204" pitchFamily="49" charset="0"/>
-              </a:rPr>
-              <a:t>$foobar = </a:t>
-            </a:r>
-            <a:r>
-              <a:rPr lang="en-US" sz="2400" dirty="0">
-                <a:solidFill>
-                  <a:srgbClr val="C00000"/>
-                </a:solidFill>
-                <a:latin typeface="Consolas" panose="020B0609020204030204" pitchFamily="49" charset="0"/>
-              </a:rPr>
-              <a:t>10</a:t>
-            </a:r>
-            <a:r>
-              <a:rPr lang="en-US" sz="2400" dirty="0">
-                <a:latin typeface="Consolas" panose="020B0609020204030204" pitchFamily="49" charset="0"/>
-              </a:rPr>
-              <a:t>++;</a:t>
-            </a:r>
-          </a:p>
-          <a:p>
-            <a:pPr marL="0" indent="0">
-              <a:buNone/>
-            </a:pPr>
-            <a:r>
-              <a:rPr lang="en-US" sz="2400" dirty="0">
                 <a:solidFill>
                   <a:srgbClr val="0070C0"/>
                 </a:solidFill>
@@ -4919,43 +5047,6 @@
               <a:rPr lang="en-US" sz="2400" dirty="0">
                 <a:latin typeface="Consolas" panose="020B0609020204030204" pitchFamily="49" charset="0"/>
               </a:rPr>
-              <a:t> $foobar;</a:t>
-            </a:r>
-            <a:endParaRPr lang="en-US" sz="2400" dirty="0">
-              <a:solidFill>
-                <a:srgbClr val="7030A0"/>
-              </a:solidFill>
-              <a:latin typeface="Consolas" panose="020B0609020204030204" pitchFamily="49" charset="0"/>
-            </a:endParaRPr>
-          </a:p>
-          <a:p>
-            <a:pPr marL="0" indent="0">
-              <a:buNone/>
-            </a:pPr>
-            <a:endParaRPr lang="en-US" sz="2400" dirty="0">
-              <a:solidFill>
-                <a:srgbClr val="7030A0"/>
-              </a:solidFill>
-              <a:latin typeface="Consolas" panose="020B0609020204030204" pitchFamily="49" charset="0"/>
-            </a:endParaRPr>
-          </a:p>
-          <a:p>
-            <a:pPr marL="0" indent="0">
-              <a:buNone/>
-            </a:pPr>
-            <a:r>
-              <a:rPr lang="en-US" sz="2400" dirty="0">
-                <a:solidFill>
-                  <a:srgbClr val="0070C0"/>
-                </a:solidFill>
-                <a:latin typeface="Consolas" panose="020B0609020204030204" pitchFamily="49" charset="0"/>
-              </a:rPr>
-              <a:t>echo</a:t>
-            </a:r>
-            <a:r>
-              <a:rPr lang="en-US" sz="2400" dirty="0">
-                <a:latin typeface="Consolas" panose="020B0609020204030204" pitchFamily="49" charset="0"/>
-              </a:rPr>
               <a:t> </a:t>
             </a:r>
             <a:r>
@@ -4965,13 +5056,13 @@
                 </a:solidFill>
                 <a:latin typeface="Consolas" panose="020B0609020204030204" pitchFamily="49" charset="0"/>
               </a:rPr>
-              <a:t>"Hello,"</a:t>
-            </a:r>
-            <a:r>
-              <a:rPr lang="en-US" sz="2400" dirty="0">
-                <a:latin typeface="Consolas" panose="020B0609020204030204" pitchFamily="49" charset="0"/>
-              </a:rPr>
-              <a:t> . </a:t>
+              <a:t>"foobar" </a:t>
+            </a:r>
+            <a:r>
+              <a:rPr lang="en-US" sz="2400" dirty="0">
+                <a:latin typeface="Consolas" panose="020B0609020204030204" pitchFamily="49" charset="0"/>
+              </a:rPr>
+              <a:t>!= </a:t>
             </a:r>
             <a:r>
               <a:rPr lang="en-US" sz="2400" dirty="0">
@@ -4980,7 +5071,7 @@
                 </a:solidFill>
                 <a:latin typeface="Consolas" panose="020B0609020204030204" pitchFamily="49" charset="0"/>
               </a:rPr>
-              <a:t>" world!"</a:t>
+              <a:t>"foobar"</a:t>
             </a:r>
             <a:r>
               <a:rPr lang="en-US" sz="2400" dirty="0">
@@ -5019,26 +5110,26 @@
             <a:r>
               <a:rPr lang="en-US" sz="2400" dirty="0">
                 <a:solidFill>
-                  <a:srgbClr val="0070C0"/>
-                </a:solidFill>
-                <a:latin typeface="Consolas" panose="020B0609020204030204" pitchFamily="49" charset="0"/>
-              </a:rPr>
-              <a:t>true</a:t>
-            </a:r>
-            <a:r>
-              <a:rPr lang="en-US" sz="2400" dirty="0">
-                <a:latin typeface="Consolas" panose="020B0609020204030204" pitchFamily="49" charset="0"/>
-              </a:rPr>
-              <a:t> &amp;&amp; </a:t>
-            </a:r>
-            <a:r>
-              <a:rPr lang="en-US" sz="2400" dirty="0">
-                <a:solidFill>
-                  <a:srgbClr val="0070C0"/>
-                </a:solidFill>
-                <a:latin typeface="Consolas" panose="020B0609020204030204" pitchFamily="49" charset="0"/>
-              </a:rPr>
-              <a:t>false</a:t>
+                  <a:srgbClr val="C00000"/>
+                </a:solidFill>
+                <a:latin typeface="Consolas" panose="020B0609020204030204" pitchFamily="49" charset="0"/>
+              </a:rPr>
+              <a:t>10</a:t>
+            </a:r>
+            <a:r>
+              <a:rPr lang="en-US" sz="2400" dirty="0">
+                <a:latin typeface="Consolas" panose="020B0609020204030204" pitchFamily="49" charset="0"/>
+              </a:rPr>
+              <a:t> &gt; </a:t>
+            </a:r>
+            <a:r>
+              <a:rPr lang="en-US" sz="2400" dirty="0">
+                <a:solidFill>
+                  <a:srgbClr val="C00000"/>
+                </a:solidFill>
+                <a:latin typeface="Consolas" panose="020B0609020204030204" pitchFamily="49" charset="0"/>
+              </a:rPr>
+              <a:t>5</a:t>
             </a:r>
             <a:r>
               <a:rPr lang="en-US" sz="2400" dirty="0">
@@ -5069,76 +5160,26 @@
             <a:r>
               <a:rPr lang="en-US" sz="2400" dirty="0">
                 <a:solidFill>
-                  <a:srgbClr val="0070C0"/>
-                </a:solidFill>
-                <a:latin typeface="Consolas" panose="020B0609020204030204" pitchFamily="49" charset="0"/>
-              </a:rPr>
-              <a:t>true</a:t>
-            </a:r>
-            <a:r>
-              <a:rPr lang="en-US" sz="2400" dirty="0">
-                <a:latin typeface="Consolas" panose="020B0609020204030204" pitchFamily="49" charset="0"/>
-              </a:rPr>
-              <a:t> || </a:t>
-            </a:r>
-            <a:r>
-              <a:rPr lang="en-US" sz="2400" dirty="0">
-                <a:solidFill>
-                  <a:srgbClr val="0070C0"/>
-                </a:solidFill>
-                <a:latin typeface="Consolas" panose="020B0609020204030204" pitchFamily="49" charset="0"/>
-              </a:rPr>
-              <a:t>false</a:t>
-            </a:r>
-            <a:r>
-              <a:rPr lang="en-US" sz="2400" dirty="0">
-                <a:latin typeface="Consolas" panose="020B0609020204030204" pitchFamily="49" charset="0"/>
-              </a:rPr>
-              <a:t>;</a:t>
-            </a:r>
-          </a:p>
-          <a:p>
-            <a:pPr marL="0" indent="0">
-              <a:buNone/>
-            </a:pPr>
-            <a:r>
-              <a:rPr lang="en-US" sz="2400" dirty="0">
-                <a:solidFill>
-                  <a:srgbClr val="0070C0"/>
-                </a:solidFill>
-                <a:latin typeface="Consolas" panose="020B0609020204030204" pitchFamily="49" charset="0"/>
-              </a:rPr>
-              <a:t>echo</a:t>
-            </a:r>
-            <a:r>
-              <a:rPr lang="en-US" sz="2400" dirty="0">
-                <a:latin typeface="Consolas" panose="020B0609020204030204" pitchFamily="49" charset="0"/>
-              </a:rPr>
-              <a:t> </a:t>
-            </a:r>
-            <a:r>
-              <a:rPr lang="en-US" sz="2400" dirty="0">
-                <a:solidFill>
-                  <a:srgbClr val="0070C0"/>
-                </a:solidFill>
-                <a:latin typeface="Consolas" panose="020B0609020204030204" pitchFamily="49" charset="0"/>
-              </a:rPr>
-              <a:t>true</a:t>
-            </a:r>
-            <a:r>
-              <a:rPr lang="en-US" sz="2400" dirty="0">
-                <a:latin typeface="Consolas" panose="020B0609020204030204" pitchFamily="49" charset="0"/>
-              </a:rPr>
-              <a:t> &amp;&amp; !</a:t>
-            </a:r>
-            <a:r>
-              <a:rPr lang="en-US" sz="2400" dirty="0">
-                <a:solidFill>
-                  <a:srgbClr val="0070C0"/>
-                </a:solidFill>
-                <a:latin typeface="Consolas" panose="020B0609020204030204" pitchFamily="49" charset="0"/>
-              </a:rPr>
-              <a:t>false</a:t>
+                  <a:srgbClr val="C00000"/>
+                </a:solidFill>
+                <a:latin typeface="Consolas" panose="020B0609020204030204" pitchFamily="49" charset="0"/>
+              </a:rPr>
+              <a:t>10</a:t>
+            </a:r>
+            <a:r>
+              <a:rPr lang="en-US" sz="2400" dirty="0">
+                <a:latin typeface="Consolas" panose="020B0609020204030204" pitchFamily="49" charset="0"/>
+              </a:rPr>
+              <a:t> &lt;= </a:t>
+            </a:r>
+            <a:r>
+              <a:rPr lang="en-US" sz="2400" dirty="0">
+                <a:solidFill>
+                  <a:srgbClr val="C00000"/>
+                </a:solidFill>
+                <a:latin typeface="Consolas" panose="020B0609020204030204" pitchFamily="49" charset="0"/>
+              </a:rPr>
+              <a:t>5</a:t>
             </a:r>
             <a:r>
               <a:rPr lang="en-US" sz="2400" dirty="0">
@@ -5198,7 +5239,7 @@
             <a:pPr algn="ctr"/>
             <a:r>
               <a:rPr lang="en-US" sz="3600" dirty="0"/>
-              <a:t>Example 1-4 : Advanced Operators</a:t>
+              <a:t>Example 1-5 : Comparison Operators</a:t>
             </a:r>
           </a:p>
         </p:txBody>
@@ -5206,7 +5247,91 @@
     </p:spTree>
     <p:extLst>
       <p:ext uri="{BB962C8B-B14F-4D97-AF65-F5344CB8AC3E}">
-        <p14:creationId xmlns:p14="http://schemas.microsoft.com/office/powerpoint/2010/main" val="2543802335"/>
+        <p14:creationId xmlns:p14="http://schemas.microsoft.com/office/powerpoint/2010/main" val="1208156211"/>
+      </p:ext>
+    </p:extLst>
+  </p:cSld>
+  <p:clrMapOvr>
+    <a:masterClrMapping/>
+  </p:clrMapOvr>
+</p:sld>
+</file>
+
+<file path=ppt/slides/slide15.xml><?xml version="1.0" encoding="utf-8"?>
+<p:sld xmlns:a="http://schemas.openxmlformats.org/drawingml/2006/main" xmlns:r="http://schemas.openxmlformats.org/officeDocument/2006/relationships" xmlns:p="http://schemas.openxmlformats.org/presentationml/2006/main">
+  <p:cSld>
+    <p:spTree>
+      <p:nvGrpSpPr>
+        <p:cNvPr id="1" name=""/>
+        <p:cNvGrpSpPr/>
+        <p:nvPr/>
+      </p:nvGrpSpPr>
+      <p:grpSpPr>
+        <a:xfrm>
+          <a:off x="0" y="0"/>
+          <a:ext cx="0" cy="0"/>
+          <a:chOff x="0" y="0"/>
+          <a:chExt cx="0" cy="0"/>
+        </a:xfrm>
+      </p:grpSpPr>
+      <p:sp>
+        <p:nvSpPr>
+          <p:cNvPr id="2" name="Title 1"/>
+          <p:cNvSpPr>
+            <a:spLocks noGrp="1"/>
+          </p:cNvSpPr>
+          <p:nvPr>
+            <p:ph type="title"/>
+          </p:nvPr>
+        </p:nvSpPr>
+        <p:spPr>
+          <a:xfrm>
+            <a:off x="831850" y="3622902"/>
+            <a:ext cx="10515600" cy="939573"/>
+          </a:xfrm>
+        </p:spPr>
+        <p:txBody>
+          <a:bodyPr/>
+          <a:lstStyle/>
+          <a:p>
+            <a:r>
+              <a:rPr lang="en-US" dirty="0"/>
+              <a:t>Functions</a:t>
+            </a:r>
+          </a:p>
+        </p:txBody>
+      </p:sp>
+      <p:sp>
+        <p:nvSpPr>
+          <p:cNvPr id="3" name="Content Placeholder 2"/>
+          <p:cNvSpPr>
+            <a:spLocks noGrp="1"/>
+          </p:cNvSpPr>
+          <p:nvPr>
+            <p:ph type="body" idx="1"/>
+          </p:nvPr>
+        </p:nvSpPr>
+        <p:spPr>
+          <a:xfrm>
+            <a:off x="831850" y="3143704"/>
+            <a:ext cx="10515600" cy="479198"/>
+          </a:xfrm>
+        </p:spPr>
+        <p:txBody>
+          <a:bodyPr anchor="b"/>
+          <a:lstStyle/>
+          <a:p>
+            <a:r>
+              <a:rPr lang="en-US" dirty="0"/>
+              <a:t>Lesson 3</a:t>
+            </a:r>
+          </a:p>
+        </p:txBody>
+      </p:sp>
+    </p:spTree>
+    <p:extLst>
+      <p:ext uri="{BB962C8B-B14F-4D97-AF65-F5344CB8AC3E}">
+        <p14:creationId xmlns:p14="http://schemas.microsoft.com/office/powerpoint/2010/main" val="2393728014"/>
       </p:ext>
     </p:extLst>
   </p:cSld>
@@ -5243,90 +5368,6 @@
             <p:ph type="title"/>
           </p:nvPr>
         </p:nvSpPr>
-        <p:spPr>
-          <a:xfrm>
-            <a:off x="831850" y="3622902"/>
-            <a:ext cx="10515600" cy="939573"/>
-          </a:xfrm>
-        </p:spPr>
-        <p:txBody>
-          <a:bodyPr/>
-          <a:lstStyle/>
-          <a:p>
-            <a:r>
-              <a:rPr lang="en-US" dirty="0"/>
-              <a:t>Functions</a:t>
-            </a:r>
-          </a:p>
-        </p:txBody>
-      </p:sp>
-      <p:sp>
-        <p:nvSpPr>
-          <p:cNvPr id="3" name="Content Placeholder 2"/>
-          <p:cNvSpPr>
-            <a:spLocks noGrp="1"/>
-          </p:cNvSpPr>
-          <p:nvPr>
-            <p:ph type="body" idx="1"/>
-          </p:nvPr>
-        </p:nvSpPr>
-        <p:spPr>
-          <a:xfrm>
-            <a:off x="831850" y="3143704"/>
-            <a:ext cx="10515600" cy="479198"/>
-          </a:xfrm>
-        </p:spPr>
-        <p:txBody>
-          <a:bodyPr anchor="b"/>
-          <a:lstStyle/>
-          <a:p>
-            <a:r>
-              <a:rPr lang="en-US" dirty="0"/>
-              <a:t>Lesson 2</a:t>
-            </a:r>
-          </a:p>
-        </p:txBody>
-      </p:sp>
-    </p:spTree>
-    <p:extLst>
-      <p:ext uri="{BB962C8B-B14F-4D97-AF65-F5344CB8AC3E}">
-        <p14:creationId xmlns:p14="http://schemas.microsoft.com/office/powerpoint/2010/main" val="2393728014"/>
-      </p:ext>
-    </p:extLst>
-  </p:cSld>
-  <p:clrMapOvr>
-    <a:masterClrMapping/>
-  </p:clrMapOvr>
-</p:sld>
-</file>
-
-<file path=ppt/slides/slide17.xml><?xml version="1.0" encoding="utf-8"?>
-<p:sld xmlns:a="http://schemas.openxmlformats.org/drawingml/2006/main" xmlns:r="http://schemas.openxmlformats.org/officeDocument/2006/relationships" xmlns:p="http://schemas.openxmlformats.org/presentationml/2006/main">
-  <p:cSld>
-    <p:spTree>
-      <p:nvGrpSpPr>
-        <p:cNvPr id="1" name=""/>
-        <p:cNvGrpSpPr/>
-        <p:nvPr/>
-      </p:nvGrpSpPr>
-      <p:grpSpPr>
-        <a:xfrm>
-          <a:off x="0" y="0"/>
-          <a:ext cx="0" cy="0"/>
-          <a:chOff x="0" y="0"/>
-          <a:chExt cx="0" cy="0"/>
-        </a:xfrm>
-      </p:grpSpPr>
-      <p:sp>
-        <p:nvSpPr>
-          <p:cNvPr id="2" name="Title 1"/>
-          <p:cNvSpPr>
-            <a:spLocks noGrp="1"/>
-          </p:cNvSpPr>
-          <p:nvPr>
-            <p:ph type="title"/>
-          </p:nvPr>
-        </p:nvSpPr>
         <p:spPr/>
         <p:txBody>
           <a:bodyPr/>
@@ -5435,7 +5476,7 @@
 </p:sld>
 </file>
 
-<file path=ppt/slides/slide18.xml><?xml version="1.0" encoding="utf-8"?>
+<file path=ppt/slides/slide17.xml><?xml version="1.0" encoding="utf-8"?>
 <p:sld xmlns:a="http://schemas.openxmlformats.org/drawingml/2006/main" xmlns:r="http://schemas.openxmlformats.org/officeDocument/2006/relationships" xmlns:p="http://schemas.openxmlformats.org/presentationml/2006/main">
   <p:cSld>
     <p:spTree>
@@ -5965,7 +6006,7 @@
 </p:sld>
 </file>
 
-<file path=ppt/slides/slide19.xml><?xml version="1.0" encoding="utf-8"?>
+<file path=ppt/slides/slide18.xml><?xml version="1.0" encoding="utf-8"?>
 <p:sld xmlns:a="http://schemas.openxmlformats.org/drawingml/2006/main" xmlns:r="http://schemas.openxmlformats.org/officeDocument/2006/relationships" xmlns:p="http://schemas.openxmlformats.org/presentationml/2006/main">
   <p:cSld>
     <p:spTree>
@@ -6048,7 +6089,7 @@
           <a:p>
             <a:r>
               <a:rPr lang="en-US" dirty="0"/>
-              <a:t>Code for the function is contained in braces </a:t>
+              <a:t>Code for the function is contained in braces: </a:t>
             </a:r>
             <a:r>
               <a:rPr lang="en-US" sz="2400" dirty="0">
@@ -6091,59 +6132,7 @@
 </p:sld>
 </file>
 
-<file path=ppt/slides/slide2.xml><?xml version="1.0" encoding="utf-8"?>
-<p:sld xmlns:a="http://schemas.openxmlformats.org/drawingml/2006/main" xmlns:r="http://schemas.openxmlformats.org/officeDocument/2006/relationships" xmlns:p="http://schemas.openxmlformats.org/presentationml/2006/main">
-  <p:cSld>
-    <p:spTree>
-      <p:nvGrpSpPr>
-        <p:cNvPr id="1" name=""/>
-        <p:cNvGrpSpPr/>
-        <p:nvPr/>
-      </p:nvGrpSpPr>
-      <p:grpSpPr>
-        <a:xfrm>
-          <a:off x="0" y="0"/>
-          <a:ext cx="0" cy="0"/>
-          <a:chOff x="0" y="0"/>
-          <a:chExt cx="0" cy="0"/>
-        </a:xfrm>
-      </p:grpSpPr>
-      <p:sp>
-        <p:nvSpPr>
-          <p:cNvPr id="2" name="Title 1"/>
-          <p:cNvSpPr>
-            <a:spLocks noGrp="1"/>
-          </p:cNvSpPr>
-          <p:nvPr>
-            <p:ph type="title"/>
-          </p:nvPr>
-        </p:nvSpPr>
-        <p:spPr/>
-        <p:txBody>
-          <a:bodyPr/>
-          <a:lstStyle/>
-          <a:p>
-            <a:r>
-              <a:rPr lang="en-US" dirty="0"/>
-              <a:t>Introduction</a:t>
-            </a:r>
-          </a:p>
-        </p:txBody>
-      </p:sp>
-    </p:spTree>
-    <p:extLst>
-      <p:ext uri="{BB962C8B-B14F-4D97-AF65-F5344CB8AC3E}">
-        <p14:creationId xmlns:p14="http://schemas.microsoft.com/office/powerpoint/2010/main" val="1928176109"/>
-      </p:ext>
-    </p:extLst>
-  </p:cSld>
-  <p:clrMapOvr>
-    <a:masterClrMapping/>
-  </p:clrMapOvr>
-</p:sld>
-</file>
-
-<file path=ppt/slides/slide20.xml><?xml version="1.0" encoding="utf-8"?>
+<file path=ppt/slides/slide19.xml><?xml version="1.0" encoding="utf-8"?>
 <p:sld xmlns:a="http://schemas.openxmlformats.org/drawingml/2006/main" xmlns:r="http://schemas.openxmlformats.org/officeDocument/2006/relationships" xmlns:p="http://schemas.openxmlformats.org/presentationml/2006/main">
   <p:cSld>
     <p:spTree>
@@ -6618,7 +6607,7 @@
 </p:sld>
 </file>
 
-<file path=ppt/slides/slide21.xml><?xml version="1.0" encoding="utf-8"?>
+<file path=ppt/slides/slide2.xml><?xml version="1.0" encoding="utf-8"?>
 <p:sld xmlns:a="http://schemas.openxmlformats.org/drawingml/2006/main" xmlns:r="http://schemas.openxmlformats.org/officeDocument/2006/relationships" xmlns:p="http://schemas.openxmlformats.org/presentationml/2006/main">
   <p:cSld>
     <p:spTree>
@@ -6645,6 +6634,90 @@
             <p:ph type="title"/>
           </p:nvPr>
         </p:nvSpPr>
+        <p:spPr>
+          <a:xfrm>
+            <a:off x="831850" y="3622902"/>
+            <a:ext cx="10515600" cy="939573"/>
+          </a:xfrm>
+        </p:spPr>
+        <p:txBody>
+          <a:bodyPr/>
+          <a:lstStyle/>
+          <a:p>
+            <a:r>
+              <a:rPr lang="en-US" dirty="0"/>
+              <a:t>Data</a:t>
+            </a:r>
+          </a:p>
+        </p:txBody>
+      </p:sp>
+      <p:sp>
+        <p:nvSpPr>
+          <p:cNvPr id="3" name="Content Placeholder 2"/>
+          <p:cNvSpPr>
+            <a:spLocks noGrp="1"/>
+          </p:cNvSpPr>
+          <p:nvPr>
+            <p:ph type="body" idx="1"/>
+          </p:nvPr>
+        </p:nvSpPr>
+        <p:spPr>
+          <a:xfrm>
+            <a:off x="831850" y="3143704"/>
+            <a:ext cx="10515600" cy="479198"/>
+          </a:xfrm>
+        </p:spPr>
+        <p:txBody>
+          <a:bodyPr anchor="b"/>
+          <a:lstStyle/>
+          <a:p>
+            <a:r>
+              <a:rPr lang="en-US" dirty="0"/>
+              <a:t>Lesson 1</a:t>
+            </a:r>
+          </a:p>
+        </p:txBody>
+      </p:sp>
+    </p:spTree>
+    <p:extLst>
+      <p:ext uri="{BB962C8B-B14F-4D97-AF65-F5344CB8AC3E}">
+        <p14:creationId xmlns:p14="http://schemas.microsoft.com/office/powerpoint/2010/main" val="3357398574"/>
+      </p:ext>
+    </p:extLst>
+  </p:cSld>
+  <p:clrMapOvr>
+    <a:masterClrMapping/>
+  </p:clrMapOvr>
+</p:sld>
+</file>
+
+<file path=ppt/slides/slide20.xml><?xml version="1.0" encoding="utf-8"?>
+<p:sld xmlns:a="http://schemas.openxmlformats.org/drawingml/2006/main" xmlns:r="http://schemas.openxmlformats.org/officeDocument/2006/relationships" xmlns:p="http://schemas.openxmlformats.org/presentationml/2006/main">
+  <p:cSld>
+    <p:spTree>
+      <p:nvGrpSpPr>
+        <p:cNvPr id="1" name=""/>
+        <p:cNvGrpSpPr/>
+        <p:nvPr/>
+      </p:nvGrpSpPr>
+      <p:grpSpPr>
+        <a:xfrm>
+          <a:off x="0" y="0"/>
+          <a:ext cx="0" cy="0"/>
+          <a:chOff x="0" y="0"/>
+          <a:chExt cx="0" cy="0"/>
+        </a:xfrm>
+      </p:grpSpPr>
+      <p:sp>
+        <p:nvSpPr>
+          <p:cNvPr id="2" name="Title 1"/>
+          <p:cNvSpPr>
+            <a:spLocks noGrp="1"/>
+          </p:cNvSpPr>
+          <p:nvPr>
+            <p:ph type="title"/>
+          </p:nvPr>
+        </p:nvSpPr>
         <p:spPr/>
         <p:txBody>
           <a:bodyPr/>
@@ -6680,7 +6753,7 @@
           <a:p>
             <a:r>
               <a:rPr lang="en-US" dirty="0"/>
-              <a:t>Names for the arguments go in the parentheses in the declaration</a:t>
+              <a:t>Names for the arguments go in the declaration</a:t>
             </a:r>
           </a:p>
           <a:p>
@@ -6760,7 +6833,7 @@
 </p:sld>
 </file>
 
-<file path=ppt/slides/slide22.xml><?xml version="1.0" encoding="utf-8"?>
+<file path=ppt/slides/slide21.xml><?xml version="1.0" encoding="utf-8"?>
 <p:sld xmlns:a="http://schemas.openxmlformats.org/drawingml/2006/main" xmlns:r="http://schemas.openxmlformats.org/officeDocument/2006/relationships" xmlns:p="http://schemas.openxmlformats.org/presentationml/2006/main">
   <p:cSld>
     <p:spTree>
@@ -7298,6 +7371,104 @@
 </p:sld>
 </file>
 
+<file path=ppt/slides/slide22.xml><?xml version="1.0" encoding="utf-8"?>
+<p:sld xmlns:a="http://schemas.openxmlformats.org/drawingml/2006/main" xmlns:r="http://schemas.openxmlformats.org/officeDocument/2006/relationships" xmlns:p="http://schemas.openxmlformats.org/presentationml/2006/main">
+  <p:cSld>
+    <p:spTree>
+      <p:nvGrpSpPr>
+        <p:cNvPr id="1" name=""/>
+        <p:cNvGrpSpPr/>
+        <p:nvPr/>
+      </p:nvGrpSpPr>
+      <p:grpSpPr>
+        <a:xfrm>
+          <a:off x="0" y="0"/>
+          <a:ext cx="0" cy="0"/>
+          <a:chOff x="0" y="0"/>
+          <a:chExt cx="0" cy="0"/>
+        </a:xfrm>
+      </p:grpSpPr>
+      <p:sp>
+        <p:nvSpPr>
+          <p:cNvPr id="2" name="Title 1"/>
+          <p:cNvSpPr>
+            <a:spLocks noGrp="1"/>
+          </p:cNvSpPr>
+          <p:nvPr>
+            <p:ph type="title"/>
+          </p:nvPr>
+        </p:nvSpPr>
+        <p:spPr/>
+        <p:txBody>
+          <a:bodyPr/>
+          <a:lstStyle/>
+          <a:p>
+            <a:r>
+              <a:rPr lang="en-US" dirty="0"/>
+              <a:t>Useful functions</a:t>
+            </a:r>
+          </a:p>
+        </p:txBody>
+      </p:sp>
+      <p:sp>
+        <p:nvSpPr>
+          <p:cNvPr id="3" name="Content Placeholder 2"/>
+          <p:cNvSpPr>
+            <a:spLocks noGrp="1"/>
+          </p:cNvSpPr>
+          <p:nvPr>
+            <p:ph idx="1"/>
+          </p:nvPr>
+        </p:nvSpPr>
+        <p:spPr/>
+        <p:txBody>
+          <a:bodyPr/>
+          <a:lstStyle/>
+          <a:p>
+            <a:r>
+              <a:rPr lang="en-US" sz="2400" dirty="0">
+                <a:latin typeface="Consolas" panose="020B0609020204030204" pitchFamily="49" charset="0"/>
+              </a:rPr>
+              <a:t>unset()</a:t>
+            </a:r>
+            <a:r>
+              <a:rPr lang="en-US" dirty="0"/>
+              <a:t> deletes a variable</a:t>
+            </a:r>
+          </a:p>
+          <a:p>
+            <a:r>
+              <a:rPr lang="en-US" sz="2400" dirty="0" err="1">
+                <a:latin typeface="Consolas" panose="020B0609020204030204" pitchFamily="49" charset="0"/>
+              </a:rPr>
+              <a:t>var_dump</a:t>
+            </a:r>
+            <a:r>
+              <a:rPr lang="en-US" sz="2400" dirty="0">
+                <a:latin typeface="Consolas" panose="020B0609020204030204" pitchFamily="49" charset="0"/>
+              </a:rPr>
+              <a:t>()</a:t>
+            </a:r>
+            <a:r>
+              <a:rPr lang="en-US" dirty="0"/>
+              <a:t> prints the type and contents of a variable</a:t>
+            </a:r>
+          </a:p>
+        </p:txBody>
+      </p:sp>
+    </p:spTree>
+    <p:extLst>
+      <p:ext uri="{BB962C8B-B14F-4D97-AF65-F5344CB8AC3E}">
+        <p14:creationId xmlns:p14="http://schemas.microsoft.com/office/powerpoint/2010/main" val="3226622129"/>
+      </p:ext>
+    </p:extLst>
+  </p:cSld>
+  <p:clrMapOvr>
+    <a:masterClrMapping/>
+  </p:clrMapOvr>
+</p:sld>
+</file>
+
 <file path=ppt/slides/slide23.xml><?xml version="1.0" encoding="utf-8"?>
 <p:sld xmlns:a="http://schemas.openxmlformats.org/drawingml/2006/main" xmlns:r="http://schemas.openxmlformats.org/officeDocument/2006/relationships" xmlns:p="http://schemas.openxmlformats.org/presentationml/2006/main">
   <p:cSld>
@@ -7364,7 +7535,7 @@
           <a:p>
             <a:r>
               <a:rPr lang="en-US" dirty="0"/>
-              <a:t>Lesson 3</a:t>
+              <a:t>Lesson 4</a:t>
             </a:r>
           </a:p>
         </p:txBody>
@@ -8985,6 +9156,24 @@
               <a:t>New elements can be given numeric indexes using empty brackets</a:t>
             </a:r>
           </a:p>
+          <a:p>
+            <a:r>
+              <a:rPr lang="en-US" dirty="0"/>
+              <a:t>Numeric indexes are assigned in order starting from 0</a:t>
+            </a:r>
+          </a:p>
+          <a:p>
+            <a:r>
+              <a:rPr lang="en-US" sz="2400" dirty="0">
+                <a:latin typeface="Consolas" panose="020B0609020204030204" pitchFamily="49" charset="0"/>
+              </a:rPr>
+              <a:t>unset()</a:t>
+            </a:r>
+            <a:r>
+              <a:rPr lang="en-US" dirty="0"/>
+              <a:t> will not reset the next index</a:t>
+            </a:r>
+          </a:p>
         </p:txBody>
       </p:sp>
     </p:spTree>
@@ -9034,14 +9223,14 @@
           <a:p>
             <a:r>
               <a:rPr lang="en-US" dirty="0"/>
-              <a:t>So, what is code, exactly?</a:t>
-            </a:r>
-          </a:p>
-        </p:txBody>
-      </p:sp>
-      <p:sp>
-        <p:nvSpPr>
-          <p:cNvPr id="3" name="Text Placeholder 2"/>
+              <a:t>Data Types</a:t>
+            </a:r>
+          </a:p>
+        </p:txBody>
+      </p:sp>
+      <p:sp>
+        <p:nvSpPr>
+          <p:cNvPr id="3" name="Content Placeholder 2"/>
           <p:cNvSpPr>
             <a:spLocks noGrp="1"/>
           </p:cNvSpPr>
@@ -9051,40 +9240,133 @@
         </p:nvSpPr>
         <p:spPr/>
         <p:txBody>
-          <a:bodyPr/>
+          <a:bodyPr>
+            <a:normAutofit/>
+          </a:bodyPr>
           <a:lstStyle/>
           <a:p>
             <a:r>
               <a:rPr lang="en-US" dirty="0"/>
-              <a:t>Code – written instructions for computers</a:t>
-            </a:r>
-          </a:p>
-          <a:p>
-            <a:r>
-              <a:rPr lang="en-US" dirty="0"/>
-              <a:t>Computers use binary, humans don’t</a:t>
-            </a:r>
-          </a:p>
-          <a:p>
-            <a:r>
-              <a:rPr lang="en-US" dirty="0"/>
-              <a:t>PHP is a programming language</a:t>
+              <a:t>All data has a type</a:t>
             </a:r>
           </a:p>
           <a:p>
             <a:r>
               <a:rPr lang="en-US" b="1" dirty="0"/>
-              <a:t>Programming languages</a:t>
-            </a:r>
-            <a:r>
-              <a:rPr lang="en-US" dirty="0"/>
-              <a:t> are readable by humans and machines</a:t>
-            </a:r>
-          </a:p>
-          <a:p>
-            <a:r>
-              <a:rPr lang="en-US" dirty="0"/>
-              <a:t>Your code eventually becomes binary</a:t>
+              <a:t>Type</a:t>
+            </a:r>
+            <a:r>
+              <a:rPr lang="en-US" dirty="0"/>
+              <a:t> is determined by the data</a:t>
+            </a:r>
+          </a:p>
+          <a:p>
+            <a:r>
+              <a:rPr lang="en-US" dirty="0"/>
+              <a:t>PHP can and will change the type if necessary</a:t>
+            </a:r>
+          </a:p>
+          <a:p>
+            <a:r>
+              <a:rPr lang="en-US" dirty="0"/>
+              <a:t>Basic types:</a:t>
+            </a:r>
+          </a:p>
+          <a:p>
+            <a:pPr lvl="1"/>
+            <a:r>
+              <a:rPr lang="en-US" b="1" dirty="0"/>
+              <a:t>String</a:t>
+            </a:r>
+            <a:r>
+              <a:rPr lang="en-US" dirty="0"/>
+              <a:t> – Text, enclosed with </a:t>
+            </a:r>
+            <a:r>
+              <a:rPr lang="en-US" sz="2400" dirty="0">
+                <a:latin typeface="Consolas" panose="020B0609020204030204" pitchFamily="49" charset="0"/>
+              </a:rPr>
+              <a:t>""</a:t>
+            </a:r>
+            <a:r>
+              <a:rPr lang="en-US" sz="2400" dirty="0"/>
+              <a:t> or </a:t>
+            </a:r>
+            <a:r>
+              <a:rPr lang="en-US" sz="2400" dirty="0">
+                <a:latin typeface="Consolas" panose="020B0609020204030204" pitchFamily="49" charset="0"/>
+              </a:rPr>
+              <a:t>''</a:t>
+            </a:r>
+          </a:p>
+          <a:p>
+            <a:pPr lvl="1"/>
+            <a:r>
+              <a:rPr lang="en-US" b="1" dirty="0"/>
+              <a:t>Integer</a:t>
+            </a:r>
+            <a:r>
+              <a:rPr lang="en-US" dirty="0"/>
+              <a:t> – Number without a decimal, can be positive or negative</a:t>
+            </a:r>
+          </a:p>
+          <a:p>
+            <a:pPr lvl="1"/>
+            <a:r>
+              <a:rPr lang="en-US" b="1" dirty="0"/>
+              <a:t>Float</a:t>
+            </a:r>
+            <a:r>
+              <a:rPr lang="en-US" dirty="0"/>
+              <a:t> – Like integer, but with a decimal point (sort of)</a:t>
+            </a:r>
+          </a:p>
+          <a:p>
+            <a:pPr lvl="1"/>
+            <a:r>
+              <a:rPr lang="en-US" b="1" dirty="0"/>
+              <a:t>Boolean</a:t>
+            </a:r>
+            <a:r>
+              <a:rPr lang="en-US" dirty="0"/>
+              <a:t> – </a:t>
+            </a:r>
+            <a:r>
+              <a:rPr lang="en-US" sz="2200" dirty="0">
+                <a:solidFill>
+                  <a:srgbClr val="0070C0"/>
+                </a:solidFill>
+                <a:latin typeface="Consolas" panose="020B0609020204030204" pitchFamily="49" charset="0"/>
+              </a:rPr>
+              <a:t>true</a:t>
+            </a:r>
+            <a:r>
+              <a:rPr lang="en-US" dirty="0"/>
+              <a:t> or </a:t>
+            </a:r>
+            <a:r>
+              <a:rPr lang="en-US" sz="2200" dirty="0">
+                <a:solidFill>
+                  <a:srgbClr val="0070C0"/>
+                </a:solidFill>
+                <a:latin typeface="Consolas" panose="020B0609020204030204" pitchFamily="49" charset="0"/>
+              </a:rPr>
+              <a:t>false</a:t>
+            </a:r>
+            <a:r>
+              <a:rPr lang="en-US" dirty="0"/>
+              <a:t>, nothing else</a:t>
+            </a:r>
+          </a:p>
+          <a:p>
+            <a:pPr lvl="1"/>
+            <a:r>
+              <a:rPr lang="en-US" b="1" dirty="0"/>
+              <a:t>Null</a:t>
+            </a:r>
+            <a:r>
+              <a:rPr lang="en-US" dirty="0"/>
+              <a:t> – Doesn’t really exist, indicates lack of a value</a:t>
             </a:r>
           </a:p>
         </p:txBody>
@@ -9092,7 +9374,7 @@
     </p:spTree>
     <p:extLst>
       <p:ext uri="{BB962C8B-B14F-4D97-AF65-F5344CB8AC3E}">
-        <p14:creationId xmlns:p14="http://schemas.microsoft.com/office/powerpoint/2010/main" val="397912412"/>
+        <p14:creationId xmlns:p14="http://schemas.microsoft.com/office/powerpoint/2010/main" val="2407801147"/>
       </p:ext>
     </p:extLst>
   </p:cSld>
@@ -9609,7 +9891,7 @@
 </p:sld>
 </file>
 
-<file path=ppt/slides/slide4.xml><?xml version="1.0" encoding="utf-8"?>
+<file path=ppt/slides/slide31.xml><?xml version="1.0" encoding="utf-8"?>
 <p:sld xmlns:a="http://schemas.openxmlformats.org/drawingml/2006/main" xmlns:r="http://schemas.openxmlformats.org/officeDocument/2006/relationships" xmlns:p="http://schemas.openxmlformats.org/presentationml/2006/main">
   <p:cSld>
     <p:spTree>
@@ -9636,14 +9918,19 @@
             <p:ph type="title"/>
           </p:nvPr>
         </p:nvSpPr>
-        <p:spPr/>
+        <p:spPr>
+          <a:xfrm>
+            <a:off x="831850" y="3622902"/>
+            <a:ext cx="10515600" cy="939573"/>
+          </a:xfrm>
+        </p:spPr>
         <p:txBody>
           <a:bodyPr/>
           <a:lstStyle/>
           <a:p>
             <a:r>
               <a:rPr lang="en-US" dirty="0"/>
-              <a:t>How do we write it?</a:t>
+              <a:t>Control Structures</a:t>
             </a:r>
           </a:p>
         </p:txBody>
@@ -9655,44 +9942,22 @@
             <a:spLocks noGrp="1"/>
           </p:cNvSpPr>
           <p:nvPr>
-            <p:ph idx="1"/>
+            <p:ph type="body" idx="1"/>
           </p:nvPr>
         </p:nvSpPr>
-        <p:spPr/>
-        <p:txBody>
-          <a:bodyPr/>
+        <p:spPr>
+          <a:xfrm>
+            <a:off x="831850" y="3143704"/>
+            <a:ext cx="10515600" cy="479198"/>
+          </a:xfrm>
+        </p:spPr>
+        <p:txBody>
+          <a:bodyPr anchor="b"/>
           <a:lstStyle/>
           <a:p>
             <a:r>
               <a:rPr lang="en-US" dirty="0"/>
-              <a:t>Code is a list of </a:t>
-            </a:r>
-            <a:r>
-              <a:rPr lang="en-US" b="1" dirty="0"/>
-              <a:t>statements </a:t>
-            </a:r>
-            <a:r>
-              <a:rPr lang="en-US" dirty="0"/>
-              <a:t>(instructions for the computer)</a:t>
-            </a:r>
-            <a:endParaRPr lang="en-US" b="1" dirty="0"/>
-          </a:p>
-          <a:p>
-            <a:r>
-              <a:rPr lang="en-US" dirty="0"/>
-              <a:t>Each statement tells the computer to do something</a:t>
-            </a:r>
-          </a:p>
-          <a:p>
-            <a:r>
-              <a:rPr lang="en-US" dirty="0"/>
-              <a:t>Statements are followed in order</a:t>
-            </a:r>
-          </a:p>
-          <a:p>
-            <a:r>
-              <a:rPr lang="en-US" dirty="0"/>
-              <a:t>In PHP, statements end with a semicolon (;)</a:t>
+              <a:t>Lesson 5</a:t>
             </a:r>
           </a:p>
         </p:txBody>
@@ -9700,7 +9965,7 @@
     </p:spTree>
     <p:extLst>
       <p:ext uri="{BB962C8B-B14F-4D97-AF65-F5344CB8AC3E}">
-        <p14:creationId xmlns:p14="http://schemas.microsoft.com/office/powerpoint/2010/main" val="718335873"/>
+        <p14:creationId xmlns:p14="http://schemas.microsoft.com/office/powerpoint/2010/main" val="3722391187"/>
       </p:ext>
     </p:extLst>
   </p:cSld>
@@ -9710,7 +9975,7 @@
 </p:sld>
 </file>
 
-<file path=ppt/slides/slide5.xml><?xml version="1.0" encoding="utf-8"?>
+<file path=ppt/slides/slide32.xml><?xml version="1.0" encoding="utf-8"?>
 <p:sld xmlns:a="http://schemas.openxmlformats.org/drawingml/2006/main" xmlns:r="http://schemas.openxmlformats.org/officeDocument/2006/relationships" xmlns:p="http://schemas.openxmlformats.org/presentationml/2006/main">
   <p:cSld>
     <p:spTree>
@@ -9729,6 +9994,212 @@
       </p:grpSpPr>
       <p:sp>
         <p:nvSpPr>
+          <p:cNvPr id="2" name="Title 1"/>
+          <p:cNvSpPr>
+            <a:spLocks noGrp="1"/>
+          </p:cNvSpPr>
+          <p:nvPr>
+            <p:ph type="title"/>
+          </p:nvPr>
+        </p:nvSpPr>
+        <p:spPr/>
+        <p:txBody>
+          <a:bodyPr/>
+          <a:lstStyle/>
+          <a:p>
+            <a:r>
+              <a:rPr lang="en-US" dirty="0"/>
+              <a:t>if, </a:t>
+            </a:r>
+            <a:r>
+              <a:rPr lang="en-US" dirty="0" err="1"/>
+              <a:t>elseif</a:t>
+            </a:r>
+            <a:r>
+              <a:rPr lang="en-US" dirty="0"/>
+              <a:t>, else</a:t>
+            </a:r>
+          </a:p>
+        </p:txBody>
+      </p:sp>
+      <p:sp>
+        <p:nvSpPr>
+          <p:cNvPr id="3" name="Text Placeholder 2"/>
+          <p:cNvSpPr>
+            <a:spLocks noGrp="1"/>
+          </p:cNvSpPr>
+          <p:nvPr>
+            <p:ph idx="1"/>
+          </p:nvPr>
+        </p:nvSpPr>
+        <p:spPr/>
+        <p:txBody>
+          <a:bodyPr/>
+          <a:lstStyle/>
+          <a:p>
+            <a:r>
+              <a:rPr lang="en-US" dirty="0"/>
+              <a:t>Decides what code to execute using a Boolean</a:t>
+            </a:r>
+          </a:p>
+          <a:p>
+            <a:r>
+              <a:rPr lang="en-US" dirty="0"/>
+              <a:t>Code in </a:t>
+            </a:r>
+            <a:r>
+              <a:rPr lang="en-US" sz="2400" dirty="0">
+                <a:solidFill>
+                  <a:srgbClr val="0070C0"/>
+                </a:solidFill>
+                <a:latin typeface="Consolas" panose="020B0609020204030204" pitchFamily="49" charset="0"/>
+              </a:rPr>
+              <a:t>if</a:t>
+            </a:r>
+            <a:r>
+              <a:rPr lang="en-US" dirty="0"/>
+              <a:t> or </a:t>
+            </a:r>
+            <a:r>
+              <a:rPr lang="en-US" sz="2400" dirty="0" err="1">
+                <a:solidFill>
+                  <a:srgbClr val="0070C0"/>
+                </a:solidFill>
+                <a:latin typeface="Consolas" panose="020B0609020204030204" pitchFamily="49" charset="0"/>
+              </a:rPr>
+              <a:t>elseif</a:t>
+            </a:r>
+            <a:r>
+              <a:rPr lang="en-US" dirty="0"/>
+              <a:t> is run if the Boolean is true</a:t>
+            </a:r>
+          </a:p>
+          <a:p>
+            <a:r>
+              <a:rPr lang="en-US" sz="2400" dirty="0" err="1">
+                <a:solidFill>
+                  <a:srgbClr val="0070C0"/>
+                </a:solidFill>
+                <a:latin typeface="Consolas" panose="020B0609020204030204" pitchFamily="49" charset="0"/>
+              </a:rPr>
+              <a:t>elseif</a:t>
+            </a:r>
+            <a:r>
+              <a:rPr lang="en-US" dirty="0" err="1"/>
+              <a:t>s</a:t>
+            </a:r>
+            <a:r>
+              <a:rPr lang="en-US" dirty="0"/>
+              <a:t> are optional, next one is checked if the Boolean is false</a:t>
+            </a:r>
+          </a:p>
+          <a:p>
+            <a:r>
+              <a:rPr lang="en-US" sz="2400" dirty="0">
+                <a:solidFill>
+                  <a:srgbClr val="0070C0"/>
+                </a:solidFill>
+                <a:latin typeface="Consolas" panose="020B0609020204030204" pitchFamily="49" charset="0"/>
+              </a:rPr>
+              <a:t>else</a:t>
+            </a:r>
+            <a:r>
+              <a:rPr lang="en-US" dirty="0"/>
+              <a:t> is optional, run if all </a:t>
+            </a:r>
+            <a:r>
+              <a:rPr lang="en-US" sz="2400" dirty="0">
+                <a:solidFill>
+                  <a:srgbClr val="0070C0"/>
+                </a:solidFill>
+                <a:latin typeface="Consolas" panose="020B0609020204030204" pitchFamily="49" charset="0"/>
+              </a:rPr>
+              <a:t>if</a:t>
+            </a:r>
+            <a:r>
+              <a:rPr lang="en-US" dirty="0"/>
+              <a:t>s and </a:t>
+            </a:r>
+            <a:r>
+              <a:rPr lang="en-US" sz="2400" dirty="0" err="1">
+                <a:solidFill>
+                  <a:srgbClr val="0070C0"/>
+                </a:solidFill>
+                <a:latin typeface="Consolas" panose="020B0609020204030204" pitchFamily="49" charset="0"/>
+              </a:rPr>
+              <a:t>elseif</a:t>
+            </a:r>
+            <a:r>
+              <a:rPr lang="en-US" dirty="0" err="1"/>
+              <a:t>s</a:t>
+            </a:r>
+            <a:r>
+              <a:rPr lang="en-US" dirty="0"/>
+              <a:t> are false</a:t>
+            </a:r>
+          </a:p>
+          <a:p>
+            <a:r>
+              <a:rPr lang="en-US" sz="2400" dirty="0">
+                <a:solidFill>
+                  <a:srgbClr val="0070C0"/>
+                </a:solidFill>
+                <a:latin typeface="Consolas" panose="020B0609020204030204" pitchFamily="49" charset="0"/>
+              </a:rPr>
+              <a:t>if</a:t>
+            </a:r>
+            <a:r>
+              <a:rPr lang="en-US" dirty="0"/>
+              <a:t> is always first, </a:t>
+            </a:r>
+            <a:r>
+              <a:rPr lang="en-US" sz="2400" dirty="0">
+                <a:solidFill>
+                  <a:srgbClr val="0070C0"/>
+                </a:solidFill>
+                <a:latin typeface="Consolas" panose="020B0609020204030204" pitchFamily="49" charset="0"/>
+              </a:rPr>
+              <a:t>else</a:t>
+            </a:r>
+            <a:r>
+              <a:rPr lang="en-US" dirty="0"/>
+              <a:t> is always last</a:t>
+            </a:r>
+          </a:p>
+        </p:txBody>
+      </p:sp>
+    </p:spTree>
+    <p:extLst>
+      <p:ext uri="{BB962C8B-B14F-4D97-AF65-F5344CB8AC3E}">
+        <p14:creationId xmlns:p14="http://schemas.microsoft.com/office/powerpoint/2010/main" val="2075999119"/>
+      </p:ext>
+    </p:extLst>
+  </p:cSld>
+  <p:clrMapOvr>
+    <a:masterClrMapping/>
+  </p:clrMapOvr>
+</p:sld>
+</file>
+
+<file path=ppt/slides/slide33.xml><?xml version="1.0" encoding="utf-8"?>
+<p:sld xmlns:a="http://schemas.openxmlformats.org/drawingml/2006/main" xmlns:r="http://schemas.openxmlformats.org/officeDocument/2006/relationships" xmlns:p="http://schemas.openxmlformats.org/presentationml/2006/main">
+  <p:cSld>
+    <p:spTree>
+      <p:nvGrpSpPr>
+        <p:cNvPr id="1" name=""/>
+        <p:cNvGrpSpPr/>
+        <p:nvPr/>
+      </p:nvGrpSpPr>
+      <p:grpSpPr>
+        <a:xfrm>
+          <a:off x="0" y="0"/>
+          <a:ext cx="0" cy="0"/>
+          <a:chOff x="0" y="0"/>
+          <a:chExt cx="0" cy="0"/>
+        </a:xfrm>
+      </p:grpSpPr>
+      <p:sp>
+        <p:nvSpPr>
           <p:cNvPr id="5" name="TextBox 4"/>
           <p:cNvSpPr txBox="1"/>
           <p:nvPr/>
@@ -9992,8 +10463,8 @@
         </p:nvSpPr>
         <p:spPr>
           <a:xfrm>
-            <a:off x="935488" y="583973"/>
-            <a:ext cx="11256511" cy="1569660"/>
+            <a:off x="935490" y="583973"/>
+            <a:ext cx="11256511" cy="4893647"/>
           </a:xfrm>
           <a:prstGeom prst="rect">
             <a:avLst/>
@@ -10016,21 +10487,9 @@
                 </a:solidFill>
                 <a:latin typeface="Consolas" panose="020B0609020204030204" pitchFamily="49" charset="0"/>
               </a:rPr>
-              <a:t>&lt;?</a:t>
-            </a:r>
-            <a:r>
-              <a:rPr lang="en-US" sz="2400">
-                <a:solidFill>
-                  <a:srgbClr val="7030A0"/>
-                </a:solidFill>
-                <a:latin typeface="Consolas" panose="020B0609020204030204" pitchFamily="49" charset="0"/>
-              </a:rPr>
-              <a:t>php</a:t>
+              <a:t>&lt;?php</a:t>
             </a:r>
             <a:endParaRPr lang="en-US" sz="2400" dirty="0">
-              <a:solidFill>
-                <a:srgbClr val="7030A0"/>
-              </a:solidFill>
               <a:latin typeface="Consolas" panose="020B0609020204030204" pitchFamily="49" charset="0"/>
             </a:endParaRPr>
           </a:p>
@@ -10039,30 +10498,38 @@
               <a:buNone/>
             </a:pPr>
             <a:endParaRPr lang="en-US" sz="2400" dirty="0">
-              <a:solidFill>
-                <a:srgbClr val="7030A0"/>
-              </a:solidFill>
               <a:latin typeface="Consolas" panose="020B0609020204030204" pitchFamily="49" charset="0"/>
             </a:endParaRPr>
           </a:p>
           <a:p>
-            <a:pPr marL="0" indent="0">
-              <a:buNone/>
-            </a:pPr>
-            <a:r>
-              <a:rPr lang="en-US" sz="2400" dirty="0">
-                <a:solidFill>
-                  <a:srgbClr val="00B050"/>
-                </a:solidFill>
-                <a:latin typeface="Consolas" panose="020B0609020204030204" pitchFamily="49" charset="0"/>
-              </a:rPr>
-              <a:t>// Say hello!</a:t>
-            </a:r>
-          </a:p>
-          <a:p>
-            <a:pPr marL="0" indent="0">
-              <a:buNone/>
-            </a:pPr>
+            <a:r>
+              <a:rPr lang="en-US" sz="2400" dirty="0">
+                <a:latin typeface="Consolas" panose="020B0609020204030204" pitchFamily="49" charset="0"/>
+              </a:rPr>
+              <a:t>$foobar = </a:t>
+            </a:r>
+            <a:r>
+              <a:rPr lang="en-US" sz="2400" dirty="0">
+                <a:solidFill>
+                  <a:srgbClr val="C00000"/>
+                </a:solidFill>
+                <a:latin typeface="Consolas" panose="020B0609020204030204" pitchFamily="49" charset="0"/>
+              </a:rPr>
+              <a:t>1</a:t>
+            </a:r>
+            <a:r>
+              <a:rPr lang="en-US" sz="2400" dirty="0">
+                <a:latin typeface="Consolas" panose="020B0609020204030204" pitchFamily="49" charset="0"/>
+              </a:rPr>
+              <a:t>;</a:t>
+            </a:r>
+          </a:p>
+          <a:p>
+            <a:endParaRPr lang="en-US" sz="2400" dirty="0">
+              <a:latin typeface="Consolas" panose="020B0609020204030204" pitchFamily="49" charset="0"/>
+            </a:endParaRPr>
+          </a:p>
+          <a:p>
             <a:r>
               <a:rPr lang="en-US" sz="2400" dirty="0">
                 <a:solidFill>
@@ -10070,6 +10537,44 @@
                 </a:solidFill>
                 <a:latin typeface="Consolas" panose="020B0609020204030204" pitchFamily="49" charset="0"/>
               </a:rPr>
+              <a:t>if</a:t>
+            </a:r>
+            <a:r>
+              <a:rPr lang="en-US" sz="2400" dirty="0">
+                <a:latin typeface="Consolas" panose="020B0609020204030204" pitchFamily="49" charset="0"/>
+              </a:rPr>
+              <a:t> ($foobar == </a:t>
+            </a:r>
+            <a:r>
+              <a:rPr lang="en-US" sz="2400" dirty="0">
+                <a:solidFill>
+                  <a:srgbClr val="C00000"/>
+                </a:solidFill>
+                <a:latin typeface="Consolas" panose="020B0609020204030204" pitchFamily="49" charset="0"/>
+              </a:rPr>
+              <a:t>0</a:t>
+            </a:r>
+            <a:r>
+              <a:rPr lang="en-US" sz="2400" dirty="0">
+                <a:latin typeface="Consolas" panose="020B0609020204030204" pitchFamily="49" charset="0"/>
+              </a:rPr>
+              <a:t>) {</a:t>
+            </a:r>
+          </a:p>
+          <a:p>
+            <a:r>
+              <a:rPr lang="en-US" sz="2400" dirty="0">
+                <a:latin typeface="Consolas" panose="020B0609020204030204" pitchFamily="49" charset="0"/>
+              </a:rPr>
+              <a:t>    </a:t>
+            </a:r>
+            <a:r>
+              <a:rPr lang="en-US" sz="2400" dirty="0">
+                <a:solidFill>
+                  <a:srgbClr val="0070C0"/>
+                </a:solidFill>
+                <a:latin typeface="Consolas" panose="020B0609020204030204" pitchFamily="49" charset="0"/>
+              </a:rPr>
               <a:t>echo</a:t>
             </a:r>
             <a:r>
@@ -10085,13 +10590,162 @@
                 </a:solidFill>
                 <a:latin typeface="Consolas" panose="020B0609020204030204" pitchFamily="49" charset="0"/>
               </a:rPr>
-              <a:t>"Hello World"</a:t>
+              <a:t>'$foobar is 0'</a:t>
             </a:r>
             <a:r>
               <a:rPr lang="en-US" sz="2400" dirty="0">
                 <a:latin typeface="Consolas" panose="020B0609020204030204" pitchFamily="49" charset="0"/>
               </a:rPr>
               <a:t>;</a:t>
+            </a:r>
+          </a:p>
+          <a:p>
+            <a:r>
+              <a:rPr lang="en-US" sz="2400" dirty="0">
+                <a:latin typeface="Consolas" panose="020B0609020204030204" pitchFamily="49" charset="0"/>
+              </a:rPr>
+              <a:t>}</a:t>
+            </a:r>
+          </a:p>
+          <a:p>
+            <a:r>
+              <a:rPr lang="en-US" sz="2400" dirty="0" err="1">
+                <a:solidFill>
+                  <a:srgbClr val="0070C0"/>
+                </a:solidFill>
+                <a:latin typeface="Consolas" panose="020B0609020204030204" pitchFamily="49" charset="0"/>
+              </a:rPr>
+              <a:t>elseif</a:t>
+            </a:r>
+            <a:r>
+              <a:rPr lang="en-US" sz="2400" dirty="0">
+                <a:latin typeface="Consolas" panose="020B0609020204030204" pitchFamily="49" charset="0"/>
+              </a:rPr>
+              <a:t> ($foobar == </a:t>
+            </a:r>
+            <a:r>
+              <a:rPr lang="en-US" sz="2400" dirty="0">
+                <a:solidFill>
+                  <a:srgbClr val="C00000"/>
+                </a:solidFill>
+                <a:latin typeface="Consolas" panose="020B0609020204030204" pitchFamily="49" charset="0"/>
+              </a:rPr>
+              <a:t>1</a:t>
+            </a:r>
+            <a:r>
+              <a:rPr lang="en-US" sz="2400" dirty="0">
+                <a:latin typeface="Consolas" panose="020B0609020204030204" pitchFamily="49" charset="0"/>
+              </a:rPr>
+              <a:t>) {</a:t>
+            </a:r>
+          </a:p>
+          <a:p>
+            <a:r>
+              <a:rPr lang="en-US" sz="2400" dirty="0">
+                <a:latin typeface="Consolas" panose="020B0609020204030204" pitchFamily="49" charset="0"/>
+              </a:rPr>
+              <a:t>    </a:t>
+            </a:r>
+            <a:r>
+              <a:rPr lang="en-US" sz="2400" dirty="0">
+                <a:solidFill>
+                  <a:srgbClr val="0070C0"/>
+                </a:solidFill>
+                <a:latin typeface="Consolas" panose="020B0609020204030204" pitchFamily="49" charset="0"/>
+              </a:rPr>
+              <a:t>echo</a:t>
+            </a:r>
+            <a:r>
+              <a:rPr lang="en-US" sz="2400" dirty="0">
+                <a:latin typeface="Consolas" panose="020B0609020204030204" pitchFamily="49" charset="0"/>
+              </a:rPr>
+              <a:t> </a:t>
+            </a:r>
+            <a:r>
+              <a:rPr lang="en-US" sz="2400" dirty="0">
+                <a:solidFill>
+                  <a:schemeClr val="accent2"/>
+                </a:solidFill>
+                <a:latin typeface="Consolas" panose="020B0609020204030204" pitchFamily="49" charset="0"/>
+              </a:rPr>
+              <a:t>'$foobar is 1'</a:t>
+            </a:r>
+            <a:r>
+              <a:rPr lang="en-US" sz="2400" dirty="0">
+                <a:latin typeface="Consolas" panose="020B0609020204030204" pitchFamily="49" charset="0"/>
+              </a:rPr>
+              <a:t>;</a:t>
+            </a:r>
+          </a:p>
+          <a:p>
+            <a:r>
+              <a:rPr lang="en-US" sz="2400" dirty="0">
+                <a:latin typeface="Consolas" panose="020B0609020204030204" pitchFamily="49" charset="0"/>
+              </a:rPr>
+              <a:t>}</a:t>
+            </a:r>
+          </a:p>
+          <a:p>
+            <a:r>
+              <a:rPr lang="en-US" sz="2400" dirty="0">
+                <a:solidFill>
+                  <a:srgbClr val="0070C0"/>
+                </a:solidFill>
+                <a:latin typeface="Consolas" panose="020B0609020204030204" pitchFamily="49" charset="0"/>
+              </a:rPr>
+              <a:t>else</a:t>
+            </a:r>
+            <a:r>
+              <a:rPr lang="en-US" sz="2400" dirty="0">
+                <a:latin typeface="Consolas" panose="020B0609020204030204" pitchFamily="49" charset="0"/>
+              </a:rPr>
+              <a:t> {</a:t>
+            </a:r>
+          </a:p>
+          <a:p>
+            <a:r>
+              <a:rPr lang="en-US" sz="2400" dirty="0">
+                <a:latin typeface="Consolas" panose="020B0609020204030204" pitchFamily="49" charset="0"/>
+              </a:rPr>
+              <a:t>    </a:t>
+            </a:r>
+            <a:r>
+              <a:rPr lang="en-US" sz="2400" dirty="0">
+                <a:solidFill>
+                  <a:srgbClr val="0070C0"/>
+                </a:solidFill>
+                <a:latin typeface="Consolas" panose="020B0609020204030204" pitchFamily="49" charset="0"/>
+              </a:rPr>
+              <a:t>echo</a:t>
+            </a:r>
+            <a:r>
+              <a:rPr lang="en-US" sz="2400" dirty="0">
+                <a:latin typeface="Consolas" panose="020B0609020204030204" pitchFamily="49" charset="0"/>
+              </a:rPr>
+              <a:t> </a:t>
+            </a:r>
+            <a:r>
+              <a:rPr lang="en-US" sz="2400" dirty="0">
+                <a:solidFill>
+                  <a:schemeClr val="accent2"/>
+                </a:solidFill>
+                <a:latin typeface="Consolas" panose="020B0609020204030204" pitchFamily="49" charset="0"/>
+              </a:rPr>
+              <a:t>'$foobar is not binary!'</a:t>
+            </a:r>
+            <a:r>
+              <a:rPr lang="en-US" sz="2400" dirty="0">
+                <a:latin typeface="Consolas" panose="020B0609020204030204" pitchFamily="49" charset="0"/>
+              </a:rPr>
+              <a:t>;</a:t>
+            </a:r>
+          </a:p>
+          <a:p>
+            <a:r>
+              <a:rPr lang="en-US" sz="2400" dirty="0">
+                <a:latin typeface="Consolas" panose="020B0609020204030204" pitchFamily="49" charset="0"/>
+              </a:rPr>
+              <a:t>}</a:t>
             </a:r>
           </a:p>
         </p:txBody>
@@ -10145,7 +10799,15 @@
             <a:pPr algn="ctr"/>
             <a:r>
               <a:rPr lang="en-US" sz="3600" dirty="0"/>
-              <a:t>Example 0: Hello, World!</a:t>
+              <a:t>Example 4-1 : if, </a:t>
+            </a:r>
+            <a:r>
+              <a:rPr lang="en-US" sz="3600" dirty="0" err="1"/>
+              <a:t>elseif</a:t>
+            </a:r>
+            <a:r>
+              <a:rPr lang="en-US" sz="3600" dirty="0"/>
+              <a:t>, else</a:t>
             </a:r>
           </a:p>
         </p:txBody>
@@ -10153,7 +10815,7 @@
     </p:spTree>
     <p:extLst>
       <p:ext uri="{BB962C8B-B14F-4D97-AF65-F5344CB8AC3E}">
-        <p14:creationId xmlns:p14="http://schemas.microsoft.com/office/powerpoint/2010/main" val="229137962"/>
+        <p14:creationId xmlns:p14="http://schemas.microsoft.com/office/powerpoint/2010/main" val="3714315388"/>
       </p:ext>
     </p:extLst>
   </p:cSld>
@@ -10163,7 +10825,7 @@
 </p:sld>
 </file>
 
-<file path=ppt/slides/slide6.xml><?xml version="1.0" encoding="utf-8"?>
+<file path=ppt/slides/slide34.xml><?xml version="1.0" encoding="utf-8"?>
 <p:sld xmlns:a="http://schemas.openxmlformats.org/drawingml/2006/main" xmlns:r="http://schemas.openxmlformats.org/officeDocument/2006/relationships" xmlns:p="http://schemas.openxmlformats.org/presentationml/2006/main">
   <p:cSld>
     <p:spTree>
@@ -10190,19 +10852,14 @@
             <p:ph type="title"/>
           </p:nvPr>
         </p:nvSpPr>
-        <p:spPr>
-          <a:xfrm>
-            <a:off x="831850" y="3622902"/>
-            <a:ext cx="10515600" cy="939573"/>
-          </a:xfrm>
-        </p:spPr>
+        <p:spPr/>
         <p:txBody>
           <a:bodyPr/>
           <a:lstStyle/>
           <a:p>
             <a:r>
               <a:rPr lang="en-US" dirty="0"/>
-              <a:t>Basic Concepts</a:t>
+              <a:t>While</a:t>
             </a:r>
           </a:p>
         </p:txBody>
@@ -10214,22 +10871,53 @@
             <a:spLocks noGrp="1"/>
           </p:cNvSpPr>
           <p:nvPr>
-            <p:ph type="body" idx="1"/>
+            <p:ph idx="1"/>
           </p:nvPr>
         </p:nvSpPr>
-        <p:spPr>
-          <a:xfrm>
-            <a:off x="831850" y="3143704"/>
-            <a:ext cx="10515600" cy="479198"/>
-          </a:xfrm>
-        </p:spPr>
-        <p:txBody>
-          <a:bodyPr anchor="b"/>
+        <p:spPr/>
+        <p:txBody>
+          <a:bodyPr/>
           <a:lstStyle/>
           <a:p>
             <a:r>
               <a:rPr lang="en-US" dirty="0"/>
-              <a:t>Lesson 1</a:t>
+              <a:t>Used for making </a:t>
+            </a:r>
+            <a:r>
+              <a:rPr lang="en-US" b="1" dirty="0"/>
+              <a:t>loops</a:t>
+            </a:r>
+            <a:r>
+              <a:rPr lang="en-US" dirty="0"/>
+              <a:t>, sections of code which repeat themselves</a:t>
+            </a:r>
+          </a:p>
+          <a:p>
+            <a:r>
+              <a:rPr lang="en-US" sz="2400" dirty="0">
+                <a:solidFill>
+                  <a:srgbClr val="0070C0"/>
+                </a:solidFill>
+                <a:latin typeface="Consolas" panose="020B0609020204030204" pitchFamily="49" charset="0"/>
+              </a:rPr>
+              <a:t>while</a:t>
+            </a:r>
+            <a:r>
+              <a:rPr lang="en-US" dirty="0"/>
+              <a:t> works like </a:t>
+            </a:r>
+            <a:r>
+              <a:rPr lang="en-US" sz="2400" dirty="0">
+                <a:solidFill>
+                  <a:srgbClr val="0070C0"/>
+                </a:solidFill>
+                <a:latin typeface="Consolas" panose="020B0609020204030204" pitchFamily="49" charset="0"/>
+              </a:rPr>
+              <a:t>if</a:t>
+            </a:r>
+            <a:r>
+              <a:rPr lang="en-US" dirty="0"/>
+              <a:t>, but keeps looping as long as the Boolean is true</a:t>
             </a:r>
           </a:p>
         </p:txBody>
@@ -10237,7 +10925,7 @@
     </p:spTree>
     <p:extLst>
       <p:ext uri="{BB962C8B-B14F-4D97-AF65-F5344CB8AC3E}">
-        <p14:creationId xmlns:p14="http://schemas.microsoft.com/office/powerpoint/2010/main" val="3357398574"/>
+        <p14:creationId xmlns:p14="http://schemas.microsoft.com/office/powerpoint/2010/main" val="3807552056"/>
       </p:ext>
     </p:extLst>
   </p:cSld>
@@ -10247,7 +10935,7 @@
 </p:sld>
 </file>
 
-<file path=ppt/slides/slide7.xml><?xml version="1.0" encoding="utf-8"?>
+<file path=ppt/slides/slide35.xml><?xml version="1.0" encoding="utf-8"?>
 <p:sld xmlns:a="http://schemas.openxmlformats.org/drawingml/2006/main" xmlns:r="http://schemas.openxmlformats.org/officeDocument/2006/relationships" xmlns:p="http://schemas.openxmlformats.org/presentationml/2006/main">
   <p:cSld>
     <p:spTree>
@@ -10266,319 +10954,6 @@
       </p:grpSpPr>
       <p:sp>
         <p:nvSpPr>
-          <p:cNvPr id="2" name="Title 1"/>
-          <p:cNvSpPr>
-            <a:spLocks noGrp="1"/>
-          </p:cNvSpPr>
-          <p:nvPr>
-            <p:ph type="title"/>
-          </p:nvPr>
-        </p:nvSpPr>
-        <p:spPr/>
-        <p:txBody>
-          <a:bodyPr/>
-          <a:lstStyle/>
-          <a:p>
-            <a:r>
-              <a:rPr lang="en-US" dirty="0"/>
-              <a:t>Data Types</a:t>
-            </a:r>
-          </a:p>
-        </p:txBody>
-      </p:sp>
-      <p:sp>
-        <p:nvSpPr>
-          <p:cNvPr id="3" name="Content Placeholder 2"/>
-          <p:cNvSpPr>
-            <a:spLocks noGrp="1"/>
-          </p:cNvSpPr>
-          <p:nvPr>
-            <p:ph idx="1"/>
-          </p:nvPr>
-        </p:nvSpPr>
-        <p:spPr/>
-        <p:txBody>
-          <a:bodyPr>
-            <a:normAutofit/>
-          </a:bodyPr>
-          <a:lstStyle/>
-          <a:p>
-            <a:r>
-              <a:rPr lang="en-US" dirty="0"/>
-              <a:t>All data has a type</a:t>
-            </a:r>
-          </a:p>
-          <a:p>
-            <a:r>
-              <a:rPr lang="en-US" b="1" dirty="0"/>
-              <a:t>Type</a:t>
-            </a:r>
-            <a:r>
-              <a:rPr lang="en-US" dirty="0"/>
-              <a:t> is determined by the data</a:t>
-            </a:r>
-          </a:p>
-          <a:p>
-            <a:r>
-              <a:rPr lang="en-US" dirty="0"/>
-              <a:t>PHP can and will change the type if necessary</a:t>
-            </a:r>
-          </a:p>
-          <a:p>
-            <a:r>
-              <a:rPr lang="en-US" dirty="0"/>
-              <a:t>Basic types:</a:t>
-            </a:r>
-          </a:p>
-          <a:p>
-            <a:pPr lvl="1"/>
-            <a:r>
-              <a:rPr lang="en-US" b="1" dirty="0"/>
-              <a:t>String</a:t>
-            </a:r>
-            <a:r>
-              <a:rPr lang="en-US" dirty="0"/>
-              <a:t> – Text, enclosed with </a:t>
-            </a:r>
-            <a:r>
-              <a:rPr lang="en-US" sz="2400" dirty="0">
-                <a:latin typeface="Consolas" panose="020B0609020204030204" pitchFamily="49" charset="0"/>
-              </a:rPr>
-              <a:t>""</a:t>
-            </a:r>
-            <a:r>
-              <a:rPr lang="en-US" sz="2400" dirty="0"/>
-              <a:t> or </a:t>
-            </a:r>
-            <a:r>
-              <a:rPr lang="en-US" sz="2400" dirty="0">
-                <a:latin typeface="Consolas" panose="020B0609020204030204" pitchFamily="49" charset="0"/>
-              </a:rPr>
-              <a:t>''</a:t>
-            </a:r>
-          </a:p>
-          <a:p>
-            <a:pPr lvl="1"/>
-            <a:r>
-              <a:rPr lang="en-US" b="1" dirty="0"/>
-              <a:t>Integer</a:t>
-            </a:r>
-            <a:r>
-              <a:rPr lang="en-US" dirty="0"/>
-              <a:t> – Number without a decimal, can be positive or negative</a:t>
-            </a:r>
-          </a:p>
-          <a:p>
-            <a:pPr lvl="1"/>
-            <a:r>
-              <a:rPr lang="en-US" b="1" dirty="0"/>
-              <a:t>Float</a:t>
-            </a:r>
-            <a:r>
-              <a:rPr lang="en-US" dirty="0"/>
-              <a:t> – Like integer, but with a decimal point (sort of)</a:t>
-            </a:r>
-          </a:p>
-          <a:p>
-            <a:pPr lvl="1"/>
-            <a:r>
-              <a:rPr lang="en-US" b="1" dirty="0"/>
-              <a:t>Boolean</a:t>
-            </a:r>
-            <a:r>
-              <a:rPr lang="en-US" dirty="0"/>
-              <a:t> – </a:t>
-            </a:r>
-            <a:r>
-              <a:rPr lang="en-US" sz="2200" dirty="0">
-                <a:solidFill>
-                  <a:srgbClr val="0070C0"/>
-                </a:solidFill>
-                <a:latin typeface="Consolas" panose="020B0609020204030204" pitchFamily="49" charset="0"/>
-              </a:rPr>
-              <a:t>true</a:t>
-            </a:r>
-            <a:r>
-              <a:rPr lang="en-US" dirty="0"/>
-              <a:t> or </a:t>
-            </a:r>
-            <a:r>
-              <a:rPr lang="en-US" sz="2200" dirty="0">
-                <a:solidFill>
-                  <a:srgbClr val="0070C0"/>
-                </a:solidFill>
-                <a:latin typeface="Consolas" panose="020B0609020204030204" pitchFamily="49" charset="0"/>
-              </a:rPr>
-              <a:t>false</a:t>
-            </a:r>
-            <a:r>
-              <a:rPr lang="en-US" dirty="0"/>
-              <a:t>, nothing else</a:t>
-            </a:r>
-          </a:p>
-          <a:p>
-            <a:pPr lvl="1"/>
-            <a:r>
-              <a:rPr lang="en-US" b="1" dirty="0"/>
-              <a:t>Null</a:t>
-            </a:r>
-            <a:r>
-              <a:rPr lang="en-US" dirty="0"/>
-              <a:t> – Doesn’t really exist, indicates lack of a value</a:t>
-            </a:r>
-          </a:p>
-        </p:txBody>
-      </p:sp>
-    </p:spTree>
-    <p:extLst>
-      <p:ext uri="{BB962C8B-B14F-4D97-AF65-F5344CB8AC3E}">
-        <p14:creationId xmlns:p14="http://schemas.microsoft.com/office/powerpoint/2010/main" val="2407801147"/>
-      </p:ext>
-    </p:extLst>
-  </p:cSld>
-  <p:clrMapOvr>
-    <a:masterClrMapping/>
-  </p:clrMapOvr>
-</p:sld>
-</file>
-
-<file path=ppt/slides/slide8.xml><?xml version="1.0" encoding="utf-8"?>
-<p:sld xmlns:a="http://schemas.openxmlformats.org/drawingml/2006/main" xmlns:r="http://schemas.openxmlformats.org/officeDocument/2006/relationships" xmlns:p="http://schemas.openxmlformats.org/presentationml/2006/main">
-  <p:cSld>
-    <p:spTree>
-      <p:nvGrpSpPr>
-        <p:cNvPr id="1" name=""/>
-        <p:cNvGrpSpPr/>
-        <p:nvPr/>
-      </p:nvGrpSpPr>
-      <p:grpSpPr>
-        <a:xfrm>
-          <a:off x="0" y="0"/>
-          <a:ext cx="0" cy="0"/>
-          <a:chOff x="0" y="0"/>
-          <a:chExt cx="0" cy="0"/>
-        </a:xfrm>
-      </p:grpSpPr>
-      <p:sp>
-        <p:nvSpPr>
-          <p:cNvPr id="2" name="Title 1"/>
-          <p:cNvSpPr>
-            <a:spLocks noGrp="1"/>
-          </p:cNvSpPr>
-          <p:nvPr>
-            <p:ph type="title"/>
-          </p:nvPr>
-        </p:nvSpPr>
-        <p:spPr/>
-        <p:txBody>
-          <a:bodyPr/>
-          <a:lstStyle/>
-          <a:p>
-            <a:r>
-              <a:rPr lang="en-US" dirty="0"/>
-              <a:t>Variables</a:t>
-            </a:r>
-          </a:p>
-        </p:txBody>
-      </p:sp>
-      <p:sp>
-        <p:nvSpPr>
-          <p:cNvPr id="3" name="Text Placeholder 2"/>
-          <p:cNvSpPr>
-            <a:spLocks noGrp="1"/>
-          </p:cNvSpPr>
-          <p:nvPr>
-            <p:ph idx="1"/>
-          </p:nvPr>
-        </p:nvSpPr>
-        <p:spPr/>
-        <p:txBody>
-          <a:bodyPr/>
-          <a:lstStyle/>
-          <a:p>
-            <a:r>
-              <a:rPr lang="en-US" b="1" dirty="0"/>
-              <a:t>Variable</a:t>
-            </a:r>
-            <a:r>
-              <a:rPr lang="en-US" dirty="0"/>
-              <a:t> - Named container for storing data</a:t>
-            </a:r>
-          </a:p>
-          <a:p>
-            <a:r>
-              <a:rPr lang="en-US" dirty="0"/>
-              <a:t>Name starts with $ followed by letter or underscore</a:t>
-            </a:r>
-          </a:p>
-          <a:p>
-            <a:r>
-              <a:rPr lang="en-US" dirty="0"/>
-              <a:t>Rest of name is letters, numbers, and underscores</a:t>
-            </a:r>
-          </a:p>
-          <a:p>
-            <a:r>
-              <a:rPr lang="en-US" b="1" dirty="0"/>
-              <a:t>Assign</a:t>
-            </a:r>
-            <a:r>
-              <a:rPr lang="en-US" dirty="0"/>
-              <a:t> a value to a variable (put something in it) with =</a:t>
-            </a:r>
-          </a:p>
-          <a:p>
-            <a:r>
-              <a:rPr lang="en-US" dirty="0"/>
-              <a:t>Variable name goes before =, thing to put in it goes after</a:t>
-            </a:r>
-          </a:p>
-          <a:p>
-            <a:r>
-              <a:rPr lang="en-US" dirty="0"/>
-              <a:t>= will create a variable if it doesn’t exist</a:t>
-            </a:r>
-          </a:p>
-          <a:p>
-            <a:r>
-              <a:rPr lang="en-US" dirty="0"/>
-              <a:t>= puts anything in a variable, even the contents of another variable</a:t>
-            </a:r>
-          </a:p>
-        </p:txBody>
-      </p:sp>
-    </p:spTree>
-    <p:extLst>
-      <p:ext uri="{BB962C8B-B14F-4D97-AF65-F5344CB8AC3E}">
-        <p14:creationId xmlns:p14="http://schemas.microsoft.com/office/powerpoint/2010/main" val="2467428219"/>
-      </p:ext>
-    </p:extLst>
-  </p:cSld>
-  <p:clrMapOvr>
-    <a:masterClrMapping/>
-  </p:clrMapOvr>
-</p:sld>
-</file>
-
-<file path=ppt/slides/slide9.xml><?xml version="1.0" encoding="utf-8"?>
-<p:sld xmlns:a="http://schemas.openxmlformats.org/drawingml/2006/main" xmlns:r="http://schemas.openxmlformats.org/officeDocument/2006/relationships" xmlns:p="http://schemas.openxmlformats.org/presentationml/2006/main">
-  <p:cSld>
-    <p:spTree>
-      <p:nvGrpSpPr>
-        <p:cNvPr id="1" name=""/>
-        <p:cNvGrpSpPr/>
-        <p:nvPr/>
-      </p:nvGrpSpPr>
-      <p:grpSpPr>
-        <a:xfrm>
-          <a:off x="0" y="0"/>
-          <a:ext cx="0" cy="0"/>
-          <a:chOff x="0" y="0"/>
-          <a:chExt cx="0" cy="0"/>
-        </a:xfrm>
-      </p:grpSpPr>
-      <p:sp>
-        <p:nvSpPr>
           <p:cNvPr id="5" name="TextBox 4"/>
           <p:cNvSpPr txBox="1"/>
           <p:nvPr/>
@@ -10866,60 +11241,11 @@
                 </a:solidFill>
                 <a:latin typeface="Consolas" panose="020B0609020204030204" pitchFamily="49" charset="0"/>
               </a:rPr>
-              <a:t>&lt;?</a:t>
-            </a:r>
-            <a:r>
-              <a:rPr lang="en-US" sz="2400">
-                <a:solidFill>
-                  <a:srgbClr val="7030A0"/>
-                </a:solidFill>
-                <a:latin typeface="Consolas" panose="020B0609020204030204" pitchFamily="49" charset="0"/>
-              </a:rPr>
-              <a:t>php</a:t>
+              <a:t>&lt;?php</a:t>
             </a:r>
             <a:endParaRPr lang="en-US" sz="2400" dirty="0">
-              <a:solidFill>
-                <a:srgbClr val="7030A0"/>
-              </a:solidFill>
               <a:latin typeface="Consolas" panose="020B0609020204030204" pitchFamily="49" charset="0"/>
             </a:endParaRPr>
-          </a:p>
-          <a:p>
-            <a:pPr marL="0" indent="0">
-              <a:buNone/>
-            </a:pPr>
-            <a:endParaRPr lang="en-US" sz="2400" dirty="0">
-              <a:solidFill>
-                <a:srgbClr val="7030A0"/>
-              </a:solidFill>
-              <a:latin typeface="Consolas" panose="020B0609020204030204" pitchFamily="49" charset="0"/>
-            </a:endParaRPr>
-          </a:p>
-          <a:p>
-            <a:pPr marL="0" indent="0">
-              <a:buNone/>
-            </a:pPr>
-            <a:r>
-              <a:rPr lang="en-US" sz="2400" dirty="0">
-                <a:latin typeface="Consolas" panose="020B0609020204030204" pitchFamily="49" charset="0"/>
-              </a:rPr>
-              <a:t>$foobar = </a:t>
-            </a:r>
-            <a:r>
-              <a:rPr lang="en-US" sz="2400" dirty="0">
-                <a:solidFill>
-                  <a:srgbClr val="C00000"/>
-                </a:solidFill>
-                <a:latin typeface="Consolas" panose="020B0609020204030204" pitchFamily="49" charset="0"/>
-              </a:rPr>
-              <a:t>10</a:t>
-            </a:r>
-            <a:r>
-              <a:rPr lang="en-US" sz="2400" dirty="0">
-                <a:latin typeface="Consolas" panose="020B0609020204030204" pitchFamily="49" charset="0"/>
-              </a:rPr>
-              <a:t>;</a:t>
-            </a:r>
           </a:p>
           <a:p>
             <a:pPr marL="0" indent="0">
@@ -10930,40 +11256,37 @@
             </a:endParaRPr>
           </a:p>
           <a:p>
-            <a:pPr marL="0" indent="0">
-              <a:buNone/>
-            </a:pPr>
-            <a:r>
-              <a:rPr lang="en-US" sz="2400" dirty="0">
-                <a:latin typeface="Consolas" panose="020B0609020204030204" pitchFamily="49" charset="0"/>
-              </a:rPr>
-              <a:t>$</a:t>
-            </a:r>
-            <a:r>
-              <a:rPr lang="en-US" sz="2400" dirty="0" err="1">
-                <a:latin typeface="Consolas" panose="020B0609020204030204" pitchFamily="49" charset="0"/>
-              </a:rPr>
-              <a:t>foobar_copy</a:t>
-            </a:r>
-            <a:r>
-              <a:rPr lang="en-US" sz="2400" dirty="0">
-                <a:latin typeface="Consolas" panose="020B0609020204030204" pitchFamily="49" charset="0"/>
-              </a:rPr>
-              <a:t> = $foobar;</a:t>
-            </a:r>
-          </a:p>
-          <a:p>
-            <a:pPr marL="0" indent="0">
-              <a:buNone/>
-            </a:pPr>
+            <a:r>
+              <a:rPr lang="en-US" sz="2400" dirty="0">
+                <a:latin typeface="Consolas" panose="020B0609020204030204" pitchFamily="49" charset="0"/>
+              </a:rPr>
+              <a:t>$foobar = </a:t>
+            </a:r>
+            <a:r>
+              <a:rPr lang="en-US" sz="2400" dirty="0">
+                <a:solidFill>
+                  <a:srgbClr val="C00000"/>
+                </a:solidFill>
+                <a:latin typeface="Consolas" panose="020B0609020204030204" pitchFamily="49" charset="0"/>
+              </a:rPr>
+              <a:t>0</a:t>
+            </a:r>
+            <a:r>
+              <a:rPr lang="en-US" sz="2400" dirty="0">
+                <a:latin typeface="Consolas" panose="020B0609020204030204" pitchFamily="49" charset="0"/>
+              </a:rPr>
+              <a:t>;</a:t>
+            </a:r>
+          </a:p>
+          <a:p>
             <a:endParaRPr lang="en-US" sz="2400" dirty="0">
+              <a:solidFill>
+                <a:srgbClr val="C00000"/>
+              </a:solidFill>
               <a:latin typeface="Consolas" panose="020B0609020204030204" pitchFamily="49" charset="0"/>
             </a:endParaRPr>
           </a:p>
           <a:p>
-            <a:pPr marL="0" indent="0">
-              <a:buNone/>
-            </a:pPr>
             <a:r>
               <a:rPr lang="en-US" sz="2400" dirty="0">
                 <a:solidFill>
@@ -10971,6 +11294,61 @@
                 </a:solidFill>
                 <a:latin typeface="Consolas" panose="020B0609020204030204" pitchFamily="49" charset="0"/>
               </a:rPr>
+              <a:t>while</a:t>
+            </a:r>
+            <a:r>
+              <a:rPr lang="en-US" sz="2400" dirty="0">
+                <a:solidFill>
+                  <a:srgbClr val="C00000"/>
+                </a:solidFill>
+                <a:latin typeface="Consolas" panose="020B0609020204030204" pitchFamily="49" charset="0"/>
+              </a:rPr>
+              <a:t> </a:t>
+            </a:r>
+            <a:r>
+              <a:rPr lang="en-US" sz="2400" dirty="0">
+                <a:latin typeface="Consolas" panose="020B0609020204030204" pitchFamily="49" charset="0"/>
+              </a:rPr>
+              <a:t>($foobar &lt; </a:t>
+            </a:r>
+            <a:r>
+              <a:rPr lang="en-US" sz="2400" dirty="0">
+                <a:solidFill>
+                  <a:srgbClr val="C00000"/>
+                </a:solidFill>
+                <a:latin typeface="Consolas" panose="020B0609020204030204" pitchFamily="49" charset="0"/>
+              </a:rPr>
+              <a:t>5</a:t>
+            </a:r>
+            <a:r>
+              <a:rPr lang="en-US" sz="2400" dirty="0">
+                <a:latin typeface="Consolas" panose="020B0609020204030204" pitchFamily="49" charset="0"/>
+              </a:rPr>
+              <a:t>) {</a:t>
+            </a:r>
+          </a:p>
+          <a:p>
+            <a:r>
+              <a:rPr lang="en-US" sz="2400" dirty="0">
+                <a:latin typeface="Consolas" panose="020B0609020204030204" pitchFamily="49" charset="0"/>
+              </a:rPr>
+              <a:t>    $foobar++;</a:t>
+            </a:r>
+          </a:p>
+          <a:p>
+            <a:r>
+              <a:rPr lang="en-US" sz="2400" dirty="0">
+                <a:latin typeface="Consolas" panose="020B0609020204030204" pitchFamily="49" charset="0"/>
+              </a:rPr>
+              <a:t>    </a:t>
+            </a:r>
+            <a:r>
+              <a:rPr lang="en-US" sz="2400" dirty="0">
+                <a:solidFill>
+                  <a:srgbClr val="0070C0"/>
+                </a:solidFill>
+                <a:latin typeface="Consolas" panose="020B0609020204030204" pitchFamily="49" charset="0"/>
+              </a:rPr>
               <a:t>echo</a:t>
             </a:r>
             <a:r>
@@ -10981,35 +11359,11 @@
             </a:r>
           </a:p>
           <a:p>
-            <a:pPr marL="0" indent="0">
-              <a:buNone/>
-            </a:pPr>
-            <a:r>
-              <a:rPr lang="en-US" sz="2400" dirty="0">
-                <a:solidFill>
-                  <a:srgbClr val="0070C0"/>
-                </a:solidFill>
-                <a:latin typeface="Consolas" panose="020B0609020204030204" pitchFamily="49" charset="0"/>
-              </a:rPr>
-              <a:t>echo</a:t>
-            </a:r>
-            <a:r>
-              <a:rPr lang="en-US" sz="2400" dirty="0">
-                <a:latin typeface="Consolas" panose="020B0609020204030204" pitchFamily="49" charset="0"/>
-              </a:rPr>
-              <a:t> $</a:t>
-            </a:r>
-            <a:r>
-              <a:rPr lang="en-US" sz="2400" dirty="0" err="1">
-                <a:latin typeface="Consolas" panose="020B0609020204030204" pitchFamily="49" charset="0"/>
-              </a:rPr>
-              <a:t>foobar_copy</a:t>
-            </a:r>
-            <a:r>
-              <a:rPr lang="en-US" sz="2400" dirty="0">
-                <a:latin typeface="Consolas" panose="020B0609020204030204" pitchFamily="49" charset="0"/>
-              </a:rPr>
-              <a:t>;</a:t>
+            <a:r>
+              <a:rPr lang="en-US" sz="2400" dirty="0">
+                <a:latin typeface="Consolas" panose="020B0609020204030204" pitchFamily="49" charset="0"/>
+              </a:rPr>
+              <a:t>}</a:t>
             </a:r>
           </a:p>
         </p:txBody>
@@ -11063,6 +11417,3545 @@
             <a:pPr algn="ctr"/>
             <a:r>
               <a:rPr lang="en-US" sz="3600" dirty="0"/>
+              <a:t>Example 4-2 : while</a:t>
+            </a:r>
+          </a:p>
+        </p:txBody>
+      </p:sp>
+    </p:spTree>
+    <p:extLst>
+      <p:ext uri="{BB962C8B-B14F-4D97-AF65-F5344CB8AC3E}">
+        <p14:creationId xmlns:p14="http://schemas.microsoft.com/office/powerpoint/2010/main" val="2651980139"/>
+      </p:ext>
+    </p:extLst>
+  </p:cSld>
+  <p:clrMapOvr>
+    <a:masterClrMapping/>
+  </p:clrMapOvr>
+</p:sld>
+</file>
+
+<file path=ppt/slides/slide36.xml><?xml version="1.0" encoding="utf-8"?>
+<p:sld xmlns:a="http://schemas.openxmlformats.org/drawingml/2006/main" xmlns:r="http://schemas.openxmlformats.org/officeDocument/2006/relationships" xmlns:p="http://schemas.openxmlformats.org/presentationml/2006/main">
+  <p:cSld>
+    <p:spTree>
+      <p:nvGrpSpPr>
+        <p:cNvPr id="1" name=""/>
+        <p:cNvGrpSpPr/>
+        <p:nvPr/>
+      </p:nvGrpSpPr>
+      <p:grpSpPr>
+        <a:xfrm>
+          <a:off x="0" y="0"/>
+          <a:ext cx="0" cy="0"/>
+          <a:chOff x="0" y="0"/>
+          <a:chExt cx="0" cy="0"/>
+        </a:xfrm>
+      </p:grpSpPr>
+      <p:sp>
+        <p:nvSpPr>
+          <p:cNvPr id="2" name="Title 1"/>
+          <p:cNvSpPr>
+            <a:spLocks noGrp="1"/>
+          </p:cNvSpPr>
+          <p:nvPr>
+            <p:ph type="title"/>
+          </p:nvPr>
+        </p:nvSpPr>
+        <p:spPr/>
+        <p:txBody>
+          <a:bodyPr/>
+          <a:lstStyle/>
+          <a:p>
+            <a:r>
+              <a:rPr lang="en-US" dirty="0" err="1"/>
+              <a:t>Foreach</a:t>
+            </a:r>
+            <a:r>
+              <a:rPr lang="en-US" dirty="0"/>
+              <a:t>, as</a:t>
+            </a:r>
+          </a:p>
+        </p:txBody>
+      </p:sp>
+      <p:sp>
+        <p:nvSpPr>
+          <p:cNvPr id="3" name="Content Placeholder 2"/>
+          <p:cNvSpPr>
+            <a:spLocks noGrp="1"/>
+          </p:cNvSpPr>
+          <p:nvPr>
+            <p:ph idx="1"/>
+          </p:nvPr>
+        </p:nvSpPr>
+        <p:spPr/>
+        <p:txBody>
+          <a:bodyPr/>
+          <a:lstStyle/>
+          <a:p>
+            <a:r>
+              <a:rPr lang="en-US" dirty="0"/>
+              <a:t>Used to go through each element of an array</a:t>
+            </a:r>
+          </a:p>
+          <a:p>
+            <a:r>
+              <a:rPr lang="en-US" dirty="0"/>
+              <a:t>Element is placed in a variable, then code is run</a:t>
+            </a:r>
+          </a:p>
+          <a:p>
+            <a:r>
+              <a:rPr lang="en-US" dirty="0"/>
+              <a:t>Key can optionally be put in another variable</a:t>
+            </a:r>
+          </a:p>
+          <a:p>
+            <a:r>
+              <a:rPr lang="en-US" dirty="0"/>
+              <a:t>Modifying the array during the loop breaks things, don’t do it</a:t>
+            </a:r>
+          </a:p>
+        </p:txBody>
+      </p:sp>
+    </p:spTree>
+    <p:extLst>
+      <p:ext uri="{BB962C8B-B14F-4D97-AF65-F5344CB8AC3E}">
+        <p14:creationId xmlns:p14="http://schemas.microsoft.com/office/powerpoint/2010/main" val="3211731289"/>
+      </p:ext>
+    </p:extLst>
+  </p:cSld>
+  <p:clrMapOvr>
+    <a:masterClrMapping/>
+  </p:clrMapOvr>
+</p:sld>
+</file>
+
+<file path=ppt/slides/slide37.xml><?xml version="1.0" encoding="utf-8"?>
+<p:sld xmlns:a="http://schemas.openxmlformats.org/drawingml/2006/main" xmlns:r="http://schemas.openxmlformats.org/officeDocument/2006/relationships" xmlns:p="http://schemas.openxmlformats.org/presentationml/2006/main">
+  <p:cSld>
+    <p:spTree>
+      <p:nvGrpSpPr>
+        <p:cNvPr id="1" name=""/>
+        <p:cNvGrpSpPr/>
+        <p:nvPr/>
+      </p:nvGrpSpPr>
+      <p:grpSpPr>
+        <a:xfrm>
+          <a:off x="0" y="0"/>
+          <a:ext cx="0" cy="0"/>
+          <a:chOff x="0" y="0"/>
+          <a:chExt cx="0" cy="0"/>
+        </a:xfrm>
+      </p:grpSpPr>
+      <p:sp>
+        <p:nvSpPr>
+          <p:cNvPr id="5" name="TextBox 4"/>
+          <p:cNvSpPr txBox="1"/>
+          <p:nvPr/>
+        </p:nvSpPr>
+        <p:spPr>
+          <a:xfrm>
+            <a:off x="0" y="583973"/>
+            <a:ext cx="935489" cy="6370975"/>
+          </a:xfrm>
+          <a:prstGeom prst="rect">
+            <a:avLst/>
+          </a:prstGeom>
+          <a:solidFill>
+            <a:schemeClr val="bg1">
+              <a:lumMod val="85000"/>
+            </a:schemeClr>
+          </a:solidFill>
+        </p:spPr>
+        <p:txBody>
+          <a:bodyPr wrap="square" rtlCol="0" anchor="ctr">
+            <a:spAutoFit/>
+          </a:bodyPr>
+          <a:lstStyle/>
+          <a:p>
+            <a:pPr algn="r"/>
+            <a:r>
+              <a:rPr lang="en-US" sz="2400" dirty="0">
+                <a:solidFill>
+                  <a:schemeClr val="accent3">
+                    <a:lumMod val="50000"/>
+                  </a:schemeClr>
+                </a:solidFill>
+                <a:latin typeface="Consolas" panose="020B0609020204030204" pitchFamily="49" charset="0"/>
+              </a:rPr>
+              <a:t>1</a:t>
+            </a:r>
+          </a:p>
+          <a:p>
+            <a:pPr algn="r"/>
+            <a:r>
+              <a:rPr lang="en-US" sz="2400" dirty="0">
+                <a:solidFill>
+                  <a:schemeClr val="accent3">
+                    <a:lumMod val="50000"/>
+                  </a:schemeClr>
+                </a:solidFill>
+                <a:latin typeface="Consolas" panose="020B0609020204030204" pitchFamily="49" charset="0"/>
+              </a:rPr>
+              <a:t>2</a:t>
+            </a:r>
+          </a:p>
+          <a:p>
+            <a:pPr algn="r"/>
+            <a:r>
+              <a:rPr lang="en-US" sz="2400" dirty="0">
+                <a:solidFill>
+                  <a:schemeClr val="accent3">
+                    <a:lumMod val="50000"/>
+                  </a:schemeClr>
+                </a:solidFill>
+                <a:latin typeface="Consolas" panose="020B0609020204030204" pitchFamily="49" charset="0"/>
+              </a:rPr>
+              <a:t>3</a:t>
+            </a:r>
+          </a:p>
+          <a:p>
+            <a:pPr algn="r"/>
+            <a:r>
+              <a:rPr lang="en-US" sz="2400" dirty="0">
+                <a:solidFill>
+                  <a:schemeClr val="accent3">
+                    <a:lumMod val="50000"/>
+                  </a:schemeClr>
+                </a:solidFill>
+                <a:latin typeface="Consolas" panose="020B0609020204030204" pitchFamily="49" charset="0"/>
+              </a:rPr>
+              <a:t>4</a:t>
+            </a:r>
+          </a:p>
+          <a:p>
+            <a:pPr algn="r"/>
+            <a:r>
+              <a:rPr lang="en-US" sz="2400" dirty="0">
+                <a:solidFill>
+                  <a:schemeClr val="accent3">
+                    <a:lumMod val="50000"/>
+                  </a:schemeClr>
+                </a:solidFill>
+                <a:latin typeface="Consolas" panose="020B0609020204030204" pitchFamily="49" charset="0"/>
+              </a:rPr>
+              <a:t>5</a:t>
+            </a:r>
+          </a:p>
+          <a:p>
+            <a:pPr algn="r"/>
+            <a:r>
+              <a:rPr lang="en-US" sz="2400" dirty="0">
+                <a:solidFill>
+                  <a:schemeClr val="accent3">
+                    <a:lumMod val="50000"/>
+                  </a:schemeClr>
+                </a:solidFill>
+                <a:latin typeface="Consolas" panose="020B0609020204030204" pitchFamily="49" charset="0"/>
+              </a:rPr>
+              <a:t>6</a:t>
+            </a:r>
+          </a:p>
+          <a:p>
+            <a:pPr algn="r"/>
+            <a:r>
+              <a:rPr lang="en-US" sz="2400" dirty="0">
+                <a:solidFill>
+                  <a:schemeClr val="accent3">
+                    <a:lumMod val="50000"/>
+                  </a:schemeClr>
+                </a:solidFill>
+                <a:latin typeface="Consolas" panose="020B0609020204030204" pitchFamily="49" charset="0"/>
+              </a:rPr>
+              <a:t>7</a:t>
+            </a:r>
+          </a:p>
+          <a:p>
+            <a:pPr algn="r"/>
+            <a:r>
+              <a:rPr lang="en-US" sz="2400" dirty="0">
+                <a:solidFill>
+                  <a:schemeClr val="accent3">
+                    <a:lumMod val="50000"/>
+                  </a:schemeClr>
+                </a:solidFill>
+                <a:latin typeface="Consolas" panose="020B0609020204030204" pitchFamily="49" charset="0"/>
+              </a:rPr>
+              <a:t>8</a:t>
+            </a:r>
+          </a:p>
+          <a:p>
+            <a:pPr algn="r"/>
+            <a:r>
+              <a:rPr lang="en-US" sz="2400" dirty="0">
+                <a:solidFill>
+                  <a:schemeClr val="accent3">
+                    <a:lumMod val="50000"/>
+                  </a:schemeClr>
+                </a:solidFill>
+                <a:latin typeface="Consolas" panose="020B0609020204030204" pitchFamily="49" charset="0"/>
+              </a:rPr>
+              <a:t>9</a:t>
+            </a:r>
+          </a:p>
+          <a:p>
+            <a:pPr algn="r"/>
+            <a:r>
+              <a:rPr lang="en-US" sz="2400" dirty="0">
+                <a:solidFill>
+                  <a:schemeClr val="accent3">
+                    <a:lumMod val="50000"/>
+                  </a:schemeClr>
+                </a:solidFill>
+                <a:latin typeface="Consolas" panose="020B0609020204030204" pitchFamily="49" charset="0"/>
+              </a:rPr>
+              <a:t>10</a:t>
+            </a:r>
+          </a:p>
+          <a:p>
+            <a:pPr algn="r"/>
+            <a:r>
+              <a:rPr lang="en-US" sz="2400" dirty="0">
+                <a:solidFill>
+                  <a:schemeClr val="accent3">
+                    <a:lumMod val="50000"/>
+                  </a:schemeClr>
+                </a:solidFill>
+                <a:latin typeface="Consolas" panose="020B0609020204030204" pitchFamily="49" charset="0"/>
+              </a:rPr>
+              <a:t>11</a:t>
+            </a:r>
+          </a:p>
+          <a:p>
+            <a:pPr algn="r"/>
+            <a:r>
+              <a:rPr lang="en-US" sz="2400" dirty="0">
+                <a:solidFill>
+                  <a:schemeClr val="accent3">
+                    <a:lumMod val="50000"/>
+                  </a:schemeClr>
+                </a:solidFill>
+                <a:latin typeface="Consolas" panose="020B0609020204030204" pitchFamily="49" charset="0"/>
+              </a:rPr>
+              <a:t>12</a:t>
+            </a:r>
+          </a:p>
+          <a:p>
+            <a:pPr algn="r"/>
+            <a:r>
+              <a:rPr lang="en-US" sz="2400" dirty="0">
+                <a:solidFill>
+                  <a:schemeClr val="accent3">
+                    <a:lumMod val="50000"/>
+                  </a:schemeClr>
+                </a:solidFill>
+                <a:latin typeface="Consolas" panose="020B0609020204030204" pitchFamily="49" charset="0"/>
+              </a:rPr>
+              <a:t>13</a:t>
+            </a:r>
+          </a:p>
+          <a:p>
+            <a:pPr algn="r"/>
+            <a:r>
+              <a:rPr lang="en-US" sz="2400" dirty="0">
+                <a:solidFill>
+                  <a:schemeClr val="accent3">
+                    <a:lumMod val="50000"/>
+                  </a:schemeClr>
+                </a:solidFill>
+                <a:latin typeface="Consolas" panose="020B0609020204030204" pitchFamily="49" charset="0"/>
+              </a:rPr>
+              <a:t>14</a:t>
+            </a:r>
+          </a:p>
+          <a:p>
+            <a:pPr algn="r"/>
+            <a:r>
+              <a:rPr lang="en-US" sz="2400" dirty="0">
+                <a:solidFill>
+                  <a:schemeClr val="accent3">
+                    <a:lumMod val="50000"/>
+                  </a:schemeClr>
+                </a:solidFill>
+                <a:latin typeface="Consolas" panose="020B0609020204030204" pitchFamily="49" charset="0"/>
+              </a:rPr>
+              <a:t>15</a:t>
+            </a:r>
+          </a:p>
+          <a:p>
+            <a:pPr algn="r"/>
+            <a:r>
+              <a:rPr lang="en-US" sz="2400" dirty="0">
+                <a:solidFill>
+                  <a:schemeClr val="accent3">
+                    <a:lumMod val="50000"/>
+                  </a:schemeClr>
+                </a:solidFill>
+                <a:latin typeface="Consolas" panose="020B0609020204030204" pitchFamily="49" charset="0"/>
+              </a:rPr>
+              <a:t>16</a:t>
+            </a:r>
+          </a:p>
+          <a:p>
+            <a:pPr algn="r"/>
+            <a:endParaRPr lang="en-US" sz="2400" dirty="0">
+              <a:latin typeface="Consolas" panose="020B0609020204030204" pitchFamily="49" charset="0"/>
+            </a:endParaRPr>
+          </a:p>
+        </p:txBody>
+      </p:sp>
+      <p:sp>
+        <p:nvSpPr>
+          <p:cNvPr id="6" name="TextBox 5"/>
+          <p:cNvSpPr txBox="1"/>
+          <p:nvPr/>
+        </p:nvSpPr>
+        <p:spPr>
+          <a:xfrm>
+            <a:off x="935490" y="583973"/>
+            <a:ext cx="11256511" cy="4154984"/>
+          </a:xfrm>
+          <a:prstGeom prst="rect">
+            <a:avLst/>
+          </a:prstGeom>
+          <a:noFill/>
+        </p:spPr>
+        <p:txBody>
+          <a:bodyPr wrap="square" rtlCol="0">
+            <a:spAutoFit/>
+          </a:bodyPr>
+          <a:lstStyle/>
+          <a:p>
+            <a:pPr marL="0" indent="0">
+              <a:buNone/>
+            </a:pPr>
+            <a:r>
+              <a:rPr lang="en-US" sz="2400" dirty="0">
+                <a:solidFill>
+                  <a:srgbClr val="7030A0"/>
+                </a:solidFill>
+                <a:latin typeface="Consolas" panose="020B0609020204030204" pitchFamily="49" charset="0"/>
+              </a:rPr>
+              <a:t>&lt;?php</a:t>
+            </a:r>
+            <a:endParaRPr lang="en-US" sz="2400" dirty="0">
+              <a:latin typeface="Consolas" panose="020B0609020204030204" pitchFamily="49" charset="0"/>
+            </a:endParaRPr>
+          </a:p>
+          <a:p>
+            <a:pPr marL="0" indent="0">
+              <a:buNone/>
+            </a:pPr>
+            <a:endParaRPr lang="en-US" sz="2400" dirty="0">
+              <a:latin typeface="Consolas" panose="020B0609020204030204" pitchFamily="49" charset="0"/>
+            </a:endParaRPr>
+          </a:p>
+          <a:p>
+            <a:r>
+              <a:rPr lang="en-US" sz="2400" dirty="0">
+                <a:latin typeface="Consolas" panose="020B0609020204030204" pitchFamily="49" charset="0"/>
+              </a:rPr>
+              <a:t>$array = [</a:t>
+            </a:r>
+          </a:p>
+          <a:p>
+            <a:r>
+              <a:rPr lang="en-US" sz="2400" dirty="0">
+                <a:latin typeface="Consolas" panose="020B0609020204030204" pitchFamily="49" charset="0"/>
+              </a:rPr>
+              <a:t>    </a:t>
+            </a:r>
+            <a:r>
+              <a:rPr lang="en-US" sz="2400" dirty="0">
+                <a:solidFill>
+                  <a:schemeClr val="accent2"/>
+                </a:solidFill>
+                <a:latin typeface="Consolas" panose="020B0609020204030204" pitchFamily="49" charset="0"/>
+              </a:rPr>
+              <a:t>'foo'</a:t>
+            </a:r>
+            <a:r>
+              <a:rPr lang="en-US" sz="2400" dirty="0">
+                <a:latin typeface="Consolas" panose="020B0609020204030204" pitchFamily="49" charset="0"/>
+              </a:rPr>
+              <a:t>,</a:t>
+            </a:r>
+          </a:p>
+          <a:p>
+            <a:r>
+              <a:rPr lang="en-US" sz="2400" dirty="0">
+                <a:latin typeface="Consolas" panose="020B0609020204030204" pitchFamily="49" charset="0"/>
+              </a:rPr>
+              <a:t>    </a:t>
+            </a:r>
+            <a:r>
+              <a:rPr lang="en-US" sz="2400" dirty="0">
+                <a:solidFill>
+                  <a:schemeClr val="accent2"/>
+                </a:solidFill>
+                <a:latin typeface="Consolas" panose="020B0609020204030204" pitchFamily="49" charset="0"/>
+              </a:rPr>
+              <a:t>'bar'</a:t>
+            </a:r>
+            <a:r>
+              <a:rPr lang="en-US" sz="2400" dirty="0">
+                <a:latin typeface="Consolas" panose="020B0609020204030204" pitchFamily="49" charset="0"/>
+              </a:rPr>
+              <a:t>,</a:t>
+            </a:r>
+          </a:p>
+          <a:p>
+            <a:r>
+              <a:rPr lang="en-US" sz="2400" dirty="0">
+                <a:latin typeface="Consolas" panose="020B0609020204030204" pitchFamily="49" charset="0"/>
+              </a:rPr>
+              <a:t>];</a:t>
+            </a:r>
+          </a:p>
+          <a:p>
+            <a:endParaRPr lang="en-US" sz="2400" dirty="0">
+              <a:solidFill>
+                <a:srgbClr val="0070C0"/>
+              </a:solidFill>
+              <a:latin typeface="Consolas" panose="020B0609020204030204" pitchFamily="49" charset="0"/>
+            </a:endParaRPr>
+          </a:p>
+          <a:p>
+            <a:r>
+              <a:rPr lang="en-US" sz="2400" dirty="0" err="1">
+                <a:solidFill>
+                  <a:srgbClr val="0070C0"/>
+                </a:solidFill>
+                <a:latin typeface="Consolas" panose="020B0609020204030204" pitchFamily="49" charset="0"/>
+              </a:rPr>
+              <a:t>foreach</a:t>
+            </a:r>
+            <a:r>
+              <a:rPr lang="en-US" sz="2400" dirty="0">
+                <a:solidFill>
+                  <a:srgbClr val="0070C0"/>
+                </a:solidFill>
+                <a:latin typeface="Consolas" panose="020B0609020204030204" pitchFamily="49" charset="0"/>
+              </a:rPr>
+              <a:t> </a:t>
+            </a:r>
+            <a:r>
+              <a:rPr lang="en-US" sz="2400" dirty="0">
+                <a:latin typeface="Consolas" panose="020B0609020204030204" pitchFamily="49" charset="0"/>
+              </a:rPr>
+              <a:t>($array </a:t>
+            </a:r>
+            <a:r>
+              <a:rPr lang="en-US" sz="2400" dirty="0">
+                <a:solidFill>
+                  <a:srgbClr val="0070C0"/>
+                </a:solidFill>
+                <a:latin typeface="Consolas" panose="020B0609020204030204" pitchFamily="49" charset="0"/>
+              </a:rPr>
+              <a:t>as</a:t>
+            </a:r>
+            <a:r>
+              <a:rPr lang="en-US" sz="2400" dirty="0">
+                <a:latin typeface="Consolas" panose="020B0609020204030204" pitchFamily="49" charset="0"/>
+              </a:rPr>
+              <a:t> $key =&gt; $value) {</a:t>
+            </a:r>
+          </a:p>
+          <a:p>
+            <a:r>
+              <a:rPr lang="en-US" sz="2400" dirty="0">
+                <a:latin typeface="Consolas" panose="020B0609020204030204" pitchFamily="49" charset="0"/>
+              </a:rPr>
+              <a:t>    </a:t>
+            </a:r>
+            <a:r>
+              <a:rPr lang="en-US" sz="2400" dirty="0">
+                <a:solidFill>
+                  <a:srgbClr val="0070C0"/>
+                </a:solidFill>
+                <a:latin typeface="Consolas" panose="020B0609020204030204" pitchFamily="49" charset="0"/>
+              </a:rPr>
+              <a:t>echo</a:t>
+            </a:r>
+            <a:r>
+              <a:rPr lang="en-US" sz="2400" dirty="0">
+                <a:latin typeface="Consolas" panose="020B0609020204030204" pitchFamily="49" charset="0"/>
+              </a:rPr>
+              <a:t> $key;</a:t>
+            </a:r>
+          </a:p>
+          <a:p>
+            <a:r>
+              <a:rPr lang="en-US" sz="2400" dirty="0">
+                <a:latin typeface="Consolas" panose="020B0609020204030204" pitchFamily="49" charset="0"/>
+              </a:rPr>
+              <a:t>    </a:t>
+            </a:r>
+            <a:r>
+              <a:rPr lang="en-US" sz="2400" dirty="0">
+                <a:solidFill>
+                  <a:srgbClr val="0070C0"/>
+                </a:solidFill>
+                <a:latin typeface="Consolas" panose="020B0609020204030204" pitchFamily="49" charset="0"/>
+              </a:rPr>
+              <a:t>echo</a:t>
+            </a:r>
+            <a:r>
+              <a:rPr lang="en-US" sz="2400" dirty="0">
+                <a:latin typeface="Consolas" panose="020B0609020204030204" pitchFamily="49" charset="0"/>
+              </a:rPr>
+              <a:t> $value;</a:t>
+            </a:r>
+          </a:p>
+          <a:p>
+            <a:r>
+              <a:rPr lang="en-US" sz="2400" dirty="0">
+                <a:latin typeface="Consolas" panose="020B0609020204030204" pitchFamily="49" charset="0"/>
+              </a:rPr>
+              <a:t>}</a:t>
+            </a:r>
+          </a:p>
+        </p:txBody>
+      </p:sp>
+      <p:sp>
+        <p:nvSpPr>
+          <p:cNvPr id="2" name="Title 1"/>
+          <p:cNvSpPr>
+            <a:spLocks noGrp="1"/>
+          </p:cNvSpPr>
+          <p:nvPr>
+            <p:ph type="title"/>
+          </p:nvPr>
+        </p:nvSpPr>
+        <p:spPr>
+          <a:xfrm>
+            <a:off x="1" y="0"/>
+            <a:ext cx="12192000" cy="583973"/>
+          </a:xfrm>
+          <a:solidFill>
+            <a:schemeClr val="bg1">
+              <a:lumMod val="50000"/>
+            </a:schemeClr>
+          </a:solidFill>
+          <a:ln>
+            <a:noFill/>
+          </a:ln>
+        </p:spPr>
+        <p:style>
+          <a:lnRef idx="2">
+            <a:schemeClr val="accent3">
+              <a:shade val="50000"/>
+            </a:schemeClr>
+          </a:lnRef>
+          <a:fillRef idx="1">
+            <a:schemeClr val="accent3"/>
+          </a:fillRef>
+          <a:effectRef idx="0">
+            <a:schemeClr val="accent3"/>
+          </a:effectRef>
+          <a:fontRef idx="minor">
+            <a:schemeClr val="lt1"/>
+          </a:fontRef>
+        </p:style>
+        <p:txBody>
+          <a:bodyPr>
+            <a:normAutofit fontScale="90000"/>
+          </a:bodyPr>
+          <a:lstStyle/>
+          <a:p>
+            <a:pPr algn="ctr"/>
+            <a:r>
+              <a:rPr lang="en-US" sz="3600" dirty="0"/>
+              <a:t>Example 4-4 : </a:t>
+            </a:r>
+            <a:r>
+              <a:rPr lang="en-US" sz="3600" dirty="0" err="1"/>
+              <a:t>foreach</a:t>
+            </a:r>
+            <a:r>
+              <a:rPr lang="en-US" sz="3600" dirty="0"/>
+              <a:t>, as</a:t>
+            </a:r>
+          </a:p>
+        </p:txBody>
+      </p:sp>
+    </p:spTree>
+    <p:extLst>
+      <p:ext uri="{BB962C8B-B14F-4D97-AF65-F5344CB8AC3E}">
+        <p14:creationId xmlns:p14="http://schemas.microsoft.com/office/powerpoint/2010/main" val="2009691927"/>
+      </p:ext>
+    </p:extLst>
+  </p:cSld>
+  <p:clrMapOvr>
+    <a:masterClrMapping/>
+  </p:clrMapOvr>
+</p:sld>
+</file>
+
+<file path=ppt/slides/slide38.xml><?xml version="1.0" encoding="utf-8"?>
+<p:sld xmlns:a="http://schemas.openxmlformats.org/drawingml/2006/main" xmlns:r="http://schemas.openxmlformats.org/officeDocument/2006/relationships" xmlns:p="http://schemas.openxmlformats.org/presentationml/2006/main">
+  <p:cSld>
+    <p:spTree>
+      <p:nvGrpSpPr>
+        <p:cNvPr id="1" name=""/>
+        <p:cNvGrpSpPr/>
+        <p:nvPr/>
+      </p:nvGrpSpPr>
+      <p:grpSpPr>
+        <a:xfrm>
+          <a:off x="0" y="0"/>
+          <a:ext cx="0" cy="0"/>
+          <a:chOff x="0" y="0"/>
+          <a:chExt cx="0" cy="0"/>
+        </a:xfrm>
+      </p:grpSpPr>
+      <p:sp>
+        <p:nvSpPr>
+          <p:cNvPr id="2" name="Title 1"/>
+          <p:cNvSpPr>
+            <a:spLocks noGrp="1"/>
+          </p:cNvSpPr>
+          <p:nvPr>
+            <p:ph type="title"/>
+          </p:nvPr>
+        </p:nvSpPr>
+        <p:spPr>
+          <a:xfrm>
+            <a:off x="831850" y="3622902"/>
+            <a:ext cx="10515600" cy="939573"/>
+          </a:xfrm>
+        </p:spPr>
+        <p:txBody>
+          <a:bodyPr/>
+          <a:lstStyle/>
+          <a:p>
+            <a:r>
+              <a:rPr lang="en-US" dirty="0"/>
+              <a:t>Classes and Objects</a:t>
+            </a:r>
+          </a:p>
+        </p:txBody>
+      </p:sp>
+      <p:sp>
+        <p:nvSpPr>
+          <p:cNvPr id="3" name="Content Placeholder 2"/>
+          <p:cNvSpPr>
+            <a:spLocks noGrp="1"/>
+          </p:cNvSpPr>
+          <p:nvPr>
+            <p:ph type="body" idx="1"/>
+          </p:nvPr>
+        </p:nvSpPr>
+        <p:spPr>
+          <a:xfrm>
+            <a:off x="831850" y="3143704"/>
+            <a:ext cx="10515600" cy="479198"/>
+          </a:xfrm>
+        </p:spPr>
+        <p:txBody>
+          <a:bodyPr anchor="b"/>
+          <a:lstStyle/>
+          <a:p>
+            <a:r>
+              <a:rPr lang="en-US" dirty="0"/>
+              <a:t>Lesson 6</a:t>
+            </a:r>
+          </a:p>
+        </p:txBody>
+      </p:sp>
+    </p:spTree>
+    <p:extLst>
+      <p:ext uri="{BB962C8B-B14F-4D97-AF65-F5344CB8AC3E}">
+        <p14:creationId xmlns:p14="http://schemas.microsoft.com/office/powerpoint/2010/main" val="247456773"/>
+      </p:ext>
+    </p:extLst>
+  </p:cSld>
+  <p:clrMapOvr>
+    <a:masterClrMapping/>
+  </p:clrMapOvr>
+</p:sld>
+</file>
+
+<file path=ppt/slides/slide39.xml><?xml version="1.0" encoding="utf-8"?>
+<p:sld xmlns:a="http://schemas.openxmlformats.org/drawingml/2006/main" xmlns:r="http://schemas.openxmlformats.org/officeDocument/2006/relationships" xmlns:p="http://schemas.openxmlformats.org/presentationml/2006/main">
+  <p:cSld>
+    <p:spTree>
+      <p:nvGrpSpPr>
+        <p:cNvPr id="1" name=""/>
+        <p:cNvGrpSpPr/>
+        <p:nvPr/>
+      </p:nvGrpSpPr>
+      <p:grpSpPr>
+        <a:xfrm>
+          <a:off x="0" y="0"/>
+          <a:ext cx="0" cy="0"/>
+          <a:chOff x="0" y="0"/>
+          <a:chExt cx="0" cy="0"/>
+        </a:xfrm>
+      </p:grpSpPr>
+      <p:sp>
+        <p:nvSpPr>
+          <p:cNvPr id="2" name="Title 1"/>
+          <p:cNvSpPr>
+            <a:spLocks noGrp="1"/>
+          </p:cNvSpPr>
+          <p:nvPr>
+            <p:ph type="title"/>
+          </p:nvPr>
+        </p:nvSpPr>
+        <p:spPr/>
+        <p:txBody>
+          <a:bodyPr/>
+          <a:lstStyle/>
+          <a:p>
+            <a:r>
+              <a:rPr lang="en-US" dirty="0"/>
+              <a:t>What is an object?</a:t>
+            </a:r>
+          </a:p>
+        </p:txBody>
+      </p:sp>
+      <p:sp>
+        <p:nvSpPr>
+          <p:cNvPr id="3" name="Text Placeholder 2"/>
+          <p:cNvSpPr>
+            <a:spLocks noGrp="1"/>
+          </p:cNvSpPr>
+          <p:nvPr>
+            <p:ph idx="1"/>
+          </p:nvPr>
+        </p:nvSpPr>
+        <p:spPr/>
+        <p:txBody>
+          <a:bodyPr/>
+          <a:lstStyle/>
+          <a:p>
+            <a:r>
+              <a:rPr lang="en-US" b="1" dirty="0"/>
+              <a:t>Object</a:t>
+            </a:r>
+            <a:r>
+              <a:rPr lang="en-US" dirty="0"/>
+              <a:t> – A collection of properties and methods</a:t>
+            </a:r>
+          </a:p>
+          <a:p>
+            <a:r>
+              <a:rPr lang="en-US" b="1" dirty="0"/>
+              <a:t>Property</a:t>
+            </a:r>
+            <a:r>
+              <a:rPr lang="en-US" dirty="0"/>
+              <a:t> – A variable attached to an object</a:t>
+            </a:r>
+          </a:p>
+          <a:p>
+            <a:r>
+              <a:rPr lang="en-US" b="1" dirty="0"/>
+              <a:t>Method</a:t>
+            </a:r>
+            <a:r>
+              <a:rPr lang="en-US" dirty="0"/>
+              <a:t> – A function attached to an object</a:t>
+            </a:r>
+          </a:p>
+          <a:p>
+            <a:r>
+              <a:rPr lang="en-US" b="1" dirty="0"/>
+              <a:t>Class</a:t>
+            </a:r>
+            <a:r>
+              <a:rPr lang="en-US" dirty="0"/>
+              <a:t> – A blueprint used to create new objects</a:t>
+            </a:r>
+            <a:endParaRPr lang="en-US" b="1" dirty="0"/>
+          </a:p>
+        </p:txBody>
+      </p:sp>
+    </p:spTree>
+    <p:extLst>
+      <p:ext uri="{BB962C8B-B14F-4D97-AF65-F5344CB8AC3E}">
+        <p14:creationId xmlns:p14="http://schemas.microsoft.com/office/powerpoint/2010/main" val="3712403237"/>
+      </p:ext>
+    </p:extLst>
+  </p:cSld>
+  <p:clrMapOvr>
+    <a:masterClrMapping/>
+  </p:clrMapOvr>
+</p:sld>
+</file>
+
+<file path=ppt/slides/slide4.xml><?xml version="1.0" encoding="utf-8"?>
+<p:sld xmlns:a="http://schemas.openxmlformats.org/drawingml/2006/main" xmlns:r="http://schemas.openxmlformats.org/officeDocument/2006/relationships" xmlns:p="http://schemas.openxmlformats.org/presentationml/2006/main">
+  <p:cSld>
+    <p:spTree>
+      <p:nvGrpSpPr>
+        <p:cNvPr id="1" name=""/>
+        <p:cNvGrpSpPr/>
+        <p:nvPr/>
+      </p:nvGrpSpPr>
+      <p:grpSpPr>
+        <a:xfrm>
+          <a:off x="0" y="0"/>
+          <a:ext cx="0" cy="0"/>
+          <a:chOff x="0" y="0"/>
+          <a:chExt cx="0" cy="0"/>
+        </a:xfrm>
+      </p:grpSpPr>
+      <p:sp>
+        <p:nvSpPr>
+          <p:cNvPr id="2" name="Title 1"/>
+          <p:cNvSpPr>
+            <a:spLocks noGrp="1"/>
+          </p:cNvSpPr>
+          <p:nvPr>
+            <p:ph type="title"/>
+          </p:nvPr>
+        </p:nvSpPr>
+        <p:spPr/>
+        <p:txBody>
+          <a:bodyPr/>
+          <a:lstStyle/>
+          <a:p>
+            <a:r>
+              <a:rPr lang="en-US" dirty="0"/>
+              <a:t>Variables</a:t>
+            </a:r>
+          </a:p>
+        </p:txBody>
+      </p:sp>
+      <p:sp>
+        <p:nvSpPr>
+          <p:cNvPr id="3" name="Text Placeholder 2"/>
+          <p:cNvSpPr>
+            <a:spLocks noGrp="1"/>
+          </p:cNvSpPr>
+          <p:nvPr>
+            <p:ph idx="1"/>
+          </p:nvPr>
+        </p:nvSpPr>
+        <p:spPr/>
+        <p:txBody>
+          <a:bodyPr/>
+          <a:lstStyle/>
+          <a:p>
+            <a:r>
+              <a:rPr lang="en-US" b="1" dirty="0"/>
+              <a:t>Variable</a:t>
+            </a:r>
+            <a:r>
+              <a:rPr lang="en-US" dirty="0"/>
+              <a:t> - Named container for storing data</a:t>
+            </a:r>
+          </a:p>
+          <a:p>
+            <a:r>
+              <a:rPr lang="en-US" dirty="0"/>
+              <a:t>Name starts with $ followed by letter or underscore</a:t>
+            </a:r>
+          </a:p>
+          <a:p>
+            <a:r>
+              <a:rPr lang="en-US" dirty="0"/>
+              <a:t>Rest of name is letters, numbers, and underscores</a:t>
+            </a:r>
+          </a:p>
+          <a:p>
+            <a:r>
+              <a:rPr lang="en-US" b="1" dirty="0"/>
+              <a:t>Assign</a:t>
+            </a:r>
+            <a:r>
+              <a:rPr lang="en-US" dirty="0"/>
+              <a:t> a value to a variable (put something in it) with =</a:t>
+            </a:r>
+          </a:p>
+          <a:p>
+            <a:r>
+              <a:rPr lang="en-US" dirty="0"/>
+              <a:t>Variable name goes before =, thing to put in it goes after</a:t>
+            </a:r>
+          </a:p>
+          <a:p>
+            <a:r>
+              <a:rPr lang="en-US" dirty="0"/>
+              <a:t>= will create a variable if it doesn’t exist</a:t>
+            </a:r>
+          </a:p>
+          <a:p>
+            <a:r>
+              <a:rPr lang="en-US" dirty="0"/>
+              <a:t>= puts anything in a variable, even the contents of another variable</a:t>
+            </a:r>
+          </a:p>
+        </p:txBody>
+      </p:sp>
+    </p:spTree>
+    <p:extLst>
+      <p:ext uri="{BB962C8B-B14F-4D97-AF65-F5344CB8AC3E}">
+        <p14:creationId xmlns:p14="http://schemas.microsoft.com/office/powerpoint/2010/main" val="2467428219"/>
+      </p:ext>
+    </p:extLst>
+  </p:cSld>
+  <p:clrMapOvr>
+    <a:masterClrMapping/>
+  </p:clrMapOvr>
+</p:sld>
+</file>
+
+<file path=ppt/slides/slide40.xml><?xml version="1.0" encoding="utf-8"?>
+<p:sld xmlns:a="http://schemas.openxmlformats.org/drawingml/2006/main" xmlns:r="http://schemas.openxmlformats.org/officeDocument/2006/relationships" xmlns:p="http://schemas.openxmlformats.org/presentationml/2006/main">
+  <p:cSld>
+    <p:spTree>
+      <p:nvGrpSpPr>
+        <p:cNvPr id="1" name=""/>
+        <p:cNvGrpSpPr/>
+        <p:nvPr/>
+      </p:nvGrpSpPr>
+      <p:grpSpPr>
+        <a:xfrm>
+          <a:off x="0" y="0"/>
+          <a:ext cx="0" cy="0"/>
+          <a:chOff x="0" y="0"/>
+          <a:chExt cx="0" cy="0"/>
+        </a:xfrm>
+      </p:grpSpPr>
+      <p:sp>
+        <p:nvSpPr>
+          <p:cNvPr id="2" name="Title 1"/>
+          <p:cNvSpPr>
+            <a:spLocks noGrp="1"/>
+          </p:cNvSpPr>
+          <p:nvPr>
+            <p:ph type="title"/>
+          </p:nvPr>
+        </p:nvSpPr>
+        <p:spPr/>
+        <p:txBody>
+          <a:bodyPr/>
+          <a:lstStyle/>
+          <a:p>
+            <a:r>
+              <a:rPr lang="en-US" dirty="0"/>
+              <a:t>Creating objects</a:t>
+            </a:r>
+          </a:p>
+        </p:txBody>
+      </p:sp>
+      <p:sp>
+        <p:nvSpPr>
+          <p:cNvPr id="3" name="Content Placeholder 2"/>
+          <p:cNvSpPr>
+            <a:spLocks noGrp="1"/>
+          </p:cNvSpPr>
+          <p:nvPr>
+            <p:ph idx="1"/>
+          </p:nvPr>
+        </p:nvSpPr>
+        <p:spPr/>
+        <p:txBody>
+          <a:bodyPr/>
+          <a:lstStyle/>
+          <a:p>
+            <a:r>
+              <a:rPr lang="en-US" b="1" dirty="0"/>
+              <a:t>Constructor</a:t>
+            </a:r>
+            <a:r>
+              <a:rPr lang="en-US" dirty="0"/>
+              <a:t> – A special function that creates a new object</a:t>
+            </a:r>
+          </a:p>
+          <a:p>
+            <a:r>
+              <a:rPr lang="en-US" dirty="0"/>
+              <a:t>Objects are created using the </a:t>
+            </a:r>
+            <a:r>
+              <a:rPr lang="en-US" sz="2400" dirty="0">
+                <a:solidFill>
+                  <a:srgbClr val="0070C0"/>
+                </a:solidFill>
+                <a:latin typeface="Consolas" panose="020B0609020204030204" pitchFamily="49" charset="0"/>
+              </a:rPr>
+              <a:t>new</a:t>
+            </a:r>
+            <a:r>
+              <a:rPr lang="en-US" dirty="0"/>
+              <a:t> keyword and a constructor</a:t>
+            </a:r>
+          </a:p>
+          <a:p>
+            <a:r>
+              <a:rPr lang="en-US" dirty="0"/>
+              <a:t>Constructors are named after the class they come from</a:t>
+            </a:r>
+          </a:p>
+          <a:p>
+            <a:r>
+              <a:rPr lang="en-US" dirty="0"/>
+              <a:t>Objects can be “stored” in variables using =</a:t>
+            </a:r>
+          </a:p>
+          <a:p>
+            <a:r>
+              <a:rPr lang="en-US" dirty="0"/>
+              <a:t>The object itself is stored separately, the variable just points to it</a:t>
+            </a:r>
+          </a:p>
+          <a:p>
+            <a:r>
+              <a:rPr lang="en-US" dirty="0"/>
+              <a:t>This pointer to the object is called </a:t>
+            </a:r>
+            <a:r>
+              <a:rPr lang="en-US"/>
+              <a:t>a </a:t>
+            </a:r>
+            <a:r>
+              <a:rPr lang="en-US" b="1"/>
+              <a:t>reference</a:t>
+            </a:r>
+            <a:endParaRPr lang="en-US" dirty="0"/>
+          </a:p>
+        </p:txBody>
+      </p:sp>
+    </p:spTree>
+    <p:extLst>
+      <p:ext uri="{BB962C8B-B14F-4D97-AF65-F5344CB8AC3E}">
+        <p14:creationId xmlns:p14="http://schemas.microsoft.com/office/powerpoint/2010/main" val="1343509957"/>
+      </p:ext>
+    </p:extLst>
+  </p:cSld>
+  <p:clrMapOvr>
+    <a:masterClrMapping/>
+  </p:clrMapOvr>
+</p:sld>
+</file>
+
+<file path=ppt/slides/slide41.xml><?xml version="1.0" encoding="utf-8"?>
+<p:sld xmlns:a="http://schemas.openxmlformats.org/drawingml/2006/main" xmlns:r="http://schemas.openxmlformats.org/officeDocument/2006/relationships" xmlns:p="http://schemas.openxmlformats.org/presentationml/2006/main">
+  <p:cSld>
+    <p:spTree>
+      <p:nvGrpSpPr>
+        <p:cNvPr id="1" name=""/>
+        <p:cNvGrpSpPr/>
+        <p:nvPr/>
+      </p:nvGrpSpPr>
+      <p:grpSpPr>
+        <a:xfrm>
+          <a:off x="0" y="0"/>
+          <a:ext cx="0" cy="0"/>
+          <a:chOff x="0" y="0"/>
+          <a:chExt cx="0" cy="0"/>
+        </a:xfrm>
+      </p:grpSpPr>
+      <p:sp>
+        <p:nvSpPr>
+          <p:cNvPr id="5" name="TextBox 4"/>
+          <p:cNvSpPr txBox="1"/>
+          <p:nvPr/>
+        </p:nvSpPr>
+        <p:spPr>
+          <a:xfrm>
+            <a:off x="0" y="583973"/>
+            <a:ext cx="935489" cy="6370975"/>
+          </a:xfrm>
+          <a:prstGeom prst="rect">
+            <a:avLst/>
+          </a:prstGeom>
+          <a:solidFill>
+            <a:schemeClr val="bg1">
+              <a:lumMod val="85000"/>
+            </a:schemeClr>
+          </a:solidFill>
+        </p:spPr>
+        <p:txBody>
+          <a:bodyPr wrap="square" rtlCol="0" anchor="ctr">
+            <a:spAutoFit/>
+          </a:bodyPr>
+          <a:lstStyle/>
+          <a:p>
+            <a:pPr algn="r"/>
+            <a:r>
+              <a:rPr lang="en-US" sz="2400" dirty="0">
+                <a:solidFill>
+                  <a:schemeClr val="accent3">
+                    <a:lumMod val="50000"/>
+                  </a:schemeClr>
+                </a:solidFill>
+                <a:latin typeface="Consolas" panose="020B0609020204030204" pitchFamily="49" charset="0"/>
+              </a:rPr>
+              <a:t>1</a:t>
+            </a:r>
+          </a:p>
+          <a:p>
+            <a:pPr algn="r"/>
+            <a:r>
+              <a:rPr lang="en-US" sz="2400" dirty="0">
+                <a:solidFill>
+                  <a:schemeClr val="accent3">
+                    <a:lumMod val="50000"/>
+                  </a:schemeClr>
+                </a:solidFill>
+                <a:latin typeface="Consolas" panose="020B0609020204030204" pitchFamily="49" charset="0"/>
+              </a:rPr>
+              <a:t>2</a:t>
+            </a:r>
+          </a:p>
+          <a:p>
+            <a:pPr algn="r"/>
+            <a:r>
+              <a:rPr lang="en-US" sz="2400" dirty="0">
+                <a:solidFill>
+                  <a:schemeClr val="accent3">
+                    <a:lumMod val="50000"/>
+                  </a:schemeClr>
+                </a:solidFill>
+                <a:latin typeface="Consolas" panose="020B0609020204030204" pitchFamily="49" charset="0"/>
+              </a:rPr>
+              <a:t>3</a:t>
+            </a:r>
+          </a:p>
+          <a:p>
+            <a:pPr algn="r"/>
+            <a:r>
+              <a:rPr lang="en-US" sz="2400" dirty="0">
+                <a:solidFill>
+                  <a:schemeClr val="accent3">
+                    <a:lumMod val="50000"/>
+                  </a:schemeClr>
+                </a:solidFill>
+                <a:latin typeface="Consolas" panose="020B0609020204030204" pitchFamily="49" charset="0"/>
+              </a:rPr>
+              <a:t>4</a:t>
+            </a:r>
+          </a:p>
+          <a:p>
+            <a:pPr algn="r"/>
+            <a:r>
+              <a:rPr lang="en-US" sz="2400" dirty="0">
+                <a:solidFill>
+                  <a:schemeClr val="accent3">
+                    <a:lumMod val="50000"/>
+                  </a:schemeClr>
+                </a:solidFill>
+                <a:latin typeface="Consolas" panose="020B0609020204030204" pitchFamily="49" charset="0"/>
+              </a:rPr>
+              <a:t>5</a:t>
+            </a:r>
+          </a:p>
+          <a:p>
+            <a:pPr algn="r"/>
+            <a:r>
+              <a:rPr lang="en-US" sz="2400" dirty="0">
+                <a:solidFill>
+                  <a:schemeClr val="accent3">
+                    <a:lumMod val="50000"/>
+                  </a:schemeClr>
+                </a:solidFill>
+                <a:latin typeface="Consolas" panose="020B0609020204030204" pitchFamily="49" charset="0"/>
+              </a:rPr>
+              <a:t>6</a:t>
+            </a:r>
+          </a:p>
+          <a:p>
+            <a:pPr algn="r"/>
+            <a:r>
+              <a:rPr lang="en-US" sz="2400" dirty="0">
+                <a:solidFill>
+                  <a:schemeClr val="accent3">
+                    <a:lumMod val="50000"/>
+                  </a:schemeClr>
+                </a:solidFill>
+                <a:latin typeface="Consolas" panose="020B0609020204030204" pitchFamily="49" charset="0"/>
+              </a:rPr>
+              <a:t>7</a:t>
+            </a:r>
+          </a:p>
+          <a:p>
+            <a:pPr algn="r"/>
+            <a:r>
+              <a:rPr lang="en-US" sz="2400" dirty="0">
+                <a:solidFill>
+                  <a:schemeClr val="accent3">
+                    <a:lumMod val="50000"/>
+                  </a:schemeClr>
+                </a:solidFill>
+                <a:latin typeface="Consolas" panose="020B0609020204030204" pitchFamily="49" charset="0"/>
+              </a:rPr>
+              <a:t>8</a:t>
+            </a:r>
+          </a:p>
+          <a:p>
+            <a:pPr algn="r"/>
+            <a:r>
+              <a:rPr lang="en-US" sz="2400" dirty="0">
+                <a:solidFill>
+                  <a:schemeClr val="accent3">
+                    <a:lumMod val="50000"/>
+                  </a:schemeClr>
+                </a:solidFill>
+                <a:latin typeface="Consolas" panose="020B0609020204030204" pitchFamily="49" charset="0"/>
+              </a:rPr>
+              <a:t>9</a:t>
+            </a:r>
+          </a:p>
+          <a:p>
+            <a:pPr algn="r"/>
+            <a:r>
+              <a:rPr lang="en-US" sz="2400" dirty="0">
+                <a:solidFill>
+                  <a:schemeClr val="accent3">
+                    <a:lumMod val="50000"/>
+                  </a:schemeClr>
+                </a:solidFill>
+                <a:latin typeface="Consolas" panose="020B0609020204030204" pitchFamily="49" charset="0"/>
+              </a:rPr>
+              <a:t>10</a:t>
+            </a:r>
+          </a:p>
+          <a:p>
+            <a:pPr algn="r"/>
+            <a:r>
+              <a:rPr lang="en-US" sz="2400" dirty="0">
+                <a:solidFill>
+                  <a:schemeClr val="accent3">
+                    <a:lumMod val="50000"/>
+                  </a:schemeClr>
+                </a:solidFill>
+                <a:latin typeface="Consolas" panose="020B0609020204030204" pitchFamily="49" charset="0"/>
+              </a:rPr>
+              <a:t>11</a:t>
+            </a:r>
+          </a:p>
+          <a:p>
+            <a:pPr algn="r"/>
+            <a:r>
+              <a:rPr lang="en-US" sz="2400" dirty="0">
+                <a:solidFill>
+                  <a:schemeClr val="accent3">
+                    <a:lumMod val="50000"/>
+                  </a:schemeClr>
+                </a:solidFill>
+                <a:latin typeface="Consolas" panose="020B0609020204030204" pitchFamily="49" charset="0"/>
+              </a:rPr>
+              <a:t>12</a:t>
+            </a:r>
+          </a:p>
+          <a:p>
+            <a:pPr algn="r"/>
+            <a:r>
+              <a:rPr lang="en-US" sz="2400" dirty="0">
+                <a:solidFill>
+                  <a:schemeClr val="accent3">
+                    <a:lumMod val="50000"/>
+                  </a:schemeClr>
+                </a:solidFill>
+                <a:latin typeface="Consolas" panose="020B0609020204030204" pitchFamily="49" charset="0"/>
+              </a:rPr>
+              <a:t>13</a:t>
+            </a:r>
+          </a:p>
+          <a:p>
+            <a:pPr algn="r"/>
+            <a:r>
+              <a:rPr lang="en-US" sz="2400" dirty="0">
+                <a:solidFill>
+                  <a:schemeClr val="accent3">
+                    <a:lumMod val="50000"/>
+                  </a:schemeClr>
+                </a:solidFill>
+                <a:latin typeface="Consolas" panose="020B0609020204030204" pitchFamily="49" charset="0"/>
+              </a:rPr>
+              <a:t>14</a:t>
+            </a:r>
+          </a:p>
+          <a:p>
+            <a:pPr algn="r"/>
+            <a:r>
+              <a:rPr lang="en-US" sz="2400" dirty="0">
+                <a:solidFill>
+                  <a:schemeClr val="accent3">
+                    <a:lumMod val="50000"/>
+                  </a:schemeClr>
+                </a:solidFill>
+                <a:latin typeface="Consolas" panose="020B0609020204030204" pitchFamily="49" charset="0"/>
+              </a:rPr>
+              <a:t>15</a:t>
+            </a:r>
+          </a:p>
+          <a:p>
+            <a:pPr algn="r"/>
+            <a:r>
+              <a:rPr lang="en-US" sz="2400" dirty="0">
+                <a:solidFill>
+                  <a:schemeClr val="accent3">
+                    <a:lumMod val="50000"/>
+                  </a:schemeClr>
+                </a:solidFill>
+                <a:latin typeface="Consolas" panose="020B0609020204030204" pitchFamily="49" charset="0"/>
+              </a:rPr>
+              <a:t>16</a:t>
+            </a:r>
+          </a:p>
+          <a:p>
+            <a:pPr algn="r"/>
+            <a:endParaRPr lang="en-US" sz="2400" dirty="0">
+              <a:latin typeface="Consolas" panose="020B0609020204030204" pitchFamily="49" charset="0"/>
+            </a:endParaRPr>
+          </a:p>
+        </p:txBody>
+      </p:sp>
+      <p:sp>
+        <p:nvSpPr>
+          <p:cNvPr id="6" name="TextBox 5"/>
+          <p:cNvSpPr txBox="1"/>
+          <p:nvPr/>
+        </p:nvSpPr>
+        <p:spPr>
+          <a:xfrm>
+            <a:off x="935490" y="583973"/>
+            <a:ext cx="11256511" cy="4154984"/>
+          </a:xfrm>
+          <a:prstGeom prst="rect">
+            <a:avLst/>
+          </a:prstGeom>
+          <a:noFill/>
+        </p:spPr>
+        <p:txBody>
+          <a:bodyPr wrap="square" rtlCol="0">
+            <a:spAutoFit/>
+          </a:bodyPr>
+          <a:lstStyle/>
+          <a:p>
+            <a:pPr marL="0" indent="0">
+              <a:buNone/>
+            </a:pPr>
+            <a:r>
+              <a:rPr lang="en-US" sz="2400" dirty="0">
+                <a:solidFill>
+                  <a:srgbClr val="7030A0"/>
+                </a:solidFill>
+                <a:latin typeface="Consolas" panose="020B0609020204030204" pitchFamily="49" charset="0"/>
+              </a:rPr>
+              <a:t>&lt;?php</a:t>
+            </a:r>
+            <a:endParaRPr lang="en-US" sz="2400" dirty="0">
+              <a:latin typeface="Consolas" panose="020B0609020204030204" pitchFamily="49" charset="0"/>
+            </a:endParaRPr>
+          </a:p>
+          <a:p>
+            <a:pPr marL="0" indent="0">
+              <a:buNone/>
+            </a:pPr>
+            <a:endParaRPr lang="en-US" sz="2400" dirty="0">
+              <a:latin typeface="Consolas" panose="020B0609020204030204" pitchFamily="49" charset="0"/>
+            </a:endParaRPr>
+          </a:p>
+          <a:p>
+            <a:r>
+              <a:rPr lang="en-US" sz="2400" dirty="0">
+                <a:latin typeface="Consolas" panose="020B0609020204030204" pitchFamily="49" charset="0"/>
+              </a:rPr>
+              <a:t>$object = </a:t>
+            </a:r>
+            <a:r>
+              <a:rPr lang="en-US" sz="2400" dirty="0">
+                <a:solidFill>
+                  <a:srgbClr val="0070C0"/>
+                </a:solidFill>
+                <a:latin typeface="Consolas" panose="020B0609020204030204" pitchFamily="49" charset="0"/>
+              </a:rPr>
+              <a:t>new</a:t>
+            </a:r>
+            <a:r>
+              <a:rPr lang="en-US" sz="2400" dirty="0">
+                <a:latin typeface="Consolas" panose="020B0609020204030204" pitchFamily="49" charset="0"/>
+              </a:rPr>
+              <a:t> </a:t>
+            </a:r>
+            <a:r>
+              <a:rPr lang="en-US" sz="2400" dirty="0" err="1">
+                <a:latin typeface="Consolas" panose="020B0609020204030204" pitchFamily="49" charset="0"/>
+              </a:rPr>
+              <a:t>stdClass</a:t>
+            </a:r>
+            <a:r>
+              <a:rPr lang="en-US" sz="2400" dirty="0">
+                <a:latin typeface="Consolas" panose="020B0609020204030204" pitchFamily="49" charset="0"/>
+              </a:rPr>
+              <a:t>();</a:t>
+            </a:r>
+          </a:p>
+          <a:p>
+            <a:endParaRPr lang="en-US" sz="2400" dirty="0">
+              <a:latin typeface="Consolas" panose="020B0609020204030204" pitchFamily="49" charset="0"/>
+            </a:endParaRPr>
+          </a:p>
+          <a:p>
+            <a:r>
+              <a:rPr lang="en-US" sz="2400" dirty="0">
+                <a:latin typeface="Consolas" panose="020B0609020204030204" pitchFamily="49" charset="0"/>
+              </a:rPr>
+              <a:t>$object1 = $object;</a:t>
+            </a:r>
+          </a:p>
+          <a:p>
+            <a:endParaRPr lang="en-US" sz="2400" dirty="0">
+              <a:latin typeface="Consolas" panose="020B0609020204030204" pitchFamily="49" charset="0"/>
+            </a:endParaRPr>
+          </a:p>
+          <a:p>
+            <a:r>
+              <a:rPr lang="en-US" sz="2400" dirty="0">
+                <a:latin typeface="Consolas" panose="020B0609020204030204" pitchFamily="49" charset="0"/>
+              </a:rPr>
+              <a:t>$object2 = </a:t>
+            </a:r>
+            <a:r>
+              <a:rPr lang="en-US" sz="2400" dirty="0">
+                <a:solidFill>
+                  <a:srgbClr val="0070C0"/>
+                </a:solidFill>
+                <a:latin typeface="Consolas" panose="020B0609020204030204" pitchFamily="49" charset="0"/>
+              </a:rPr>
+              <a:t>new</a:t>
+            </a:r>
+            <a:r>
+              <a:rPr lang="en-US" sz="2400" dirty="0">
+                <a:latin typeface="Consolas" panose="020B0609020204030204" pitchFamily="49" charset="0"/>
+              </a:rPr>
+              <a:t> </a:t>
+            </a:r>
+            <a:r>
+              <a:rPr lang="en-US" sz="2400" dirty="0" err="1">
+                <a:latin typeface="Consolas" panose="020B0609020204030204" pitchFamily="49" charset="0"/>
+              </a:rPr>
+              <a:t>stdClass</a:t>
+            </a:r>
+            <a:r>
+              <a:rPr lang="en-US" sz="2400" dirty="0">
+                <a:latin typeface="Consolas" panose="020B0609020204030204" pitchFamily="49" charset="0"/>
+              </a:rPr>
+              <a:t>();</a:t>
+            </a:r>
+          </a:p>
+          <a:p>
+            <a:endParaRPr lang="en-US" sz="2400" dirty="0">
+              <a:latin typeface="Consolas" panose="020B0609020204030204" pitchFamily="49" charset="0"/>
+            </a:endParaRPr>
+          </a:p>
+          <a:p>
+            <a:r>
+              <a:rPr lang="en-US" sz="2400" dirty="0">
+                <a:solidFill>
+                  <a:srgbClr val="0070C0"/>
+                </a:solidFill>
+                <a:latin typeface="Consolas" panose="020B0609020204030204" pitchFamily="49" charset="0"/>
+              </a:rPr>
+              <a:t>echo</a:t>
+            </a:r>
+            <a:r>
+              <a:rPr lang="en-US" sz="2400" dirty="0">
+                <a:latin typeface="Consolas" panose="020B0609020204030204" pitchFamily="49" charset="0"/>
+              </a:rPr>
+              <a:t> $object;</a:t>
+            </a:r>
+          </a:p>
+          <a:p>
+            <a:r>
+              <a:rPr lang="en-US" sz="2400" dirty="0">
+                <a:solidFill>
+                  <a:srgbClr val="0070C0"/>
+                </a:solidFill>
+                <a:latin typeface="Consolas" panose="020B0609020204030204" pitchFamily="49" charset="0"/>
+              </a:rPr>
+              <a:t>echo</a:t>
+            </a:r>
+            <a:r>
+              <a:rPr lang="en-US" sz="2400" dirty="0">
+                <a:latin typeface="Consolas" panose="020B0609020204030204" pitchFamily="49" charset="0"/>
+              </a:rPr>
+              <a:t> $object1;</a:t>
+            </a:r>
+          </a:p>
+          <a:p>
+            <a:r>
+              <a:rPr lang="en-US" sz="2400" dirty="0">
+                <a:solidFill>
+                  <a:srgbClr val="0070C0"/>
+                </a:solidFill>
+                <a:latin typeface="Consolas" panose="020B0609020204030204" pitchFamily="49" charset="0"/>
+              </a:rPr>
+              <a:t>echo</a:t>
+            </a:r>
+            <a:r>
+              <a:rPr lang="en-US" sz="2400" dirty="0">
+                <a:latin typeface="Consolas" panose="020B0609020204030204" pitchFamily="49" charset="0"/>
+              </a:rPr>
+              <a:t> $object2;</a:t>
+            </a:r>
+          </a:p>
+        </p:txBody>
+      </p:sp>
+      <p:sp>
+        <p:nvSpPr>
+          <p:cNvPr id="2" name="Title 1"/>
+          <p:cNvSpPr>
+            <a:spLocks noGrp="1"/>
+          </p:cNvSpPr>
+          <p:nvPr>
+            <p:ph type="title"/>
+          </p:nvPr>
+        </p:nvSpPr>
+        <p:spPr>
+          <a:xfrm>
+            <a:off x="1" y="0"/>
+            <a:ext cx="12192000" cy="583973"/>
+          </a:xfrm>
+          <a:solidFill>
+            <a:schemeClr val="bg1">
+              <a:lumMod val="50000"/>
+            </a:schemeClr>
+          </a:solidFill>
+          <a:ln>
+            <a:noFill/>
+          </a:ln>
+        </p:spPr>
+        <p:style>
+          <a:lnRef idx="2">
+            <a:schemeClr val="accent3">
+              <a:shade val="50000"/>
+            </a:schemeClr>
+          </a:lnRef>
+          <a:fillRef idx="1">
+            <a:schemeClr val="accent3"/>
+          </a:fillRef>
+          <a:effectRef idx="0">
+            <a:schemeClr val="accent3"/>
+          </a:effectRef>
+          <a:fontRef idx="minor">
+            <a:schemeClr val="lt1"/>
+          </a:fontRef>
+        </p:style>
+        <p:txBody>
+          <a:bodyPr>
+            <a:normAutofit fontScale="90000"/>
+          </a:bodyPr>
+          <a:lstStyle/>
+          <a:p>
+            <a:pPr algn="ctr"/>
+            <a:r>
+              <a:rPr lang="en-US" sz="3600" dirty="0"/>
+              <a:t>Example 5-1 : Creating objects</a:t>
+            </a:r>
+          </a:p>
+        </p:txBody>
+      </p:sp>
+    </p:spTree>
+    <p:extLst>
+      <p:ext uri="{BB962C8B-B14F-4D97-AF65-F5344CB8AC3E}">
+        <p14:creationId xmlns:p14="http://schemas.microsoft.com/office/powerpoint/2010/main" val="3581529899"/>
+      </p:ext>
+    </p:extLst>
+  </p:cSld>
+  <p:clrMapOvr>
+    <a:masterClrMapping/>
+  </p:clrMapOvr>
+</p:sld>
+</file>
+
+<file path=ppt/slides/slide42.xml><?xml version="1.0" encoding="utf-8"?>
+<p:sld xmlns:a="http://schemas.openxmlformats.org/drawingml/2006/main" xmlns:r="http://schemas.openxmlformats.org/officeDocument/2006/relationships" xmlns:p="http://schemas.openxmlformats.org/presentationml/2006/main">
+  <p:cSld>
+    <p:spTree>
+      <p:nvGrpSpPr>
+        <p:cNvPr id="1" name=""/>
+        <p:cNvGrpSpPr/>
+        <p:nvPr/>
+      </p:nvGrpSpPr>
+      <p:grpSpPr>
+        <a:xfrm>
+          <a:off x="0" y="0"/>
+          <a:ext cx="0" cy="0"/>
+          <a:chOff x="0" y="0"/>
+          <a:chExt cx="0" cy="0"/>
+        </a:xfrm>
+      </p:grpSpPr>
+      <p:sp>
+        <p:nvSpPr>
+          <p:cNvPr id="2" name="Title 1"/>
+          <p:cNvSpPr>
+            <a:spLocks noGrp="1"/>
+          </p:cNvSpPr>
+          <p:nvPr>
+            <p:ph type="title"/>
+          </p:nvPr>
+        </p:nvSpPr>
+        <p:spPr/>
+        <p:txBody>
+          <a:bodyPr/>
+          <a:lstStyle/>
+          <a:p>
+            <a:r>
+              <a:rPr lang="en-US" dirty="0"/>
+              <a:t>Copying and deleting objects</a:t>
+            </a:r>
+          </a:p>
+        </p:txBody>
+      </p:sp>
+      <p:sp>
+        <p:nvSpPr>
+          <p:cNvPr id="3" name="Content Placeholder 2"/>
+          <p:cNvSpPr>
+            <a:spLocks noGrp="1"/>
+          </p:cNvSpPr>
+          <p:nvPr>
+            <p:ph idx="1"/>
+          </p:nvPr>
+        </p:nvSpPr>
+        <p:spPr/>
+        <p:txBody>
+          <a:bodyPr/>
+          <a:lstStyle/>
+          <a:p>
+            <a:r>
+              <a:rPr lang="en-US" dirty="0"/>
+              <a:t>= does NOT copy objects, it only copies the reference</a:t>
+            </a:r>
+          </a:p>
+          <a:p>
+            <a:r>
+              <a:rPr lang="en-US" dirty="0"/>
+              <a:t>Objects can be copied using </a:t>
+            </a:r>
+            <a:r>
+              <a:rPr lang="en-US" sz="2400" dirty="0">
+                <a:solidFill>
+                  <a:srgbClr val="0070C0"/>
+                </a:solidFill>
+                <a:latin typeface="Consolas" panose="020B0609020204030204" pitchFamily="49" charset="0"/>
+              </a:rPr>
+              <a:t>clone</a:t>
+            </a:r>
+          </a:p>
+          <a:p>
+            <a:r>
+              <a:rPr lang="en-US" dirty="0"/>
+              <a:t>Objects are automatically deleted when all references are gone</a:t>
+            </a:r>
+          </a:p>
+          <a:p>
+            <a:r>
+              <a:rPr lang="en-US" dirty="0"/>
+              <a:t>Object can be deleted by using </a:t>
+            </a:r>
+            <a:r>
+              <a:rPr lang="en-US" sz="2400" dirty="0">
+                <a:latin typeface="Consolas" panose="020B0609020204030204" pitchFamily="49" charset="0"/>
+              </a:rPr>
+              <a:t>unset()</a:t>
+            </a:r>
+            <a:r>
+              <a:rPr lang="en-US" dirty="0"/>
+              <a:t> on all references</a:t>
+            </a:r>
+          </a:p>
+        </p:txBody>
+      </p:sp>
+    </p:spTree>
+    <p:extLst>
+      <p:ext uri="{BB962C8B-B14F-4D97-AF65-F5344CB8AC3E}">
+        <p14:creationId xmlns:p14="http://schemas.microsoft.com/office/powerpoint/2010/main" val="957720466"/>
+      </p:ext>
+    </p:extLst>
+  </p:cSld>
+  <p:clrMapOvr>
+    <a:masterClrMapping/>
+  </p:clrMapOvr>
+</p:sld>
+</file>
+
+<file path=ppt/slides/slide43.xml><?xml version="1.0" encoding="utf-8"?>
+<p:sld xmlns:a="http://schemas.openxmlformats.org/drawingml/2006/main" xmlns:r="http://schemas.openxmlformats.org/officeDocument/2006/relationships" xmlns:p="http://schemas.openxmlformats.org/presentationml/2006/main">
+  <p:cSld>
+    <p:spTree>
+      <p:nvGrpSpPr>
+        <p:cNvPr id="1" name=""/>
+        <p:cNvGrpSpPr/>
+        <p:nvPr/>
+      </p:nvGrpSpPr>
+      <p:grpSpPr>
+        <a:xfrm>
+          <a:off x="0" y="0"/>
+          <a:ext cx="0" cy="0"/>
+          <a:chOff x="0" y="0"/>
+          <a:chExt cx="0" cy="0"/>
+        </a:xfrm>
+      </p:grpSpPr>
+      <p:sp>
+        <p:nvSpPr>
+          <p:cNvPr id="5" name="TextBox 4"/>
+          <p:cNvSpPr txBox="1"/>
+          <p:nvPr/>
+        </p:nvSpPr>
+        <p:spPr>
+          <a:xfrm>
+            <a:off x="0" y="583973"/>
+            <a:ext cx="935489" cy="6370975"/>
+          </a:xfrm>
+          <a:prstGeom prst="rect">
+            <a:avLst/>
+          </a:prstGeom>
+          <a:solidFill>
+            <a:schemeClr val="bg1">
+              <a:lumMod val="85000"/>
+            </a:schemeClr>
+          </a:solidFill>
+        </p:spPr>
+        <p:txBody>
+          <a:bodyPr wrap="square" rtlCol="0" anchor="ctr">
+            <a:spAutoFit/>
+          </a:bodyPr>
+          <a:lstStyle/>
+          <a:p>
+            <a:pPr algn="r"/>
+            <a:r>
+              <a:rPr lang="en-US" sz="2400" dirty="0">
+                <a:solidFill>
+                  <a:schemeClr val="accent3">
+                    <a:lumMod val="50000"/>
+                  </a:schemeClr>
+                </a:solidFill>
+                <a:latin typeface="Consolas" panose="020B0609020204030204" pitchFamily="49" charset="0"/>
+              </a:rPr>
+              <a:t>1</a:t>
+            </a:r>
+          </a:p>
+          <a:p>
+            <a:pPr algn="r"/>
+            <a:r>
+              <a:rPr lang="en-US" sz="2400" dirty="0">
+                <a:solidFill>
+                  <a:schemeClr val="accent3">
+                    <a:lumMod val="50000"/>
+                  </a:schemeClr>
+                </a:solidFill>
+                <a:latin typeface="Consolas" panose="020B0609020204030204" pitchFamily="49" charset="0"/>
+              </a:rPr>
+              <a:t>2</a:t>
+            </a:r>
+          </a:p>
+          <a:p>
+            <a:pPr algn="r"/>
+            <a:r>
+              <a:rPr lang="en-US" sz="2400" dirty="0">
+                <a:solidFill>
+                  <a:schemeClr val="accent3">
+                    <a:lumMod val="50000"/>
+                  </a:schemeClr>
+                </a:solidFill>
+                <a:latin typeface="Consolas" panose="020B0609020204030204" pitchFamily="49" charset="0"/>
+              </a:rPr>
+              <a:t>3</a:t>
+            </a:r>
+          </a:p>
+          <a:p>
+            <a:pPr algn="r"/>
+            <a:r>
+              <a:rPr lang="en-US" sz="2400" dirty="0">
+                <a:solidFill>
+                  <a:schemeClr val="accent3">
+                    <a:lumMod val="50000"/>
+                  </a:schemeClr>
+                </a:solidFill>
+                <a:latin typeface="Consolas" panose="020B0609020204030204" pitchFamily="49" charset="0"/>
+              </a:rPr>
+              <a:t>4</a:t>
+            </a:r>
+          </a:p>
+          <a:p>
+            <a:pPr algn="r"/>
+            <a:r>
+              <a:rPr lang="en-US" sz="2400" dirty="0">
+                <a:solidFill>
+                  <a:schemeClr val="accent3">
+                    <a:lumMod val="50000"/>
+                  </a:schemeClr>
+                </a:solidFill>
+                <a:latin typeface="Consolas" panose="020B0609020204030204" pitchFamily="49" charset="0"/>
+              </a:rPr>
+              <a:t>5</a:t>
+            </a:r>
+          </a:p>
+          <a:p>
+            <a:pPr algn="r"/>
+            <a:r>
+              <a:rPr lang="en-US" sz="2400" dirty="0">
+                <a:solidFill>
+                  <a:schemeClr val="accent3">
+                    <a:lumMod val="50000"/>
+                  </a:schemeClr>
+                </a:solidFill>
+                <a:latin typeface="Consolas" panose="020B0609020204030204" pitchFamily="49" charset="0"/>
+              </a:rPr>
+              <a:t>6</a:t>
+            </a:r>
+          </a:p>
+          <a:p>
+            <a:pPr algn="r"/>
+            <a:r>
+              <a:rPr lang="en-US" sz="2400" dirty="0">
+                <a:solidFill>
+                  <a:schemeClr val="accent3">
+                    <a:lumMod val="50000"/>
+                  </a:schemeClr>
+                </a:solidFill>
+                <a:latin typeface="Consolas" panose="020B0609020204030204" pitchFamily="49" charset="0"/>
+              </a:rPr>
+              <a:t>7</a:t>
+            </a:r>
+          </a:p>
+          <a:p>
+            <a:pPr algn="r"/>
+            <a:r>
+              <a:rPr lang="en-US" sz="2400" dirty="0">
+                <a:solidFill>
+                  <a:schemeClr val="accent3">
+                    <a:lumMod val="50000"/>
+                  </a:schemeClr>
+                </a:solidFill>
+                <a:latin typeface="Consolas" panose="020B0609020204030204" pitchFamily="49" charset="0"/>
+              </a:rPr>
+              <a:t>8</a:t>
+            </a:r>
+          </a:p>
+          <a:p>
+            <a:pPr algn="r"/>
+            <a:r>
+              <a:rPr lang="en-US" sz="2400" dirty="0">
+                <a:solidFill>
+                  <a:schemeClr val="accent3">
+                    <a:lumMod val="50000"/>
+                  </a:schemeClr>
+                </a:solidFill>
+                <a:latin typeface="Consolas" panose="020B0609020204030204" pitchFamily="49" charset="0"/>
+              </a:rPr>
+              <a:t>9</a:t>
+            </a:r>
+          </a:p>
+          <a:p>
+            <a:pPr algn="r"/>
+            <a:r>
+              <a:rPr lang="en-US" sz="2400" dirty="0">
+                <a:solidFill>
+                  <a:schemeClr val="accent3">
+                    <a:lumMod val="50000"/>
+                  </a:schemeClr>
+                </a:solidFill>
+                <a:latin typeface="Consolas" panose="020B0609020204030204" pitchFamily="49" charset="0"/>
+              </a:rPr>
+              <a:t>10</a:t>
+            </a:r>
+          </a:p>
+          <a:p>
+            <a:pPr algn="r"/>
+            <a:r>
+              <a:rPr lang="en-US" sz="2400" dirty="0">
+                <a:solidFill>
+                  <a:schemeClr val="accent3">
+                    <a:lumMod val="50000"/>
+                  </a:schemeClr>
+                </a:solidFill>
+                <a:latin typeface="Consolas" panose="020B0609020204030204" pitchFamily="49" charset="0"/>
+              </a:rPr>
+              <a:t>11</a:t>
+            </a:r>
+          </a:p>
+          <a:p>
+            <a:pPr algn="r"/>
+            <a:r>
+              <a:rPr lang="en-US" sz="2400" dirty="0">
+                <a:solidFill>
+                  <a:schemeClr val="accent3">
+                    <a:lumMod val="50000"/>
+                  </a:schemeClr>
+                </a:solidFill>
+                <a:latin typeface="Consolas" panose="020B0609020204030204" pitchFamily="49" charset="0"/>
+              </a:rPr>
+              <a:t>12</a:t>
+            </a:r>
+          </a:p>
+          <a:p>
+            <a:pPr algn="r"/>
+            <a:r>
+              <a:rPr lang="en-US" sz="2400" dirty="0">
+                <a:solidFill>
+                  <a:schemeClr val="accent3">
+                    <a:lumMod val="50000"/>
+                  </a:schemeClr>
+                </a:solidFill>
+                <a:latin typeface="Consolas" panose="020B0609020204030204" pitchFamily="49" charset="0"/>
+              </a:rPr>
+              <a:t>13</a:t>
+            </a:r>
+          </a:p>
+          <a:p>
+            <a:pPr algn="r"/>
+            <a:r>
+              <a:rPr lang="en-US" sz="2400" dirty="0">
+                <a:solidFill>
+                  <a:schemeClr val="accent3">
+                    <a:lumMod val="50000"/>
+                  </a:schemeClr>
+                </a:solidFill>
+                <a:latin typeface="Consolas" panose="020B0609020204030204" pitchFamily="49" charset="0"/>
+              </a:rPr>
+              <a:t>14</a:t>
+            </a:r>
+          </a:p>
+          <a:p>
+            <a:pPr algn="r"/>
+            <a:r>
+              <a:rPr lang="en-US" sz="2400" dirty="0">
+                <a:solidFill>
+                  <a:schemeClr val="accent3">
+                    <a:lumMod val="50000"/>
+                  </a:schemeClr>
+                </a:solidFill>
+                <a:latin typeface="Consolas" panose="020B0609020204030204" pitchFamily="49" charset="0"/>
+              </a:rPr>
+              <a:t>15</a:t>
+            </a:r>
+          </a:p>
+          <a:p>
+            <a:pPr algn="r"/>
+            <a:r>
+              <a:rPr lang="en-US" sz="2400" dirty="0">
+                <a:solidFill>
+                  <a:schemeClr val="accent3">
+                    <a:lumMod val="50000"/>
+                  </a:schemeClr>
+                </a:solidFill>
+                <a:latin typeface="Consolas" panose="020B0609020204030204" pitchFamily="49" charset="0"/>
+              </a:rPr>
+              <a:t>16</a:t>
+            </a:r>
+          </a:p>
+          <a:p>
+            <a:pPr algn="r"/>
+            <a:endParaRPr lang="en-US" sz="2400" dirty="0">
+              <a:latin typeface="Consolas" panose="020B0609020204030204" pitchFamily="49" charset="0"/>
+            </a:endParaRPr>
+          </a:p>
+        </p:txBody>
+      </p:sp>
+      <p:sp>
+        <p:nvSpPr>
+          <p:cNvPr id="6" name="TextBox 5"/>
+          <p:cNvSpPr txBox="1"/>
+          <p:nvPr/>
+        </p:nvSpPr>
+        <p:spPr>
+          <a:xfrm>
+            <a:off x="935490" y="583973"/>
+            <a:ext cx="11256511" cy="4154984"/>
+          </a:xfrm>
+          <a:prstGeom prst="rect">
+            <a:avLst/>
+          </a:prstGeom>
+          <a:noFill/>
+        </p:spPr>
+        <p:txBody>
+          <a:bodyPr wrap="square" rtlCol="0">
+            <a:spAutoFit/>
+          </a:bodyPr>
+          <a:lstStyle/>
+          <a:p>
+            <a:pPr marL="0" indent="0">
+              <a:buNone/>
+            </a:pPr>
+            <a:r>
+              <a:rPr lang="en-US" sz="2400" dirty="0">
+                <a:solidFill>
+                  <a:srgbClr val="7030A0"/>
+                </a:solidFill>
+                <a:latin typeface="Consolas" panose="020B0609020204030204" pitchFamily="49" charset="0"/>
+              </a:rPr>
+              <a:t>&lt;?php</a:t>
+            </a:r>
+            <a:endParaRPr lang="en-US" sz="2400" dirty="0">
+              <a:latin typeface="Consolas" panose="020B0609020204030204" pitchFamily="49" charset="0"/>
+            </a:endParaRPr>
+          </a:p>
+          <a:p>
+            <a:pPr marL="0" indent="0">
+              <a:buNone/>
+            </a:pPr>
+            <a:endParaRPr lang="en-US" sz="2400" dirty="0">
+              <a:latin typeface="Consolas" panose="020B0609020204030204" pitchFamily="49" charset="0"/>
+            </a:endParaRPr>
+          </a:p>
+          <a:p>
+            <a:r>
+              <a:rPr lang="en-US" sz="2400" dirty="0">
+                <a:latin typeface="Consolas" panose="020B0609020204030204" pitchFamily="49" charset="0"/>
+              </a:rPr>
+              <a:t>$object = </a:t>
+            </a:r>
+            <a:r>
+              <a:rPr lang="en-US" sz="2400" dirty="0">
+                <a:solidFill>
+                  <a:srgbClr val="0070C0"/>
+                </a:solidFill>
+                <a:latin typeface="Consolas" panose="020B0609020204030204" pitchFamily="49" charset="0"/>
+              </a:rPr>
+              <a:t>new</a:t>
+            </a:r>
+            <a:r>
+              <a:rPr lang="en-US" sz="2400" dirty="0">
+                <a:latin typeface="Consolas" panose="020B0609020204030204" pitchFamily="49" charset="0"/>
+              </a:rPr>
+              <a:t> </a:t>
+            </a:r>
+            <a:r>
+              <a:rPr lang="en-US" sz="2400" dirty="0" err="1">
+                <a:latin typeface="Consolas" panose="020B0609020204030204" pitchFamily="49" charset="0"/>
+              </a:rPr>
+              <a:t>stdClass</a:t>
+            </a:r>
+            <a:r>
+              <a:rPr lang="en-US" sz="2400" dirty="0">
+                <a:latin typeface="Consolas" panose="020B0609020204030204" pitchFamily="49" charset="0"/>
+              </a:rPr>
+              <a:t>();</a:t>
+            </a:r>
+          </a:p>
+          <a:p>
+            <a:endParaRPr lang="en-US" sz="2400" dirty="0">
+              <a:latin typeface="Consolas" panose="020B0609020204030204" pitchFamily="49" charset="0"/>
+            </a:endParaRPr>
+          </a:p>
+          <a:p>
+            <a:r>
+              <a:rPr lang="en-US" sz="2400" dirty="0">
+                <a:latin typeface="Consolas" panose="020B0609020204030204" pitchFamily="49" charset="0"/>
+              </a:rPr>
+              <a:t>$</a:t>
+            </a:r>
+            <a:r>
+              <a:rPr lang="en-US" sz="2400" dirty="0" err="1">
+                <a:latin typeface="Consolas" panose="020B0609020204030204" pitchFamily="49" charset="0"/>
+              </a:rPr>
+              <a:t>objectclone</a:t>
+            </a:r>
+            <a:r>
+              <a:rPr lang="en-US" sz="2400" dirty="0">
+                <a:latin typeface="Consolas" panose="020B0609020204030204" pitchFamily="49" charset="0"/>
+              </a:rPr>
+              <a:t> = </a:t>
+            </a:r>
+            <a:r>
+              <a:rPr lang="en-US" sz="2400" dirty="0">
+                <a:solidFill>
+                  <a:srgbClr val="0070C0"/>
+                </a:solidFill>
+                <a:latin typeface="Consolas" panose="020B0609020204030204" pitchFamily="49" charset="0"/>
+              </a:rPr>
+              <a:t>clone</a:t>
+            </a:r>
+            <a:r>
+              <a:rPr lang="en-US" sz="2400" dirty="0">
+                <a:latin typeface="Consolas" panose="020B0609020204030204" pitchFamily="49" charset="0"/>
+              </a:rPr>
+              <a:t> $object;</a:t>
+            </a:r>
+          </a:p>
+          <a:p>
+            <a:endParaRPr lang="en-US" sz="2400" dirty="0">
+              <a:latin typeface="Consolas" panose="020B0609020204030204" pitchFamily="49" charset="0"/>
+            </a:endParaRPr>
+          </a:p>
+          <a:p>
+            <a:r>
+              <a:rPr lang="en-US" sz="2400" dirty="0" err="1">
+                <a:latin typeface="Consolas" panose="020B0609020204030204" pitchFamily="49" charset="0"/>
+              </a:rPr>
+              <a:t>var_dump</a:t>
+            </a:r>
+            <a:r>
+              <a:rPr lang="en-US" sz="2400" dirty="0">
+                <a:latin typeface="Consolas" panose="020B0609020204030204" pitchFamily="49" charset="0"/>
+              </a:rPr>
+              <a:t>($object);</a:t>
+            </a:r>
+          </a:p>
+          <a:p>
+            <a:r>
+              <a:rPr lang="en-US" sz="2400" dirty="0" err="1">
+                <a:latin typeface="Consolas" panose="020B0609020204030204" pitchFamily="49" charset="0"/>
+              </a:rPr>
+              <a:t>var_dump</a:t>
+            </a:r>
+            <a:r>
+              <a:rPr lang="en-US" sz="2400" dirty="0">
+                <a:latin typeface="Consolas" panose="020B0609020204030204" pitchFamily="49" charset="0"/>
+              </a:rPr>
+              <a:t>($</a:t>
+            </a:r>
+            <a:r>
+              <a:rPr lang="en-US" sz="2400" dirty="0" err="1">
+                <a:latin typeface="Consolas" panose="020B0609020204030204" pitchFamily="49" charset="0"/>
+              </a:rPr>
+              <a:t>objectclone</a:t>
+            </a:r>
+            <a:r>
+              <a:rPr lang="en-US" sz="2400" dirty="0">
+                <a:latin typeface="Consolas" panose="020B0609020204030204" pitchFamily="49" charset="0"/>
+              </a:rPr>
+              <a:t>);</a:t>
+            </a:r>
+          </a:p>
+          <a:p>
+            <a:endParaRPr lang="en-US" sz="2400" dirty="0">
+              <a:latin typeface="Consolas" panose="020B0609020204030204" pitchFamily="49" charset="0"/>
+            </a:endParaRPr>
+          </a:p>
+          <a:p>
+            <a:r>
+              <a:rPr lang="en-US" sz="2400" dirty="0">
+                <a:latin typeface="Consolas" panose="020B0609020204030204" pitchFamily="49" charset="0"/>
+              </a:rPr>
+              <a:t>unset($object);</a:t>
+            </a:r>
+          </a:p>
+          <a:p>
+            <a:r>
+              <a:rPr lang="en-US" sz="2400" dirty="0">
+                <a:latin typeface="Consolas" panose="020B0609020204030204" pitchFamily="49" charset="0"/>
+              </a:rPr>
+              <a:t>unset($</a:t>
+            </a:r>
+            <a:r>
+              <a:rPr lang="en-US" sz="2400" dirty="0" err="1">
+                <a:latin typeface="Consolas" panose="020B0609020204030204" pitchFamily="49" charset="0"/>
+              </a:rPr>
+              <a:t>objectclone</a:t>
+            </a:r>
+            <a:r>
+              <a:rPr lang="en-US" sz="2400" dirty="0">
+                <a:latin typeface="Consolas" panose="020B0609020204030204" pitchFamily="49" charset="0"/>
+              </a:rPr>
+              <a:t>);</a:t>
+            </a:r>
+          </a:p>
+        </p:txBody>
+      </p:sp>
+      <p:sp>
+        <p:nvSpPr>
+          <p:cNvPr id="2" name="Title 1"/>
+          <p:cNvSpPr>
+            <a:spLocks noGrp="1"/>
+          </p:cNvSpPr>
+          <p:nvPr>
+            <p:ph type="title"/>
+          </p:nvPr>
+        </p:nvSpPr>
+        <p:spPr>
+          <a:xfrm>
+            <a:off x="1" y="0"/>
+            <a:ext cx="12192000" cy="583973"/>
+          </a:xfrm>
+          <a:solidFill>
+            <a:schemeClr val="bg1">
+              <a:lumMod val="50000"/>
+            </a:schemeClr>
+          </a:solidFill>
+          <a:ln>
+            <a:noFill/>
+          </a:ln>
+        </p:spPr>
+        <p:style>
+          <a:lnRef idx="2">
+            <a:schemeClr val="accent3">
+              <a:shade val="50000"/>
+            </a:schemeClr>
+          </a:lnRef>
+          <a:fillRef idx="1">
+            <a:schemeClr val="accent3"/>
+          </a:fillRef>
+          <a:effectRef idx="0">
+            <a:schemeClr val="accent3"/>
+          </a:effectRef>
+          <a:fontRef idx="minor">
+            <a:schemeClr val="lt1"/>
+          </a:fontRef>
+        </p:style>
+        <p:txBody>
+          <a:bodyPr>
+            <a:normAutofit fontScale="90000"/>
+          </a:bodyPr>
+          <a:lstStyle/>
+          <a:p>
+            <a:pPr algn="ctr"/>
+            <a:r>
+              <a:rPr lang="en-US" sz="3600" dirty="0"/>
+              <a:t>Example 5-2 : Copying and deleting objects</a:t>
+            </a:r>
+          </a:p>
+        </p:txBody>
+      </p:sp>
+    </p:spTree>
+    <p:extLst>
+      <p:ext uri="{BB962C8B-B14F-4D97-AF65-F5344CB8AC3E}">
+        <p14:creationId xmlns:p14="http://schemas.microsoft.com/office/powerpoint/2010/main" val="1028049019"/>
+      </p:ext>
+    </p:extLst>
+  </p:cSld>
+  <p:clrMapOvr>
+    <a:masterClrMapping/>
+  </p:clrMapOvr>
+</p:sld>
+</file>
+
+<file path=ppt/slides/slide44.xml><?xml version="1.0" encoding="utf-8"?>
+<p:sld xmlns:a="http://schemas.openxmlformats.org/drawingml/2006/main" xmlns:r="http://schemas.openxmlformats.org/officeDocument/2006/relationships" xmlns:p="http://schemas.openxmlformats.org/presentationml/2006/main">
+  <p:cSld>
+    <p:spTree>
+      <p:nvGrpSpPr>
+        <p:cNvPr id="1" name=""/>
+        <p:cNvGrpSpPr/>
+        <p:nvPr/>
+      </p:nvGrpSpPr>
+      <p:grpSpPr>
+        <a:xfrm>
+          <a:off x="0" y="0"/>
+          <a:ext cx="0" cy="0"/>
+          <a:chOff x="0" y="0"/>
+          <a:chExt cx="0" cy="0"/>
+        </a:xfrm>
+      </p:grpSpPr>
+      <p:sp>
+        <p:nvSpPr>
+          <p:cNvPr id="2" name="Title 1"/>
+          <p:cNvSpPr>
+            <a:spLocks noGrp="1"/>
+          </p:cNvSpPr>
+          <p:nvPr>
+            <p:ph type="title"/>
+          </p:nvPr>
+        </p:nvSpPr>
+        <p:spPr/>
+        <p:txBody>
+          <a:bodyPr/>
+          <a:lstStyle/>
+          <a:p>
+            <a:r>
+              <a:rPr lang="en-US" dirty="0"/>
+              <a:t>Creating a class</a:t>
+            </a:r>
+          </a:p>
+        </p:txBody>
+      </p:sp>
+      <p:sp>
+        <p:nvSpPr>
+          <p:cNvPr id="3" name="Text Placeholder 2"/>
+          <p:cNvSpPr>
+            <a:spLocks noGrp="1"/>
+          </p:cNvSpPr>
+          <p:nvPr>
+            <p:ph idx="1"/>
+          </p:nvPr>
+        </p:nvSpPr>
+        <p:spPr/>
+        <p:txBody>
+          <a:bodyPr/>
+          <a:lstStyle/>
+          <a:p>
+            <a:r>
+              <a:rPr lang="en-US" dirty="0"/>
+              <a:t>Classes are created using the </a:t>
+            </a:r>
+            <a:r>
+              <a:rPr lang="en-US" sz="2400" dirty="0">
+                <a:solidFill>
+                  <a:srgbClr val="0070C0"/>
+                </a:solidFill>
+                <a:latin typeface="Consolas" panose="020B0609020204030204" pitchFamily="49" charset="0"/>
+              </a:rPr>
+              <a:t>class</a:t>
+            </a:r>
+            <a:r>
+              <a:rPr lang="en-US" dirty="0"/>
+              <a:t> keyword</a:t>
+            </a:r>
+          </a:p>
+          <a:p>
+            <a:r>
+              <a:rPr lang="en-US" dirty="0"/>
+              <a:t>Class names follow the same rules as function names</a:t>
+            </a:r>
+          </a:p>
+          <a:p>
+            <a:r>
+              <a:rPr lang="en-US" dirty="0"/>
+              <a:t>Classes should be created before they are used</a:t>
+            </a:r>
+          </a:p>
+        </p:txBody>
+      </p:sp>
+    </p:spTree>
+    <p:extLst>
+      <p:ext uri="{BB962C8B-B14F-4D97-AF65-F5344CB8AC3E}">
+        <p14:creationId xmlns:p14="http://schemas.microsoft.com/office/powerpoint/2010/main" val="2618016354"/>
+      </p:ext>
+    </p:extLst>
+  </p:cSld>
+  <p:clrMapOvr>
+    <a:masterClrMapping/>
+  </p:clrMapOvr>
+</p:sld>
+</file>
+
+<file path=ppt/slides/slide45.xml><?xml version="1.0" encoding="utf-8"?>
+<p:sld xmlns:a="http://schemas.openxmlformats.org/drawingml/2006/main" xmlns:r="http://schemas.openxmlformats.org/officeDocument/2006/relationships" xmlns:p="http://schemas.openxmlformats.org/presentationml/2006/main">
+  <p:cSld>
+    <p:spTree>
+      <p:nvGrpSpPr>
+        <p:cNvPr id="1" name=""/>
+        <p:cNvGrpSpPr/>
+        <p:nvPr/>
+      </p:nvGrpSpPr>
+      <p:grpSpPr>
+        <a:xfrm>
+          <a:off x="0" y="0"/>
+          <a:ext cx="0" cy="0"/>
+          <a:chOff x="0" y="0"/>
+          <a:chExt cx="0" cy="0"/>
+        </a:xfrm>
+      </p:grpSpPr>
+      <p:sp>
+        <p:nvSpPr>
+          <p:cNvPr id="5" name="TextBox 4"/>
+          <p:cNvSpPr txBox="1"/>
+          <p:nvPr/>
+        </p:nvSpPr>
+        <p:spPr>
+          <a:xfrm>
+            <a:off x="0" y="583973"/>
+            <a:ext cx="935489" cy="6370975"/>
+          </a:xfrm>
+          <a:prstGeom prst="rect">
+            <a:avLst/>
+          </a:prstGeom>
+          <a:solidFill>
+            <a:schemeClr val="bg1">
+              <a:lumMod val="85000"/>
+            </a:schemeClr>
+          </a:solidFill>
+        </p:spPr>
+        <p:txBody>
+          <a:bodyPr wrap="square" rtlCol="0" anchor="ctr">
+            <a:spAutoFit/>
+          </a:bodyPr>
+          <a:lstStyle/>
+          <a:p>
+            <a:pPr algn="r"/>
+            <a:r>
+              <a:rPr lang="en-US" sz="2400" dirty="0">
+                <a:solidFill>
+                  <a:schemeClr val="accent3">
+                    <a:lumMod val="50000"/>
+                  </a:schemeClr>
+                </a:solidFill>
+                <a:latin typeface="Consolas" panose="020B0609020204030204" pitchFamily="49" charset="0"/>
+              </a:rPr>
+              <a:t>1</a:t>
+            </a:r>
+          </a:p>
+          <a:p>
+            <a:pPr algn="r"/>
+            <a:r>
+              <a:rPr lang="en-US" sz="2400" dirty="0">
+                <a:solidFill>
+                  <a:schemeClr val="accent3">
+                    <a:lumMod val="50000"/>
+                  </a:schemeClr>
+                </a:solidFill>
+                <a:latin typeface="Consolas" panose="020B0609020204030204" pitchFamily="49" charset="0"/>
+              </a:rPr>
+              <a:t>2</a:t>
+            </a:r>
+          </a:p>
+          <a:p>
+            <a:pPr algn="r"/>
+            <a:r>
+              <a:rPr lang="en-US" sz="2400" dirty="0">
+                <a:solidFill>
+                  <a:schemeClr val="accent3">
+                    <a:lumMod val="50000"/>
+                  </a:schemeClr>
+                </a:solidFill>
+                <a:latin typeface="Consolas" panose="020B0609020204030204" pitchFamily="49" charset="0"/>
+              </a:rPr>
+              <a:t>3</a:t>
+            </a:r>
+          </a:p>
+          <a:p>
+            <a:pPr algn="r"/>
+            <a:r>
+              <a:rPr lang="en-US" sz="2400" dirty="0">
+                <a:solidFill>
+                  <a:schemeClr val="accent3">
+                    <a:lumMod val="50000"/>
+                  </a:schemeClr>
+                </a:solidFill>
+                <a:latin typeface="Consolas" panose="020B0609020204030204" pitchFamily="49" charset="0"/>
+              </a:rPr>
+              <a:t>4</a:t>
+            </a:r>
+          </a:p>
+          <a:p>
+            <a:pPr algn="r"/>
+            <a:r>
+              <a:rPr lang="en-US" sz="2400" dirty="0">
+                <a:solidFill>
+                  <a:schemeClr val="accent3">
+                    <a:lumMod val="50000"/>
+                  </a:schemeClr>
+                </a:solidFill>
+                <a:latin typeface="Consolas" panose="020B0609020204030204" pitchFamily="49" charset="0"/>
+              </a:rPr>
+              <a:t>5</a:t>
+            </a:r>
+          </a:p>
+          <a:p>
+            <a:pPr algn="r"/>
+            <a:r>
+              <a:rPr lang="en-US" sz="2400" dirty="0">
+                <a:solidFill>
+                  <a:schemeClr val="accent3">
+                    <a:lumMod val="50000"/>
+                  </a:schemeClr>
+                </a:solidFill>
+                <a:latin typeface="Consolas" panose="020B0609020204030204" pitchFamily="49" charset="0"/>
+              </a:rPr>
+              <a:t>6</a:t>
+            </a:r>
+          </a:p>
+          <a:p>
+            <a:pPr algn="r"/>
+            <a:r>
+              <a:rPr lang="en-US" sz="2400" dirty="0">
+                <a:solidFill>
+                  <a:schemeClr val="accent3">
+                    <a:lumMod val="50000"/>
+                  </a:schemeClr>
+                </a:solidFill>
+                <a:latin typeface="Consolas" panose="020B0609020204030204" pitchFamily="49" charset="0"/>
+              </a:rPr>
+              <a:t>7</a:t>
+            </a:r>
+          </a:p>
+          <a:p>
+            <a:pPr algn="r"/>
+            <a:r>
+              <a:rPr lang="en-US" sz="2400" dirty="0">
+                <a:solidFill>
+                  <a:schemeClr val="accent3">
+                    <a:lumMod val="50000"/>
+                  </a:schemeClr>
+                </a:solidFill>
+                <a:latin typeface="Consolas" panose="020B0609020204030204" pitchFamily="49" charset="0"/>
+              </a:rPr>
+              <a:t>8</a:t>
+            </a:r>
+          </a:p>
+          <a:p>
+            <a:pPr algn="r"/>
+            <a:r>
+              <a:rPr lang="en-US" sz="2400" dirty="0">
+                <a:solidFill>
+                  <a:schemeClr val="accent3">
+                    <a:lumMod val="50000"/>
+                  </a:schemeClr>
+                </a:solidFill>
+                <a:latin typeface="Consolas" panose="020B0609020204030204" pitchFamily="49" charset="0"/>
+              </a:rPr>
+              <a:t>9</a:t>
+            </a:r>
+          </a:p>
+          <a:p>
+            <a:pPr algn="r"/>
+            <a:r>
+              <a:rPr lang="en-US" sz="2400" dirty="0">
+                <a:solidFill>
+                  <a:schemeClr val="accent3">
+                    <a:lumMod val="50000"/>
+                  </a:schemeClr>
+                </a:solidFill>
+                <a:latin typeface="Consolas" panose="020B0609020204030204" pitchFamily="49" charset="0"/>
+              </a:rPr>
+              <a:t>10</a:t>
+            </a:r>
+          </a:p>
+          <a:p>
+            <a:pPr algn="r"/>
+            <a:r>
+              <a:rPr lang="en-US" sz="2400" dirty="0">
+                <a:solidFill>
+                  <a:schemeClr val="accent3">
+                    <a:lumMod val="50000"/>
+                  </a:schemeClr>
+                </a:solidFill>
+                <a:latin typeface="Consolas" panose="020B0609020204030204" pitchFamily="49" charset="0"/>
+              </a:rPr>
+              <a:t>11</a:t>
+            </a:r>
+          </a:p>
+          <a:p>
+            <a:pPr algn="r"/>
+            <a:r>
+              <a:rPr lang="en-US" sz="2400" dirty="0">
+                <a:solidFill>
+                  <a:schemeClr val="accent3">
+                    <a:lumMod val="50000"/>
+                  </a:schemeClr>
+                </a:solidFill>
+                <a:latin typeface="Consolas" panose="020B0609020204030204" pitchFamily="49" charset="0"/>
+              </a:rPr>
+              <a:t>12</a:t>
+            </a:r>
+          </a:p>
+          <a:p>
+            <a:pPr algn="r"/>
+            <a:r>
+              <a:rPr lang="en-US" sz="2400" dirty="0">
+                <a:solidFill>
+                  <a:schemeClr val="accent3">
+                    <a:lumMod val="50000"/>
+                  </a:schemeClr>
+                </a:solidFill>
+                <a:latin typeface="Consolas" panose="020B0609020204030204" pitchFamily="49" charset="0"/>
+              </a:rPr>
+              <a:t>13</a:t>
+            </a:r>
+          </a:p>
+          <a:p>
+            <a:pPr algn="r"/>
+            <a:r>
+              <a:rPr lang="en-US" sz="2400" dirty="0">
+                <a:solidFill>
+                  <a:schemeClr val="accent3">
+                    <a:lumMod val="50000"/>
+                  </a:schemeClr>
+                </a:solidFill>
+                <a:latin typeface="Consolas" panose="020B0609020204030204" pitchFamily="49" charset="0"/>
+              </a:rPr>
+              <a:t>14</a:t>
+            </a:r>
+          </a:p>
+          <a:p>
+            <a:pPr algn="r"/>
+            <a:r>
+              <a:rPr lang="en-US" sz="2400" dirty="0">
+                <a:solidFill>
+                  <a:schemeClr val="accent3">
+                    <a:lumMod val="50000"/>
+                  </a:schemeClr>
+                </a:solidFill>
+                <a:latin typeface="Consolas" panose="020B0609020204030204" pitchFamily="49" charset="0"/>
+              </a:rPr>
+              <a:t>15</a:t>
+            </a:r>
+          </a:p>
+          <a:p>
+            <a:pPr algn="r"/>
+            <a:r>
+              <a:rPr lang="en-US" sz="2400" dirty="0">
+                <a:solidFill>
+                  <a:schemeClr val="accent3">
+                    <a:lumMod val="50000"/>
+                  </a:schemeClr>
+                </a:solidFill>
+                <a:latin typeface="Consolas" panose="020B0609020204030204" pitchFamily="49" charset="0"/>
+              </a:rPr>
+              <a:t>16</a:t>
+            </a:r>
+          </a:p>
+          <a:p>
+            <a:pPr algn="r"/>
+            <a:endParaRPr lang="en-US" sz="2400" dirty="0">
+              <a:latin typeface="Consolas" panose="020B0609020204030204" pitchFamily="49" charset="0"/>
+            </a:endParaRPr>
+          </a:p>
+        </p:txBody>
+      </p:sp>
+      <p:sp>
+        <p:nvSpPr>
+          <p:cNvPr id="6" name="TextBox 5"/>
+          <p:cNvSpPr txBox="1"/>
+          <p:nvPr/>
+        </p:nvSpPr>
+        <p:spPr>
+          <a:xfrm>
+            <a:off x="935490" y="583973"/>
+            <a:ext cx="11256511" cy="3416320"/>
+          </a:xfrm>
+          <a:prstGeom prst="rect">
+            <a:avLst/>
+          </a:prstGeom>
+          <a:noFill/>
+        </p:spPr>
+        <p:txBody>
+          <a:bodyPr wrap="square" rtlCol="0">
+            <a:spAutoFit/>
+          </a:bodyPr>
+          <a:lstStyle/>
+          <a:p>
+            <a:pPr marL="0" indent="0">
+              <a:buNone/>
+            </a:pPr>
+            <a:r>
+              <a:rPr lang="en-US" sz="2400" dirty="0">
+                <a:solidFill>
+                  <a:srgbClr val="7030A0"/>
+                </a:solidFill>
+                <a:latin typeface="Consolas" panose="020B0609020204030204" pitchFamily="49" charset="0"/>
+              </a:rPr>
+              <a:t>&lt;?php</a:t>
+            </a:r>
+            <a:endParaRPr lang="en-US" sz="2400" dirty="0">
+              <a:latin typeface="Consolas" panose="020B0609020204030204" pitchFamily="49" charset="0"/>
+            </a:endParaRPr>
+          </a:p>
+          <a:p>
+            <a:pPr marL="0" indent="0">
+              <a:buNone/>
+            </a:pPr>
+            <a:endParaRPr lang="en-US" sz="2400" dirty="0">
+              <a:latin typeface="Consolas" panose="020B0609020204030204" pitchFamily="49" charset="0"/>
+            </a:endParaRPr>
+          </a:p>
+          <a:p>
+            <a:r>
+              <a:rPr lang="en-US" sz="2400" dirty="0">
+                <a:solidFill>
+                  <a:srgbClr val="0070C0"/>
+                </a:solidFill>
+                <a:latin typeface="Consolas" panose="020B0609020204030204" pitchFamily="49" charset="0"/>
+              </a:rPr>
+              <a:t>class</a:t>
+            </a:r>
+            <a:r>
+              <a:rPr lang="en-US" sz="2400" dirty="0">
+                <a:latin typeface="Consolas" panose="020B0609020204030204" pitchFamily="49" charset="0"/>
+              </a:rPr>
+              <a:t> foobar {</a:t>
+            </a:r>
+          </a:p>
+          <a:p>
+            <a:endParaRPr lang="en-US" sz="2400" dirty="0">
+              <a:latin typeface="Consolas" panose="020B0609020204030204" pitchFamily="49" charset="0"/>
+            </a:endParaRPr>
+          </a:p>
+          <a:p>
+            <a:r>
+              <a:rPr lang="en-US" sz="2400" dirty="0">
+                <a:latin typeface="Consolas" panose="020B0609020204030204" pitchFamily="49" charset="0"/>
+              </a:rPr>
+              <a:t>}</a:t>
+            </a:r>
+          </a:p>
+          <a:p>
+            <a:endParaRPr lang="en-US" sz="2400" dirty="0">
+              <a:latin typeface="Consolas" panose="020B0609020204030204" pitchFamily="49" charset="0"/>
+            </a:endParaRPr>
+          </a:p>
+          <a:p>
+            <a:r>
+              <a:rPr lang="en-US" sz="2400" dirty="0">
+                <a:latin typeface="Consolas" panose="020B0609020204030204" pitchFamily="49" charset="0"/>
+              </a:rPr>
+              <a:t>$object = </a:t>
+            </a:r>
+            <a:r>
+              <a:rPr lang="en-US" sz="2400" dirty="0">
+                <a:solidFill>
+                  <a:srgbClr val="0070C0"/>
+                </a:solidFill>
+                <a:latin typeface="Consolas" panose="020B0609020204030204" pitchFamily="49" charset="0"/>
+              </a:rPr>
+              <a:t>new</a:t>
+            </a:r>
+            <a:r>
+              <a:rPr lang="en-US" sz="2400" dirty="0">
+                <a:latin typeface="Consolas" panose="020B0609020204030204" pitchFamily="49" charset="0"/>
+              </a:rPr>
+              <a:t> foobar();</a:t>
+            </a:r>
+          </a:p>
+          <a:p>
+            <a:endParaRPr lang="en-US" sz="2400" dirty="0">
+              <a:latin typeface="Consolas" panose="020B0609020204030204" pitchFamily="49" charset="0"/>
+            </a:endParaRPr>
+          </a:p>
+          <a:p>
+            <a:r>
+              <a:rPr lang="en-US" sz="2400" dirty="0" err="1">
+                <a:latin typeface="Consolas" panose="020B0609020204030204" pitchFamily="49" charset="0"/>
+              </a:rPr>
+              <a:t>var_dump</a:t>
+            </a:r>
+            <a:r>
+              <a:rPr lang="en-US" sz="2400" dirty="0">
+                <a:latin typeface="Consolas" panose="020B0609020204030204" pitchFamily="49" charset="0"/>
+              </a:rPr>
+              <a:t>($object);</a:t>
+            </a:r>
+          </a:p>
+        </p:txBody>
+      </p:sp>
+      <p:sp>
+        <p:nvSpPr>
+          <p:cNvPr id="2" name="Title 1"/>
+          <p:cNvSpPr>
+            <a:spLocks noGrp="1"/>
+          </p:cNvSpPr>
+          <p:nvPr>
+            <p:ph type="title"/>
+          </p:nvPr>
+        </p:nvSpPr>
+        <p:spPr>
+          <a:xfrm>
+            <a:off x="1" y="0"/>
+            <a:ext cx="12192000" cy="583973"/>
+          </a:xfrm>
+          <a:solidFill>
+            <a:schemeClr val="bg1">
+              <a:lumMod val="50000"/>
+            </a:schemeClr>
+          </a:solidFill>
+          <a:ln>
+            <a:noFill/>
+          </a:ln>
+        </p:spPr>
+        <p:style>
+          <a:lnRef idx="2">
+            <a:schemeClr val="accent3">
+              <a:shade val="50000"/>
+            </a:schemeClr>
+          </a:lnRef>
+          <a:fillRef idx="1">
+            <a:schemeClr val="accent3"/>
+          </a:fillRef>
+          <a:effectRef idx="0">
+            <a:schemeClr val="accent3"/>
+          </a:effectRef>
+          <a:fontRef idx="minor">
+            <a:schemeClr val="lt1"/>
+          </a:fontRef>
+        </p:style>
+        <p:txBody>
+          <a:bodyPr>
+            <a:normAutofit fontScale="90000"/>
+          </a:bodyPr>
+          <a:lstStyle/>
+          <a:p>
+            <a:pPr algn="ctr"/>
+            <a:r>
+              <a:rPr lang="en-US" sz="3600" dirty="0"/>
+              <a:t>Example 5-3 : Creating a class</a:t>
+            </a:r>
+          </a:p>
+        </p:txBody>
+      </p:sp>
+    </p:spTree>
+    <p:extLst>
+      <p:ext uri="{BB962C8B-B14F-4D97-AF65-F5344CB8AC3E}">
+        <p14:creationId xmlns:p14="http://schemas.microsoft.com/office/powerpoint/2010/main" val="3612000548"/>
+      </p:ext>
+    </p:extLst>
+  </p:cSld>
+  <p:clrMapOvr>
+    <a:masterClrMapping/>
+  </p:clrMapOvr>
+</p:sld>
+</file>
+
+<file path=ppt/slides/slide46.xml><?xml version="1.0" encoding="utf-8"?>
+<p:sld xmlns:a="http://schemas.openxmlformats.org/drawingml/2006/main" xmlns:r="http://schemas.openxmlformats.org/officeDocument/2006/relationships" xmlns:p="http://schemas.openxmlformats.org/presentationml/2006/main">
+  <p:cSld>
+    <p:spTree>
+      <p:nvGrpSpPr>
+        <p:cNvPr id="1" name=""/>
+        <p:cNvGrpSpPr/>
+        <p:nvPr/>
+      </p:nvGrpSpPr>
+      <p:grpSpPr>
+        <a:xfrm>
+          <a:off x="0" y="0"/>
+          <a:ext cx="0" cy="0"/>
+          <a:chOff x="0" y="0"/>
+          <a:chExt cx="0" cy="0"/>
+        </a:xfrm>
+      </p:grpSpPr>
+      <p:sp>
+        <p:nvSpPr>
+          <p:cNvPr id="2" name="Title 1"/>
+          <p:cNvSpPr>
+            <a:spLocks noGrp="1"/>
+          </p:cNvSpPr>
+          <p:nvPr>
+            <p:ph type="title"/>
+          </p:nvPr>
+        </p:nvSpPr>
+        <p:spPr>
+          <a:xfrm>
+            <a:off x="831850" y="3622902"/>
+            <a:ext cx="10515600" cy="939573"/>
+          </a:xfrm>
+        </p:spPr>
+        <p:txBody>
+          <a:bodyPr/>
+          <a:lstStyle/>
+          <a:p>
+            <a:r>
+              <a:rPr lang="en-US" dirty="0"/>
+              <a:t>Properties and Methods</a:t>
+            </a:r>
+          </a:p>
+        </p:txBody>
+      </p:sp>
+      <p:sp>
+        <p:nvSpPr>
+          <p:cNvPr id="3" name="Content Placeholder 2"/>
+          <p:cNvSpPr>
+            <a:spLocks noGrp="1"/>
+          </p:cNvSpPr>
+          <p:nvPr>
+            <p:ph type="body" idx="1"/>
+          </p:nvPr>
+        </p:nvSpPr>
+        <p:spPr>
+          <a:xfrm>
+            <a:off x="831850" y="3143704"/>
+            <a:ext cx="10515600" cy="479198"/>
+          </a:xfrm>
+        </p:spPr>
+        <p:txBody>
+          <a:bodyPr anchor="b"/>
+          <a:lstStyle/>
+          <a:p>
+            <a:r>
+              <a:rPr lang="en-US" dirty="0"/>
+              <a:t>Lesson 7</a:t>
+            </a:r>
+          </a:p>
+        </p:txBody>
+      </p:sp>
+    </p:spTree>
+    <p:extLst>
+      <p:ext uri="{BB962C8B-B14F-4D97-AF65-F5344CB8AC3E}">
+        <p14:creationId xmlns:p14="http://schemas.microsoft.com/office/powerpoint/2010/main" val="4136764314"/>
+      </p:ext>
+    </p:extLst>
+  </p:cSld>
+  <p:clrMapOvr>
+    <a:masterClrMapping/>
+  </p:clrMapOvr>
+</p:sld>
+</file>
+
+<file path=ppt/slides/slide47.xml><?xml version="1.0" encoding="utf-8"?>
+<p:sld xmlns:a="http://schemas.openxmlformats.org/drawingml/2006/main" xmlns:r="http://schemas.openxmlformats.org/officeDocument/2006/relationships" xmlns:p="http://schemas.openxmlformats.org/presentationml/2006/main">
+  <p:cSld>
+    <p:spTree>
+      <p:nvGrpSpPr>
+        <p:cNvPr id="1" name=""/>
+        <p:cNvGrpSpPr/>
+        <p:nvPr/>
+      </p:nvGrpSpPr>
+      <p:grpSpPr>
+        <a:xfrm>
+          <a:off x="0" y="0"/>
+          <a:ext cx="0" cy="0"/>
+          <a:chOff x="0" y="0"/>
+          <a:chExt cx="0" cy="0"/>
+        </a:xfrm>
+      </p:grpSpPr>
+      <p:sp>
+        <p:nvSpPr>
+          <p:cNvPr id="2" name="Title 1"/>
+          <p:cNvSpPr>
+            <a:spLocks noGrp="1"/>
+          </p:cNvSpPr>
+          <p:nvPr>
+            <p:ph type="title"/>
+          </p:nvPr>
+        </p:nvSpPr>
+        <p:spPr>
+          <a:xfrm>
+            <a:off x="831850" y="3622902"/>
+            <a:ext cx="10515600" cy="939573"/>
+          </a:xfrm>
+        </p:spPr>
+        <p:txBody>
+          <a:bodyPr/>
+          <a:lstStyle/>
+          <a:p>
+            <a:r>
+              <a:rPr lang="en-US" dirty="0"/>
+              <a:t>Scope and Visibility</a:t>
+            </a:r>
+          </a:p>
+        </p:txBody>
+      </p:sp>
+      <p:sp>
+        <p:nvSpPr>
+          <p:cNvPr id="3" name="Content Placeholder 2"/>
+          <p:cNvSpPr>
+            <a:spLocks noGrp="1"/>
+          </p:cNvSpPr>
+          <p:nvPr>
+            <p:ph type="body" idx="1"/>
+          </p:nvPr>
+        </p:nvSpPr>
+        <p:spPr>
+          <a:xfrm>
+            <a:off x="831850" y="3143704"/>
+            <a:ext cx="10515600" cy="479198"/>
+          </a:xfrm>
+        </p:spPr>
+        <p:txBody>
+          <a:bodyPr anchor="b"/>
+          <a:lstStyle/>
+          <a:p>
+            <a:r>
+              <a:rPr lang="en-US" dirty="0"/>
+              <a:t>Lesson 8</a:t>
+            </a:r>
+          </a:p>
+        </p:txBody>
+      </p:sp>
+    </p:spTree>
+    <p:extLst>
+      <p:ext uri="{BB962C8B-B14F-4D97-AF65-F5344CB8AC3E}">
+        <p14:creationId xmlns:p14="http://schemas.microsoft.com/office/powerpoint/2010/main" val="659856305"/>
+      </p:ext>
+    </p:extLst>
+  </p:cSld>
+  <p:clrMapOvr>
+    <a:masterClrMapping/>
+  </p:clrMapOvr>
+</p:sld>
+</file>
+
+<file path=ppt/slides/slide5.xml><?xml version="1.0" encoding="utf-8"?>
+<p:sld xmlns:a="http://schemas.openxmlformats.org/drawingml/2006/main" xmlns:r="http://schemas.openxmlformats.org/officeDocument/2006/relationships" xmlns:p="http://schemas.openxmlformats.org/presentationml/2006/main">
+  <p:cSld>
+    <p:spTree>
+      <p:nvGrpSpPr>
+        <p:cNvPr id="1" name=""/>
+        <p:cNvGrpSpPr/>
+        <p:nvPr/>
+      </p:nvGrpSpPr>
+      <p:grpSpPr>
+        <a:xfrm>
+          <a:off x="0" y="0"/>
+          <a:ext cx="0" cy="0"/>
+          <a:chOff x="0" y="0"/>
+          <a:chExt cx="0" cy="0"/>
+        </a:xfrm>
+      </p:grpSpPr>
+      <p:sp>
+        <p:nvSpPr>
+          <p:cNvPr id="5" name="TextBox 4"/>
+          <p:cNvSpPr txBox="1"/>
+          <p:nvPr/>
+        </p:nvSpPr>
+        <p:spPr>
+          <a:xfrm>
+            <a:off x="0" y="583973"/>
+            <a:ext cx="935489" cy="6370975"/>
+          </a:xfrm>
+          <a:prstGeom prst="rect">
+            <a:avLst/>
+          </a:prstGeom>
+          <a:solidFill>
+            <a:schemeClr val="bg1">
+              <a:lumMod val="85000"/>
+            </a:schemeClr>
+          </a:solidFill>
+        </p:spPr>
+        <p:txBody>
+          <a:bodyPr wrap="square" rtlCol="0" anchor="ctr">
+            <a:spAutoFit/>
+          </a:bodyPr>
+          <a:lstStyle/>
+          <a:p>
+            <a:pPr algn="r"/>
+            <a:r>
+              <a:rPr lang="en-US" sz="2400" dirty="0">
+                <a:solidFill>
+                  <a:schemeClr val="accent3">
+                    <a:lumMod val="50000"/>
+                  </a:schemeClr>
+                </a:solidFill>
+                <a:latin typeface="Consolas" panose="020B0609020204030204" pitchFamily="49" charset="0"/>
+              </a:rPr>
+              <a:t>1</a:t>
+            </a:r>
+          </a:p>
+          <a:p>
+            <a:pPr algn="r"/>
+            <a:r>
+              <a:rPr lang="en-US" sz="2400" dirty="0">
+                <a:solidFill>
+                  <a:schemeClr val="accent3">
+                    <a:lumMod val="50000"/>
+                  </a:schemeClr>
+                </a:solidFill>
+                <a:latin typeface="Consolas" panose="020B0609020204030204" pitchFamily="49" charset="0"/>
+              </a:rPr>
+              <a:t>2</a:t>
+            </a:r>
+          </a:p>
+          <a:p>
+            <a:pPr algn="r"/>
+            <a:r>
+              <a:rPr lang="en-US" sz="2400" dirty="0">
+                <a:solidFill>
+                  <a:schemeClr val="accent3">
+                    <a:lumMod val="50000"/>
+                  </a:schemeClr>
+                </a:solidFill>
+                <a:latin typeface="Consolas" panose="020B0609020204030204" pitchFamily="49" charset="0"/>
+              </a:rPr>
+              <a:t>3</a:t>
+            </a:r>
+          </a:p>
+          <a:p>
+            <a:pPr algn="r"/>
+            <a:r>
+              <a:rPr lang="en-US" sz="2400" dirty="0">
+                <a:solidFill>
+                  <a:schemeClr val="accent3">
+                    <a:lumMod val="50000"/>
+                  </a:schemeClr>
+                </a:solidFill>
+                <a:latin typeface="Consolas" panose="020B0609020204030204" pitchFamily="49" charset="0"/>
+              </a:rPr>
+              <a:t>4</a:t>
+            </a:r>
+          </a:p>
+          <a:p>
+            <a:pPr algn="r"/>
+            <a:r>
+              <a:rPr lang="en-US" sz="2400" dirty="0">
+                <a:solidFill>
+                  <a:schemeClr val="accent3">
+                    <a:lumMod val="50000"/>
+                  </a:schemeClr>
+                </a:solidFill>
+                <a:latin typeface="Consolas" panose="020B0609020204030204" pitchFamily="49" charset="0"/>
+              </a:rPr>
+              <a:t>5</a:t>
+            </a:r>
+          </a:p>
+          <a:p>
+            <a:pPr algn="r"/>
+            <a:r>
+              <a:rPr lang="en-US" sz="2400" dirty="0">
+                <a:solidFill>
+                  <a:schemeClr val="accent3">
+                    <a:lumMod val="50000"/>
+                  </a:schemeClr>
+                </a:solidFill>
+                <a:latin typeface="Consolas" panose="020B0609020204030204" pitchFamily="49" charset="0"/>
+              </a:rPr>
+              <a:t>6</a:t>
+            </a:r>
+          </a:p>
+          <a:p>
+            <a:pPr algn="r"/>
+            <a:r>
+              <a:rPr lang="en-US" sz="2400" dirty="0">
+                <a:solidFill>
+                  <a:schemeClr val="accent3">
+                    <a:lumMod val="50000"/>
+                  </a:schemeClr>
+                </a:solidFill>
+                <a:latin typeface="Consolas" panose="020B0609020204030204" pitchFamily="49" charset="0"/>
+              </a:rPr>
+              <a:t>7</a:t>
+            </a:r>
+          </a:p>
+          <a:p>
+            <a:pPr algn="r"/>
+            <a:r>
+              <a:rPr lang="en-US" sz="2400" dirty="0">
+                <a:solidFill>
+                  <a:schemeClr val="accent3">
+                    <a:lumMod val="50000"/>
+                  </a:schemeClr>
+                </a:solidFill>
+                <a:latin typeface="Consolas" panose="020B0609020204030204" pitchFamily="49" charset="0"/>
+              </a:rPr>
+              <a:t>8</a:t>
+            </a:r>
+          </a:p>
+          <a:p>
+            <a:pPr algn="r"/>
+            <a:r>
+              <a:rPr lang="en-US" sz="2400" dirty="0">
+                <a:solidFill>
+                  <a:schemeClr val="accent3">
+                    <a:lumMod val="50000"/>
+                  </a:schemeClr>
+                </a:solidFill>
+                <a:latin typeface="Consolas" panose="020B0609020204030204" pitchFamily="49" charset="0"/>
+              </a:rPr>
+              <a:t>9</a:t>
+            </a:r>
+          </a:p>
+          <a:p>
+            <a:pPr algn="r"/>
+            <a:r>
+              <a:rPr lang="en-US" sz="2400" dirty="0">
+                <a:solidFill>
+                  <a:schemeClr val="accent3">
+                    <a:lumMod val="50000"/>
+                  </a:schemeClr>
+                </a:solidFill>
+                <a:latin typeface="Consolas" panose="020B0609020204030204" pitchFamily="49" charset="0"/>
+              </a:rPr>
+              <a:t>10</a:t>
+            </a:r>
+          </a:p>
+          <a:p>
+            <a:pPr algn="r"/>
+            <a:r>
+              <a:rPr lang="en-US" sz="2400" dirty="0">
+                <a:solidFill>
+                  <a:schemeClr val="accent3">
+                    <a:lumMod val="50000"/>
+                  </a:schemeClr>
+                </a:solidFill>
+                <a:latin typeface="Consolas" panose="020B0609020204030204" pitchFamily="49" charset="0"/>
+              </a:rPr>
+              <a:t>11</a:t>
+            </a:r>
+          </a:p>
+          <a:p>
+            <a:pPr algn="r"/>
+            <a:r>
+              <a:rPr lang="en-US" sz="2400" dirty="0">
+                <a:solidFill>
+                  <a:schemeClr val="accent3">
+                    <a:lumMod val="50000"/>
+                  </a:schemeClr>
+                </a:solidFill>
+                <a:latin typeface="Consolas" panose="020B0609020204030204" pitchFamily="49" charset="0"/>
+              </a:rPr>
+              <a:t>12</a:t>
+            </a:r>
+          </a:p>
+          <a:p>
+            <a:pPr algn="r"/>
+            <a:r>
+              <a:rPr lang="en-US" sz="2400" dirty="0">
+                <a:solidFill>
+                  <a:schemeClr val="accent3">
+                    <a:lumMod val="50000"/>
+                  </a:schemeClr>
+                </a:solidFill>
+                <a:latin typeface="Consolas" panose="020B0609020204030204" pitchFamily="49" charset="0"/>
+              </a:rPr>
+              <a:t>13</a:t>
+            </a:r>
+          </a:p>
+          <a:p>
+            <a:pPr algn="r"/>
+            <a:r>
+              <a:rPr lang="en-US" sz="2400" dirty="0">
+                <a:solidFill>
+                  <a:schemeClr val="accent3">
+                    <a:lumMod val="50000"/>
+                  </a:schemeClr>
+                </a:solidFill>
+                <a:latin typeface="Consolas" panose="020B0609020204030204" pitchFamily="49" charset="0"/>
+              </a:rPr>
+              <a:t>14</a:t>
+            </a:r>
+          </a:p>
+          <a:p>
+            <a:pPr algn="r"/>
+            <a:r>
+              <a:rPr lang="en-US" sz="2400" dirty="0">
+                <a:solidFill>
+                  <a:schemeClr val="accent3">
+                    <a:lumMod val="50000"/>
+                  </a:schemeClr>
+                </a:solidFill>
+                <a:latin typeface="Consolas" panose="020B0609020204030204" pitchFamily="49" charset="0"/>
+              </a:rPr>
+              <a:t>15</a:t>
+            </a:r>
+          </a:p>
+          <a:p>
+            <a:pPr algn="r"/>
+            <a:r>
+              <a:rPr lang="en-US" sz="2400" dirty="0">
+                <a:solidFill>
+                  <a:schemeClr val="accent3">
+                    <a:lumMod val="50000"/>
+                  </a:schemeClr>
+                </a:solidFill>
+                <a:latin typeface="Consolas" panose="020B0609020204030204" pitchFamily="49" charset="0"/>
+              </a:rPr>
+              <a:t>16</a:t>
+            </a:r>
+          </a:p>
+          <a:p>
+            <a:pPr algn="r"/>
+            <a:endParaRPr lang="en-US" sz="2400" dirty="0">
+              <a:latin typeface="Consolas" panose="020B0609020204030204" pitchFamily="49" charset="0"/>
+            </a:endParaRPr>
+          </a:p>
+        </p:txBody>
+      </p:sp>
+      <p:sp>
+        <p:nvSpPr>
+          <p:cNvPr id="6" name="TextBox 5"/>
+          <p:cNvSpPr txBox="1"/>
+          <p:nvPr/>
+        </p:nvSpPr>
+        <p:spPr>
+          <a:xfrm>
+            <a:off x="935490" y="583973"/>
+            <a:ext cx="11256511" cy="3046988"/>
+          </a:xfrm>
+          <a:prstGeom prst="rect">
+            <a:avLst/>
+          </a:prstGeom>
+          <a:noFill/>
+        </p:spPr>
+        <p:txBody>
+          <a:bodyPr wrap="square" rtlCol="0">
+            <a:spAutoFit/>
+          </a:bodyPr>
+          <a:lstStyle/>
+          <a:p>
+            <a:pPr marL="0" indent="0">
+              <a:buNone/>
+            </a:pPr>
+            <a:r>
+              <a:rPr lang="en-US" sz="2400" dirty="0">
+                <a:solidFill>
+                  <a:srgbClr val="7030A0"/>
+                </a:solidFill>
+                <a:latin typeface="Consolas" panose="020B0609020204030204" pitchFamily="49" charset="0"/>
+              </a:rPr>
+              <a:t>&lt;?</a:t>
+            </a:r>
+            <a:r>
+              <a:rPr lang="en-US" sz="2400">
+                <a:solidFill>
+                  <a:srgbClr val="7030A0"/>
+                </a:solidFill>
+                <a:latin typeface="Consolas" panose="020B0609020204030204" pitchFamily="49" charset="0"/>
+              </a:rPr>
+              <a:t>php</a:t>
+            </a:r>
+            <a:endParaRPr lang="en-US" sz="2400" dirty="0">
+              <a:solidFill>
+                <a:srgbClr val="7030A0"/>
+              </a:solidFill>
+              <a:latin typeface="Consolas" panose="020B0609020204030204" pitchFamily="49" charset="0"/>
+            </a:endParaRPr>
+          </a:p>
+          <a:p>
+            <a:pPr marL="0" indent="0">
+              <a:buNone/>
+            </a:pPr>
+            <a:endParaRPr lang="en-US" sz="2400" dirty="0">
+              <a:solidFill>
+                <a:srgbClr val="7030A0"/>
+              </a:solidFill>
+              <a:latin typeface="Consolas" panose="020B0609020204030204" pitchFamily="49" charset="0"/>
+            </a:endParaRPr>
+          </a:p>
+          <a:p>
+            <a:pPr marL="0" indent="0">
+              <a:buNone/>
+            </a:pPr>
+            <a:r>
+              <a:rPr lang="en-US" sz="2400" dirty="0">
+                <a:latin typeface="Consolas" panose="020B0609020204030204" pitchFamily="49" charset="0"/>
+              </a:rPr>
+              <a:t>$foobar = </a:t>
+            </a:r>
+            <a:r>
+              <a:rPr lang="en-US" sz="2400" dirty="0">
+                <a:solidFill>
+                  <a:srgbClr val="C00000"/>
+                </a:solidFill>
+                <a:latin typeface="Consolas" panose="020B0609020204030204" pitchFamily="49" charset="0"/>
+              </a:rPr>
+              <a:t>10</a:t>
+            </a:r>
+            <a:r>
+              <a:rPr lang="en-US" sz="2400" dirty="0">
+                <a:latin typeface="Consolas" panose="020B0609020204030204" pitchFamily="49" charset="0"/>
+              </a:rPr>
+              <a:t>;</a:t>
+            </a:r>
+          </a:p>
+          <a:p>
+            <a:pPr marL="0" indent="0">
+              <a:buNone/>
+            </a:pPr>
+            <a:endParaRPr lang="en-US" sz="2400" dirty="0">
+              <a:latin typeface="Consolas" panose="020B0609020204030204" pitchFamily="49" charset="0"/>
+            </a:endParaRPr>
+          </a:p>
+          <a:p>
+            <a:pPr marL="0" indent="0">
+              <a:buNone/>
+            </a:pPr>
+            <a:r>
+              <a:rPr lang="en-US" sz="2400" dirty="0">
+                <a:latin typeface="Consolas" panose="020B0609020204030204" pitchFamily="49" charset="0"/>
+              </a:rPr>
+              <a:t>$</a:t>
+            </a:r>
+            <a:r>
+              <a:rPr lang="en-US" sz="2400" dirty="0" err="1">
+                <a:latin typeface="Consolas" panose="020B0609020204030204" pitchFamily="49" charset="0"/>
+              </a:rPr>
+              <a:t>foobar_copy</a:t>
+            </a:r>
+            <a:r>
+              <a:rPr lang="en-US" sz="2400" dirty="0">
+                <a:latin typeface="Consolas" panose="020B0609020204030204" pitchFamily="49" charset="0"/>
+              </a:rPr>
+              <a:t> = $foobar;</a:t>
+            </a:r>
+          </a:p>
+          <a:p>
+            <a:pPr marL="0" indent="0">
+              <a:buNone/>
+            </a:pPr>
+            <a:endParaRPr lang="en-US" sz="2400" dirty="0">
+              <a:latin typeface="Consolas" panose="020B0609020204030204" pitchFamily="49" charset="0"/>
+            </a:endParaRPr>
+          </a:p>
+          <a:p>
+            <a:pPr marL="0" indent="0">
+              <a:buNone/>
+            </a:pPr>
+            <a:r>
+              <a:rPr lang="en-US" sz="2400" dirty="0">
+                <a:solidFill>
+                  <a:srgbClr val="0070C0"/>
+                </a:solidFill>
+                <a:latin typeface="Consolas" panose="020B0609020204030204" pitchFamily="49" charset="0"/>
+              </a:rPr>
+              <a:t>echo</a:t>
+            </a:r>
+            <a:r>
+              <a:rPr lang="en-US" sz="2400" dirty="0">
+                <a:latin typeface="Consolas" panose="020B0609020204030204" pitchFamily="49" charset="0"/>
+              </a:rPr>
+              <a:t> $foobar;</a:t>
+            </a:r>
+          </a:p>
+          <a:p>
+            <a:pPr marL="0" indent="0">
+              <a:buNone/>
+            </a:pPr>
+            <a:r>
+              <a:rPr lang="en-US" sz="2400" dirty="0">
+                <a:solidFill>
+                  <a:srgbClr val="0070C0"/>
+                </a:solidFill>
+                <a:latin typeface="Consolas" panose="020B0609020204030204" pitchFamily="49" charset="0"/>
+              </a:rPr>
+              <a:t>echo</a:t>
+            </a:r>
+            <a:r>
+              <a:rPr lang="en-US" sz="2400" dirty="0">
+                <a:latin typeface="Consolas" panose="020B0609020204030204" pitchFamily="49" charset="0"/>
+              </a:rPr>
+              <a:t> $</a:t>
+            </a:r>
+            <a:r>
+              <a:rPr lang="en-US" sz="2400" dirty="0" err="1">
+                <a:latin typeface="Consolas" panose="020B0609020204030204" pitchFamily="49" charset="0"/>
+              </a:rPr>
+              <a:t>foobar_copy</a:t>
+            </a:r>
+            <a:r>
+              <a:rPr lang="en-US" sz="2400" dirty="0">
+                <a:latin typeface="Consolas" panose="020B0609020204030204" pitchFamily="49" charset="0"/>
+              </a:rPr>
+              <a:t>;</a:t>
+            </a:r>
+          </a:p>
+        </p:txBody>
+      </p:sp>
+      <p:sp>
+        <p:nvSpPr>
+          <p:cNvPr id="2" name="Title 1"/>
+          <p:cNvSpPr>
+            <a:spLocks noGrp="1"/>
+          </p:cNvSpPr>
+          <p:nvPr>
+            <p:ph type="title"/>
+          </p:nvPr>
+        </p:nvSpPr>
+        <p:spPr>
+          <a:xfrm>
+            <a:off x="1" y="0"/>
+            <a:ext cx="12192000" cy="583973"/>
+          </a:xfrm>
+          <a:solidFill>
+            <a:schemeClr val="bg1">
+              <a:lumMod val="50000"/>
+            </a:schemeClr>
+          </a:solidFill>
+          <a:ln>
+            <a:noFill/>
+          </a:ln>
+        </p:spPr>
+        <p:style>
+          <a:lnRef idx="2">
+            <a:schemeClr val="accent3">
+              <a:shade val="50000"/>
+            </a:schemeClr>
+          </a:lnRef>
+          <a:fillRef idx="1">
+            <a:schemeClr val="accent3"/>
+          </a:fillRef>
+          <a:effectRef idx="0">
+            <a:schemeClr val="accent3"/>
+          </a:effectRef>
+          <a:fontRef idx="minor">
+            <a:schemeClr val="lt1"/>
+          </a:fontRef>
+        </p:style>
+        <p:txBody>
+          <a:bodyPr>
+            <a:normAutofit fontScale="90000"/>
+          </a:bodyPr>
+          <a:lstStyle/>
+          <a:p>
+            <a:pPr algn="ctr"/>
+            <a:r>
+              <a:rPr lang="en-US" sz="3600" dirty="0"/>
               <a:t>Example 1-1 : Variables</a:t>
             </a:r>
           </a:p>
@@ -11072,6 +14965,883 @@
     <p:extLst>
       <p:ext uri="{BB962C8B-B14F-4D97-AF65-F5344CB8AC3E}">
         <p14:creationId xmlns:p14="http://schemas.microsoft.com/office/powerpoint/2010/main" val="3214217091"/>
+      </p:ext>
+    </p:extLst>
+  </p:cSld>
+  <p:clrMapOvr>
+    <a:masterClrMapping/>
+  </p:clrMapOvr>
+</p:sld>
+</file>
+
+<file path=ppt/slides/slide6.xml><?xml version="1.0" encoding="utf-8"?>
+<p:sld xmlns:a="http://schemas.openxmlformats.org/drawingml/2006/main" xmlns:r="http://schemas.openxmlformats.org/officeDocument/2006/relationships" xmlns:p="http://schemas.openxmlformats.org/presentationml/2006/main">
+  <p:cSld>
+    <p:spTree>
+      <p:nvGrpSpPr>
+        <p:cNvPr id="1" name=""/>
+        <p:cNvGrpSpPr/>
+        <p:nvPr/>
+      </p:nvGrpSpPr>
+      <p:grpSpPr>
+        <a:xfrm>
+          <a:off x="0" y="0"/>
+          <a:ext cx="0" cy="0"/>
+          <a:chOff x="0" y="0"/>
+          <a:chExt cx="0" cy="0"/>
+        </a:xfrm>
+      </p:grpSpPr>
+      <p:sp>
+        <p:nvSpPr>
+          <p:cNvPr id="2" name="Title 1"/>
+          <p:cNvSpPr>
+            <a:spLocks noGrp="1"/>
+          </p:cNvSpPr>
+          <p:nvPr>
+            <p:ph type="title"/>
+          </p:nvPr>
+        </p:nvSpPr>
+        <p:spPr/>
+        <p:txBody>
+          <a:bodyPr/>
+          <a:lstStyle/>
+          <a:p>
+            <a:r>
+              <a:rPr lang="en-US" dirty="0"/>
+              <a:t>String Interpolation and Escaping</a:t>
+            </a:r>
+          </a:p>
+        </p:txBody>
+      </p:sp>
+      <p:sp>
+        <p:nvSpPr>
+          <p:cNvPr id="3" name="Content Placeholder 2"/>
+          <p:cNvSpPr>
+            <a:spLocks noGrp="1"/>
+          </p:cNvSpPr>
+          <p:nvPr>
+            <p:ph idx="1"/>
+          </p:nvPr>
+        </p:nvSpPr>
+        <p:spPr/>
+        <p:txBody>
+          <a:bodyPr/>
+          <a:lstStyle/>
+          <a:p>
+            <a:r>
+              <a:rPr lang="en-US" b="1" dirty="0"/>
+              <a:t>Interpolation</a:t>
+            </a:r>
+            <a:r>
+              <a:rPr lang="en-US" dirty="0"/>
+              <a:t> – inserting variables into a string</a:t>
+            </a:r>
+          </a:p>
+          <a:p>
+            <a:r>
+              <a:rPr lang="en-US" dirty="0"/>
+              <a:t>Strings with single quotes ('') do not interpolate</a:t>
+            </a:r>
+          </a:p>
+          <a:p>
+            <a:r>
+              <a:rPr lang="en-US" dirty="0"/>
+              <a:t>Strings with double quotes ("") interpolate</a:t>
+            </a:r>
+          </a:p>
+          <a:p>
+            <a:r>
+              <a:rPr lang="en-US" b="1" dirty="0"/>
+              <a:t>Escaping</a:t>
+            </a:r>
+            <a:r>
+              <a:rPr lang="en-US" dirty="0"/>
+              <a:t> – Ignoring a special character in a string</a:t>
+            </a:r>
+          </a:p>
+          <a:p>
+            <a:r>
+              <a:rPr lang="en-US" dirty="0"/>
+              <a:t>Put a \ (backslash) before a quote to make PHP ignore it</a:t>
+            </a:r>
+          </a:p>
+        </p:txBody>
+      </p:sp>
+    </p:spTree>
+    <p:extLst>
+      <p:ext uri="{BB962C8B-B14F-4D97-AF65-F5344CB8AC3E}">
+        <p14:creationId xmlns:p14="http://schemas.microsoft.com/office/powerpoint/2010/main" val="2596129200"/>
+      </p:ext>
+    </p:extLst>
+  </p:cSld>
+  <p:clrMapOvr>
+    <a:masterClrMapping/>
+  </p:clrMapOvr>
+</p:sld>
+</file>
+
+<file path=ppt/slides/slide7.xml><?xml version="1.0" encoding="utf-8"?>
+<p:sld xmlns:a="http://schemas.openxmlformats.org/drawingml/2006/main" xmlns:r="http://schemas.openxmlformats.org/officeDocument/2006/relationships" xmlns:p="http://schemas.openxmlformats.org/presentationml/2006/main">
+  <p:cSld>
+    <p:spTree>
+      <p:nvGrpSpPr>
+        <p:cNvPr id="1" name=""/>
+        <p:cNvGrpSpPr/>
+        <p:nvPr/>
+      </p:nvGrpSpPr>
+      <p:grpSpPr>
+        <a:xfrm>
+          <a:off x="0" y="0"/>
+          <a:ext cx="0" cy="0"/>
+          <a:chOff x="0" y="0"/>
+          <a:chExt cx="0" cy="0"/>
+        </a:xfrm>
+      </p:grpSpPr>
+      <p:sp>
+        <p:nvSpPr>
+          <p:cNvPr id="5" name="TextBox 4"/>
+          <p:cNvSpPr txBox="1"/>
+          <p:nvPr/>
+        </p:nvSpPr>
+        <p:spPr>
+          <a:xfrm>
+            <a:off x="0" y="583973"/>
+            <a:ext cx="935489" cy="6370975"/>
+          </a:xfrm>
+          <a:prstGeom prst="rect">
+            <a:avLst/>
+          </a:prstGeom>
+          <a:solidFill>
+            <a:schemeClr val="bg1">
+              <a:lumMod val="85000"/>
+            </a:schemeClr>
+          </a:solidFill>
+        </p:spPr>
+        <p:txBody>
+          <a:bodyPr wrap="square" rtlCol="0" anchor="ctr">
+            <a:spAutoFit/>
+          </a:bodyPr>
+          <a:lstStyle/>
+          <a:p>
+            <a:pPr algn="r"/>
+            <a:r>
+              <a:rPr lang="en-US" sz="2400" dirty="0">
+                <a:solidFill>
+                  <a:schemeClr val="accent3">
+                    <a:lumMod val="50000"/>
+                  </a:schemeClr>
+                </a:solidFill>
+                <a:latin typeface="Consolas" panose="020B0609020204030204" pitchFamily="49" charset="0"/>
+              </a:rPr>
+              <a:t>1</a:t>
+            </a:r>
+          </a:p>
+          <a:p>
+            <a:pPr algn="r"/>
+            <a:r>
+              <a:rPr lang="en-US" sz="2400" dirty="0">
+                <a:solidFill>
+                  <a:schemeClr val="accent3">
+                    <a:lumMod val="50000"/>
+                  </a:schemeClr>
+                </a:solidFill>
+                <a:latin typeface="Consolas" panose="020B0609020204030204" pitchFamily="49" charset="0"/>
+              </a:rPr>
+              <a:t>2</a:t>
+            </a:r>
+          </a:p>
+          <a:p>
+            <a:pPr algn="r"/>
+            <a:r>
+              <a:rPr lang="en-US" sz="2400" dirty="0">
+                <a:solidFill>
+                  <a:schemeClr val="accent3">
+                    <a:lumMod val="50000"/>
+                  </a:schemeClr>
+                </a:solidFill>
+                <a:latin typeface="Consolas" panose="020B0609020204030204" pitchFamily="49" charset="0"/>
+              </a:rPr>
+              <a:t>3</a:t>
+            </a:r>
+          </a:p>
+          <a:p>
+            <a:pPr algn="r"/>
+            <a:r>
+              <a:rPr lang="en-US" sz="2400" dirty="0">
+                <a:solidFill>
+                  <a:schemeClr val="accent3">
+                    <a:lumMod val="50000"/>
+                  </a:schemeClr>
+                </a:solidFill>
+                <a:latin typeface="Consolas" panose="020B0609020204030204" pitchFamily="49" charset="0"/>
+              </a:rPr>
+              <a:t>4</a:t>
+            </a:r>
+          </a:p>
+          <a:p>
+            <a:pPr algn="r"/>
+            <a:r>
+              <a:rPr lang="en-US" sz="2400" dirty="0">
+                <a:solidFill>
+                  <a:schemeClr val="accent3">
+                    <a:lumMod val="50000"/>
+                  </a:schemeClr>
+                </a:solidFill>
+                <a:latin typeface="Consolas" panose="020B0609020204030204" pitchFamily="49" charset="0"/>
+              </a:rPr>
+              <a:t>5</a:t>
+            </a:r>
+          </a:p>
+          <a:p>
+            <a:pPr algn="r"/>
+            <a:r>
+              <a:rPr lang="en-US" sz="2400" dirty="0">
+                <a:solidFill>
+                  <a:schemeClr val="accent3">
+                    <a:lumMod val="50000"/>
+                  </a:schemeClr>
+                </a:solidFill>
+                <a:latin typeface="Consolas" panose="020B0609020204030204" pitchFamily="49" charset="0"/>
+              </a:rPr>
+              <a:t>6</a:t>
+            </a:r>
+          </a:p>
+          <a:p>
+            <a:pPr algn="r"/>
+            <a:r>
+              <a:rPr lang="en-US" sz="2400" dirty="0">
+                <a:solidFill>
+                  <a:schemeClr val="accent3">
+                    <a:lumMod val="50000"/>
+                  </a:schemeClr>
+                </a:solidFill>
+                <a:latin typeface="Consolas" panose="020B0609020204030204" pitchFamily="49" charset="0"/>
+              </a:rPr>
+              <a:t>7</a:t>
+            </a:r>
+          </a:p>
+          <a:p>
+            <a:pPr algn="r"/>
+            <a:r>
+              <a:rPr lang="en-US" sz="2400" dirty="0">
+                <a:solidFill>
+                  <a:schemeClr val="accent3">
+                    <a:lumMod val="50000"/>
+                  </a:schemeClr>
+                </a:solidFill>
+                <a:latin typeface="Consolas" panose="020B0609020204030204" pitchFamily="49" charset="0"/>
+              </a:rPr>
+              <a:t>8</a:t>
+            </a:r>
+          </a:p>
+          <a:p>
+            <a:pPr algn="r"/>
+            <a:r>
+              <a:rPr lang="en-US" sz="2400" dirty="0">
+                <a:solidFill>
+                  <a:schemeClr val="accent3">
+                    <a:lumMod val="50000"/>
+                  </a:schemeClr>
+                </a:solidFill>
+                <a:latin typeface="Consolas" panose="020B0609020204030204" pitchFamily="49" charset="0"/>
+              </a:rPr>
+              <a:t>9</a:t>
+            </a:r>
+          </a:p>
+          <a:p>
+            <a:pPr algn="r"/>
+            <a:r>
+              <a:rPr lang="en-US" sz="2400" dirty="0">
+                <a:solidFill>
+                  <a:schemeClr val="accent3">
+                    <a:lumMod val="50000"/>
+                  </a:schemeClr>
+                </a:solidFill>
+                <a:latin typeface="Consolas" panose="020B0609020204030204" pitchFamily="49" charset="0"/>
+              </a:rPr>
+              <a:t>10</a:t>
+            </a:r>
+          </a:p>
+          <a:p>
+            <a:pPr algn="r"/>
+            <a:r>
+              <a:rPr lang="en-US" sz="2400" dirty="0">
+                <a:solidFill>
+                  <a:schemeClr val="accent3">
+                    <a:lumMod val="50000"/>
+                  </a:schemeClr>
+                </a:solidFill>
+                <a:latin typeface="Consolas" panose="020B0609020204030204" pitchFamily="49" charset="0"/>
+              </a:rPr>
+              <a:t>11</a:t>
+            </a:r>
+          </a:p>
+          <a:p>
+            <a:pPr algn="r"/>
+            <a:r>
+              <a:rPr lang="en-US" sz="2400" dirty="0">
+                <a:solidFill>
+                  <a:schemeClr val="accent3">
+                    <a:lumMod val="50000"/>
+                  </a:schemeClr>
+                </a:solidFill>
+                <a:latin typeface="Consolas" panose="020B0609020204030204" pitchFamily="49" charset="0"/>
+              </a:rPr>
+              <a:t>12</a:t>
+            </a:r>
+          </a:p>
+          <a:p>
+            <a:pPr algn="r"/>
+            <a:r>
+              <a:rPr lang="en-US" sz="2400" dirty="0">
+                <a:solidFill>
+                  <a:schemeClr val="accent3">
+                    <a:lumMod val="50000"/>
+                  </a:schemeClr>
+                </a:solidFill>
+                <a:latin typeface="Consolas" panose="020B0609020204030204" pitchFamily="49" charset="0"/>
+              </a:rPr>
+              <a:t>13</a:t>
+            </a:r>
+          </a:p>
+          <a:p>
+            <a:pPr algn="r"/>
+            <a:r>
+              <a:rPr lang="en-US" sz="2400" dirty="0">
+                <a:solidFill>
+                  <a:schemeClr val="accent3">
+                    <a:lumMod val="50000"/>
+                  </a:schemeClr>
+                </a:solidFill>
+                <a:latin typeface="Consolas" panose="020B0609020204030204" pitchFamily="49" charset="0"/>
+              </a:rPr>
+              <a:t>14</a:t>
+            </a:r>
+          </a:p>
+          <a:p>
+            <a:pPr algn="r"/>
+            <a:r>
+              <a:rPr lang="en-US" sz="2400" dirty="0">
+                <a:solidFill>
+                  <a:schemeClr val="accent3">
+                    <a:lumMod val="50000"/>
+                  </a:schemeClr>
+                </a:solidFill>
+                <a:latin typeface="Consolas" panose="020B0609020204030204" pitchFamily="49" charset="0"/>
+              </a:rPr>
+              <a:t>15</a:t>
+            </a:r>
+          </a:p>
+          <a:p>
+            <a:pPr algn="r"/>
+            <a:r>
+              <a:rPr lang="en-US" sz="2400" dirty="0">
+                <a:solidFill>
+                  <a:schemeClr val="accent3">
+                    <a:lumMod val="50000"/>
+                  </a:schemeClr>
+                </a:solidFill>
+                <a:latin typeface="Consolas" panose="020B0609020204030204" pitchFamily="49" charset="0"/>
+              </a:rPr>
+              <a:t>16</a:t>
+            </a:r>
+          </a:p>
+          <a:p>
+            <a:pPr algn="r"/>
+            <a:endParaRPr lang="en-US" sz="2400" dirty="0">
+              <a:latin typeface="Consolas" panose="020B0609020204030204" pitchFamily="49" charset="0"/>
+            </a:endParaRPr>
+          </a:p>
+        </p:txBody>
+      </p:sp>
+      <p:sp>
+        <p:nvSpPr>
+          <p:cNvPr id="6" name="TextBox 5"/>
+          <p:cNvSpPr txBox="1"/>
+          <p:nvPr/>
+        </p:nvSpPr>
+        <p:spPr>
+          <a:xfrm>
+            <a:off x="935490" y="583973"/>
+            <a:ext cx="11256511" cy="3046988"/>
+          </a:xfrm>
+          <a:prstGeom prst="rect">
+            <a:avLst/>
+          </a:prstGeom>
+          <a:noFill/>
+        </p:spPr>
+        <p:txBody>
+          <a:bodyPr wrap="square" rtlCol="0">
+            <a:spAutoFit/>
+          </a:bodyPr>
+          <a:lstStyle/>
+          <a:p>
+            <a:pPr marL="0" indent="0">
+              <a:buNone/>
+            </a:pPr>
+            <a:r>
+              <a:rPr lang="en-US" sz="2400" dirty="0">
+                <a:solidFill>
+                  <a:srgbClr val="7030A0"/>
+                </a:solidFill>
+                <a:latin typeface="Consolas" panose="020B0609020204030204" pitchFamily="49" charset="0"/>
+              </a:rPr>
+              <a:t>&lt;?</a:t>
+            </a:r>
+            <a:r>
+              <a:rPr lang="en-US" sz="2400">
+                <a:solidFill>
+                  <a:srgbClr val="7030A0"/>
+                </a:solidFill>
+                <a:latin typeface="Consolas" panose="020B0609020204030204" pitchFamily="49" charset="0"/>
+              </a:rPr>
+              <a:t>php</a:t>
+            </a:r>
+            <a:endParaRPr lang="en-US" sz="2400" dirty="0">
+              <a:solidFill>
+                <a:srgbClr val="7030A0"/>
+              </a:solidFill>
+              <a:latin typeface="Consolas" panose="020B0609020204030204" pitchFamily="49" charset="0"/>
+            </a:endParaRPr>
+          </a:p>
+          <a:p>
+            <a:pPr marL="0" indent="0">
+              <a:buNone/>
+            </a:pPr>
+            <a:endParaRPr lang="en-US" sz="2400" dirty="0">
+              <a:solidFill>
+                <a:srgbClr val="7030A0"/>
+              </a:solidFill>
+              <a:latin typeface="Consolas" panose="020B0609020204030204" pitchFamily="49" charset="0"/>
+            </a:endParaRPr>
+          </a:p>
+          <a:p>
+            <a:pPr marL="0" indent="0">
+              <a:buNone/>
+            </a:pPr>
+            <a:r>
+              <a:rPr lang="en-US" sz="2400" dirty="0">
+                <a:latin typeface="Consolas" panose="020B0609020204030204" pitchFamily="49" charset="0"/>
+              </a:rPr>
+              <a:t>$foobar = </a:t>
+            </a:r>
+            <a:r>
+              <a:rPr lang="en-US" sz="2400" dirty="0">
+                <a:solidFill>
+                  <a:schemeClr val="accent2"/>
+                </a:solidFill>
+                <a:latin typeface="Consolas" panose="020B0609020204030204" pitchFamily="49" charset="0"/>
+              </a:rPr>
+              <a:t>"abc123"</a:t>
+            </a:r>
+            <a:r>
+              <a:rPr lang="en-US" sz="2400" dirty="0">
+                <a:latin typeface="Consolas" panose="020B0609020204030204" pitchFamily="49" charset="0"/>
+              </a:rPr>
+              <a:t>;</a:t>
+            </a:r>
+          </a:p>
+          <a:p>
+            <a:pPr marL="0" indent="0">
+              <a:buNone/>
+            </a:pPr>
+            <a:endParaRPr lang="en-US" sz="2400" dirty="0">
+              <a:latin typeface="Consolas" panose="020B0609020204030204" pitchFamily="49" charset="0"/>
+            </a:endParaRPr>
+          </a:p>
+          <a:p>
+            <a:pPr marL="0" indent="0">
+              <a:buNone/>
+            </a:pPr>
+            <a:r>
+              <a:rPr lang="en-US" sz="2400" dirty="0">
+                <a:solidFill>
+                  <a:srgbClr val="0070C0"/>
+                </a:solidFill>
+                <a:latin typeface="Consolas" panose="020B0609020204030204" pitchFamily="49" charset="0"/>
+              </a:rPr>
+              <a:t>echo</a:t>
+            </a:r>
+            <a:r>
+              <a:rPr lang="en-US" sz="2400" dirty="0">
+                <a:latin typeface="Consolas" panose="020B0609020204030204" pitchFamily="49" charset="0"/>
+              </a:rPr>
+              <a:t> </a:t>
+            </a:r>
+            <a:r>
+              <a:rPr lang="en-US" sz="2400" dirty="0">
+                <a:solidFill>
+                  <a:schemeClr val="accent2"/>
+                </a:solidFill>
+                <a:latin typeface="Consolas" panose="020B0609020204030204" pitchFamily="49" charset="0"/>
+              </a:rPr>
+              <a:t>"foobar is $foobar"</a:t>
+            </a:r>
+            <a:r>
+              <a:rPr lang="en-US" sz="2400" dirty="0">
+                <a:latin typeface="Consolas" panose="020B0609020204030204" pitchFamily="49" charset="0"/>
+              </a:rPr>
+              <a:t>;</a:t>
+            </a:r>
+          </a:p>
+          <a:p>
+            <a:pPr marL="0" indent="0">
+              <a:buNone/>
+            </a:pPr>
+            <a:r>
+              <a:rPr lang="en-US" sz="2400" dirty="0">
+                <a:solidFill>
+                  <a:srgbClr val="0070C0"/>
+                </a:solidFill>
+                <a:latin typeface="Consolas" panose="020B0609020204030204" pitchFamily="49" charset="0"/>
+              </a:rPr>
+              <a:t>echo</a:t>
+            </a:r>
+            <a:r>
+              <a:rPr lang="en-US" sz="2400" dirty="0">
+                <a:latin typeface="Consolas" panose="020B0609020204030204" pitchFamily="49" charset="0"/>
+              </a:rPr>
+              <a:t> </a:t>
+            </a:r>
+            <a:r>
+              <a:rPr lang="en-US" sz="2400" dirty="0">
+                <a:solidFill>
+                  <a:schemeClr val="accent2"/>
+                </a:solidFill>
+                <a:latin typeface="Consolas" panose="020B0609020204030204" pitchFamily="49" charset="0"/>
+              </a:rPr>
+              <a:t>'foobar is $foobar'</a:t>
+            </a:r>
+            <a:r>
+              <a:rPr lang="en-US" sz="2400" dirty="0">
+                <a:latin typeface="Consolas" panose="020B0609020204030204" pitchFamily="49" charset="0"/>
+              </a:rPr>
+              <a:t>;</a:t>
+            </a:r>
+          </a:p>
+          <a:p>
+            <a:pPr marL="0" indent="0">
+              <a:buNone/>
+            </a:pPr>
+            <a:endParaRPr lang="en-US" sz="2400" dirty="0">
+              <a:latin typeface="Consolas" panose="020B0609020204030204" pitchFamily="49" charset="0"/>
+            </a:endParaRPr>
+          </a:p>
+          <a:p>
+            <a:pPr marL="0" indent="0">
+              <a:buNone/>
+            </a:pPr>
+            <a:r>
+              <a:rPr lang="en-US" sz="2400" dirty="0">
+                <a:solidFill>
+                  <a:srgbClr val="0070C0"/>
+                </a:solidFill>
+                <a:latin typeface="Consolas" panose="020B0609020204030204" pitchFamily="49" charset="0"/>
+              </a:rPr>
+              <a:t>echo</a:t>
+            </a:r>
+            <a:r>
+              <a:rPr lang="en-US" sz="2400" dirty="0">
+                <a:latin typeface="Consolas" panose="020B0609020204030204" pitchFamily="49" charset="0"/>
+              </a:rPr>
+              <a:t> </a:t>
+            </a:r>
+            <a:r>
+              <a:rPr lang="en-US" sz="2400" dirty="0">
+                <a:solidFill>
+                  <a:schemeClr val="accent2"/>
+                </a:solidFill>
+                <a:latin typeface="Consolas" panose="020B0609020204030204" pitchFamily="49" charset="0"/>
+              </a:rPr>
+              <a:t>'The quote has escaped! \' ';</a:t>
+            </a:r>
+          </a:p>
+        </p:txBody>
+      </p:sp>
+      <p:sp>
+        <p:nvSpPr>
+          <p:cNvPr id="2" name="Title 1"/>
+          <p:cNvSpPr>
+            <a:spLocks noGrp="1"/>
+          </p:cNvSpPr>
+          <p:nvPr>
+            <p:ph type="title"/>
+          </p:nvPr>
+        </p:nvSpPr>
+        <p:spPr>
+          <a:xfrm>
+            <a:off x="1" y="0"/>
+            <a:ext cx="12192000" cy="583973"/>
+          </a:xfrm>
+          <a:solidFill>
+            <a:schemeClr val="bg1">
+              <a:lumMod val="50000"/>
+            </a:schemeClr>
+          </a:solidFill>
+          <a:ln>
+            <a:noFill/>
+          </a:ln>
+        </p:spPr>
+        <p:style>
+          <a:lnRef idx="2">
+            <a:schemeClr val="accent3">
+              <a:shade val="50000"/>
+            </a:schemeClr>
+          </a:lnRef>
+          <a:fillRef idx="1">
+            <a:schemeClr val="accent3"/>
+          </a:fillRef>
+          <a:effectRef idx="0">
+            <a:schemeClr val="accent3"/>
+          </a:effectRef>
+          <a:fontRef idx="minor">
+            <a:schemeClr val="lt1"/>
+          </a:fontRef>
+        </p:style>
+        <p:txBody>
+          <a:bodyPr>
+            <a:normAutofit fontScale="90000"/>
+          </a:bodyPr>
+          <a:lstStyle/>
+          <a:p>
+            <a:pPr algn="ctr"/>
+            <a:r>
+              <a:rPr lang="en-US" sz="3600" dirty="0"/>
+              <a:t>Example 1-2 : String Interpolation and Escaping</a:t>
+            </a:r>
+          </a:p>
+        </p:txBody>
+      </p:sp>
+    </p:spTree>
+    <p:extLst>
+      <p:ext uri="{BB962C8B-B14F-4D97-AF65-F5344CB8AC3E}">
+        <p14:creationId xmlns:p14="http://schemas.microsoft.com/office/powerpoint/2010/main" val="2773596388"/>
+      </p:ext>
+    </p:extLst>
+  </p:cSld>
+  <p:clrMapOvr>
+    <a:masterClrMapping/>
+  </p:clrMapOvr>
+</p:sld>
+</file>
+
+<file path=ppt/slides/slide8.xml><?xml version="1.0" encoding="utf-8"?>
+<p:sld xmlns:a="http://schemas.openxmlformats.org/drawingml/2006/main" xmlns:r="http://schemas.openxmlformats.org/officeDocument/2006/relationships" xmlns:p="http://schemas.openxmlformats.org/presentationml/2006/main">
+  <p:cSld>
+    <p:spTree>
+      <p:nvGrpSpPr>
+        <p:cNvPr id="1" name=""/>
+        <p:cNvGrpSpPr/>
+        <p:nvPr/>
+      </p:nvGrpSpPr>
+      <p:grpSpPr>
+        <a:xfrm>
+          <a:off x="0" y="0"/>
+          <a:ext cx="0" cy="0"/>
+          <a:chOff x="0" y="0"/>
+          <a:chExt cx="0" cy="0"/>
+        </a:xfrm>
+      </p:grpSpPr>
+      <p:sp>
+        <p:nvSpPr>
+          <p:cNvPr id="2" name="Title 1"/>
+          <p:cNvSpPr>
+            <a:spLocks noGrp="1"/>
+          </p:cNvSpPr>
+          <p:nvPr>
+            <p:ph type="title"/>
+          </p:nvPr>
+        </p:nvSpPr>
+        <p:spPr>
+          <a:xfrm>
+            <a:off x="831850" y="3622902"/>
+            <a:ext cx="10515600" cy="939573"/>
+          </a:xfrm>
+        </p:spPr>
+        <p:txBody>
+          <a:bodyPr/>
+          <a:lstStyle/>
+          <a:p>
+            <a:r>
+              <a:rPr lang="en-US" dirty="0"/>
+              <a:t>Operators</a:t>
+            </a:r>
+          </a:p>
+        </p:txBody>
+      </p:sp>
+      <p:sp>
+        <p:nvSpPr>
+          <p:cNvPr id="3" name="Content Placeholder 2"/>
+          <p:cNvSpPr>
+            <a:spLocks noGrp="1"/>
+          </p:cNvSpPr>
+          <p:nvPr>
+            <p:ph type="body" idx="1"/>
+          </p:nvPr>
+        </p:nvSpPr>
+        <p:spPr>
+          <a:xfrm>
+            <a:off x="831850" y="3143704"/>
+            <a:ext cx="10515600" cy="479198"/>
+          </a:xfrm>
+        </p:spPr>
+        <p:txBody>
+          <a:bodyPr anchor="b"/>
+          <a:lstStyle/>
+          <a:p>
+            <a:r>
+              <a:rPr lang="en-US" dirty="0"/>
+              <a:t>Lesson 2</a:t>
+            </a:r>
+          </a:p>
+        </p:txBody>
+      </p:sp>
+    </p:spTree>
+    <p:extLst>
+      <p:ext uri="{BB962C8B-B14F-4D97-AF65-F5344CB8AC3E}">
+        <p14:creationId xmlns:p14="http://schemas.microsoft.com/office/powerpoint/2010/main" val="534821386"/>
+      </p:ext>
+    </p:extLst>
+  </p:cSld>
+  <p:clrMapOvr>
+    <a:masterClrMapping/>
+  </p:clrMapOvr>
+</p:sld>
+</file>
+
+<file path=ppt/slides/slide9.xml><?xml version="1.0" encoding="utf-8"?>
+<p:sld xmlns:a="http://schemas.openxmlformats.org/drawingml/2006/main" xmlns:r="http://schemas.openxmlformats.org/officeDocument/2006/relationships" xmlns:p="http://schemas.openxmlformats.org/presentationml/2006/main">
+  <p:cSld>
+    <p:spTree>
+      <p:nvGrpSpPr>
+        <p:cNvPr id="1" name=""/>
+        <p:cNvGrpSpPr/>
+        <p:nvPr/>
+      </p:nvGrpSpPr>
+      <p:grpSpPr>
+        <a:xfrm>
+          <a:off x="0" y="0"/>
+          <a:ext cx="0" cy="0"/>
+          <a:chOff x="0" y="0"/>
+          <a:chExt cx="0" cy="0"/>
+        </a:xfrm>
+      </p:grpSpPr>
+      <p:sp>
+        <p:nvSpPr>
+          <p:cNvPr id="2" name="Title 1"/>
+          <p:cNvSpPr>
+            <a:spLocks noGrp="1"/>
+          </p:cNvSpPr>
+          <p:nvPr>
+            <p:ph type="title"/>
+          </p:nvPr>
+        </p:nvSpPr>
+        <p:spPr/>
+        <p:txBody>
+          <a:bodyPr/>
+          <a:lstStyle/>
+          <a:p>
+            <a:r>
+              <a:rPr lang="en-US" dirty="0"/>
+              <a:t>Basic Operators</a:t>
+            </a:r>
+          </a:p>
+        </p:txBody>
+      </p:sp>
+      <p:sp>
+        <p:nvSpPr>
+          <p:cNvPr id="3" name="Content Placeholder 2"/>
+          <p:cNvSpPr>
+            <a:spLocks noGrp="1"/>
+          </p:cNvSpPr>
+          <p:nvPr>
+            <p:ph idx="1"/>
+          </p:nvPr>
+        </p:nvSpPr>
+        <p:spPr/>
+        <p:txBody>
+          <a:bodyPr/>
+          <a:lstStyle/>
+          <a:p>
+            <a:r>
+              <a:rPr lang="en-US" b="1" dirty="0"/>
+              <a:t>Operators</a:t>
+            </a:r>
+            <a:r>
+              <a:rPr lang="en-US" dirty="0"/>
+              <a:t> operate on data</a:t>
+            </a:r>
+          </a:p>
+          <a:p>
+            <a:r>
+              <a:rPr lang="en-US" dirty="0"/>
+              <a:t>Three types: </a:t>
+            </a:r>
+            <a:r>
+              <a:rPr lang="en-US" b="1" dirty="0"/>
+              <a:t>math</a:t>
+            </a:r>
+            <a:r>
+              <a:rPr lang="en-US" dirty="0"/>
+              <a:t>, </a:t>
+            </a:r>
+            <a:r>
+              <a:rPr lang="en-US" b="1" dirty="0"/>
+              <a:t>logical</a:t>
+            </a:r>
+            <a:r>
+              <a:rPr lang="en-US" dirty="0"/>
+              <a:t>, </a:t>
+            </a:r>
+            <a:r>
+              <a:rPr lang="en-US" b="1" dirty="0"/>
+              <a:t>bitwise</a:t>
+            </a:r>
+          </a:p>
+          <a:p>
+            <a:r>
+              <a:rPr lang="en-US" dirty="0"/>
+              <a:t>+ (add), - (subtract), * (multiply), / (divide)</a:t>
+            </a:r>
+          </a:p>
+          <a:p>
+            <a:r>
+              <a:rPr lang="en-US" dirty="0"/>
+              <a:t>** is power (NOT ^, that does something different)</a:t>
+            </a:r>
+          </a:p>
+          <a:p>
+            <a:r>
+              <a:rPr lang="en-US" dirty="0"/>
+              <a:t>% is </a:t>
+            </a:r>
+            <a:r>
+              <a:rPr lang="en-US" b="1" dirty="0"/>
+              <a:t>modulus</a:t>
+            </a:r>
+            <a:r>
+              <a:rPr lang="en-US" dirty="0"/>
+              <a:t>, gives the remainder of division</a:t>
+            </a:r>
+          </a:p>
+          <a:p>
+            <a:r>
+              <a:rPr lang="en-US" dirty="0"/>
+              <a:t>Parentheses and order of operations work just like math class</a:t>
+            </a:r>
+          </a:p>
+          <a:p>
+            <a:r>
+              <a:rPr lang="en-US" dirty="0"/>
+              <a:t>Can use variables, result can be stored in one</a:t>
+            </a:r>
+          </a:p>
+        </p:txBody>
+      </p:sp>
+    </p:spTree>
+    <p:extLst>
+      <p:ext uri="{BB962C8B-B14F-4D97-AF65-F5344CB8AC3E}">
+        <p14:creationId xmlns:p14="http://schemas.microsoft.com/office/powerpoint/2010/main" val="2023057782"/>
       </p:ext>
     </p:extLst>
   </p:cSld>

--- a/course/1 - Basic Programming/Basic Programming.pptx
+++ b/course/1 - Basic Programming/Basic Programming.pptx
@@ -42,16 +42,33 @@
     <p:sldId id="293" r:id="rId36"/>
     <p:sldId id="296" r:id="rId37"/>
     <p:sldId id="297" r:id="rId38"/>
-    <p:sldId id="298" r:id="rId39"/>
-    <p:sldId id="299" r:id="rId40"/>
-    <p:sldId id="300" r:id="rId41"/>
-    <p:sldId id="301" r:id="rId42"/>
-    <p:sldId id="302" r:id="rId43"/>
-    <p:sldId id="305" r:id="rId44"/>
-    <p:sldId id="308" r:id="rId45"/>
-    <p:sldId id="309" r:id="rId46"/>
-    <p:sldId id="307" r:id="rId47"/>
-    <p:sldId id="312" r:id="rId48"/>
+    <p:sldId id="319" r:id="rId39"/>
+    <p:sldId id="298" r:id="rId40"/>
+    <p:sldId id="299" r:id="rId41"/>
+    <p:sldId id="300" r:id="rId42"/>
+    <p:sldId id="301" r:id="rId43"/>
+    <p:sldId id="302" r:id="rId44"/>
+    <p:sldId id="305" r:id="rId45"/>
+    <p:sldId id="308" r:id="rId46"/>
+    <p:sldId id="309" r:id="rId47"/>
+    <p:sldId id="307" r:id="rId48"/>
+    <p:sldId id="312" r:id="rId49"/>
+    <p:sldId id="313" r:id="rId50"/>
+    <p:sldId id="314" r:id="rId51"/>
+    <p:sldId id="315" r:id="rId52"/>
+    <p:sldId id="316" r:id="rId53"/>
+    <p:sldId id="317" r:id="rId54"/>
+    <p:sldId id="318" r:id="rId55"/>
+    <p:sldId id="321" r:id="rId56"/>
+    <p:sldId id="322" r:id="rId57"/>
+    <p:sldId id="323" r:id="rId58"/>
+    <p:sldId id="324" r:id="rId59"/>
+    <p:sldId id="325" r:id="rId60"/>
+    <p:sldId id="326" r:id="rId61"/>
+    <p:sldId id="327" r:id="rId62"/>
+    <p:sldId id="328" r:id="rId63"/>
+    <p:sldId id="329" r:id="rId64"/>
+    <p:sldId id="330" r:id="rId65"/>
   </p:sldIdLst>
   <p:sldSz cx="12192000" cy="6858000"/>
   <p:notesSz cx="6858000" cy="9144000"/>
@@ -3580,7 +3597,7 @@
             <a:pPr algn="ctr"/>
             <a:r>
               <a:rPr lang="en-US" sz="3600" dirty="0"/>
-              <a:t>Example 1-3 : Basic Operators</a:t>
+              <a:t>Example 2-1 : Basic Operators</a:t>
             </a:r>
           </a:p>
         </p:txBody>
@@ -3715,7 +3732,20 @@
             </a:r>
             <a:r>
               <a:rPr lang="en-US" dirty="0"/>
-              <a:t>) is true if both inputs are true</a:t>
+              <a:t>) returns </a:t>
+            </a:r>
+            <a:r>
+              <a:rPr lang="en-US" sz="2000" dirty="0">
+                <a:solidFill>
+                  <a:srgbClr val="0070C0"/>
+                </a:solidFill>
+                <a:latin typeface="Consolas" panose="020B0609020204030204" pitchFamily="49" charset="0"/>
+              </a:rPr>
+              <a:t>true</a:t>
+            </a:r>
+            <a:r>
+              <a:rPr lang="en-US" dirty="0"/>
+              <a:t> if both inputs are true</a:t>
             </a:r>
           </a:p>
           <a:p>
@@ -3730,7 +3760,20 @@
             </a:r>
             <a:r>
               <a:rPr lang="en-US" dirty="0"/>
-              <a:t>) is true if one or both inputs are true</a:t>
+              <a:t>) returns </a:t>
+            </a:r>
+            <a:r>
+              <a:rPr lang="en-US" sz="2000" dirty="0">
+                <a:solidFill>
+                  <a:srgbClr val="0070C0"/>
+                </a:solidFill>
+                <a:latin typeface="Consolas" panose="020B0609020204030204" pitchFamily="49" charset="0"/>
+              </a:rPr>
+              <a:t>true</a:t>
+            </a:r>
+            <a:r>
+              <a:rPr lang="en-US" dirty="0"/>
+              <a:t> if one or both inputs are true</a:t>
             </a:r>
           </a:p>
           <a:p>
@@ -3745,15 +3788,7 @@
             </a:r>
             <a:r>
               <a:rPr lang="en-US" dirty="0"/>
-              <a:t>) goes in front of a </a:t>
-            </a:r>
-            <a:r>
-              <a:rPr lang="en-US" dirty="0" err="1"/>
-              <a:t>boolean</a:t>
-            </a:r>
-            <a:r>
-              <a:rPr lang="en-US" dirty="0"/>
-              <a:t> and flips it</a:t>
+              <a:t>) goes in front of a Boolean and flips it</a:t>
             </a:r>
           </a:p>
         </p:txBody>
@@ -4422,7 +4457,7 @@
             <a:pPr algn="ctr"/>
             <a:r>
               <a:rPr lang="en-US" sz="3600" dirty="0"/>
-              <a:t>Example 1-4 : Advanced Operators</a:t>
+              <a:t>Example 2-2 : Advanced Operators</a:t>
             </a:r>
           </a:p>
         </p:txBody>
@@ -4491,7 +4526,9 @@
         </p:nvSpPr>
         <p:spPr/>
         <p:txBody>
-          <a:bodyPr/>
+          <a:bodyPr>
+            <a:normAutofit/>
+          </a:bodyPr>
           <a:lstStyle/>
           <a:p>
             <a:r>
@@ -4502,19 +4539,58 @@
           <a:p>
             <a:r>
               <a:rPr lang="en-US" dirty="0"/>
-              <a:t>== (equal) returns true if both values are the same</a:t>
-            </a:r>
-          </a:p>
-          <a:p>
-            <a:r>
-              <a:rPr lang="en-US" dirty="0"/>
-              <a:t>!= (not equal) returns true if the values are different</a:t>
-            </a:r>
-          </a:p>
-          <a:p>
-            <a:r>
-              <a:rPr lang="en-US" dirty="0"/>
-              <a:t>=== (identical) returns true if the values match and are the same type</a:t>
+              <a:t>== (equal) returns </a:t>
+            </a:r>
+            <a:r>
+              <a:rPr lang="en-US" sz="2400" dirty="0">
+                <a:solidFill>
+                  <a:srgbClr val="0070C0"/>
+                </a:solidFill>
+                <a:latin typeface="Consolas" panose="020B0609020204030204" pitchFamily="49" charset="0"/>
+              </a:rPr>
+              <a:t>true</a:t>
+            </a:r>
+            <a:r>
+              <a:rPr lang="en-US" dirty="0"/>
+              <a:t> if both values are the same</a:t>
+            </a:r>
+          </a:p>
+          <a:p>
+            <a:r>
+              <a:rPr lang="en-US" dirty="0"/>
+              <a:t>!= (not equal) returns </a:t>
+            </a:r>
+            <a:r>
+              <a:rPr lang="en-US" sz="2400" dirty="0">
+                <a:solidFill>
+                  <a:srgbClr val="0070C0"/>
+                </a:solidFill>
+                <a:latin typeface="Consolas" panose="020B0609020204030204" pitchFamily="49" charset="0"/>
+              </a:rPr>
+              <a:t>true</a:t>
+            </a:r>
+            <a:r>
+              <a:rPr lang="en-US" dirty="0"/>
+              <a:t> if the values are different</a:t>
+            </a:r>
+          </a:p>
+          <a:p>
+            <a:r>
+              <a:rPr lang="en-US" dirty="0"/>
+              <a:t>=== (identical) returns </a:t>
+            </a:r>
+            <a:r>
+              <a:rPr lang="en-US" sz="2400" dirty="0">
+                <a:solidFill>
+                  <a:srgbClr val="0070C0"/>
+                </a:solidFill>
+                <a:latin typeface="Consolas" panose="020B0609020204030204" pitchFamily="49" charset="0"/>
+              </a:rPr>
+              <a:t>true</a:t>
+            </a:r>
+            <a:r>
+              <a:rPr lang="en-US" dirty="0"/>
+              <a:t> if the values match and are the same type</a:t>
             </a:r>
           </a:p>
           <a:p>
@@ -5239,7 +5315,7 @@
             <a:pPr algn="ctr"/>
             <a:r>
               <a:rPr lang="en-US" sz="3600" dirty="0"/>
-              <a:t>Example 1-5 : Comparison Operators</a:t>
+              <a:t>Example 2-3 : Comparison Operators</a:t>
             </a:r>
           </a:p>
         </p:txBody>
@@ -5375,11 +5451,7 @@
           <a:p>
             <a:r>
               <a:rPr lang="en-US" dirty="0"/>
-              <a:t>What is </a:t>
-            </a:r>
-            <a:r>
-              <a:rPr lang="en-US"/>
-              <a:t>a function?</a:t>
+              <a:t>Function Basics</a:t>
             </a:r>
           </a:p>
         </p:txBody>
@@ -5988,7 +6060,7 @@
             <a:pPr algn="ctr"/>
             <a:r>
               <a:rPr lang="en-US" sz="3600" dirty="0"/>
-              <a:t>Example 2-1 : Using Functions</a:t>
+              <a:t>Example 3-1 : Function Basics</a:t>
             </a:r>
           </a:p>
         </p:txBody>
@@ -6040,7 +6112,7 @@
           <a:p>
             <a:r>
               <a:rPr lang="en-US" dirty="0"/>
-              <a:t>Declaring a function</a:t>
+              <a:t>Declaring Functions</a:t>
             </a:r>
           </a:p>
         </p:txBody>
@@ -6589,7 +6661,7 @@
             <a:pPr algn="ctr"/>
             <a:r>
               <a:rPr lang="en-US" sz="3600" dirty="0"/>
-              <a:t>Example 2-2 : Declaring Functions</a:t>
+              <a:t>Example 3-2 : Declaring Functions</a:t>
             </a:r>
           </a:p>
         </p:txBody>
@@ -6725,7 +6797,7 @@
           <a:p>
             <a:r>
               <a:rPr lang="en-US" dirty="0"/>
-              <a:t>Arguments and return values</a:t>
+              <a:t>Arguments and Return Values</a:t>
             </a:r>
           </a:p>
         </p:txBody>
@@ -7353,7 +7425,7 @@
             <a:pPr algn="ctr"/>
             <a:r>
               <a:rPr lang="en-US" sz="3600" dirty="0"/>
-              <a:t>Example 2-3 : Arguments and Return Values</a:t>
+              <a:t>Example 3-3 : Arguments and Return Values</a:t>
             </a:r>
           </a:p>
         </p:txBody>
@@ -7405,7 +7477,7 @@
           <a:p>
             <a:r>
               <a:rPr lang="en-US" dirty="0"/>
-              <a:t>Useful functions</a:t>
+              <a:t>A note on the standard library</a:t>
             </a:r>
           </a:p>
         </p:txBody>
@@ -7426,7 +7498,30 @@
           <a:lstStyle/>
           <a:p>
             <a:r>
-              <a:rPr lang="en-US" sz="2400" dirty="0">
+              <a:rPr lang="en-US" dirty="0"/>
+              <a:t>PHP includes a lot of functions</a:t>
+            </a:r>
+          </a:p>
+          <a:p>
+            <a:r>
+              <a:rPr lang="en-US" dirty="0"/>
+              <a:t>These functions are part of the </a:t>
+            </a:r>
+            <a:r>
+              <a:rPr lang="en-US" b="1" dirty="0"/>
+              <a:t>standard library</a:t>
+            </a:r>
+          </a:p>
+          <a:p>
+            <a:r>
+              <a:rPr lang="en-US" dirty="0"/>
+              <a:t>Some useful functions from the standard library:</a:t>
+            </a:r>
+          </a:p>
+          <a:p>
+            <a:pPr lvl="1"/>
+            <a:r>
+              <a:rPr lang="en-US" sz="2000" dirty="0">
                 <a:latin typeface="Consolas" panose="020B0609020204030204" pitchFamily="49" charset="0"/>
               </a:rPr>
               <a:t>unset()</a:t>
@@ -7437,14 +7532,15 @@
             </a:r>
           </a:p>
           <a:p>
-            <a:r>
-              <a:rPr lang="en-US" sz="2400" dirty="0" err="1">
+            <a:pPr lvl="1"/>
+            <a:r>
+              <a:rPr lang="en-US" sz="2000" dirty="0" err="1">
                 <a:latin typeface="Consolas" panose="020B0609020204030204" pitchFamily="49" charset="0"/>
               </a:rPr>
               <a:t>var_dump</a:t>
             </a:r>
             <a:r>
-              <a:rPr lang="en-US" sz="2400" dirty="0">
+              <a:rPr lang="en-US" sz="2000" dirty="0">
                 <a:latin typeface="Consolas" panose="020B0609020204030204" pitchFamily="49" charset="0"/>
               </a:rPr>
               <a:t>()</a:t>
@@ -7452,6 +7548,25 @@
             <a:r>
               <a:rPr lang="en-US" dirty="0"/>
               <a:t> prints the type and contents of a variable</a:t>
+            </a:r>
+          </a:p>
+          <a:p>
+            <a:pPr lvl="1"/>
+            <a:r>
+              <a:rPr lang="en-US" sz="2000" dirty="0" err="1">
+                <a:latin typeface="Consolas" panose="020B0609020204030204" pitchFamily="49" charset="0"/>
+              </a:rPr>
+              <a:t>phpinfo</a:t>
+            </a:r>
+            <a:r>
+              <a:rPr lang="en-US" sz="2000" dirty="0">
+                <a:latin typeface="Consolas" panose="020B0609020204030204" pitchFamily="49" charset="0"/>
+              </a:rPr>
+              <a:t>()</a:t>
+            </a:r>
+            <a:r>
+              <a:rPr lang="en-US" dirty="0"/>
+              <a:t> prints information about your PHP installation</a:t>
             </a:r>
           </a:p>
         </p:txBody>
@@ -7700,7 +7815,7 @@
           <a:p>
             <a:r>
               <a:rPr lang="en-US" dirty="0"/>
-              <a:t>Creating arrays</a:t>
+              <a:t>Creating Arrays</a:t>
             </a:r>
           </a:p>
         </p:txBody>
@@ -8336,7 +8451,7 @@
             <a:pPr algn="ctr"/>
             <a:r>
               <a:rPr lang="en-US" sz="3600" dirty="0"/>
-              <a:t>Example 3-1 : Basic Arrays</a:t>
+              <a:t>Example 4-1 : Creating Arrays</a:t>
             </a:r>
           </a:p>
         </p:txBody>
@@ -9058,7 +9173,7 @@
             <a:pPr algn="ctr"/>
             <a:r>
               <a:rPr lang="en-US" sz="3600" dirty="0"/>
-              <a:t>Example 3-2 : Adding and Removing Elements</a:t>
+              <a:t>Example 4-2 : Adding and Removing Elements</a:t>
             </a:r>
           </a:p>
         </p:txBody>
@@ -9223,7 +9338,7 @@
           <a:p>
             <a:r>
               <a:rPr lang="en-US" dirty="0"/>
-              <a:t>Data Types</a:t>
+              <a:t>A note on types</a:t>
             </a:r>
           </a:p>
         </p:txBody>
@@ -9252,12 +9367,8 @@
           </a:p>
           <a:p>
             <a:r>
-              <a:rPr lang="en-US" b="1" dirty="0"/>
-              <a:t>Type</a:t>
-            </a:r>
-            <a:r>
-              <a:rPr lang="en-US" dirty="0"/>
-              <a:t> is determined by the data</a:t>
+              <a:rPr lang="en-US" dirty="0"/>
+              <a:t>Type is determined by the data</a:t>
             </a:r>
           </a:p>
           <a:p>
@@ -9280,7 +9391,7 @@
             </a:r>
             <a:r>
               <a:rPr lang="en-US" dirty="0"/>
-              <a:t> – Text, enclosed with </a:t>
+              <a:t>  – Text, enclosed with </a:t>
             </a:r>
             <a:r>
               <a:rPr lang="en-US" sz="2400" dirty="0">
@@ -9307,6 +9418,22 @@
             </a:r>
             <a:r>
               <a:rPr lang="en-US" dirty="0"/>
+              <a:t> (</a:t>
+            </a:r>
+            <a:r>
+              <a:rPr lang="en-US" dirty="0" err="1"/>
+              <a:t>int</a:t>
+            </a:r>
+            <a:r>
+              <a:rPr lang="en-US" dirty="0"/>
+              <a:t>)</a:t>
+            </a:r>
+            <a:r>
+              <a:rPr lang="en-US" b="1" dirty="0"/>
+              <a:t> </a:t>
+            </a:r>
+            <a:r>
+              <a:rPr lang="en-US" dirty="0"/>
               <a:t> – Number without a decimal, can be positive or negative</a:t>
             </a:r>
           </a:p>
@@ -9318,7 +9445,15 @@
             </a:r>
             <a:r>
               <a:rPr lang="en-US" dirty="0"/>
-              <a:t> – Like integer, but with a decimal point (sort of)</a:t>
+              <a:t> – Like </a:t>
+            </a:r>
+            <a:r>
+              <a:rPr lang="en-US" dirty="0" err="1"/>
+              <a:t>int</a:t>
+            </a:r>
+            <a:r>
+              <a:rPr lang="en-US" dirty="0"/>
+              <a:t>, but with a decimal point (sort of)</a:t>
             </a:r>
           </a:p>
           <a:p>
@@ -9329,7 +9464,15 @@
             </a:r>
             <a:r>
               <a:rPr lang="en-US" dirty="0"/>
-              <a:t> – </a:t>
+              <a:t> (</a:t>
+            </a:r>
+            <a:r>
+              <a:rPr lang="en-US" dirty="0" err="1"/>
+              <a:t>bool</a:t>
+            </a:r>
+            <a:r>
+              <a:rPr lang="en-US" dirty="0"/>
+              <a:t>) – </a:t>
             </a:r>
             <a:r>
               <a:rPr lang="en-US" sz="2200" dirty="0">
@@ -9366,7 +9509,7 @@
             </a:r>
             <a:r>
               <a:rPr lang="en-US" dirty="0"/>
-              <a:t> – Doesn’t really exist, indicates lack of a value</a:t>
+              <a:t> – Indicates lack of a value, does weirdness</a:t>
             </a:r>
           </a:p>
         </p:txBody>
@@ -9873,7 +10016,7 @@
             <a:pPr algn="ctr"/>
             <a:r>
               <a:rPr lang="en-US" sz="3600" dirty="0"/>
-              <a:t>Example 3-3 : Numeric Indexes</a:t>
+              <a:t>Example 4-3 : Numeric Indexes</a:t>
             </a:r>
           </a:p>
         </p:txBody>
@@ -10071,8 +10214,18 @@
             </a:r>
             <a:r>
               <a:rPr lang="en-US" dirty="0"/>
-              <a:t> is run if the Boolean is true</a:t>
-            </a:r>
+              <a:t> is run if the Boolean is </a:t>
+            </a:r>
+            <a:r>
+              <a:rPr lang="en-US" sz="2400" dirty="0">
+                <a:solidFill>
+                  <a:srgbClr val="0070C0"/>
+                </a:solidFill>
+                <a:latin typeface="Consolas" panose="020B0609020204030204" pitchFamily="49" charset="0"/>
+              </a:rPr>
+              <a:t>true</a:t>
+            </a:r>
+            <a:endParaRPr lang="en-US" sz="2400" dirty="0"/>
           </a:p>
           <a:p>
             <a:r>
@@ -10090,8 +10243,18 @@
             </a:r>
             <a:r>
               <a:rPr lang="en-US" dirty="0"/>
-              <a:t> are optional, next one is checked if the Boolean is false</a:t>
-            </a:r>
+              <a:t> are optional, next one is checked if the Boolean is </a:t>
+            </a:r>
+            <a:r>
+              <a:rPr lang="en-US" sz="2400" dirty="0">
+                <a:solidFill>
+                  <a:srgbClr val="0070C0"/>
+                </a:solidFill>
+                <a:latin typeface="Consolas" panose="020B0609020204030204" pitchFamily="49" charset="0"/>
+              </a:rPr>
+              <a:t>false</a:t>
+            </a:r>
+            <a:endParaRPr lang="en-US" sz="2400" dirty="0"/>
           </a:p>
           <a:p>
             <a:r>
@@ -10135,8 +10298,18 @@
             </a:r>
             <a:r>
               <a:rPr lang="en-US" dirty="0"/>
-              <a:t> are false</a:t>
-            </a:r>
+              <a:t> are </a:t>
+            </a:r>
+            <a:r>
+              <a:rPr lang="en-US" sz="2400" dirty="0">
+                <a:solidFill>
+                  <a:srgbClr val="0070C0"/>
+                </a:solidFill>
+                <a:latin typeface="Consolas" panose="020B0609020204030204" pitchFamily="49" charset="0"/>
+              </a:rPr>
+              <a:t>false</a:t>
+            </a:r>
+            <a:endParaRPr lang="en-US" sz="2400" dirty="0"/>
           </a:p>
           <a:p>
             <a:r>
@@ -10799,7 +10972,7 @@
             <a:pPr algn="ctr"/>
             <a:r>
               <a:rPr lang="en-US" sz="3600" dirty="0"/>
-              <a:t>Example 4-1 : if, </a:t>
+              <a:t>Example 5-1 : if, </a:t>
             </a:r>
             <a:r>
               <a:rPr lang="en-US" sz="3600" dirty="0" err="1"/>
@@ -10859,7 +11032,7 @@
           <a:p>
             <a:r>
               <a:rPr lang="en-US" dirty="0"/>
-              <a:t>While</a:t>
+              <a:t>while</a:t>
             </a:r>
           </a:p>
         </p:txBody>
@@ -10894,17 +11067,21 @@
           </a:p>
           <a:p>
             <a:r>
+              <a:rPr lang="en-US" dirty="0"/>
+              <a:t>Works like </a:t>
+            </a:r>
+            <a:r>
               <a:rPr lang="en-US" sz="2400" dirty="0">
                 <a:solidFill>
                   <a:srgbClr val="0070C0"/>
                 </a:solidFill>
                 <a:latin typeface="Consolas" panose="020B0609020204030204" pitchFamily="49" charset="0"/>
               </a:rPr>
-              <a:t>while</a:t>
-            </a:r>
-            <a:r>
-              <a:rPr lang="en-US" dirty="0"/>
-              <a:t> works like </a:t>
+              <a:t>if</a:t>
+            </a:r>
+            <a:r>
+              <a:rPr lang="en-US" dirty="0"/>
+              <a:t>, but repeats itself if the Boolean is </a:t>
             </a:r>
             <a:r>
               <a:rPr lang="en-US" sz="2400" dirty="0">
@@ -10913,12 +11090,9 @@
                 </a:solidFill>
                 <a:latin typeface="Consolas" panose="020B0609020204030204" pitchFamily="49" charset="0"/>
               </a:rPr>
-              <a:t>if</a:t>
-            </a:r>
-            <a:r>
-              <a:rPr lang="en-US" dirty="0"/>
-              <a:t>, but keeps looping as long as the Boolean is true</a:t>
-            </a:r>
+              <a:t>true</a:t>
+            </a:r>
+            <a:endParaRPr lang="en-US" sz="2400" dirty="0"/>
           </a:p>
         </p:txBody>
       </p:sp>
@@ -11417,7 +11591,7 @@
             <a:pPr algn="ctr"/>
             <a:r>
               <a:rPr lang="en-US" sz="3600" dirty="0"/>
-              <a:t>Example 4-2 : while</a:t>
+              <a:t>Example 5-2 : while</a:t>
             </a:r>
           </a:p>
         </p:txBody>
@@ -11469,7 +11643,7 @@
           <a:p>
             <a:r>
               <a:rPr lang="en-US" dirty="0" err="1"/>
-              <a:t>Foreach</a:t>
+              <a:t>foreach</a:t>
             </a:r>
             <a:r>
               <a:rPr lang="en-US" dirty="0"/>
@@ -12067,7 +12241,7 @@
             <a:pPr algn="ctr"/>
             <a:r>
               <a:rPr lang="en-US" sz="3600" dirty="0"/>
-              <a:t>Example 4-4 : </a:t>
+              <a:t>Example 5-3 : </a:t>
             </a:r>
             <a:r>
               <a:rPr lang="en-US" sz="3600" dirty="0" err="1"/>
@@ -12120,19 +12294,14 @@
             <p:ph type="title"/>
           </p:nvPr>
         </p:nvSpPr>
-        <p:spPr>
-          <a:xfrm>
-            <a:off x="831850" y="3622902"/>
-            <a:ext cx="10515600" cy="939573"/>
-          </a:xfrm>
-        </p:spPr>
+        <p:spPr/>
         <p:txBody>
           <a:bodyPr/>
           <a:lstStyle/>
           <a:p>
             <a:r>
               <a:rPr lang="en-US" dirty="0"/>
-              <a:t>Classes and Objects</a:t>
+              <a:t>A note on blocks and scope</a:t>
             </a:r>
           </a:p>
         </p:txBody>
@@ -12144,22 +12313,60 @@
             <a:spLocks noGrp="1"/>
           </p:cNvSpPr>
           <p:nvPr>
-            <p:ph type="body" idx="1"/>
+            <p:ph idx="1"/>
           </p:nvPr>
         </p:nvSpPr>
-        <p:spPr>
-          <a:xfrm>
-            <a:off x="831850" y="3143704"/>
-            <a:ext cx="10515600" cy="479198"/>
-          </a:xfrm>
-        </p:spPr>
-        <p:txBody>
-          <a:bodyPr anchor="b"/>
+        <p:spPr/>
+        <p:txBody>
+          <a:bodyPr/>
           <a:lstStyle/>
           <a:p>
             <a:r>
-              <a:rPr lang="en-US" dirty="0"/>
-              <a:t>Lesson 6</a:t>
+              <a:rPr lang="en-US" b="1" dirty="0"/>
+              <a:t>Block</a:t>
+            </a:r>
+            <a:r>
+              <a:rPr lang="en-US" dirty="0"/>
+              <a:t> – A section of code inside braces (such as a function)</a:t>
+            </a:r>
+          </a:p>
+          <a:p>
+            <a:r>
+              <a:rPr lang="en-US" b="1" dirty="0"/>
+              <a:t>Scope</a:t>
+            </a:r>
+            <a:r>
+              <a:rPr lang="en-US" dirty="0"/>
+              <a:t> – The block where a variable was created</a:t>
+            </a:r>
+          </a:p>
+          <a:p>
+            <a:r>
+              <a:rPr lang="en-US" b="1" dirty="0"/>
+              <a:t>Global</a:t>
+            </a:r>
+            <a:r>
+              <a:rPr lang="en-US" dirty="0"/>
+              <a:t> – A variable created outside any block</a:t>
+            </a:r>
+            <a:endParaRPr lang="en-US" b="1" dirty="0"/>
+          </a:p>
+          <a:p>
+            <a:r>
+              <a:rPr lang="en-US" dirty="0"/>
+              <a:t>Variables created in a block are destroyed at the end of the block</a:t>
+            </a:r>
+          </a:p>
+          <a:p>
+            <a:r>
+              <a:rPr lang="en-US" dirty="0"/>
+              <a:t>Variables created outside a block can be accessed inside the block</a:t>
+            </a:r>
+          </a:p>
+          <a:p>
+            <a:r>
+              <a:rPr lang="en-US" dirty="0"/>
+              <a:t>Blocks can be nested, the rules remain the same</a:t>
             </a:r>
           </a:p>
         </p:txBody>
@@ -12167,7 +12374,7 @@
     </p:spTree>
     <p:extLst>
       <p:ext uri="{BB962C8B-B14F-4D97-AF65-F5344CB8AC3E}">
-        <p14:creationId xmlns:p14="http://schemas.microsoft.com/office/powerpoint/2010/main" val="247456773"/>
+        <p14:creationId xmlns:p14="http://schemas.microsoft.com/office/powerpoint/2010/main" val="205298837"/>
       </p:ext>
     </p:extLst>
   </p:cSld>
@@ -12204,79 +12411,54 @@
             <p:ph type="title"/>
           </p:nvPr>
         </p:nvSpPr>
-        <p:spPr/>
+        <p:spPr>
+          <a:xfrm>
+            <a:off x="831850" y="3622902"/>
+            <a:ext cx="10515600" cy="939573"/>
+          </a:xfrm>
+        </p:spPr>
         <p:txBody>
           <a:bodyPr/>
           <a:lstStyle/>
           <a:p>
             <a:r>
               <a:rPr lang="en-US" dirty="0"/>
-              <a:t>What is an object?</a:t>
-            </a:r>
-          </a:p>
-        </p:txBody>
-      </p:sp>
-      <p:sp>
-        <p:nvSpPr>
-          <p:cNvPr id="3" name="Text Placeholder 2"/>
+              <a:t>Classes and Objects</a:t>
+            </a:r>
+          </a:p>
+        </p:txBody>
+      </p:sp>
+      <p:sp>
+        <p:nvSpPr>
+          <p:cNvPr id="3" name="Content Placeholder 2"/>
           <p:cNvSpPr>
             <a:spLocks noGrp="1"/>
           </p:cNvSpPr>
           <p:nvPr>
-            <p:ph idx="1"/>
+            <p:ph type="body" idx="1"/>
           </p:nvPr>
         </p:nvSpPr>
-        <p:spPr/>
-        <p:txBody>
-          <a:bodyPr/>
+        <p:spPr>
+          <a:xfrm>
+            <a:off x="831850" y="3143704"/>
+            <a:ext cx="10515600" cy="479198"/>
+          </a:xfrm>
+        </p:spPr>
+        <p:txBody>
+          <a:bodyPr anchor="b"/>
           <a:lstStyle/>
           <a:p>
             <a:r>
-              <a:rPr lang="en-US" b="1" dirty="0"/>
-              <a:t>Object</a:t>
-            </a:r>
-            <a:r>
-              <a:rPr lang="en-US" dirty="0"/>
-              <a:t> – A collection of properties and methods</a:t>
-            </a:r>
-          </a:p>
-          <a:p>
-            <a:r>
-              <a:rPr lang="en-US" b="1" dirty="0"/>
-              <a:t>Property</a:t>
-            </a:r>
-            <a:r>
-              <a:rPr lang="en-US" dirty="0"/>
-              <a:t> – A variable attached to an object</a:t>
-            </a:r>
-          </a:p>
-          <a:p>
-            <a:r>
-              <a:rPr lang="en-US" b="1" dirty="0"/>
-              <a:t>Method</a:t>
-            </a:r>
-            <a:r>
-              <a:rPr lang="en-US" dirty="0"/>
-              <a:t> – A function attached to an object</a:t>
-            </a:r>
-          </a:p>
-          <a:p>
-            <a:r>
-              <a:rPr lang="en-US" b="1" dirty="0"/>
-              <a:t>Class</a:t>
-            </a:r>
-            <a:r>
-              <a:rPr lang="en-US" dirty="0"/>
-              <a:t> – A blueprint used to create new objects</a:t>
-            </a:r>
-            <a:endParaRPr lang="en-US" b="1" dirty="0"/>
+              <a:rPr lang="en-US" dirty="0"/>
+              <a:t>Lesson 6</a:t>
+            </a:r>
           </a:p>
         </p:txBody>
       </p:sp>
     </p:spTree>
     <p:extLst>
       <p:ext uri="{BB962C8B-B14F-4D97-AF65-F5344CB8AC3E}">
-        <p14:creationId xmlns:p14="http://schemas.microsoft.com/office/powerpoint/2010/main" val="3712403237"/>
+        <p14:creationId xmlns:p14="http://schemas.microsoft.com/office/powerpoint/2010/main" val="247456773"/>
       </p:ext>
     </p:extLst>
   </p:cSld>
@@ -12438,7 +12620,116 @@
           <a:p>
             <a:r>
               <a:rPr lang="en-US" dirty="0"/>
-              <a:t>Creating objects</a:t>
+              <a:t>What is an object?</a:t>
+            </a:r>
+          </a:p>
+        </p:txBody>
+      </p:sp>
+      <p:sp>
+        <p:nvSpPr>
+          <p:cNvPr id="3" name="Text Placeholder 2"/>
+          <p:cNvSpPr>
+            <a:spLocks noGrp="1"/>
+          </p:cNvSpPr>
+          <p:nvPr>
+            <p:ph idx="1"/>
+          </p:nvPr>
+        </p:nvSpPr>
+        <p:spPr/>
+        <p:txBody>
+          <a:bodyPr/>
+          <a:lstStyle/>
+          <a:p>
+            <a:r>
+              <a:rPr lang="en-US" b="1" dirty="0"/>
+              <a:t>Object</a:t>
+            </a:r>
+            <a:r>
+              <a:rPr lang="en-US" dirty="0"/>
+              <a:t> – A collection of properties and methods</a:t>
+            </a:r>
+          </a:p>
+          <a:p>
+            <a:r>
+              <a:rPr lang="en-US" b="1" dirty="0"/>
+              <a:t>Property</a:t>
+            </a:r>
+            <a:r>
+              <a:rPr lang="en-US" dirty="0"/>
+              <a:t> – A variable attached to an object</a:t>
+            </a:r>
+          </a:p>
+          <a:p>
+            <a:r>
+              <a:rPr lang="en-US" b="1" dirty="0"/>
+              <a:t>Method</a:t>
+            </a:r>
+            <a:r>
+              <a:rPr lang="en-US" dirty="0"/>
+              <a:t> – A function attached to an object</a:t>
+            </a:r>
+          </a:p>
+          <a:p>
+            <a:r>
+              <a:rPr lang="en-US" b="1" dirty="0"/>
+              <a:t>Class</a:t>
+            </a:r>
+            <a:r>
+              <a:rPr lang="en-US" dirty="0"/>
+              <a:t> – A blueprint used to create new objects</a:t>
+            </a:r>
+            <a:endParaRPr lang="en-US" b="1" dirty="0"/>
+          </a:p>
+        </p:txBody>
+      </p:sp>
+    </p:spTree>
+    <p:extLst>
+      <p:ext uri="{BB962C8B-B14F-4D97-AF65-F5344CB8AC3E}">
+        <p14:creationId xmlns:p14="http://schemas.microsoft.com/office/powerpoint/2010/main" val="3712403237"/>
+      </p:ext>
+    </p:extLst>
+  </p:cSld>
+  <p:clrMapOvr>
+    <a:masterClrMapping/>
+  </p:clrMapOvr>
+</p:sld>
+</file>
+
+<file path=ppt/slides/slide41.xml><?xml version="1.0" encoding="utf-8"?>
+<p:sld xmlns:a="http://schemas.openxmlformats.org/drawingml/2006/main" xmlns:r="http://schemas.openxmlformats.org/officeDocument/2006/relationships" xmlns:p="http://schemas.openxmlformats.org/presentationml/2006/main">
+  <p:cSld>
+    <p:spTree>
+      <p:nvGrpSpPr>
+        <p:cNvPr id="1" name=""/>
+        <p:cNvGrpSpPr/>
+        <p:nvPr/>
+      </p:nvGrpSpPr>
+      <p:grpSpPr>
+        <a:xfrm>
+          <a:off x="0" y="0"/>
+          <a:ext cx="0" cy="0"/>
+          <a:chOff x="0" y="0"/>
+          <a:chExt cx="0" cy="0"/>
+        </a:xfrm>
+      </p:grpSpPr>
+      <p:sp>
+        <p:nvSpPr>
+          <p:cNvPr id="2" name="Title 1"/>
+          <p:cNvSpPr>
+            <a:spLocks noGrp="1"/>
+          </p:cNvSpPr>
+          <p:nvPr>
+            <p:ph type="title"/>
+          </p:nvPr>
+        </p:nvSpPr>
+        <p:spPr/>
+        <p:txBody>
+          <a:bodyPr/>
+          <a:lstStyle/>
+          <a:p>
+            <a:r>
+              <a:rPr lang="en-US" dirty="0"/>
+              <a:t>Creating Objects</a:t>
             </a:r>
           </a:p>
         </p:txBody>
@@ -12507,14 +12798,10 @@
           <a:p>
             <a:r>
               <a:rPr lang="en-US" dirty="0"/>
-              <a:t>This pointer to the object is called </a:t>
-            </a:r>
-            <a:r>
-              <a:rPr lang="en-US"/>
-              <a:t>a </a:t>
-            </a:r>
-            <a:r>
-              <a:rPr lang="en-US" b="1"/>
+              <a:t>This pointer to the object is called a </a:t>
+            </a:r>
+            <a:r>
+              <a:rPr lang="en-US" b="1" dirty="0"/>
               <a:t>reference</a:t>
             </a:r>
             <a:endParaRPr lang="en-US" dirty="0"/>
@@ -12534,7 +12821,7 @@
 </p:sld>
 </file>
 
-<file path=ppt/slides/slide41.xml><?xml version="1.0" encoding="utf-8"?>
+<file path=ppt/slides/slide42.xml><?xml version="1.0" encoding="utf-8"?>
 <p:sld xmlns:a="http://schemas.openxmlformats.org/drawingml/2006/main" xmlns:r="http://schemas.openxmlformats.org/officeDocument/2006/relationships" xmlns:p="http://schemas.openxmlformats.org/presentationml/2006/main">
   <p:cSld>
     <p:spTree>
@@ -13049,7 +13336,7 @@
             <a:pPr algn="ctr"/>
             <a:r>
               <a:rPr lang="en-US" sz="3600" dirty="0"/>
-              <a:t>Example 5-1 : Creating objects</a:t>
+              <a:t>Example 6-1 : Creating objects</a:t>
             </a:r>
           </a:p>
         </p:txBody>
@@ -13067,7 +13354,7 @@
 </p:sld>
 </file>
 
-<file path=ppt/slides/slide42.xml><?xml version="1.0" encoding="utf-8"?>
+<file path=ppt/slides/slide43.xml><?xml version="1.0" encoding="utf-8"?>
 <p:sld xmlns:a="http://schemas.openxmlformats.org/drawingml/2006/main" xmlns:r="http://schemas.openxmlformats.org/officeDocument/2006/relationships" xmlns:p="http://schemas.openxmlformats.org/presentationml/2006/main">
   <p:cSld>
     <p:spTree>
@@ -13101,7 +13388,7 @@
           <a:p>
             <a:r>
               <a:rPr lang="en-US" dirty="0"/>
-              <a:t>Copying and deleting objects</a:t>
+              <a:t>Copying and Deleting Objects</a:t>
             </a:r>
           </a:p>
         </p:txBody>
@@ -13178,7 +13465,7 @@
 </p:sld>
 </file>
 
-<file path=ppt/slides/slide43.xml><?xml version="1.0" encoding="utf-8"?>
+<file path=ppt/slides/slide44.xml><?xml version="1.0" encoding="utf-8"?>
 <p:sld xmlns:a="http://schemas.openxmlformats.org/drawingml/2006/main" xmlns:r="http://schemas.openxmlformats.org/officeDocument/2006/relationships" xmlns:p="http://schemas.openxmlformats.org/presentationml/2006/main">
   <p:cSld>
     <p:spTree>
@@ -13702,7 +13989,7 @@
             <a:pPr algn="ctr"/>
             <a:r>
               <a:rPr lang="en-US" sz="3600" dirty="0"/>
-              <a:t>Example 5-2 : Copying and deleting objects</a:t>
+              <a:t>Example 6-2 : Copying and Deleting Objects</a:t>
             </a:r>
           </a:p>
         </p:txBody>
@@ -13720,7 +14007,7 @@
 </p:sld>
 </file>
 
-<file path=ppt/slides/slide44.xml><?xml version="1.0" encoding="utf-8"?>
+<file path=ppt/slides/slide45.xml><?xml version="1.0" encoding="utf-8"?>
 <p:sld xmlns:a="http://schemas.openxmlformats.org/drawingml/2006/main" xmlns:r="http://schemas.openxmlformats.org/officeDocument/2006/relationships" xmlns:p="http://schemas.openxmlformats.org/presentationml/2006/main">
   <p:cSld>
     <p:spTree>
@@ -13754,7 +14041,7 @@
           <a:p>
             <a:r>
               <a:rPr lang="en-US" dirty="0"/>
-              <a:t>Creating a class</a:t>
+              <a:t>Creating Classes</a:t>
             </a:r>
           </a:p>
         </p:txBody>
@@ -13819,7 +14106,7 @@
 </p:sld>
 </file>
 
-<file path=ppt/slides/slide45.xml><?xml version="1.0" encoding="utf-8"?>
+<file path=ppt/slides/slide46.xml><?xml version="1.0" encoding="utf-8"?>
 <p:sld xmlns:a="http://schemas.openxmlformats.org/drawingml/2006/main" xmlns:r="http://schemas.openxmlformats.org/officeDocument/2006/relationships" xmlns:p="http://schemas.openxmlformats.org/presentationml/2006/main">
   <p:cSld>
     <p:spTree>
@@ -14267,7 +14554,7 @@
             <a:pPr algn="ctr"/>
             <a:r>
               <a:rPr lang="en-US" sz="3600" dirty="0"/>
-              <a:t>Example 5-3 : Creating a class</a:t>
+              <a:t>Example 6-3 : Creating Classes</a:t>
             </a:r>
           </a:p>
         </p:txBody>
@@ -14276,90 +14563,6 @@
     <p:extLst>
       <p:ext uri="{BB962C8B-B14F-4D97-AF65-F5344CB8AC3E}">
         <p14:creationId xmlns:p14="http://schemas.microsoft.com/office/powerpoint/2010/main" val="3612000548"/>
-      </p:ext>
-    </p:extLst>
-  </p:cSld>
-  <p:clrMapOvr>
-    <a:masterClrMapping/>
-  </p:clrMapOvr>
-</p:sld>
-</file>
-
-<file path=ppt/slides/slide46.xml><?xml version="1.0" encoding="utf-8"?>
-<p:sld xmlns:a="http://schemas.openxmlformats.org/drawingml/2006/main" xmlns:r="http://schemas.openxmlformats.org/officeDocument/2006/relationships" xmlns:p="http://schemas.openxmlformats.org/presentationml/2006/main">
-  <p:cSld>
-    <p:spTree>
-      <p:nvGrpSpPr>
-        <p:cNvPr id="1" name=""/>
-        <p:cNvGrpSpPr/>
-        <p:nvPr/>
-      </p:nvGrpSpPr>
-      <p:grpSpPr>
-        <a:xfrm>
-          <a:off x="0" y="0"/>
-          <a:ext cx="0" cy="0"/>
-          <a:chOff x="0" y="0"/>
-          <a:chExt cx="0" cy="0"/>
-        </a:xfrm>
-      </p:grpSpPr>
-      <p:sp>
-        <p:nvSpPr>
-          <p:cNvPr id="2" name="Title 1"/>
-          <p:cNvSpPr>
-            <a:spLocks noGrp="1"/>
-          </p:cNvSpPr>
-          <p:nvPr>
-            <p:ph type="title"/>
-          </p:nvPr>
-        </p:nvSpPr>
-        <p:spPr>
-          <a:xfrm>
-            <a:off x="831850" y="3622902"/>
-            <a:ext cx="10515600" cy="939573"/>
-          </a:xfrm>
-        </p:spPr>
-        <p:txBody>
-          <a:bodyPr/>
-          <a:lstStyle/>
-          <a:p>
-            <a:r>
-              <a:rPr lang="en-US" dirty="0"/>
-              <a:t>Properties and Methods</a:t>
-            </a:r>
-          </a:p>
-        </p:txBody>
-      </p:sp>
-      <p:sp>
-        <p:nvSpPr>
-          <p:cNvPr id="3" name="Content Placeholder 2"/>
-          <p:cNvSpPr>
-            <a:spLocks noGrp="1"/>
-          </p:cNvSpPr>
-          <p:nvPr>
-            <p:ph type="body" idx="1"/>
-          </p:nvPr>
-        </p:nvSpPr>
-        <p:spPr>
-          <a:xfrm>
-            <a:off x="831850" y="3143704"/>
-            <a:ext cx="10515600" cy="479198"/>
-          </a:xfrm>
-        </p:spPr>
-        <p:txBody>
-          <a:bodyPr anchor="b"/>
-          <a:lstStyle/>
-          <a:p>
-            <a:r>
-              <a:rPr lang="en-US" dirty="0"/>
-              <a:t>Lesson 7</a:t>
-            </a:r>
-          </a:p>
-        </p:txBody>
-      </p:sp>
-    </p:spTree>
-    <p:extLst>
-      <p:ext uri="{BB962C8B-B14F-4D97-AF65-F5344CB8AC3E}">
-        <p14:creationId xmlns:p14="http://schemas.microsoft.com/office/powerpoint/2010/main" val="4136764314"/>
       </p:ext>
     </p:extLst>
   </p:cSld>
@@ -14408,7 +14611,7 @@
           <a:p>
             <a:r>
               <a:rPr lang="en-US" dirty="0"/>
-              <a:t>Scope and Visibility</a:t>
+              <a:t>Properties and Methods</a:t>
             </a:r>
           </a:p>
         </p:txBody>
@@ -14435,7 +14638,7 @@
           <a:p>
             <a:r>
               <a:rPr lang="en-US" dirty="0"/>
-              <a:t>Lesson 8</a:t>
+              <a:t>Lesson 7</a:t>
             </a:r>
           </a:p>
         </p:txBody>
@@ -14443,7 +14646,324 @@
     </p:spTree>
     <p:extLst>
       <p:ext uri="{BB962C8B-B14F-4D97-AF65-F5344CB8AC3E}">
-        <p14:creationId xmlns:p14="http://schemas.microsoft.com/office/powerpoint/2010/main" val="659856305"/>
+        <p14:creationId xmlns:p14="http://schemas.microsoft.com/office/powerpoint/2010/main" val="4136764314"/>
+      </p:ext>
+    </p:extLst>
+  </p:cSld>
+  <p:clrMapOvr>
+    <a:masterClrMapping/>
+  </p:clrMapOvr>
+</p:sld>
+</file>
+
+<file path=ppt/slides/slide48.xml><?xml version="1.0" encoding="utf-8"?>
+<p:sld xmlns:a="http://schemas.openxmlformats.org/drawingml/2006/main" xmlns:r="http://schemas.openxmlformats.org/officeDocument/2006/relationships" xmlns:p="http://schemas.openxmlformats.org/presentationml/2006/main">
+  <p:cSld>
+    <p:spTree>
+      <p:nvGrpSpPr>
+        <p:cNvPr id="1" name=""/>
+        <p:cNvGrpSpPr/>
+        <p:nvPr/>
+      </p:nvGrpSpPr>
+      <p:grpSpPr>
+        <a:xfrm>
+          <a:off x="0" y="0"/>
+          <a:ext cx="0" cy="0"/>
+          <a:chOff x="0" y="0"/>
+          <a:chExt cx="0" cy="0"/>
+        </a:xfrm>
+      </p:grpSpPr>
+      <p:sp>
+        <p:nvSpPr>
+          <p:cNvPr id="2" name="Title 1"/>
+          <p:cNvSpPr>
+            <a:spLocks noGrp="1"/>
+          </p:cNvSpPr>
+          <p:nvPr>
+            <p:ph type="title"/>
+          </p:nvPr>
+        </p:nvSpPr>
+        <p:spPr/>
+        <p:txBody>
+          <a:bodyPr/>
+          <a:lstStyle/>
+          <a:p>
+            <a:r>
+              <a:rPr lang="en-US" dirty="0"/>
+              <a:t>A note on visibility</a:t>
+            </a:r>
+          </a:p>
+        </p:txBody>
+      </p:sp>
+      <p:sp>
+        <p:nvSpPr>
+          <p:cNvPr id="3" name="Text Placeholder 2"/>
+          <p:cNvSpPr>
+            <a:spLocks noGrp="1"/>
+          </p:cNvSpPr>
+          <p:nvPr>
+            <p:ph idx="1"/>
+          </p:nvPr>
+        </p:nvSpPr>
+        <p:spPr/>
+        <p:txBody>
+          <a:bodyPr/>
+          <a:lstStyle/>
+          <a:p>
+            <a:r>
+              <a:rPr lang="en-US" dirty="0"/>
+              <a:t>Every property and method has a visibility</a:t>
+            </a:r>
+          </a:p>
+          <a:p>
+            <a:r>
+              <a:rPr lang="en-US" dirty="0"/>
+              <a:t>Visibility determines where the property/method can be used</a:t>
+            </a:r>
+          </a:p>
+          <a:p>
+            <a:r>
+              <a:rPr lang="en-US" dirty="0"/>
+              <a:t>Visibility can be </a:t>
+            </a:r>
+            <a:r>
+              <a:rPr lang="en-US" sz="2400" dirty="0">
+                <a:solidFill>
+                  <a:srgbClr val="0070C0"/>
+                </a:solidFill>
+                <a:latin typeface="Consolas" panose="020B0609020204030204" pitchFamily="49" charset="0"/>
+              </a:rPr>
+              <a:t>public</a:t>
+            </a:r>
+            <a:r>
+              <a:rPr lang="en-US" dirty="0"/>
+              <a:t>, </a:t>
+            </a:r>
+            <a:r>
+              <a:rPr lang="en-US" sz="2400" dirty="0">
+                <a:solidFill>
+                  <a:srgbClr val="0070C0"/>
+                </a:solidFill>
+                <a:latin typeface="Consolas" panose="020B0609020204030204" pitchFamily="49" charset="0"/>
+              </a:rPr>
+              <a:t>private</a:t>
+            </a:r>
+            <a:r>
+              <a:rPr lang="en-US" dirty="0"/>
+              <a:t>, or </a:t>
+            </a:r>
+            <a:r>
+              <a:rPr lang="en-US" sz="2400" dirty="0">
+                <a:solidFill>
+                  <a:srgbClr val="0070C0"/>
+                </a:solidFill>
+                <a:latin typeface="Consolas" panose="020B0609020204030204" pitchFamily="49" charset="0"/>
+              </a:rPr>
+              <a:t>protected</a:t>
+            </a:r>
+            <a:endParaRPr lang="en-US" sz="2000" dirty="0">
+              <a:solidFill>
+                <a:srgbClr val="0070C0"/>
+              </a:solidFill>
+              <a:latin typeface="Consolas" panose="020B0609020204030204" pitchFamily="49" charset="0"/>
+            </a:endParaRPr>
+          </a:p>
+          <a:p>
+            <a:pPr lvl="1"/>
+            <a:r>
+              <a:rPr lang="en-US" sz="2000" dirty="0">
+                <a:solidFill>
+                  <a:srgbClr val="0070C0"/>
+                </a:solidFill>
+                <a:latin typeface="Consolas" panose="020B0609020204030204" pitchFamily="49" charset="0"/>
+              </a:rPr>
+              <a:t>public</a:t>
+            </a:r>
+            <a:r>
+              <a:rPr lang="en-US" dirty="0"/>
+              <a:t> – accessible from anywhere</a:t>
+            </a:r>
+          </a:p>
+          <a:p>
+            <a:pPr lvl="1"/>
+            <a:r>
+              <a:rPr lang="en-US" sz="2000" dirty="0">
+                <a:solidFill>
+                  <a:srgbClr val="0070C0"/>
+                </a:solidFill>
+                <a:latin typeface="Consolas" panose="020B0609020204030204" pitchFamily="49" charset="0"/>
+              </a:rPr>
+              <a:t>private</a:t>
+            </a:r>
+            <a:r>
+              <a:rPr lang="en-US" dirty="0"/>
+              <a:t> – only accessible from the object’s methods</a:t>
+            </a:r>
+          </a:p>
+          <a:p>
+            <a:pPr lvl="1"/>
+            <a:r>
+              <a:rPr lang="en-US" sz="2000" dirty="0">
+                <a:solidFill>
+                  <a:srgbClr val="0070C0"/>
+                </a:solidFill>
+                <a:latin typeface="Consolas" panose="020B0609020204030204" pitchFamily="49" charset="0"/>
+              </a:rPr>
+              <a:t>protected</a:t>
+            </a:r>
+            <a:r>
+              <a:rPr lang="en-US" dirty="0"/>
+              <a:t> – similar to private, preferred because reasons</a:t>
+            </a:r>
+          </a:p>
+        </p:txBody>
+      </p:sp>
+    </p:spTree>
+    <p:extLst>
+      <p:ext uri="{BB962C8B-B14F-4D97-AF65-F5344CB8AC3E}">
+        <p14:creationId xmlns:p14="http://schemas.microsoft.com/office/powerpoint/2010/main" val="1236263685"/>
+      </p:ext>
+    </p:extLst>
+  </p:cSld>
+  <p:clrMapOvr>
+    <a:masterClrMapping/>
+  </p:clrMapOvr>
+</p:sld>
+</file>
+
+<file path=ppt/slides/slide49.xml><?xml version="1.0" encoding="utf-8"?>
+<p:sld xmlns:a="http://schemas.openxmlformats.org/drawingml/2006/main" xmlns:r="http://schemas.openxmlformats.org/officeDocument/2006/relationships" xmlns:p="http://schemas.openxmlformats.org/presentationml/2006/main">
+  <p:cSld>
+    <p:spTree>
+      <p:nvGrpSpPr>
+        <p:cNvPr id="1" name=""/>
+        <p:cNvGrpSpPr/>
+        <p:nvPr/>
+      </p:nvGrpSpPr>
+      <p:grpSpPr>
+        <a:xfrm>
+          <a:off x="0" y="0"/>
+          <a:ext cx="0" cy="0"/>
+          <a:chOff x="0" y="0"/>
+          <a:chExt cx="0" cy="0"/>
+        </a:xfrm>
+      </p:grpSpPr>
+      <p:sp>
+        <p:nvSpPr>
+          <p:cNvPr id="2" name="Title 1"/>
+          <p:cNvSpPr>
+            <a:spLocks noGrp="1"/>
+          </p:cNvSpPr>
+          <p:nvPr>
+            <p:ph type="title"/>
+          </p:nvPr>
+        </p:nvSpPr>
+        <p:spPr/>
+        <p:txBody>
+          <a:bodyPr/>
+          <a:lstStyle/>
+          <a:p>
+            <a:r>
+              <a:rPr lang="en-US" dirty="0"/>
+              <a:t>Properties</a:t>
+            </a:r>
+          </a:p>
+        </p:txBody>
+      </p:sp>
+      <p:sp>
+        <p:nvSpPr>
+          <p:cNvPr id="3" name="Content Placeholder 2"/>
+          <p:cNvSpPr>
+            <a:spLocks noGrp="1"/>
+          </p:cNvSpPr>
+          <p:nvPr>
+            <p:ph idx="1"/>
+          </p:nvPr>
+        </p:nvSpPr>
+        <p:spPr/>
+        <p:txBody>
+          <a:bodyPr/>
+          <a:lstStyle/>
+          <a:p>
+            <a:r>
+              <a:rPr lang="en-US" dirty="0"/>
+              <a:t>Defined using a visibility, a name, and optionally a default value</a:t>
+            </a:r>
+          </a:p>
+          <a:p>
+            <a:pPr lvl="1"/>
+            <a:r>
+              <a:rPr lang="en-US" dirty="0"/>
+              <a:t>If no value is given, the default is </a:t>
+            </a:r>
+            <a:r>
+              <a:rPr lang="en-US" sz="2000" dirty="0">
+                <a:solidFill>
+                  <a:srgbClr val="0070C0"/>
+                </a:solidFill>
+                <a:latin typeface="Consolas" panose="020B0609020204030204" pitchFamily="49" charset="0"/>
+              </a:rPr>
+              <a:t>null</a:t>
+            </a:r>
+          </a:p>
+          <a:p>
+            <a:r>
+              <a:rPr lang="en-US" dirty="0"/>
+              <a:t>Naming rules are the same as variables</a:t>
+            </a:r>
+          </a:p>
+          <a:p>
+            <a:r>
+              <a:rPr lang="en-US" dirty="0"/>
+              <a:t>Accessed using the </a:t>
+            </a:r>
+            <a:r>
+              <a:rPr lang="en-US" sz="2400" dirty="0">
+                <a:latin typeface="Consolas" panose="020B0609020204030204" pitchFamily="49" charset="0"/>
+              </a:rPr>
+              <a:t>-&gt;</a:t>
+            </a:r>
+            <a:r>
+              <a:rPr lang="en-US" dirty="0"/>
+              <a:t> operator, used just like variables</a:t>
+            </a:r>
+          </a:p>
+          <a:p>
+            <a:r>
+              <a:rPr lang="en-US" sz="2400" dirty="0">
+                <a:latin typeface="Consolas" panose="020B0609020204030204" pitchFamily="49" charset="0"/>
+              </a:rPr>
+              <a:t>$</a:t>
+            </a:r>
+            <a:r>
+              <a:rPr lang="en-US" dirty="0"/>
+              <a:t> is used for defining, not used for accessing</a:t>
+            </a:r>
+          </a:p>
+          <a:p>
+            <a:r>
+              <a:rPr lang="en-US" sz="2400" dirty="0" err="1">
+                <a:latin typeface="Consolas" panose="020B0609020204030204" pitchFamily="49" charset="0"/>
+              </a:rPr>
+              <a:t>foreach</a:t>
+            </a:r>
+            <a:r>
+              <a:rPr lang="en-US" sz="2400" dirty="0">
+                <a:latin typeface="Consolas" panose="020B0609020204030204" pitchFamily="49" charset="0"/>
+              </a:rPr>
+              <a:t>()</a:t>
+            </a:r>
+            <a:r>
+              <a:rPr lang="en-US" dirty="0"/>
+              <a:t> can be used to go through an object’s properties</a:t>
+            </a:r>
+          </a:p>
+        </p:txBody>
+      </p:sp>
+    </p:spTree>
+    <p:extLst>
+      <p:ext uri="{BB962C8B-B14F-4D97-AF65-F5344CB8AC3E}">
+        <p14:creationId xmlns:p14="http://schemas.microsoft.com/office/powerpoint/2010/main" val="2226415466"/>
       </p:ext>
     </p:extLst>
   </p:cSld>
@@ -14974,6 +15494,2785 @@
 </p:sld>
 </file>
 
+<file path=ppt/slides/slide50.xml><?xml version="1.0" encoding="utf-8"?>
+<p:sld xmlns:a="http://schemas.openxmlformats.org/drawingml/2006/main" xmlns:r="http://schemas.openxmlformats.org/officeDocument/2006/relationships" xmlns:p="http://schemas.openxmlformats.org/presentationml/2006/main">
+  <p:cSld>
+    <p:spTree>
+      <p:nvGrpSpPr>
+        <p:cNvPr id="1" name=""/>
+        <p:cNvGrpSpPr/>
+        <p:nvPr/>
+      </p:nvGrpSpPr>
+      <p:grpSpPr>
+        <a:xfrm>
+          <a:off x="0" y="0"/>
+          <a:ext cx="0" cy="0"/>
+          <a:chOff x="0" y="0"/>
+          <a:chExt cx="0" cy="0"/>
+        </a:xfrm>
+      </p:grpSpPr>
+      <p:sp>
+        <p:nvSpPr>
+          <p:cNvPr id="5" name="TextBox 4"/>
+          <p:cNvSpPr txBox="1"/>
+          <p:nvPr/>
+        </p:nvSpPr>
+        <p:spPr>
+          <a:xfrm>
+            <a:off x="0" y="583973"/>
+            <a:ext cx="935489" cy="6370975"/>
+          </a:xfrm>
+          <a:prstGeom prst="rect">
+            <a:avLst/>
+          </a:prstGeom>
+          <a:solidFill>
+            <a:schemeClr val="bg1">
+              <a:lumMod val="85000"/>
+            </a:schemeClr>
+          </a:solidFill>
+        </p:spPr>
+        <p:txBody>
+          <a:bodyPr wrap="square" rtlCol="0" anchor="ctr">
+            <a:spAutoFit/>
+          </a:bodyPr>
+          <a:lstStyle/>
+          <a:p>
+            <a:pPr algn="r"/>
+            <a:r>
+              <a:rPr lang="en-US" sz="2400" dirty="0">
+                <a:solidFill>
+                  <a:schemeClr val="accent3">
+                    <a:lumMod val="50000"/>
+                  </a:schemeClr>
+                </a:solidFill>
+                <a:latin typeface="Consolas" panose="020B0609020204030204" pitchFamily="49" charset="0"/>
+              </a:rPr>
+              <a:t>1</a:t>
+            </a:r>
+          </a:p>
+          <a:p>
+            <a:pPr algn="r"/>
+            <a:r>
+              <a:rPr lang="en-US" sz="2400" dirty="0">
+                <a:solidFill>
+                  <a:schemeClr val="accent3">
+                    <a:lumMod val="50000"/>
+                  </a:schemeClr>
+                </a:solidFill>
+                <a:latin typeface="Consolas" panose="020B0609020204030204" pitchFamily="49" charset="0"/>
+              </a:rPr>
+              <a:t>2</a:t>
+            </a:r>
+          </a:p>
+          <a:p>
+            <a:pPr algn="r"/>
+            <a:r>
+              <a:rPr lang="en-US" sz="2400" dirty="0">
+                <a:solidFill>
+                  <a:schemeClr val="accent3">
+                    <a:lumMod val="50000"/>
+                  </a:schemeClr>
+                </a:solidFill>
+                <a:latin typeface="Consolas" panose="020B0609020204030204" pitchFamily="49" charset="0"/>
+              </a:rPr>
+              <a:t>3</a:t>
+            </a:r>
+          </a:p>
+          <a:p>
+            <a:pPr algn="r"/>
+            <a:r>
+              <a:rPr lang="en-US" sz="2400" dirty="0">
+                <a:solidFill>
+                  <a:schemeClr val="accent3">
+                    <a:lumMod val="50000"/>
+                  </a:schemeClr>
+                </a:solidFill>
+                <a:latin typeface="Consolas" panose="020B0609020204030204" pitchFamily="49" charset="0"/>
+              </a:rPr>
+              <a:t>4</a:t>
+            </a:r>
+          </a:p>
+          <a:p>
+            <a:pPr algn="r"/>
+            <a:r>
+              <a:rPr lang="en-US" sz="2400" dirty="0">
+                <a:solidFill>
+                  <a:schemeClr val="accent3">
+                    <a:lumMod val="50000"/>
+                  </a:schemeClr>
+                </a:solidFill>
+                <a:latin typeface="Consolas" panose="020B0609020204030204" pitchFamily="49" charset="0"/>
+              </a:rPr>
+              <a:t>5</a:t>
+            </a:r>
+          </a:p>
+          <a:p>
+            <a:pPr algn="r"/>
+            <a:r>
+              <a:rPr lang="en-US" sz="2400" dirty="0">
+                <a:solidFill>
+                  <a:schemeClr val="accent3">
+                    <a:lumMod val="50000"/>
+                  </a:schemeClr>
+                </a:solidFill>
+                <a:latin typeface="Consolas" panose="020B0609020204030204" pitchFamily="49" charset="0"/>
+              </a:rPr>
+              <a:t>6</a:t>
+            </a:r>
+          </a:p>
+          <a:p>
+            <a:pPr algn="r"/>
+            <a:r>
+              <a:rPr lang="en-US" sz="2400" dirty="0">
+                <a:solidFill>
+                  <a:schemeClr val="accent3">
+                    <a:lumMod val="50000"/>
+                  </a:schemeClr>
+                </a:solidFill>
+                <a:latin typeface="Consolas" panose="020B0609020204030204" pitchFamily="49" charset="0"/>
+              </a:rPr>
+              <a:t>7</a:t>
+            </a:r>
+          </a:p>
+          <a:p>
+            <a:pPr algn="r"/>
+            <a:r>
+              <a:rPr lang="en-US" sz="2400" dirty="0">
+                <a:solidFill>
+                  <a:schemeClr val="accent3">
+                    <a:lumMod val="50000"/>
+                  </a:schemeClr>
+                </a:solidFill>
+                <a:latin typeface="Consolas" panose="020B0609020204030204" pitchFamily="49" charset="0"/>
+              </a:rPr>
+              <a:t>8</a:t>
+            </a:r>
+          </a:p>
+          <a:p>
+            <a:pPr algn="r"/>
+            <a:r>
+              <a:rPr lang="en-US" sz="2400" dirty="0">
+                <a:solidFill>
+                  <a:schemeClr val="accent3">
+                    <a:lumMod val="50000"/>
+                  </a:schemeClr>
+                </a:solidFill>
+                <a:latin typeface="Consolas" panose="020B0609020204030204" pitchFamily="49" charset="0"/>
+              </a:rPr>
+              <a:t>9</a:t>
+            </a:r>
+          </a:p>
+          <a:p>
+            <a:pPr algn="r"/>
+            <a:r>
+              <a:rPr lang="en-US" sz="2400" dirty="0">
+                <a:solidFill>
+                  <a:schemeClr val="accent3">
+                    <a:lumMod val="50000"/>
+                  </a:schemeClr>
+                </a:solidFill>
+                <a:latin typeface="Consolas" panose="020B0609020204030204" pitchFamily="49" charset="0"/>
+              </a:rPr>
+              <a:t>10</a:t>
+            </a:r>
+          </a:p>
+          <a:p>
+            <a:pPr algn="r"/>
+            <a:r>
+              <a:rPr lang="en-US" sz="2400" dirty="0">
+                <a:solidFill>
+                  <a:schemeClr val="accent3">
+                    <a:lumMod val="50000"/>
+                  </a:schemeClr>
+                </a:solidFill>
+                <a:latin typeface="Consolas" panose="020B0609020204030204" pitchFamily="49" charset="0"/>
+              </a:rPr>
+              <a:t>11</a:t>
+            </a:r>
+          </a:p>
+          <a:p>
+            <a:pPr algn="r"/>
+            <a:r>
+              <a:rPr lang="en-US" sz="2400" dirty="0">
+                <a:solidFill>
+                  <a:schemeClr val="accent3">
+                    <a:lumMod val="50000"/>
+                  </a:schemeClr>
+                </a:solidFill>
+                <a:latin typeface="Consolas" panose="020B0609020204030204" pitchFamily="49" charset="0"/>
+              </a:rPr>
+              <a:t>12</a:t>
+            </a:r>
+          </a:p>
+          <a:p>
+            <a:pPr algn="r"/>
+            <a:r>
+              <a:rPr lang="en-US" sz="2400" dirty="0">
+                <a:solidFill>
+                  <a:schemeClr val="accent3">
+                    <a:lumMod val="50000"/>
+                  </a:schemeClr>
+                </a:solidFill>
+                <a:latin typeface="Consolas" panose="020B0609020204030204" pitchFamily="49" charset="0"/>
+              </a:rPr>
+              <a:t>13</a:t>
+            </a:r>
+          </a:p>
+          <a:p>
+            <a:pPr algn="r"/>
+            <a:r>
+              <a:rPr lang="en-US" sz="2400" dirty="0">
+                <a:solidFill>
+                  <a:schemeClr val="accent3">
+                    <a:lumMod val="50000"/>
+                  </a:schemeClr>
+                </a:solidFill>
+                <a:latin typeface="Consolas" panose="020B0609020204030204" pitchFamily="49" charset="0"/>
+              </a:rPr>
+              <a:t>14</a:t>
+            </a:r>
+          </a:p>
+          <a:p>
+            <a:pPr algn="r"/>
+            <a:r>
+              <a:rPr lang="en-US" sz="2400" dirty="0">
+                <a:solidFill>
+                  <a:schemeClr val="accent3">
+                    <a:lumMod val="50000"/>
+                  </a:schemeClr>
+                </a:solidFill>
+                <a:latin typeface="Consolas" panose="020B0609020204030204" pitchFamily="49" charset="0"/>
+              </a:rPr>
+              <a:t>15</a:t>
+            </a:r>
+          </a:p>
+          <a:p>
+            <a:pPr algn="r"/>
+            <a:r>
+              <a:rPr lang="en-US" sz="2400" dirty="0">
+                <a:solidFill>
+                  <a:schemeClr val="accent3">
+                    <a:lumMod val="50000"/>
+                  </a:schemeClr>
+                </a:solidFill>
+                <a:latin typeface="Consolas" panose="020B0609020204030204" pitchFamily="49" charset="0"/>
+              </a:rPr>
+              <a:t>16</a:t>
+            </a:r>
+          </a:p>
+          <a:p>
+            <a:pPr algn="r"/>
+            <a:endParaRPr lang="en-US" sz="2400" dirty="0">
+              <a:latin typeface="Consolas" panose="020B0609020204030204" pitchFamily="49" charset="0"/>
+            </a:endParaRPr>
+          </a:p>
+        </p:txBody>
+      </p:sp>
+      <p:sp>
+        <p:nvSpPr>
+          <p:cNvPr id="6" name="TextBox 5"/>
+          <p:cNvSpPr txBox="1"/>
+          <p:nvPr/>
+        </p:nvSpPr>
+        <p:spPr>
+          <a:xfrm>
+            <a:off x="935490" y="583973"/>
+            <a:ext cx="11256511" cy="4524315"/>
+          </a:xfrm>
+          <a:prstGeom prst="rect">
+            <a:avLst/>
+          </a:prstGeom>
+          <a:noFill/>
+        </p:spPr>
+        <p:txBody>
+          <a:bodyPr wrap="square" rtlCol="0">
+            <a:spAutoFit/>
+          </a:bodyPr>
+          <a:lstStyle/>
+          <a:p>
+            <a:pPr marL="0" indent="0">
+              <a:buNone/>
+            </a:pPr>
+            <a:r>
+              <a:rPr lang="en-US" sz="2400" dirty="0">
+                <a:solidFill>
+                  <a:srgbClr val="7030A0"/>
+                </a:solidFill>
+                <a:latin typeface="Consolas" panose="020B0609020204030204" pitchFamily="49" charset="0"/>
+              </a:rPr>
+              <a:t>&lt;?php</a:t>
+            </a:r>
+            <a:endParaRPr lang="en-US" sz="2400" dirty="0">
+              <a:latin typeface="Consolas" panose="020B0609020204030204" pitchFamily="49" charset="0"/>
+            </a:endParaRPr>
+          </a:p>
+          <a:p>
+            <a:pPr marL="0" indent="0">
+              <a:buNone/>
+            </a:pPr>
+            <a:endParaRPr lang="en-US" sz="2400" dirty="0">
+              <a:latin typeface="Consolas" panose="020B0609020204030204" pitchFamily="49" charset="0"/>
+            </a:endParaRPr>
+          </a:p>
+          <a:p>
+            <a:r>
+              <a:rPr lang="en-US" sz="2400" dirty="0">
+                <a:solidFill>
+                  <a:srgbClr val="0070C0"/>
+                </a:solidFill>
+                <a:latin typeface="Consolas" panose="020B0609020204030204" pitchFamily="49" charset="0"/>
+              </a:rPr>
+              <a:t>class</a:t>
+            </a:r>
+            <a:r>
+              <a:rPr lang="en-US" sz="2400" dirty="0">
+                <a:latin typeface="Consolas" panose="020B0609020204030204" pitchFamily="49" charset="0"/>
+              </a:rPr>
+              <a:t> foobar {</a:t>
+            </a:r>
+          </a:p>
+          <a:p>
+            <a:r>
+              <a:rPr lang="en-US" sz="2400" dirty="0">
+                <a:latin typeface="Consolas" panose="020B0609020204030204" pitchFamily="49" charset="0"/>
+              </a:rPr>
+              <a:t>    </a:t>
+            </a:r>
+            <a:r>
+              <a:rPr lang="en-US" sz="2400" dirty="0">
+                <a:solidFill>
+                  <a:srgbClr val="0070C0"/>
+                </a:solidFill>
+                <a:latin typeface="Consolas" panose="020B0609020204030204" pitchFamily="49" charset="0"/>
+              </a:rPr>
+              <a:t>public</a:t>
+            </a:r>
+            <a:r>
+              <a:rPr lang="en-US" sz="2400" dirty="0">
+                <a:latin typeface="Consolas" panose="020B0609020204030204" pitchFamily="49" charset="0"/>
+              </a:rPr>
+              <a:t> $property;</a:t>
+            </a:r>
+          </a:p>
+          <a:p>
+            <a:r>
+              <a:rPr lang="en-US" sz="2400" dirty="0">
+                <a:latin typeface="Consolas" panose="020B0609020204030204" pitchFamily="49" charset="0"/>
+              </a:rPr>
+              <a:t>    </a:t>
+            </a:r>
+            <a:r>
+              <a:rPr lang="en-US" sz="2400" dirty="0">
+                <a:solidFill>
+                  <a:srgbClr val="0070C0"/>
+                </a:solidFill>
+                <a:latin typeface="Consolas" panose="020B0609020204030204" pitchFamily="49" charset="0"/>
+              </a:rPr>
+              <a:t>public</a:t>
+            </a:r>
+            <a:r>
+              <a:rPr lang="en-US" sz="2400" dirty="0">
+                <a:latin typeface="Consolas" panose="020B0609020204030204" pitchFamily="49" charset="0"/>
+              </a:rPr>
+              <a:t> $</a:t>
+            </a:r>
+            <a:r>
+              <a:rPr lang="en-US" sz="2400" dirty="0" err="1">
+                <a:latin typeface="Consolas" panose="020B0609020204030204" pitchFamily="49" charset="0"/>
+              </a:rPr>
+              <a:t>abc</a:t>
+            </a:r>
+            <a:r>
+              <a:rPr lang="en-US" sz="2400" dirty="0">
+                <a:latin typeface="Consolas" panose="020B0609020204030204" pitchFamily="49" charset="0"/>
+              </a:rPr>
+              <a:t> = </a:t>
+            </a:r>
+            <a:r>
+              <a:rPr lang="en-US" sz="2400" dirty="0">
+                <a:solidFill>
+                  <a:schemeClr val="accent2"/>
+                </a:solidFill>
+                <a:latin typeface="Consolas" panose="020B0609020204030204" pitchFamily="49" charset="0"/>
+              </a:rPr>
+              <a:t>"def"</a:t>
+            </a:r>
+            <a:r>
+              <a:rPr lang="en-US" sz="2400" dirty="0">
+                <a:latin typeface="Consolas" panose="020B0609020204030204" pitchFamily="49" charset="0"/>
+              </a:rPr>
+              <a:t>;</a:t>
+            </a:r>
+          </a:p>
+          <a:p>
+            <a:r>
+              <a:rPr lang="en-US" sz="2400" dirty="0">
+                <a:latin typeface="Consolas" panose="020B0609020204030204" pitchFamily="49" charset="0"/>
+              </a:rPr>
+              <a:t>}</a:t>
+            </a:r>
+          </a:p>
+          <a:p>
+            <a:endParaRPr lang="en-US" sz="2400" dirty="0">
+              <a:latin typeface="Consolas" panose="020B0609020204030204" pitchFamily="49" charset="0"/>
+            </a:endParaRPr>
+          </a:p>
+          <a:p>
+            <a:r>
+              <a:rPr lang="en-US" sz="2400" dirty="0">
+                <a:latin typeface="Consolas" panose="020B0609020204030204" pitchFamily="49" charset="0"/>
+              </a:rPr>
+              <a:t>$object = </a:t>
+            </a:r>
+            <a:r>
+              <a:rPr lang="en-US" sz="2400" dirty="0">
+                <a:solidFill>
+                  <a:srgbClr val="0070C0"/>
+                </a:solidFill>
+                <a:latin typeface="Consolas" panose="020B0609020204030204" pitchFamily="49" charset="0"/>
+              </a:rPr>
+              <a:t>new</a:t>
+            </a:r>
+            <a:r>
+              <a:rPr lang="en-US" sz="2400" dirty="0">
+                <a:latin typeface="Consolas" panose="020B0609020204030204" pitchFamily="49" charset="0"/>
+              </a:rPr>
+              <a:t> foobar();</a:t>
+            </a:r>
+          </a:p>
+          <a:p>
+            <a:endParaRPr lang="en-US" sz="2400" dirty="0">
+              <a:latin typeface="Consolas" panose="020B0609020204030204" pitchFamily="49" charset="0"/>
+            </a:endParaRPr>
+          </a:p>
+          <a:p>
+            <a:r>
+              <a:rPr lang="en-US" sz="2400" dirty="0">
+                <a:latin typeface="Consolas" panose="020B0609020204030204" pitchFamily="49" charset="0"/>
+              </a:rPr>
+              <a:t>$object-&gt;property = </a:t>
+            </a:r>
+            <a:r>
+              <a:rPr lang="en-US" sz="2400" dirty="0">
+                <a:solidFill>
+                  <a:schemeClr val="accent2"/>
+                </a:solidFill>
+                <a:latin typeface="Consolas" panose="020B0609020204030204" pitchFamily="49" charset="0"/>
+              </a:rPr>
+              <a:t>"Properties are fun!"</a:t>
+            </a:r>
+          </a:p>
+          <a:p>
+            <a:endParaRPr lang="en-US" sz="2400" dirty="0">
+              <a:latin typeface="Consolas" panose="020B0609020204030204" pitchFamily="49" charset="0"/>
+            </a:endParaRPr>
+          </a:p>
+          <a:p>
+            <a:r>
+              <a:rPr lang="en-US" sz="2400" dirty="0" err="1">
+                <a:latin typeface="Consolas" panose="020B0609020204030204" pitchFamily="49" charset="0"/>
+              </a:rPr>
+              <a:t>var_dump</a:t>
+            </a:r>
+            <a:r>
+              <a:rPr lang="en-US" sz="2400" dirty="0">
+                <a:latin typeface="Consolas" panose="020B0609020204030204" pitchFamily="49" charset="0"/>
+              </a:rPr>
+              <a:t>($object);</a:t>
+            </a:r>
+          </a:p>
+        </p:txBody>
+      </p:sp>
+      <p:sp>
+        <p:nvSpPr>
+          <p:cNvPr id="2" name="Title 1"/>
+          <p:cNvSpPr>
+            <a:spLocks noGrp="1"/>
+          </p:cNvSpPr>
+          <p:nvPr>
+            <p:ph type="title"/>
+          </p:nvPr>
+        </p:nvSpPr>
+        <p:spPr>
+          <a:xfrm>
+            <a:off x="1" y="0"/>
+            <a:ext cx="12192000" cy="583973"/>
+          </a:xfrm>
+          <a:solidFill>
+            <a:schemeClr val="bg1">
+              <a:lumMod val="50000"/>
+            </a:schemeClr>
+          </a:solidFill>
+          <a:ln>
+            <a:noFill/>
+          </a:ln>
+        </p:spPr>
+        <p:style>
+          <a:lnRef idx="2">
+            <a:schemeClr val="accent3">
+              <a:shade val="50000"/>
+            </a:schemeClr>
+          </a:lnRef>
+          <a:fillRef idx="1">
+            <a:schemeClr val="accent3"/>
+          </a:fillRef>
+          <a:effectRef idx="0">
+            <a:schemeClr val="accent3"/>
+          </a:effectRef>
+          <a:fontRef idx="minor">
+            <a:schemeClr val="lt1"/>
+          </a:fontRef>
+        </p:style>
+        <p:txBody>
+          <a:bodyPr>
+            <a:normAutofit fontScale="90000"/>
+          </a:bodyPr>
+          <a:lstStyle/>
+          <a:p>
+            <a:pPr algn="ctr"/>
+            <a:r>
+              <a:rPr lang="en-US" sz="3600" dirty="0"/>
+              <a:t>Example 7-1 : Properties</a:t>
+            </a:r>
+          </a:p>
+        </p:txBody>
+      </p:sp>
+    </p:spTree>
+    <p:extLst>
+      <p:ext uri="{BB962C8B-B14F-4D97-AF65-F5344CB8AC3E}">
+        <p14:creationId xmlns:p14="http://schemas.microsoft.com/office/powerpoint/2010/main" val="3932871408"/>
+      </p:ext>
+    </p:extLst>
+  </p:cSld>
+  <p:clrMapOvr>
+    <a:masterClrMapping/>
+  </p:clrMapOvr>
+</p:sld>
+</file>
+
+<file path=ppt/slides/slide51.xml><?xml version="1.0" encoding="utf-8"?>
+<p:sld xmlns:a="http://schemas.openxmlformats.org/drawingml/2006/main" xmlns:r="http://schemas.openxmlformats.org/officeDocument/2006/relationships" xmlns:p="http://schemas.openxmlformats.org/presentationml/2006/main">
+  <p:cSld>
+    <p:spTree>
+      <p:nvGrpSpPr>
+        <p:cNvPr id="1" name=""/>
+        <p:cNvGrpSpPr/>
+        <p:nvPr/>
+      </p:nvGrpSpPr>
+      <p:grpSpPr>
+        <a:xfrm>
+          <a:off x="0" y="0"/>
+          <a:ext cx="0" cy="0"/>
+          <a:chOff x="0" y="0"/>
+          <a:chExt cx="0" cy="0"/>
+        </a:xfrm>
+      </p:grpSpPr>
+      <p:sp>
+        <p:nvSpPr>
+          <p:cNvPr id="2" name="Title 1"/>
+          <p:cNvSpPr>
+            <a:spLocks noGrp="1"/>
+          </p:cNvSpPr>
+          <p:nvPr>
+            <p:ph type="title"/>
+          </p:nvPr>
+        </p:nvSpPr>
+        <p:spPr/>
+        <p:txBody>
+          <a:bodyPr/>
+          <a:lstStyle/>
+          <a:p>
+            <a:r>
+              <a:rPr lang="en-US" dirty="0"/>
+              <a:t>Methods</a:t>
+            </a:r>
+          </a:p>
+        </p:txBody>
+      </p:sp>
+      <p:sp>
+        <p:nvSpPr>
+          <p:cNvPr id="3" name="Content Placeholder 2"/>
+          <p:cNvSpPr>
+            <a:spLocks noGrp="1"/>
+          </p:cNvSpPr>
+          <p:nvPr>
+            <p:ph idx="1"/>
+          </p:nvPr>
+        </p:nvSpPr>
+        <p:spPr/>
+        <p:txBody>
+          <a:bodyPr/>
+          <a:lstStyle/>
+          <a:p>
+            <a:r>
+              <a:rPr lang="en-US" dirty="0"/>
+              <a:t>Defined just like a function, but with a visibility</a:t>
+            </a:r>
+          </a:p>
+          <a:p>
+            <a:r>
+              <a:rPr lang="en-US" dirty="0"/>
+              <a:t>Naming rules are the same as functions</a:t>
+            </a:r>
+          </a:p>
+          <a:p>
+            <a:r>
+              <a:rPr lang="en-US" dirty="0"/>
+              <a:t>Can access other properties and methods using </a:t>
+            </a:r>
+            <a:r>
+              <a:rPr lang="en-US" sz="2400" dirty="0">
+                <a:latin typeface="Consolas" panose="020B0609020204030204" pitchFamily="49" charset="0"/>
+              </a:rPr>
+              <a:t>$this</a:t>
+            </a:r>
+          </a:p>
+          <a:p>
+            <a:r>
+              <a:rPr lang="en-US" dirty="0"/>
+              <a:t>Called using the </a:t>
+            </a:r>
+            <a:r>
+              <a:rPr lang="en-US" sz="2400" dirty="0">
+                <a:latin typeface="Consolas" panose="020B0609020204030204" pitchFamily="49" charset="0"/>
+              </a:rPr>
+              <a:t>-&gt;</a:t>
+            </a:r>
+            <a:r>
+              <a:rPr lang="en-US" dirty="0"/>
+              <a:t> operator, used just like functions</a:t>
+            </a:r>
+            <a:endParaRPr lang="en-US" sz="2400" dirty="0">
+              <a:latin typeface="Consolas" panose="020B0609020204030204" pitchFamily="49" charset="0"/>
+            </a:endParaRPr>
+          </a:p>
+        </p:txBody>
+      </p:sp>
+    </p:spTree>
+    <p:extLst>
+      <p:ext uri="{BB962C8B-B14F-4D97-AF65-F5344CB8AC3E}">
+        <p14:creationId xmlns:p14="http://schemas.microsoft.com/office/powerpoint/2010/main" val="1898238108"/>
+      </p:ext>
+    </p:extLst>
+  </p:cSld>
+  <p:clrMapOvr>
+    <a:masterClrMapping/>
+  </p:clrMapOvr>
+</p:sld>
+</file>
+
+<file path=ppt/slides/slide52.xml><?xml version="1.0" encoding="utf-8"?>
+<p:sld xmlns:a="http://schemas.openxmlformats.org/drawingml/2006/main" xmlns:r="http://schemas.openxmlformats.org/officeDocument/2006/relationships" xmlns:p="http://schemas.openxmlformats.org/presentationml/2006/main">
+  <p:cSld>
+    <p:spTree>
+      <p:nvGrpSpPr>
+        <p:cNvPr id="1" name=""/>
+        <p:cNvGrpSpPr/>
+        <p:nvPr/>
+      </p:nvGrpSpPr>
+      <p:grpSpPr>
+        <a:xfrm>
+          <a:off x="0" y="0"/>
+          <a:ext cx="0" cy="0"/>
+          <a:chOff x="0" y="0"/>
+          <a:chExt cx="0" cy="0"/>
+        </a:xfrm>
+      </p:grpSpPr>
+      <p:sp>
+        <p:nvSpPr>
+          <p:cNvPr id="5" name="TextBox 4"/>
+          <p:cNvSpPr txBox="1"/>
+          <p:nvPr/>
+        </p:nvSpPr>
+        <p:spPr>
+          <a:xfrm>
+            <a:off x="0" y="583973"/>
+            <a:ext cx="935489" cy="6370975"/>
+          </a:xfrm>
+          <a:prstGeom prst="rect">
+            <a:avLst/>
+          </a:prstGeom>
+          <a:solidFill>
+            <a:schemeClr val="bg1">
+              <a:lumMod val="85000"/>
+            </a:schemeClr>
+          </a:solidFill>
+        </p:spPr>
+        <p:txBody>
+          <a:bodyPr wrap="square" rtlCol="0" anchor="ctr">
+            <a:spAutoFit/>
+          </a:bodyPr>
+          <a:lstStyle/>
+          <a:p>
+            <a:pPr algn="r"/>
+            <a:r>
+              <a:rPr lang="en-US" sz="2400" dirty="0">
+                <a:solidFill>
+                  <a:schemeClr val="accent3">
+                    <a:lumMod val="50000"/>
+                  </a:schemeClr>
+                </a:solidFill>
+                <a:latin typeface="Consolas" panose="020B0609020204030204" pitchFamily="49" charset="0"/>
+              </a:rPr>
+              <a:t>1</a:t>
+            </a:r>
+          </a:p>
+          <a:p>
+            <a:pPr algn="r"/>
+            <a:r>
+              <a:rPr lang="en-US" sz="2400" dirty="0">
+                <a:solidFill>
+                  <a:schemeClr val="accent3">
+                    <a:lumMod val="50000"/>
+                  </a:schemeClr>
+                </a:solidFill>
+                <a:latin typeface="Consolas" panose="020B0609020204030204" pitchFamily="49" charset="0"/>
+              </a:rPr>
+              <a:t>2</a:t>
+            </a:r>
+          </a:p>
+          <a:p>
+            <a:pPr algn="r"/>
+            <a:r>
+              <a:rPr lang="en-US" sz="2400" dirty="0">
+                <a:solidFill>
+                  <a:schemeClr val="accent3">
+                    <a:lumMod val="50000"/>
+                  </a:schemeClr>
+                </a:solidFill>
+                <a:latin typeface="Consolas" panose="020B0609020204030204" pitchFamily="49" charset="0"/>
+              </a:rPr>
+              <a:t>3</a:t>
+            </a:r>
+          </a:p>
+          <a:p>
+            <a:pPr algn="r"/>
+            <a:r>
+              <a:rPr lang="en-US" sz="2400" dirty="0">
+                <a:solidFill>
+                  <a:schemeClr val="accent3">
+                    <a:lumMod val="50000"/>
+                  </a:schemeClr>
+                </a:solidFill>
+                <a:latin typeface="Consolas" panose="020B0609020204030204" pitchFamily="49" charset="0"/>
+              </a:rPr>
+              <a:t>4</a:t>
+            </a:r>
+          </a:p>
+          <a:p>
+            <a:pPr algn="r"/>
+            <a:r>
+              <a:rPr lang="en-US" sz="2400" dirty="0">
+                <a:solidFill>
+                  <a:schemeClr val="accent3">
+                    <a:lumMod val="50000"/>
+                  </a:schemeClr>
+                </a:solidFill>
+                <a:latin typeface="Consolas" panose="020B0609020204030204" pitchFamily="49" charset="0"/>
+              </a:rPr>
+              <a:t>5</a:t>
+            </a:r>
+          </a:p>
+          <a:p>
+            <a:pPr algn="r"/>
+            <a:r>
+              <a:rPr lang="en-US" sz="2400" dirty="0">
+                <a:solidFill>
+                  <a:schemeClr val="accent3">
+                    <a:lumMod val="50000"/>
+                  </a:schemeClr>
+                </a:solidFill>
+                <a:latin typeface="Consolas" panose="020B0609020204030204" pitchFamily="49" charset="0"/>
+              </a:rPr>
+              <a:t>6</a:t>
+            </a:r>
+          </a:p>
+          <a:p>
+            <a:pPr algn="r"/>
+            <a:r>
+              <a:rPr lang="en-US" sz="2400" dirty="0">
+                <a:solidFill>
+                  <a:schemeClr val="accent3">
+                    <a:lumMod val="50000"/>
+                  </a:schemeClr>
+                </a:solidFill>
+                <a:latin typeface="Consolas" panose="020B0609020204030204" pitchFamily="49" charset="0"/>
+              </a:rPr>
+              <a:t>7</a:t>
+            </a:r>
+          </a:p>
+          <a:p>
+            <a:pPr algn="r"/>
+            <a:r>
+              <a:rPr lang="en-US" sz="2400" dirty="0">
+                <a:solidFill>
+                  <a:schemeClr val="accent3">
+                    <a:lumMod val="50000"/>
+                  </a:schemeClr>
+                </a:solidFill>
+                <a:latin typeface="Consolas" panose="020B0609020204030204" pitchFamily="49" charset="0"/>
+              </a:rPr>
+              <a:t>8</a:t>
+            </a:r>
+          </a:p>
+          <a:p>
+            <a:pPr algn="r"/>
+            <a:r>
+              <a:rPr lang="en-US" sz="2400" dirty="0">
+                <a:solidFill>
+                  <a:schemeClr val="accent3">
+                    <a:lumMod val="50000"/>
+                  </a:schemeClr>
+                </a:solidFill>
+                <a:latin typeface="Consolas" panose="020B0609020204030204" pitchFamily="49" charset="0"/>
+              </a:rPr>
+              <a:t>9</a:t>
+            </a:r>
+          </a:p>
+          <a:p>
+            <a:pPr algn="r"/>
+            <a:r>
+              <a:rPr lang="en-US" sz="2400" dirty="0">
+                <a:solidFill>
+                  <a:schemeClr val="accent3">
+                    <a:lumMod val="50000"/>
+                  </a:schemeClr>
+                </a:solidFill>
+                <a:latin typeface="Consolas" panose="020B0609020204030204" pitchFamily="49" charset="0"/>
+              </a:rPr>
+              <a:t>10</a:t>
+            </a:r>
+          </a:p>
+          <a:p>
+            <a:pPr algn="r"/>
+            <a:r>
+              <a:rPr lang="en-US" sz="2400" dirty="0">
+                <a:solidFill>
+                  <a:schemeClr val="accent3">
+                    <a:lumMod val="50000"/>
+                  </a:schemeClr>
+                </a:solidFill>
+                <a:latin typeface="Consolas" panose="020B0609020204030204" pitchFamily="49" charset="0"/>
+              </a:rPr>
+              <a:t>11</a:t>
+            </a:r>
+          </a:p>
+          <a:p>
+            <a:pPr algn="r"/>
+            <a:r>
+              <a:rPr lang="en-US" sz="2400" dirty="0">
+                <a:solidFill>
+                  <a:schemeClr val="accent3">
+                    <a:lumMod val="50000"/>
+                  </a:schemeClr>
+                </a:solidFill>
+                <a:latin typeface="Consolas" panose="020B0609020204030204" pitchFamily="49" charset="0"/>
+              </a:rPr>
+              <a:t>12</a:t>
+            </a:r>
+          </a:p>
+          <a:p>
+            <a:pPr algn="r"/>
+            <a:r>
+              <a:rPr lang="en-US" sz="2400" dirty="0">
+                <a:solidFill>
+                  <a:schemeClr val="accent3">
+                    <a:lumMod val="50000"/>
+                  </a:schemeClr>
+                </a:solidFill>
+                <a:latin typeface="Consolas" panose="020B0609020204030204" pitchFamily="49" charset="0"/>
+              </a:rPr>
+              <a:t>13</a:t>
+            </a:r>
+          </a:p>
+          <a:p>
+            <a:pPr algn="r"/>
+            <a:r>
+              <a:rPr lang="en-US" sz="2400" dirty="0">
+                <a:solidFill>
+                  <a:schemeClr val="accent3">
+                    <a:lumMod val="50000"/>
+                  </a:schemeClr>
+                </a:solidFill>
+                <a:latin typeface="Consolas" panose="020B0609020204030204" pitchFamily="49" charset="0"/>
+              </a:rPr>
+              <a:t>14</a:t>
+            </a:r>
+          </a:p>
+          <a:p>
+            <a:pPr algn="r"/>
+            <a:r>
+              <a:rPr lang="en-US" sz="2400" dirty="0">
+                <a:solidFill>
+                  <a:schemeClr val="accent3">
+                    <a:lumMod val="50000"/>
+                  </a:schemeClr>
+                </a:solidFill>
+                <a:latin typeface="Consolas" panose="020B0609020204030204" pitchFamily="49" charset="0"/>
+              </a:rPr>
+              <a:t>15</a:t>
+            </a:r>
+          </a:p>
+          <a:p>
+            <a:pPr algn="r"/>
+            <a:r>
+              <a:rPr lang="en-US" sz="2400" dirty="0">
+                <a:solidFill>
+                  <a:schemeClr val="accent3">
+                    <a:lumMod val="50000"/>
+                  </a:schemeClr>
+                </a:solidFill>
+                <a:latin typeface="Consolas" panose="020B0609020204030204" pitchFamily="49" charset="0"/>
+              </a:rPr>
+              <a:t>16</a:t>
+            </a:r>
+          </a:p>
+          <a:p>
+            <a:pPr algn="r"/>
+            <a:endParaRPr lang="en-US" sz="2400" dirty="0">
+              <a:latin typeface="Consolas" panose="020B0609020204030204" pitchFamily="49" charset="0"/>
+            </a:endParaRPr>
+          </a:p>
+        </p:txBody>
+      </p:sp>
+      <p:sp>
+        <p:nvSpPr>
+          <p:cNvPr id="6" name="TextBox 5"/>
+          <p:cNvSpPr txBox="1"/>
+          <p:nvPr/>
+        </p:nvSpPr>
+        <p:spPr>
+          <a:xfrm>
+            <a:off x="935490" y="583973"/>
+            <a:ext cx="11256511" cy="4154984"/>
+          </a:xfrm>
+          <a:prstGeom prst="rect">
+            <a:avLst/>
+          </a:prstGeom>
+          <a:noFill/>
+        </p:spPr>
+        <p:txBody>
+          <a:bodyPr wrap="square" rtlCol="0">
+            <a:spAutoFit/>
+          </a:bodyPr>
+          <a:lstStyle/>
+          <a:p>
+            <a:pPr marL="0" indent="0">
+              <a:buNone/>
+            </a:pPr>
+            <a:r>
+              <a:rPr lang="en-US" sz="2400" dirty="0">
+                <a:solidFill>
+                  <a:srgbClr val="7030A0"/>
+                </a:solidFill>
+                <a:latin typeface="Consolas" panose="020B0609020204030204" pitchFamily="49" charset="0"/>
+              </a:rPr>
+              <a:t>&lt;?php</a:t>
+            </a:r>
+            <a:endParaRPr lang="en-US" sz="2400" dirty="0">
+              <a:latin typeface="Consolas" panose="020B0609020204030204" pitchFamily="49" charset="0"/>
+            </a:endParaRPr>
+          </a:p>
+          <a:p>
+            <a:pPr marL="0" indent="0">
+              <a:buNone/>
+            </a:pPr>
+            <a:endParaRPr lang="en-US" sz="2400" dirty="0">
+              <a:latin typeface="Consolas" panose="020B0609020204030204" pitchFamily="49" charset="0"/>
+            </a:endParaRPr>
+          </a:p>
+          <a:p>
+            <a:r>
+              <a:rPr lang="en-US" sz="2400" dirty="0">
+                <a:solidFill>
+                  <a:srgbClr val="0070C0"/>
+                </a:solidFill>
+                <a:latin typeface="Consolas" panose="020B0609020204030204" pitchFamily="49" charset="0"/>
+              </a:rPr>
+              <a:t>class</a:t>
+            </a:r>
+            <a:r>
+              <a:rPr lang="en-US" sz="2400" dirty="0">
+                <a:latin typeface="Consolas" panose="020B0609020204030204" pitchFamily="49" charset="0"/>
+              </a:rPr>
+              <a:t> foobar {</a:t>
+            </a:r>
+          </a:p>
+          <a:p>
+            <a:r>
+              <a:rPr lang="en-US" sz="2400" dirty="0">
+                <a:latin typeface="Consolas" panose="020B0609020204030204" pitchFamily="49" charset="0"/>
+              </a:rPr>
+              <a:t>    </a:t>
+            </a:r>
+            <a:r>
+              <a:rPr lang="en-US" sz="2400" dirty="0">
+                <a:solidFill>
+                  <a:srgbClr val="0070C0"/>
+                </a:solidFill>
+                <a:latin typeface="Consolas" panose="020B0609020204030204" pitchFamily="49" charset="0"/>
+              </a:rPr>
+              <a:t>public</a:t>
+            </a:r>
+            <a:r>
+              <a:rPr lang="en-US" sz="2400" dirty="0">
+                <a:latin typeface="Consolas" panose="020B0609020204030204" pitchFamily="49" charset="0"/>
+              </a:rPr>
+              <a:t> function method() {</a:t>
+            </a:r>
+          </a:p>
+          <a:p>
+            <a:r>
+              <a:rPr lang="en-US" sz="2400" dirty="0">
+                <a:latin typeface="Consolas" panose="020B0609020204030204" pitchFamily="49" charset="0"/>
+              </a:rPr>
+              <a:t>        </a:t>
+            </a:r>
+            <a:r>
+              <a:rPr lang="en-US" sz="2400" dirty="0">
+                <a:solidFill>
+                  <a:srgbClr val="0070C0"/>
+                </a:solidFill>
+                <a:latin typeface="Consolas" panose="020B0609020204030204" pitchFamily="49" charset="0"/>
+              </a:rPr>
+              <a:t>echo</a:t>
+            </a:r>
+            <a:r>
+              <a:rPr lang="en-US" sz="2400" dirty="0">
+                <a:latin typeface="Consolas" panose="020B0609020204030204" pitchFamily="49" charset="0"/>
+              </a:rPr>
+              <a:t> "</a:t>
+            </a:r>
+            <a:r>
+              <a:rPr lang="en-US" sz="2400" dirty="0" err="1">
+                <a:latin typeface="Consolas" panose="020B0609020204030204" pitchFamily="49" charset="0"/>
+              </a:rPr>
+              <a:t>abcdef</a:t>
+            </a:r>
+            <a:r>
+              <a:rPr lang="en-US" sz="2400" dirty="0">
+                <a:latin typeface="Consolas" panose="020B0609020204030204" pitchFamily="49" charset="0"/>
+              </a:rPr>
+              <a:t>";</a:t>
+            </a:r>
+          </a:p>
+          <a:p>
+            <a:r>
+              <a:rPr lang="en-US" sz="2400" dirty="0">
+                <a:latin typeface="Consolas" panose="020B0609020204030204" pitchFamily="49" charset="0"/>
+              </a:rPr>
+              <a:t>    }</a:t>
+            </a:r>
+          </a:p>
+          <a:p>
+            <a:r>
+              <a:rPr lang="en-US" sz="2400" dirty="0">
+                <a:latin typeface="Consolas" panose="020B0609020204030204" pitchFamily="49" charset="0"/>
+              </a:rPr>
+              <a:t>}</a:t>
+            </a:r>
+          </a:p>
+          <a:p>
+            <a:endParaRPr lang="en-US" sz="2400" dirty="0">
+              <a:latin typeface="Consolas" panose="020B0609020204030204" pitchFamily="49" charset="0"/>
+            </a:endParaRPr>
+          </a:p>
+          <a:p>
+            <a:r>
+              <a:rPr lang="en-US" sz="2400" dirty="0">
+                <a:latin typeface="Consolas" panose="020B0609020204030204" pitchFamily="49" charset="0"/>
+              </a:rPr>
+              <a:t>$object = </a:t>
+            </a:r>
+            <a:r>
+              <a:rPr lang="en-US" sz="2400" dirty="0">
+                <a:solidFill>
+                  <a:srgbClr val="0070C0"/>
+                </a:solidFill>
+                <a:latin typeface="Consolas" panose="020B0609020204030204" pitchFamily="49" charset="0"/>
+              </a:rPr>
+              <a:t>new</a:t>
+            </a:r>
+            <a:r>
+              <a:rPr lang="en-US" sz="2400" dirty="0">
+                <a:latin typeface="Consolas" panose="020B0609020204030204" pitchFamily="49" charset="0"/>
+              </a:rPr>
+              <a:t> foobar();</a:t>
+            </a:r>
+          </a:p>
+          <a:p>
+            <a:endParaRPr lang="en-US" sz="2400" dirty="0">
+              <a:latin typeface="Consolas" panose="020B0609020204030204" pitchFamily="49" charset="0"/>
+            </a:endParaRPr>
+          </a:p>
+          <a:p>
+            <a:r>
+              <a:rPr lang="en-US" sz="2400" dirty="0">
+                <a:latin typeface="Consolas" panose="020B0609020204030204" pitchFamily="49" charset="0"/>
+              </a:rPr>
+              <a:t>$object-&gt;method();</a:t>
+            </a:r>
+          </a:p>
+        </p:txBody>
+      </p:sp>
+      <p:sp>
+        <p:nvSpPr>
+          <p:cNvPr id="2" name="Title 1"/>
+          <p:cNvSpPr>
+            <a:spLocks noGrp="1"/>
+          </p:cNvSpPr>
+          <p:nvPr>
+            <p:ph type="title"/>
+          </p:nvPr>
+        </p:nvSpPr>
+        <p:spPr>
+          <a:xfrm>
+            <a:off x="1" y="0"/>
+            <a:ext cx="12192000" cy="583973"/>
+          </a:xfrm>
+          <a:solidFill>
+            <a:schemeClr val="bg1">
+              <a:lumMod val="50000"/>
+            </a:schemeClr>
+          </a:solidFill>
+          <a:ln>
+            <a:noFill/>
+          </a:ln>
+        </p:spPr>
+        <p:style>
+          <a:lnRef idx="2">
+            <a:schemeClr val="accent3">
+              <a:shade val="50000"/>
+            </a:schemeClr>
+          </a:lnRef>
+          <a:fillRef idx="1">
+            <a:schemeClr val="accent3"/>
+          </a:fillRef>
+          <a:effectRef idx="0">
+            <a:schemeClr val="accent3"/>
+          </a:effectRef>
+          <a:fontRef idx="minor">
+            <a:schemeClr val="lt1"/>
+          </a:fontRef>
+        </p:style>
+        <p:txBody>
+          <a:bodyPr>
+            <a:normAutofit fontScale="90000"/>
+          </a:bodyPr>
+          <a:lstStyle/>
+          <a:p>
+            <a:pPr algn="ctr"/>
+            <a:r>
+              <a:rPr lang="en-US" sz="3600" dirty="0"/>
+              <a:t>Example 7-2 : Methods</a:t>
+            </a:r>
+          </a:p>
+        </p:txBody>
+      </p:sp>
+    </p:spTree>
+    <p:extLst>
+      <p:ext uri="{BB962C8B-B14F-4D97-AF65-F5344CB8AC3E}">
+        <p14:creationId xmlns:p14="http://schemas.microsoft.com/office/powerpoint/2010/main" val="2454420719"/>
+      </p:ext>
+    </p:extLst>
+  </p:cSld>
+  <p:clrMapOvr>
+    <a:masterClrMapping/>
+  </p:clrMapOvr>
+</p:sld>
+</file>
+
+<file path=ppt/slides/slide53.xml><?xml version="1.0" encoding="utf-8"?>
+<p:sld xmlns:a="http://schemas.openxmlformats.org/drawingml/2006/main" xmlns:r="http://schemas.openxmlformats.org/officeDocument/2006/relationships" xmlns:p="http://schemas.openxmlformats.org/presentationml/2006/main">
+  <p:cSld>
+    <p:spTree>
+      <p:nvGrpSpPr>
+        <p:cNvPr id="1" name=""/>
+        <p:cNvGrpSpPr/>
+        <p:nvPr/>
+      </p:nvGrpSpPr>
+      <p:grpSpPr>
+        <a:xfrm>
+          <a:off x="0" y="0"/>
+          <a:ext cx="0" cy="0"/>
+          <a:chOff x="0" y="0"/>
+          <a:chExt cx="0" cy="0"/>
+        </a:xfrm>
+      </p:grpSpPr>
+      <p:sp>
+        <p:nvSpPr>
+          <p:cNvPr id="2" name="Title 1"/>
+          <p:cNvSpPr>
+            <a:spLocks noGrp="1"/>
+          </p:cNvSpPr>
+          <p:nvPr>
+            <p:ph type="title"/>
+          </p:nvPr>
+        </p:nvSpPr>
+        <p:spPr/>
+        <p:txBody>
+          <a:bodyPr/>
+          <a:lstStyle/>
+          <a:p>
+            <a:r>
+              <a:rPr lang="en-US" dirty="0"/>
+              <a:t>$this</a:t>
+            </a:r>
+          </a:p>
+        </p:txBody>
+      </p:sp>
+      <p:sp>
+        <p:nvSpPr>
+          <p:cNvPr id="3" name="Content Placeholder 2"/>
+          <p:cNvSpPr>
+            <a:spLocks noGrp="1"/>
+          </p:cNvSpPr>
+          <p:nvPr>
+            <p:ph idx="1"/>
+          </p:nvPr>
+        </p:nvSpPr>
+        <p:spPr/>
+        <p:txBody>
+          <a:bodyPr/>
+          <a:lstStyle/>
+          <a:p>
+            <a:r>
+              <a:rPr lang="en-US" dirty="0"/>
+              <a:t>Methods have access to a special variable: </a:t>
+            </a:r>
+            <a:r>
+              <a:rPr lang="en-US" sz="2400" dirty="0">
+                <a:latin typeface="Consolas" panose="020B0609020204030204" pitchFamily="49" charset="0"/>
+              </a:rPr>
+              <a:t>$this</a:t>
+            </a:r>
+          </a:p>
+          <a:p>
+            <a:r>
+              <a:rPr lang="en-US" sz="2400" dirty="0">
+                <a:latin typeface="Consolas" panose="020B0609020204030204" pitchFamily="49" charset="0"/>
+              </a:rPr>
+              <a:t>$this</a:t>
+            </a:r>
+            <a:r>
+              <a:rPr lang="en-US" dirty="0"/>
+              <a:t> is used to access the current object</a:t>
+            </a:r>
+          </a:p>
+          <a:p>
+            <a:r>
+              <a:rPr lang="en-US" dirty="0"/>
+              <a:t>Can be used with </a:t>
+            </a:r>
+            <a:r>
+              <a:rPr lang="en-US" sz="2400" dirty="0">
+                <a:latin typeface="Consolas" panose="020B0609020204030204" pitchFamily="49" charset="0"/>
+              </a:rPr>
+              <a:t>-&gt;</a:t>
+            </a:r>
+            <a:r>
+              <a:rPr lang="en-US" dirty="0"/>
+              <a:t> to access other methods and properties</a:t>
+            </a:r>
+          </a:p>
+        </p:txBody>
+      </p:sp>
+    </p:spTree>
+    <p:extLst>
+      <p:ext uri="{BB962C8B-B14F-4D97-AF65-F5344CB8AC3E}">
+        <p14:creationId xmlns:p14="http://schemas.microsoft.com/office/powerpoint/2010/main" val="1899724648"/>
+      </p:ext>
+    </p:extLst>
+  </p:cSld>
+  <p:clrMapOvr>
+    <a:masterClrMapping/>
+  </p:clrMapOvr>
+</p:sld>
+</file>
+
+<file path=ppt/slides/slide54.xml><?xml version="1.0" encoding="utf-8"?>
+<p:sld xmlns:a="http://schemas.openxmlformats.org/drawingml/2006/main" xmlns:r="http://schemas.openxmlformats.org/officeDocument/2006/relationships" xmlns:p="http://schemas.openxmlformats.org/presentationml/2006/main">
+  <p:cSld>
+    <p:spTree>
+      <p:nvGrpSpPr>
+        <p:cNvPr id="1" name=""/>
+        <p:cNvGrpSpPr/>
+        <p:nvPr/>
+      </p:nvGrpSpPr>
+      <p:grpSpPr>
+        <a:xfrm>
+          <a:off x="0" y="0"/>
+          <a:ext cx="0" cy="0"/>
+          <a:chOff x="0" y="0"/>
+          <a:chExt cx="0" cy="0"/>
+        </a:xfrm>
+      </p:grpSpPr>
+      <p:sp>
+        <p:nvSpPr>
+          <p:cNvPr id="5" name="TextBox 4"/>
+          <p:cNvSpPr txBox="1"/>
+          <p:nvPr/>
+        </p:nvSpPr>
+        <p:spPr>
+          <a:xfrm>
+            <a:off x="0" y="583973"/>
+            <a:ext cx="935489" cy="6370975"/>
+          </a:xfrm>
+          <a:prstGeom prst="rect">
+            <a:avLst/>
+          </a:prstGeom>
+          <a:solidFill>
+            <a:schemeClr val="bg1">
+              <a:lumMod val="85000"/>
+            </a:schemeClr>
+          </a:solidFill>
+        </p:spPr>
+        <p:txBody>
+          <a:bodyPr wrap="square" rtlCol="0" anchor="ctr">
+            <a:spAutoFit/>
+          </a:bodyPr>
+          <a:lstStyle/>
+          <a:p>
+            <a:pPr algn="r"/>
+            <a:r>
+              <a:rPr lang="en-US" sz="2400" dirty="0">
+                <a:solidFill>
+                  <a:schemeClr val="accent3">
+                    <a:lumMod val="50000"/>
+                  </a:schemeClr>
+                </a:solidFill>
+                <a:latin typeface="Consolas" panose="020B0609020204030204" pitchFamily="49" charset="0"/>
+              </a:rPr>
+              <a:t>1</a:t>
+            </a:r>
+          </a:p>
+          <a:p>
+            <a:pPr algn="r"/>
+            <a:r>
+              <a:rPr lang="en-US" sz="2400" dirty="0">
+                <a:solidFill>
+                  <a:schemeClr val="accent3">
+                    <a:lumMod val="50000"/>
+                  </a:schemeClr>
+                </a:solidFill>
+                <a:latin typeface="Consolas" panose="020B0609020204030204" pitchFamily="49" charset="0"/>
+              </a:rPr>
+              <a:t>2</a:t>
+            </a:r>
+          </a:p>
+          <a:p>
+            <a:pPr algn="r"/>
+            <a:r>
+              <a:rPr lang="en-US" sz="2400" dirty="0">
+                <a:solidFill>
+                  <a:schemeClr val="accent3">
+                    <a:lumMod val="50000"/>
+                  </a:schemeClr>
+                </a:solidFill>
+                <a:latin typeface="Consolas" panose="020B0609020204030204" pitchFamily="49" charset="0"/>
+              </a:rPr>
+              <a:t>3</a:t>
+            </a:r>
+          </a:p>
+          <a:p>
+            <a:pPr algn="r"/>
+            <a:r>
+              <a:rPr lang="en-US" sz="2400" dirty="0">
+                <a:solidFill>
+                  <a:schemeClr val="accent3">
+                    <a:lumMod val="50000"/>
+                  </a:schemeClr>
+                </a:solidFill>
+                <a:latin typeface="Consolas" panose="020B0609020204030204" pitchFamily="49" charset="0"/>
+              </a:rPr>
+              <a:t>4</a:t>
+            </a:r>
+          </a:p>
+          <a:p>
+            <a:pPr algn="r"/>
+            <a:r>
+              <a:rPr lang="en-US" sz="2400" dirty="0">
+                <a:solidFill>
+                  <a:schemeClr val="accent3">
+                    <a:lumMod val="50000"/>
+                  </a:schemeClr>
+                </a:solidFill>
+                <a:latin typeface="Consolas" panose="020B0609020204030204" pitchFamily="49" charset="0"/>
+              </a:rPr>
+              <a:t>5</a:t>
+            </a:r>
+          </a:p>
+          <a:p>
+            <a:pPr algn="r"/>
+            <a:r>
+              <a:rPr lang="en-US" sz="2400" dirty="0">
+                <a:solidFill>
+                  <a:schemeClr val="accent3">
+                    <a:lumMod val="50000"/>
+                  </a:schemeClr>
+                </a:solidFill>
+                <a:latin typeface="Consolas" panose="020B0609020204030204" pitchFamily="49" charset="0"/>
+              </a:rPr>
+              <a:t>6</a:t>
+            </a:r>
+          </a:p>
+          <a:p>
+            <a:pPr algn="r"/>
+            <a:r>
+              <a:rPr lang="en-US" sz="2400" dirty="0">
+                <a:solidFill>
+                  <a:schemeClr val="accent3">
+                    <a:lumMod val="50000"/>
+                  </a:schemeClr>
+                </a:solidFill>
+                <a:latin typeface="Consolas" panose="020B0609020204030204" pitchFamily="49" charset="0"/>
+              </a:rPr>
+              <a:t>7</a:t>
+            </a:r>
+          </a:p>
+          <a:p>
+            <a:pPr algn="r"/>
+            <a:r>
+              <a:rPr lang="en-US" sz="2400" dirty="0">
+                <a:solidFill>
+                  <a:schemeClr val="accent3">
+                    <a:lumMod val="50000"/>
+                  </a:schemeClr>
+                </a:solidFill>
+                <a:latin typeface="Consolas" panose="020B0609020204030204" pitchFamily="49" charset="0"/>
+              </a:rPr>
+              <a:t>8</a:t>
+            </a:r>
+          </a:p>
+          <a:p>
+            <a:pPr algn="r"/>
+            <a:r>
+              <a:rPr lang="en-US" sz="2400" dirty="0">
+                <a:solidFill>
+                  <a:schemeClr val="accent3">
+                    <a:lumMod val="50000"/>
+                  </a:schemeClr>
+                </a:solidFill>
+                <a:latin typeface="Consolas" panose="020B0609020204030204" pitchFamily="49" charset="0"/>
+              </a:rPr>
+              <a:t>9</a:t>
+            </a:r>
+          </a:p>
+          <a:p>
+            <a:pPr algn="r"/>
+            <a:r>
+              <a:rPr lang="en-US" sz="2400" dirty="0">
+                <a:solidFill>
+                  <a:schemeClr val="accent3">
+                    <a:lumMod val="50000"/>
+                  </a:schemeClr>
+                </a:solidFill>
+                <a:latin typeface="Consolas" panose="020B0609020204030204" pitchFamily="49" charset="0"/>
+              </a:rPr>
+              <a:t>10</a:t>
+            </a:r>
+          </a:p>
+          <a:p>
+            <a:pPr algn="r"/>
+            <a:r>
+              <a:rPr lang="en-US" sz="2400" dirty="0">
+                <a:solidFill>
+                  <a:schemeClr val="accent3">
+                    <a:lumMod val="50000"/>
+                  </a:schemeClr>
+                </a:solidFill>
+                <a:latin typeface="Consolas" panose="020B0609020204030204" pitchFamily="49" charset="0"/>
+              </a:rPr>
+              <a:t>11</a:t>
+            </a:r>
+          </a:p>
+          <a:p>
+            <a:pPr algn="r"/>
+            <a:r>
+              <a:rPr lang="en-US" sz="2400" dirty="0">
+                <a:solidFill>
+                  <a:schemeClr val="accent3">
+                    <a:lumMod val="50000"/>
+                  </a:schemeClr>
+                </a:solidFill>
+                <a:latin typeface="Consolas" panose="020B0609020204030204" pitchFamily="49" charset="0"/>
+              </a:rPr>
+              <a:t>12</a:t>
+            </a:r>
+          </a:p>
+          <a:p>
+            <a:pPr algn="r"/>
+            <a:r>
+              <a:rPr lang="en-US" sz="2400" dirty="0">
+                <a:solidFill>
+                  <a:schemeClr val="accent3">
+                    <a:lumMod val="50000"/>
+                  </a:schemeClr>
+                </a:solidFill>
+                <a:latin typeface="Consolas" panose="020B0609020204030204" pitchFamily="49" charset="0"/>
+              </a:rPr>
+              <a:t>13</a:t>
+            </a:r>
+          </a:p>
+          <a:p>
+            <a:pPr algn="r"/>
+            <a:r>
+              <a:rPr lang="en-US" sz="2400" dirty="0">
+                <a:solidFill>
+                  <a:schemeClr val="accent3">
+                    <a:lumMod val="50000"/>
+                  </a:schemeClr>
+                </a:solidFill>
+                <a:latin typeface="Consolas" panose="020B0609020204030204" pitchFamily="49" charset="0"/>
+              </a:rPr>
+              <a:t>14</a:t>
+            </a:r>
+          </a:p>
+          <a:p>
+            <a:pPr algn="r"/>
+            <a:r>
+              <a:rPr lang="en-US" sz="2400" dirty="0">
+                <a:solidFill>
+                  <a:schemeClr val="accent3">
+                    <a:lumMod val="50000"/>
+                  </a:schemeClr>
+                </a:solidFill>
+                <a:latin typeface="Consolas" panose="020B0609020204030204" pitchFamily="49" charset="0"/>
+              </a:rPr>
+              <a:t>15</a:t>
+            </a:r>
+          </a:p>
+          <a:p>
+            <a:pPr algn="r"/>
+            <a:r>
+              <a:rPr lang="en-US" sz="2400" dirty="0">
+                <a:solidFill>
+                  <a:schemeClr val="accent3">
+                    <a:lumMod val="50000"/>
+                  </a:schemeClr>
+                </a:solidFill>
+                <a:latin typeface="Consolas" panose="020B0609020204030204" pitchFamily="49" charset="0"/>
+              </a:rPr>
+              <a:t>16</a:t>
+            </a:r>
+          </a:p>
+          <a:p>
+            <a:pPr algn="r"/>
+            <a:endParaRPr lang="en-US" sz="2400" dirty="0">
+              <a:latin typeface="Consolas" panose="020B0609020204030204" pitchFamily="49" charset="0"/>
+            </a:endParaRPr>
+          </a:p>
+        </p:txBody>
+      </p:sp>
+      <p:sp>
+        <p:nvSpPr>
+          <p:cNvPr id="6" name="TextBox 5"/>
+          <p:cNvSpPr txBox="1"/>
+          <p:nvPr/>
+        </p:nvSpPr>
+        <p:spPr>
+          <a:xfrm>
+            <a:off x="935490" y="583973"/>
+            <a:ext cx="11256511" cy="4524315"/>
+          </a:xfrm>
+          <a:prstGeom prst="rect">
+            <a:avLst/>
+          </a:prstGeom>
+          <a:noFill/>
+        </p:spPr>
+        <p:txBody>
+          <a:bodyPr wrap="square" rtlCol="0">
+            <a:spAutoFit/>
+          </a:bodyPr>
+          <a:lstStyle/>
+          <a:p>
+            <a:pPr marL="0" indent="0">
+              <a:buNone/>
+            </a:pPr>
+            <a:r>
+              <a:rPr lang="en-US" sz="2400" dirty="0">
+                <a:solidFill>
+                  <a:srgbClr val="7030A0"/>
+                </a:solidFill>
+                <a:latin typeface="Consolas" panose="020B0609020204030204" pitchFamily="49" charset="0"/>
+              </a:rPr>
+              <a:t>&lt;?php</a:t>
+            </a:r>
+            <a:endParaRPr lang="en-US" sz="2400" dirty="0">
+              <a:latin typeface="Consolas" panose="020B0609020204030204" pitchFamily="49" charset="0"/>
+            </a:endParaRPr>
+          </a:p>
+          <a:p>
+            <a:pPr marL="0" indent="0">
+              <a:buNone/>
+            </a:pPr>
+            <a:endParaRPr lang="en-US" sz="2400" dirty="0">
+              <a:latin typeface="Consolas" panose="020B0609020204030204" pitchFamily="49" charset="0"/>
+            </a:endParaRPr>
+          </a:p>
+          <a:p>
+            <a:r>
+              <a:rPr lang="en-US" sz="2400" dirty="0">
+                <a:solidFill>
+                  <a:srgbClr val="0070C0"/>
+                </a:solidFill>
+                <a:latin typeface="Consolas" panose="020B0609020204030204" pitchFamily="49" charset="0"/>
+              </a:rPr>
+              <a:t>class</a:t>
+            </a:r>
+            <a:r>
+              <a:rPr lang="en-US" sz="2400" dirty="0">
+                <a:latin typeface="Consolas" panose="020B0609020204030204" pitchFamily="49" charset="0"/>
+              </a:rPr>
+              <a:t> foobar {</a:t>
+            </a:r>
+          </a:p>
+          <a:p>
+            <a:r>
+              <a:rPr lang="en-US" sz="2400" dirty="0">
+                <a:latin typeface="Consolas" panose="020B0609020204030204" pitchFamily="49" charset="0"/>
+              </a:rPr>
+              <a:t>    </a:t>
+            </a:r>
+            <a:r>
+              <a:rPr lang="en-US" sz="2400" dirty="0">
+                <a:solidFill>
+                  <a:srgbClr val="0070C0"/>
+                </a:solidFill>
+                <a:latin typeface="Consolas" panose="020B0609020204030204" pitchFamily="49" charset="0"/>
+              </a:rPr>
+              <a:t>protected</a:t>
+            </a:r>
+            <a:r>
+              <a:rPr lang="en-US" sz="2400" dirty="0">
+                <a:latin typeface="Consolas" panose="020B0609020204030204" pitchFamily="49" charset="0"/>
+              </a:rPr>
+              <a:t> $property = </a:t>
+            </a:r>
+            <a:r>
+              <a:rPr lang="en-US" sz="2400" dirty="0">
+                <a:solidFill>
+                  <a:schemeClr val="accent2"/>
+                </a:solidFill>
+                <a:latin typeface="Consolas" panose="020B0609020204030204" pitchFamily="49" charset="0"/>
+              </a:rPr>
+              <a:t>"</a:t>
+            </a:r>
+            <a:r>
+              <a:rPr lang="en-US" sz="2400" dirty="0" err="1">
+                <a:solidFill>
+                  <a:schemeClr val="accent2"/>
+                </a:solidFill>
+                <a:latin typeface="Consolas" panose="020B0609020204030204" pitchFamily="49" charset="0"/>
+              </a:rPr>
+              <a:t>abcdef</a:t>
+            </a:r>
+            <a:r>
+              <a:rPr lang="en-US" sz="2400" dirty="0">
+                <a:solidFill>
+                  <a:schemeClr val="accent2"/>
+                </a:solidFill>
+                <a:latin typeface="Consolas" panose="020B0609020204030204" pitchFamily="49" charset="0"/>
+              </a:rPr>
+              <a:t>"</a:t>
+            </a:r>
+            <a:r>
+              <a:rPr lang="en-US" sz="2400" dirty="0">
+                <a:latin typeface="Consolas" panose="020B0609020204030204" pitchFamily="49" charset="0"/>
+              </a:rPr>
+              <a:t>;</a:t>
+            </a:r>
+          </a:p>
+          <a:p>
+            <a:r>
+              <a:rPr lang="en-US" sz="2400" dirty="0">
+                <a:latin typeface="Consolas" panose="020B0609020204030204" pitchFamily="49" charset="0"/>
+              </a:rPr>
+              <a:t>    </a:t>
+            </a:r>
+            <a:r>
+              <a:rPr lang="en-US" sz="2400" dirty="0">
+                <a:solidFill>
+                  <a:srgbClr val="0070C0"/>
+                </a:solidFill>
+                <a:latin typeface="Consolas" panose="020B0609020204030204" pitchFamily="49" charset="0"/>
+              </a:rPr>
+              <a:t>public</a:t>
+            </a:r>
+            <a:r>
+              <a:rPr lang="en-US" sz="2400" dirty="0">
+                <a:latin typeface="Consolas" panose="020B0609020204030204" pitchFamily="49" charset="0"/>
+              </a:rPr>
+              <a:t> function method() {</a:t>
+            </a:r>
+          </a:p>
+          <a:p>
+            <a:r>
+              <a:rPr lang="en-US" sz="2400" dirty="0">
+                <a:latin typeface="Consolas" panose="020B0609020204030204" pitchFamily="49" charset="0"/>
+              </a:rPr>
+              <a:t>        </a:t>
+            </a:r>
+            <a:r>
+              <a:rPr lang="en-US" sz="2400" dirty="0">
+                <a:solidFill>
+                  <a:srgbClr val="0070C0"/>
+                </a:solidFill>
+                <a:latin typeface="Consolas" panose="020B0609020204030204" pitchFamily="49" charset="0"/>
+              </a:rPr>
+              <a:t>echo</a:t>
+            </a:r>
+            <a:r>
+              <a:rPr lang="en-US" sz="2400" dirty="0">
+                <a:latin typeface="Consolas" panose="020B0609020204030204" pitchFamily="49" charset="0"/>
+              </a:rPr>
+              <a:t> $this-&gt;property;</a:t>
+            </a:r>
+          </a:p>
+          <a:p>
+            <a:r>
+              <a:rPr lang="en-US" sz="2400" dirty="0">
+                <a:latin typeface="Consolas" panose="020B0609020204030204" pitchFamily="49" charset="0"/>
+              </a:rPr>
+              <a:t>    }</a:t>
+            </a:r>
+          </a:p>
+          <a:p>
+            <a:r>
+              <a:rPr lang="en-US" sz="2400" dirty="0">
+                <a:latin typeface="Consolas" panose="020B0609020204030204" pitchFamily="49" charset="0"/>
+              </a:rPr>
+              <a:t>}</a:t>
+            </a:r>
+          </a:p>
+          <a:p>
+            <a:endParaRPr lang="en-US" sz="2400" dirty="0">
+              <a:latin typeface="Consolas" panose="020B0609020204030204" pitchFamily="49" charset="0"/>
+            </a:endParaRPr>
+          </a:p>
+          <a:p>
+            <a:r>
+              <a:rPr lang="en-US" sz="2400" dirty="0">
+                <a:latin typeface="Consolas" panose="020B0609020204030204" pitchFamily="49" charset="0"/>
+              </a:rPr>
+              <a:t>$object = </a:t>
+            </a:r>
+            <a:r>
+              <a:rPr lang="en-US" sz="2400" dirty="0">
+                <a:solidFill>
+                  <a:srgbClr val="0070C0"/>
+                </a:solidFill>
+                <a:latin typeface="Consolas" panose="020B0609020204030204" pitchFamily="49" charset="0"/>
+              </a:rPr>
+              <a:t>new</a:t>
+            </a:r>
+            <a:r>
+              <a:rPr lang="en-US" sz="2400" dirty="0">
+                <a:latin typeface="Consolas" panose="020B0609020204030204" pitchFamily="49" charset="0"/>
+              </a:rPr>
+              <a:t> foobar();</a:t>
+            </a:r>
+          </a:p>
+          <a:p>
+            <a:endParaRPr lang="en-US" sz="2400" dirty="0">
+              <a:latin typeface="Consolas" panose="020B0609020204030204" pitchFamily="49" charset="0"/>
+            </a:endParaRPr>
+          </a:p>
+          <a:p>
+            <a:r>
+              <a:rPr lang="en-US" sz="2400" dirty="0">
+                <a:latin typeface="Consolas" panose="020B0609020204030204" pitchFamily="49" charset="0"/>
+              </a:rPr>
+              <a:t>$object-&gt;method();</a:t>
+            </a:r>
+          </a:p>
+        </p:txBody>
+      </p:sp>
+      <p:sp>
+        <p:nvSpPr>
+          <p:cNvPr id="2" name="Title 1"/>
+          <p:cNvSpPr>
+            <a:spLocks noGrp="1"/>
+          </p:cNvSpPr>
+          <p:nvPr>
+            <p:ph type="title"/>
+          </p:nvPr>
+        </p:nvSpPr>
+        <p:spPr>
+          <a:xfrm>
+            <a:off x="1" y="0"/>
+            <a:ext cx="12192000" cy="583973"/>
+          </a:xfrm>
+          <a:solidFill>
+            <a:schemeClr val="bg1">
+              <a:lumMod val="50000"/>
+            </a:schemeClr>
+          </a:solidFill>
+          <a:ln>
+            <a:noFill/>
+          </a:ln>
+        </p:spPr>
+        <p:style>
+          <a:lnRef idx="2">
+            <a:schemeClr val="accent3">
+              <a:shade val="50000"/>
+            </a:schemeClr>
+          </a:lnRef>
+          <a:fillRef idx="1">
+            <a:schemeClr val="accent3"/>
+          </a:fillRef>
+          <a:effectRef idx="0">
+            <a:schemeClr val="accent3"/>
+          </a:effectRef>
+          <a:fontRef idx="minor">
+            <a:schemeClr val="lt1"/>
+          </a:fontRef>
+        </p:style>
+        <p:txBody>
+          <a:bodyPr>
+            <a:normAutofit fontScale="90000"/>
+          </a:bodyPr>
+          <a:lstStyle/>
+          <a:p>
+            <a:pPr algn="ctr"/>
+            <a:r>
+              <a:rPr lang="en-US" sz="3600" dirty="0"/>
+              <a:t>Example 7-3 : $this</a:t>
+            </a:r>
+          </a:p>
+        </p:txBody>
+      </p:sp>
+    </p:spTree>
+    <p:extLst>
+      <p:ext uri="{BB962C8B-B14F-4D97-AF65-F5344CB8AC3E}">
+        <p14:creationId xmlns:p14="http://schemas.microsoft.com/office/powerpoint/2010/main" val="3438981246"/>
+      </p:ext>
+    </p:extLst>
+  </p:cSld>
+  <p:clrMapOvr>
+    <a:masterClrMapping/>
+  </p:clrMapOvr>
+</p:sld>
+</file>
+
+<file path=ppt/slides/slide55.xml><?xml version="1.0" encoding="utf-8"?>
+<p:sld xmlns:a="http://schemas.openxmlformats.org/drawingml/2006/main" xmlns:r="http://schemas.openxmlformats.org/officeDocument/2006/relationships" xmlns:p="http://schemas.openxmlformats.org/presentationml/2006/main">
+  <p:cSld>
+    <p:spTree>
+      <p:nvGrpSpPr>
+        <p:cNvPr id="1" name=""/>
+        <p:cNvGrpSpPr/>
+        <p:nvPr/>
+      </p:nvGrpSpPr>
+      <p:grpSpPr>
+        <a:xfrm>
+          <a:off x="0" y="0"/>
+          <a:ext cx="0" cy="0"/>
+          <a:chOff x="0" y="0"/>
+          <a:chExt cx="0" cy="0"/>
+        </a:xfrm>
+      </p:grpSpPr>
+      <p:sp>
+        <p:nvSpPr>
+          <p:cNvPr id="2" name="Title 1"/>
+          <p:cNvSpPr>
+            <a:spLocks noGrp="1"/>
+          </p:cNvSpPr>
+          <p:nvPr>
+            <p:ph type="title"/>
+          </p:nvPr>
+        </p:nvSpPr>
+        <p:spPr>
+          <a:xfrm>
+            <a:off x="831850" y="3622902"/>
+            <a:ext cx="10515600" cy="939573"/>
+          </a:xfrm>
+        </p:spPr>
+        <p:txBody>
+          <a:bodyPr/>
+          <a:lstStyle/>
+          <a:p>
+            <a:r>
+              <a:rPr lang="en-US" dirty="0"/>
+              <a:t>Files</a:t>
+            </a:r>
+          </a:p>
+        </p:txBody>
+      </p:sp>
+      <p:sp>
+        <p:nvSpPr>
+          <p:cNvPr id="3" name="Content Placeholder 2"/>
+          <p:cNvSpPr>
+            <a:spLocks noGrp="1"/>
+          </p:cNvSpPr>
+          <p:nvPr>
+            <p:ph type="body" idx="1"/>
+          </p:nvPr>
+        </p:nvSpPr>
+        <p:spPr>
+          <a:xfrm>
+            <a:off x="831850" y="3143704"/>
+            <a:ext cx="10515600" cy="479198"/>
+          </a:xfrm>
+        </p:spPr>
+        <p:txBody>
+          <a:bodyPr anchor="b"/>
+          <a:lstStyle/>
+          <a:p>
+            <a:r>
+              <a:rPr lang="en-US" dirty="0"/>
+              <a:t>Lesson 8</a:t>
+            </a:r>
+          </a:p>
+        </p:txBody>
+      </p:sp>
+    </p:spTree>
+    <p:extLst>
+      <p:ext uri="{BB962C8B-B14F-4D97-AF65-F5344CB8AC3E}">
+        <p14:creationId xmlns:p14="http://schemas.microsoft.com/office/powerpoint/2010/main" val="2600616309"/>
+      </p:ext>
+    </p:extLst>
+  </p:cSld>
+  <p:clrMapOvr>
+    <a:masterClrMapping/>
+  </p:clrMapOvr>
+</p:sld>
+</file>
+
+<file path=ppt/slides/slide56.xml><?xml version="1.0" encoding="utf-8"?>
+<p:sld xmlns:a="http://schemas.openxmlformats.org/drawingml/2006/main" xmlns:r="http://schemas.openxmlformats.org/officeDocument/2006/relationships" xmlns:p="http://schemas.openxmlformats.org/presentationml/2006/main">
+  <p:cSld>
+    <p:spTree>
+      <p:nvGrpSpPr>
+        <p:cNvPr id="1" name=""/>
+        <p:cNvGrpSpPr/>
+        <p:nvPr/>
+      </p:nvGrpSpPr>
+      <p:grpSpPr>
+        <a:xfrm>
+          <a:off x="0" y="0"/>
+          <a:ext cx="0" cy="0"/>
+          <a:chOff x="0" y="0"/>
+          <a:chExt cx="0" cy="0"/>
+        </a:xfrm>
+      </p:grpSpPr>
+      <p:sp>
+        <p:nvSpPr>
+          <p:cNvPr id="2" name="Title 1"/>
+          <p:cNvSpPr>
+            <a:spLocks noGrp="1"/>
+          </p:cNvSpPr>
+          <p:nvPr>
+            <p:ph type="title"/>
+          </p:nvPr>
+        </p:nvSpPr>
+        <p:spPr/>
+        <p:txBody>
+          <a:bodyPr/>
+          <a:lstStyle/>
+          <a:p>
+            <a:r>
+              <a:rPr lang="en-US" dirty="0"/>
+              <a:t>A note on include and require</a:t>
+            </a:r>
+          </a:p>
+        </p:txBody>
+      </p:sp>
+      <p:sp>
+        <p:nvSpPr>
+          <p:cNvPr id="3" name="Text Placeholder 2"/>
+          <p:cNvSpPr>
+            <a:spLocks noGrp="1"/>
+          </p:cNvSpPr>
+          <p:nvPr>
+            <p:ph idx="1"/>
+          </p:nvPr>
+        </p:nvSpPr>
+        <p:spPr/>
+        <p:txBody>
+          <a:bodyPr/>
+          <a:lstStyle/>
+          <a:p>
+            <a:r>
+              <a:rPr lang="en-US" sz="2400" dirty="0">
+                <a:solidFill>
+                  <a:srgbClr val="0070C0"/>
+                </a:solidFill>
+                <a:latin typeface="Consolas" panose="020B0609020204030204" pitchFamily="49" charset="0"/>
+              </a:rPr>
+              <a:t>include</a:t>
+            </a:r>
+            <a:r>
+              <a:rPr lang="en-US" dirty="0"/>
+              <a:t> and </a:t>
+            </a:r>
+            <a:r>
+              <a:rPr lang="en-US" sz="2400" dirty="0">
+                <a:solidFill>
+                  <a:srgbClr val="0070C0"/>
+                </a:solidFill>
+                <a:latin typeface="Consolas" panose="020B0609020204030204" pitchFamily="49" charset="0"/>
+              </a:rPr>
+              <a:t>require</a:t>
+            </a:r>
+            <a:r>
+              <a:rPr lang="en-US" dirty="0"/>
+              <a:t> allow you to use multiple PHP files</a:t>
+            </a:r>
+          </a:p>
+          <a:p>
+            <a:r>
+              <a:rPr lang="en-US" dirty="0"/>
+              <a:t>Including or requiring a file makes all of its contents accessible</a:t>
+            </a:r>
+          </a:p>
+          <a:p>
+            <a:pPr lvl="1"/>
+            <a:r>
+              <a:rPr lang="en-US" dirty="0"/>
+              <a:t>This includes functions, classes, variables, and other stuff</a:t>
+            </a:r>
+          </a:p>
+          <a:p>
+            <a:r>
+              <a:rPr lang="en-US" dirty="0"/>
+              <a:t>If there’s an error in an included file, PHP prints a warning</a:t>
+            </a:r>
+          </a:p>
+          <a:p>
+            <a:r>
+              <a:rPr lang="en-US" dirty="0"/>
+              <a:t>If there’s an error in a required file, PHP stops running</a:t>
+            </a:r>
+          </a:p>
+        </p:txBody>
+      </p:sp>
+    </p:spTree>
+    <p:extLst>
+      <p:ext uri="{BB962C8B-B14F-4D97-AF65-F5344CB8AC3E}">
+        <p14:creationId xmlns:p14="http://schemas.microsoft.com/office/powerpoint/2010/main" val="2766334587"/>
+      </p:ext>
+    </p:extLst>
+  </p:cSld>
+  <p:clrMapOvr>
+    <a:masterClrMapping/>
+  </p:clrMapOvr>
+</p:sld>
+</file>
+
+<file path=ppt/slides/slide57.xml><?xml version="1.0" encoding="utf-8"?>
+<p:sld xmlns:a="http://schemas.openxmlformats.org/drawingml/2006/main" xmlns:r="http://schemas.openxmlformats.org/officeDocument/2006/relationships" xmlns:p="http://schemas.openxmlformats.org/presentationml/2006/main">
+  <p:cSld>
+    <p:spTree>
+      <p:nvGrpSpPr>
+        <p:cNvPr id="1" name=""/>
+        <p:cNvGrpSpPr/>
+        <p:nvPr/>
+      </p:nvGrpSpPr>
+      <p:grpSpPr>
+        <a:xfrm>
+          <a:off x="0" y="0"/>
+          <a:ext cx="0" cy="0"/>
+          <a:chOff x="0" y="0"/>
+          <a:chExt cx="0" cy="0"/>
+        </a:xfrm>
+      </p:grpSpPr>
+      <p:sp>
+        <p:nvSpPr>
+          <p:cNvPr id="2" name="Title 1"/>
+          <p:cNvSpPr>
+            <a:spLocks noGrp="1"/>
+          </p:cNvSpPr>
+          <p:nvPr>
+            <p:ph type="title"/>
+          </p:nvPr>
+        </p:nvSpPr>
+        <p:spPr/>
+        <p:txBody>
+          <a:bodyPr/>
+          <a:lstStyle/>
+          <a:p>
+            <a:r>
+              <a:rPr lang="en-US" dirty="0" err="1"/>
+              <a:t>file_put_contents</a:t>
+            </a:r>
+            <a:r>
+              <a:rPr lang="en-US" dirty="0"/>
+              <a:t>()</a:t>
+            </a:r>
+          </a:p>
+        </p:txBody>
+      </p:sp>
+      <p:sp>
+        <p:nvSpPr>
+          <p:cNvPr id="3" name="Content Placeholder 2"/>
+          <p:cNvSpPr>
+            <a:spLocks noGrp="1"/>
+          </p:cNvSpPr>
+          <p:nvPr>
+            <p:ph idx="1"/>
+          </p:nvPr>
+        </p:nvSpPr>
+        <p:spPr/>
+        <p:txBody>
+          <a:bodyPr/>
+          <a:lstStyle/>
+          <a:p>
+            <a:r>
+              <a:rPr lang="en-US" dirty="0"/>
+              <a:t>Writes a string to a file</a:t>
+            </a:r>
+          </a:p>
+          <a:p>
+            <a:r>
+              <a:rPr lang="en-US" dirty="0"/>
+              <a:t>Two arguments: the name of the file and the string to write</a:t>
+            </a:r>
+          </a:p>
+          <a:p>
+            <a:r>
+              <a:rPr lang="en-US" dirty="0"/>
+              <a:t>Returns the size of the written file if the write succeeded</a:t>
+            </a:r>
+          </a:p>
+          <a:p>
+            <a:r>
+              <a:rPr lang="en-US" dirty="0"/>
+              <a:t>Returns </a:t>
+            </a:r>
+            <a:r>
+              <a:rPr lang="en-US" sz="2400" dirty="0">
+                <a:solidFill>
+                  <a:srgbClr val="0070C0"/>
+                </a:solidFill>
+                <a:latin typeface="Consolas" panose="020B0609020204030204" pitchFamily="49" charset="0"/>
+              </a:rPr>
+              <a:t>false</a:t>
+            </a:r>
+            <a:r>
+              <a:rPr lang="en-US" dirty="0"/>
+              <a:t> if the write failed</a:t>
+            </a:r>
+          </a:p>
+        </p:txBody>
+      </p:sp>
+    </p:spTree>
+    <p:extLst>
+      <p:ext uri="{BB962C8B-B14F-4D97-AF65-F5344CB8AC3E}">
+        <p14:creationId xmlns:p14="http://schemas.microsoft.com/office/powerpoint/2010/main" val="362745983"/>
+      </p:ext>
+    </p:extLst>
+  </p:cSld>
+  <p:clrMapOvr>
+    <a:masterClrMapping/>
+  </p:clrMapOvr>
+</p:sld>
+</file>
+
+<file path=ppt/slides/slide58.xml><?xml version="1.0" encoding="utf-8"?>
+<p:sld xmlns:a="http://schemas.openxmlformats.org/drawingml/2006/main" xmlns:r="http://schemas.openxmlformats.org/officeDocument/2006/relationships" xmlns:p="http://schemas.openxmlformats.org/presentationml/2006/main">
+  <p:cSld>
+    <p:spTree>
+      <p:nvGrpSpPr>
+        <p:cNvPr id="1" name=""/>
+        <p:cNvGrpSpPr/>
+        <p:nvPr/>
+      </p:nvGrpSpPr>
+      <p:grpSpPr>
+        <a:xfrm>
+          <a:off x="0" y="0"/>
+          <a:ext cx="0" cy="0"/>
+          <a:chOff x="0" y="0"/>
+          <a:chExt cx="0" cy="0"/>
+        </a:xfrm>
+      </p:grpSpPr>
+      <p:sp>
+        <p:nvSpPr>
+          <p:cNvPr id="2" name="Title 1"/>
+          <p:cNvSpPr>
+            <a:spLocks noGrp="1"/>
+          </p:cNvSpPr>
+          <p:nvPr>
+            <p:ph type="title"/>
+          </p:nvPr>
+        </p:nvSpPr>
+        <p:spPr/>
+        <p:txBody>
+          <a:bodyPr/>
+          <a:lstStyle/>
+          <a:p>
+            <a:r>
+              <a:rPr lang="en-US" dirty="0" err="1"/>
+              <a:t>file_get_contents</a:t>
+            </a:r>
+            <a:r>
+              <a:rPr lang="en-US" dirty="0"/>
+              <a:t>()</a:t>
+            </a:r>
+          </a:p>
+        </p:txBody>
+      </p:sp>
+      <p:sp>
+        <p:nvSpPr>
+          <p:cNvPr id="3" name="Content Placeholder 2"/>
+          <p:cNvSpPr>
+            <a:spLocks noGrp="1"/>
+          </p:cNvSpPr>
+          <p:nvPr>
+            <p:ph idx="1"/>
+          </p:nvPr>
+        </p:nvSpPr>
+        <p:spPr/>
+        <p:txBody>
+          <a:bodyPr/>
+          <a:lstStyle/>
+          <a:p>
+            <a:r>
+              <a:rPr lang="en-US" dirty="0"/>
+              <a:t>Used to get the contents of a file as a string</a:t>
+            </a:r>
+          </a:p>
+          <a:p>
+            <a:r>
+              <a:rPr lang="en-US" dirty="0"/>
+              <a:t>One argument: the name of the file to read</a:t>
+            </a:r>
+          </a:p>
+          <a:p>
+            <a:r>
+              <a:rPr lang="en-US" dirty="0"/>
+              <a:t>Returns the file’s contents if the read succeeded</a:t>
+            </a:r>
+          </a:p>
+          <a:p>
+            <a:r>
+              <a:rPr lang="en-US" dirty="0"/>
+              <a:t>Returns </a:t>
+            </a:r>
+            <a:r>
+              <a:rPr lang="en-US" sz="2400" dirty="0">
+                <a:solidFill>
+                  <a:srgbClr val="0070C0"/>
+                </a:solidFill>
+                <a:latin typeface="Consolas" panose="020B0609020204030204" pitchFamily="49" charset="0"/>
+              </a:rPr>
+              <a:t>false</a:t>
+            </a:r>
+            <a:r>
+              <a:rPr lang="en-US" dirty="0"/>
+              <a:t> if the read failed</a:t>
+            </a:r>
+          </a:p>
+        </p:txBody>
+      </p:sp>
+    </p:spTree>
+    <p:extLst>
+      <p:ext uri="{BB962C8B-B14F-4D97-AF65-F5344CB8AC3E}">
+        <p14:creationId xmlns:p14="http://schemas.microsoft.com/office/powerpoint/2010/main" val="3088460439"/>
+      </p:ext>
+    </p:extLst>
+  </p:cSld>
+  <p:clrMapOvr>
+    <a:masterClrMapping/>
+  </p:clrMapOvr>
+</p:sld>
+</file>
+
+<file path=ppt/slides/slide59.xml><?xml version="1.0" encoding="utf-8"?>
+<p:sld xmlns:a="http://schemas.openxmlformats.org/drawingml/2006/main" xmlns:r="http://schemas.openxmlformats.org/officeDocument/2006/relationships" xmlns:p="http://schemas.openxmlformats.org/presentationml/2006/main">
+  <p:cSld>
+    <p:spTree>
+      <p:nvGrpSpPr>
+        <p:cNvPr id="1" name=""/>
+        <p:cNvGrpSpPr/>
+        <p:nvPr/>
+      </p:nvGrpSpPr>
+      <p:grpSpPr>
+        <a:xfrm>
+          <a:off x="0" y="0"/>
+          <a:ext cx="0" cy="0"/>
+          <a:chOff x="0" y="0"/>
+          <a:chExt cx="0" cy="0"/>
+        </a:xfrm>
+      </p:grpSpPr>
+      <p:sp>
+        <p:nvSpPr>
+          <p:cNvPr id="5" name="TextBox 4"/>
+          <p:cNvSpPr txBox="1"/>
+          <p:nvPr/>
+        </p:nvSpPr>
+        <p:spPr>
+          <a:xfrm>
+            <a:off x="0" y="583973"/>
+            <a:ext cx="935489" cy="6370975"/>
+          </a:xfrm>
+          <a:prstGeom prst="rect">
+            <a:avLst/>
+          </a:prstGeom>
+          <a:solidFill>
+            <a:schemeClr val="bg1">
+              <a:lumMod val="85000"/>
+            </a:schemeClr>
+          </a:solidFill>
+        </p:spPr>
+        <p:txBody>
+          <a:bodyPr wrap="square" rtlCol="0" anchor="ctr">
+            <a:spAutoFit/>
+          </a:bodyPr>
+          <a:lstStyle/>
+          <a:p>
+            <a:pPr algn="r"/>
+            <a:r>
+              <a:rPr lang="en-US" sz="2400" dirty="0">
+                <a:solidFill>
+                  <a:schemeClr val="accent3">
+                    <a:lumMod val="50000"/>
+                  </a:schemeClr>
+                </a:solidFill>
+                <a:latin typeface="Consolas" panose="020B0609020204030204" pitchFamily="49" charset="0"/>
+              </a:rPr>
+              <a:t>1</a:t>
+            </a:r>
+          </a:p>
+          <a:p>
+            <a:pPr algn="r"/>
+            <a:r>
+              <a:rPr lang="en-US" sz="2400" dirty="0">
+                <a:solidFill>
+                  <a:schemeClr val="accent3">
+                    <a:lumMod val="50000"/>
+                  </a:schemeClr>
+                </a:solidFill>
+                <a:latin typeface="Consolas" panose="020B0609020204030204" pitchFamily="49" charset="0"/>
+              </a:rPr>
+              <a:t>2</a:t>
+            </a:r>
+          </a:p>
+          <a:p>
+            <a:pPr algn="r"/>
+            <a:r>
+              <a:rPr lang="en-US" sz="2400" dirty="0">
+                <a:solidFill>
+                  <a:schemeClr val="accent3">
+                    <a:lumMod val="50000"/>
+                  </a:schemeClr>
+                </a:solidFill>
+                <a:latin typeface="Consolas" panose="020B0609020204030204" pitchFamily="49" charset="0"/>
+              </a:rPr>
+              <a:t>3</a:t>
+            </a:r>
+          </a:p>
+          <a:p>
+            <a:pPr algn="r"/>
+            <a:r>
+              <a:rPr lang="en-US" sz="2400" dirty="0">
+                <a:solidFill>
+                  <a:schemeClr val="accent3">
+                    <a:lumMod val="50000"/>
+                  </a:schemeClr>
+                </a:solidFill>
+                <a:latin typeface="Consolas" panose="020B0609020204030204" pitchFamily="49" charset="0"/>
+              </a:rPr>
+              <a:t>4</a:t>
+            </a:r>
+          </a:p>
+          <a:p>
+            <a:pPr algn="r"/>
+            <a:r>
+              <a:rPr lang="en-US" sz="2400" dirty="0">
+                <a:solidFill>
+                  <a:schemeClr val="accent3">
+                    <a:lumMod val="50000"/>
+                  </a:schemeClr>
+                </a:solidFill>
+                <a:latin typeface="Consolas" panose="020B0609020204030204" pitchFamily="49" charset="0"/>
+              </a:rPr>
+              <a:t>5</a:t>
+            </a:r>
+          </a:p>
+          <a:p>
+            <a:pPr algn="r"/>
+            <a:r>
+              <a:rPr lang="en-US" sz="2400" dirty="0">
+                <a:solidFill>
+                  <a:schemeClr val="accent3">
+                    <a:lumMod val="50000"/>
+                  </a:schemeClr>
+                </a:solidFill>
+                <a:latin typeface="Consolas" panose="020B0609020204030204" pitchFamily="49" charset="0"/>
+              </a:rPr>
+              <a:t>6</a:t>
+            </a:r>
+          </a:p>
+          <a:p>
+            <a:pPr algn="r"/>
+            <a:r>
+              <a:rPr lang="en-US" sz="2400" dirty="0">
+                <a:solidFill>
+                  <a:schemeClr val="accent3">
+                    <a:lumMod val="50000"/>
+                  </a:schemeClr>
+                </a:solidFill>
+                <a:latin typeface="Consolas" panose="020B0609020204030204" pitchFamily="49" charset="0"/>
+              </a:rPr>
+              <a:t>7</a:t>
+            </a:r>
+          </a:p>
+          <a:p>
+            <a:pPr algn="r"/>
+            <a:r>
+              <a:rPr lang="en-US" sz="2400" dirty="0">
+                <a:solidFill>
+                  <a:schemeClr val="accent3">
+                    <a:lumMod val="50000"/>
+                  </a:schemeClr>
+                </a:solidFill>
+                <a:latin typeface="Consolas" panose="020B0609020204030204" pitchFamily="49" charset="0"/>
+              </a:rPr>
+              <a:t>8</a:t>
+            </a:r>
+          </a:p>
+          <a:p>
+            <a:pPr algn="r"/>
+            <a:r>
+              <a:rPr lang="en-US" sz="2400" dirty="0">
+                <a:solidFill>
+                  <a:schemeClr val="accent3">
+                    <a:lumMod val="50000"/>
+                  </a:schemeClr>
+                </a:solidFill>
+                <a:latin typeface="Consolas" panose="020B0609020204030204" pitchFamily="49" charset="0"/>
+              </a:rPr>
+              <a:t>9</a:t>
+            </a:r>
+          </a:p>
+          <a:p>
+            <a:pPr algn="r"/>
+            <a:r>
+              <a:rPr lang="en-US" sz="2400" dirty="0">
+                <a:solidFill>
+                  <a:schemeClr val="accent3">
+                    <a:lumMod val="50000"/>
+                  </a:schemeClr>
+                </a:solidFill>
+                <a:latin typeface="Consolas" panose="020B0609020204030204" pitchFamily="49" charset="0"/>
+              </a:rPr>
+              <a:t>10</a:t>
+            </a:r>
+          </a:p>
+          <a:p>
+            <a:pPr algn="r"/>
+            <a:r>
+              <a:rPr lang="en-US" sz="2400" dirty="0">
+                <a:solidFill>
+                  <a:schemeClr val="accent3">
+                    <a:lumMod val="50000"/>
+                  </a:schemeClr>
+                </a:solidFill>
+                <a:latin typeface="Consolas" panose="020B0609020204030204" pitchFamily="49" charset="0"/>
+              </a:rPr>
+              <a:t>11</a:t>
+            </a:r>
+          </a:p>
+          <a:p>
+            <a:pPr algn="r"/>
+            <a:r>
+              <a:rPr lang="en-US" sz="2400" dirty="0">
+                <a:solidFill>
+                  <a:schemeClr val="accent3">
+                    <a:lumMod val="50000"/>
+                  </a:schemeClr>
+                </a:solidFill>
+                <a:latin typeface="Consolas" panose="020B0609020204030204" pitchFamily="49" charset="0"/>
+              </a:rPr>
+              <a:t>12</a:t>
+            </a:r>
+          </a:p>
+          <a:p>
+            <a:pPr algn="r"/>
+            <a:r>
+              <a:rPr lang="en-US" sz="2400" dirty="0">
+                <a:solidFill>
+                  <a:schemeClr val="accent3">
+                    <a:lumMod val="50000"/>
+                  </a:schemeClr>
+                </a:solidFill>
+                <a:latin typeface="Consolas" panose="020B0609020204030204" pitchFamily="49" charset="0"/>
+              </a:rPr>
+              <a:t>13</a:t>
+            </a:r>
+          </a:p>
+          <a:p>
+            <a:pPr algn="r"/>
+            <a:r>
+              <a:rPr lang="en-US" sz="2400" dirty="0">
+                <a:solidFill>
+                  <a:schemeClr val="accent3">
+                    <a:lumMod val="50000"/>
+                  </a:schemeClr>
+                </a:solidFill>
+                <a:latin typeface="Consolas" panose="020B0609020204030204" pitchFamily="49" charset="0"/>
+              </a:rPr>
+              <a:t>14</a:t>
+            </a:r>
+          </a:p>
+          <a:p>
+            <a:pPr algn="r"/>
+            <a:r>
+              <a:rPr lang="en-US" sz="2400" dirty="0">
+                <a:solidFill>
+                  <a:schemeClr val="accent3">
+                    <a:lumMod val="50000"/>
+                  </a:schemeClr>
+                </a:solidFill>
+                <a:latin typeface="Consolas" panose="020B0609020204030204" pitchFamily="49" charset="0"/>
+              </a:rPr>
+              <a:t>15</a:t>
+            </a:r>
+          </a:p>
+          <a:p>
+            <a:pPr algn="r"/>
+            <a:r>
+              <a:rPr lang="en-US" sz="2400" dirty="0">
+                <a:solidFill>
+                  <a:schemeClr val="accent3">
+                    <a:lumMod val="50000"/>
+                  </a:schemeClr>
+                </a:solidFill>
+                <a:latin typeface="Consolas" panose="020B0609020204030204" pitchFamily="49" charset="0"/>
+              </a:rPr>
+              <a:t>16</a:t>
+            </a:r>
+          </a:p>
+          <a:p>
+            <a:pPr algn="r"/>
+            <a:endParaRPr lang="en-US" sz="2400" dirty="0">
+              <a:latin typeface="Consolas" panose="020B0609020204030204" pitchFamily="49" charset="0"/>
+            </a:endParaRPr>
+          </a:p>
+        </p:txBody>
+      </p:sp>
+      <p:sp>
+        <p:nvSpPr>
+          <p:cNvPr id="6" name="TextBox 5"/>
+          <p:cNvSpPr txBox="1"/>
+          <p:nvPr/>
+        </p:nvSpPr>
+        <p:spPr>
+          <a:xfrm>
+            <a:off x="935490" y="583973"/>
+            <a:ext cx="11256511" cy="1938992"/>
+          </a:xfrm>
+          <a:prstGeom prst="rect">
+            <a:avLst/>
+          </a:prstGeom>
+          <a:noFill/>
+        </p:spPr>
+        <p:txBody>
+          <a:bodyPr wrap="square" rtlCol="0">
+            <a:spAutoFit/>
+          </a:bodyPr>
+          <a:lstStyle/>
+          <a:p>
+            <a:pPr marL="0" indent="0">
+              <a:buNone/>
+            </a:pPr>
+            <a:r>
+              <a:rPr lang="en-US" sz="2400" dirty="0">
+                <a:solidFill>
+                  <a:srgbClr val="7030A0"/>
+                </a:solidFill>
+                <a:latin typeface="Consolas" panose="020B0609020204030204" pitchFamily="49" charset="0"/>
+              </a:rPr>
+              <a:t>&lt;?php</a:t>
+            </a:r>
+            <a:endParaRPr lang="en-US" sz="2400" dirty="0">
+              <a:latin typeface="Consolas" panose="020B0609020204030204" pitchFamily="49" charset="0"/>
+            </a:endParaRPr>
+          </a:p>
+          <a:p>
+            <a:pPr marL="0" indent="0">
+              <a:buNone/>
+            </a:pPr>
+            <a:endParaRPr lang="en-US" sz="2400" dirty="0">
+              <a:latin typeface="Consolas" panose="020B0609020204030204" pitchFamily="49" charset="0"/>
+            </a:endParaRPr>
+          </a:p>
+          <a:p>
+            <a:r>
+              <a:rPr lang="en-US" sz="2400" dirty="0" err="1">
+                <a:latin typeface="Consolas" panose="020B0609020204030204" pitchFamily="49" charset="0"/>
+              </a:rPr>
+              <a:t>file_put_contents</a:t>
+            </a:r>
+            <a:r>
+              <a:rPr lang="en-US" sz="2400" dirty="0">
+                <a:latin typeface="Consolas" panose="020B0609020204030204" pitchFamily="49" charset="0"/>
+              </a:rPr>
+              <a:t>(</a:t>
+            </a:r>
+            <a:r>
+              <a:rPr lang="en-US" sz="2400" dirty="0">
+                <a:solidFill>
+                  <a:schemeClr val="accent2"/>
+                </a:solidFill>
+                <a:latin typeface="Consolas" panose="020B0609020204030204" pitchFamily="49" charset="0"/>
+              </a:rPr>
+              <a:t>"file.txt"</a:t>
+            </a:r>
+            <a:r>
+              <a:rPr lang="en-US" sz="2400" dirty="0">
+                <a:latin typeface="Consolas" panose="020B0609020204030204" pitchFamily="49" charset="0"/>
+              </a:rPr>
+              <a:t>, </a:t>
+            </a:r>
+            <a:r>
+              <a:rPr lang="en-US" sz="2400" dirty="0">
+                <a:solidFill>
+                  <a:schemeClr val="accent2"/>
+                </a:solidFill>
+                <a:latin typeface="Consolas" panose="020B0609020204030204" pitchFamily="49" charset="0"/>
+              </a:rPr>
+              <a:t>"foobar"</a:t>
+            </a:r>
+            <a:r>
+              <a:rPr lang="en-US" sz="2400" dirty="0">
+                <a:latin typeface="Consolas" panose="020B0609020204030204" pitchFamily="49" charset="0"/>
+              </a:rPr>
+              <a:t>);</a:t>
+            </a:r>
+          </a:p>
+          <a:p>
+            <a:endParaRPr lang="en-US" sz="2400" dirty="0">
+              <a:solidFill>
+                <a:srgbClr val="0070C0"/>
+              </a:solidFill>
+              <a:latin typeface="Consolas" panose="020B0609020204030204" pitchFamily="49" charset="0"/>
+            </a:endParaRPr>
+          </a:p>
+          <a:p>
+            <a:r>
+              <a:rPr lang="en-US" sz="2400" dirty="0">
+                <a:solidFill>
+                  <a:srgbClr val="0070C0"/>
+                </a:solidFill>
+                <a:latin typeface="Consolas" panose="020B0609020204030204" pitchFamily="49" charset="0"/>
+              </a:rPr>
+              <a:t>echo </a:t>
+            </a:r>
+            <a:r>
+              <a:rPr lang="en-US" sz="2400" dirty="0" err="1">
+                <a:latin typeface="Consolas" panose="020B0609020204030204" pitchFamily="49" charset="0"/>
+              </a:rPr>
+              <a:t>file_get_contents</a:t>
+            </a:r>
+            <a:r>
+              <a:rPr lang="en-US" sz="2400" dirty="0">
+                <a:latin typeface="Consolas" panose="020B0609020204030204" pitchFamily="49" charset="0"/>
+              </a:rPr>
+              <a:t>(</a:t>
+            </a:r>
+            <a:r>
+              <a:rPr lang="en-US" sz="2400" dirty="0">
+                <a:solidFill>
+                  <a:schemeClr val="accent2"/>
+                </a:solidFill>
+                <a:latin typeface="Consolas" panose="020B0609020204030204" pitchFamily="49" charset="0"/>
+              </a:rPr>
+              <a:t>"file.txt"</a:t>
+            </a:r>
+            <a:r>
+              <a:rPr lang="en-US" sz="2400" dirty="0">
+                <a:latin typeface="Consolas" panose="020B0609020204030204" pitchFamily="49" charset="0"/>
+              </a:rPr>
+              <a:t>);</a:t>
+            </a:r>
+          </a:p>
+        </p:txBody>
+      </p:sp>
+      <p:sp>
+        <p:nvSpPr>
+          <p:cNvPr id="2" name="Title 1"/>
+          <p:cNvSpPr>
+            <a:spLocks noGrp="1"/>
+          </p:cNvSpPr>
+          <p:nvPr>
+            <p:ph type="title"/>
+          </p:nvPr>
+        </p:nvSpPr>
+        <p:spPr>
+          <a:xfrm>
+            <a:off x="1" y="0"/>
+            <a:ext cx="12192000" cy="583973"/>
+          </a:xfrm>
+          <a:solidFill>
+            <a:schemeClr val="bg1">
+              <a:lumMod val="50000"/>
+            </a:schemeClr>
+          </a:solidFill>
+          <a:ln>
+            <a:noFill/>
+          </a:ln>
+        </p:spPr>
+        <p:style>
+          <a:lnRef idx="2">
+            <a:schemeClr val="accent3">
+              <a:shade val="50000"/>
+            </a:schemeClr>
+          </a:lnRef>
+          <a:fillRef idx="1">
+            <a:schemeClr val="accent3"/>
+          </a:fillRef>
+          <a:effectRef idx="0">
+            <a:schemeClr val="accent3"/>
+          </a:effectRef>
+          <a:fontRef idx="minor">
+            <a:schemeClr val="lt1"/>
+          </a:fontRef>
+        </p:style>
+        <p:txBody>
+          <a:bodyPr>
+            <a:normAutofit fontScale="90000"/>
+          </a:bodyPr>
+          <a:lstStyle/>
+          <a:p>
+            <a:pPr algn="ctr"/>
+            <a:r>
+              <a:rPr lang="en-US" sz="3600" dirty="0"/>
+              <a:t>Example 8-1: </a:t>
+            </a:r>
+            <a:r>
+              <a:rPr lang="en-US" sz="3600" dirty="0" err="1"/>
+              <a:t>file_put_contents</a:t>
+            </a:r>
+            <a:r>
+              <a:rPr lang="en-US" sz="3600" dirty="0"/>
+              <a:t>()/</a:t>
+            </a:r>
+            <a:r>
+              <a:rPr lang="en-US" sz="3600" dirty="0" err="1"/>
+              <a:t>file_read_contents</a:t>
+            </a:r>
+            <a:r>
+              <a:rPr lang="en-US" sz="3600" dirty="0"/>
+              <a:t>()</a:t>
+            </a:r>
+          </a:p>
+        </p:txBody>
+      </p:sp>
+    </p:spTree>
+    <p:extLst>
+      <p:ext uri="{BB962C8B-B14F-4D97-AF65-F5344CB8AC3E}">
+        <p14:creationId xmlns:p14="http://schemas.microsoft.com/office/powerpoint/2010/main" val="2666890064"/>
+      </p:ext>
+    </p:extLst>
+  </p:cSld>
+  <p:clrMapOvr>
+    <a:masterClrMapping/>
+  </p:clrMapOvr>
+</p:sld>
+</file>
+
 <file path=ppt/slides/slide6.xml><?xml version="1.0" encoding="utf-8"?>
 <p:sld xmlns:a="http://schemas.openxmlformats.org/drawingml/2006/main" xmlns:r="http://schemas.openxmlformats.org/officeDocument/2006/relationships" xmlns:p="http://schemas.openxmlformats.org/presentationml/2006/main">
   <p:cSld>
@@ -15071,6 +18370,980 @@
     <p:extLst>
       <p:ext uri="{BB962C8B-B14F-4D97-AF65-F5344CB8AC3E}">
         <p14:creationId xmlns:p14="http://schemas.microsoft.com/office/powerpoint/2010/main" val="2596129200"/>
+      </p:ext>
+    </p:extLst>
+  </p:cSld>
+  <p:clrMapOvr>
+    <a:masterClrMapping/>
+  </p:clrMapOvr>
+</p:sld>
+</file>
+
+<file path=ppt/slides/slide60.xml><?xml version="1.0" encoding="utf-8"?>
+<p:sld xmlns:a="http://schemas.openxmlformats.org/drawingml/2006/main" xmlns:r="http://schemas.openxmlformats.org/officeDocument/2006/relationships" xmlns:p="http://schemas.openxmlformats.org/presentationml/2006/main">
+  <p:cSld>
+    <p:spTree>
+      <p:nvGrpSpPr>
+        <p:cNvPr id="1" name=""/>
+        <p:cNvGrpSpPr/>
+        <p:nvPr/>
+      </p:nvGrpSpPr>
+      <p:grpSpPr>
+        <a:xfrm>
+          <a:off x="0" y="0"/>
+          <a:ext cx="0" cy="0"/>
+          <a:chOff x="0" y="0"/>
+          <a:chExt cx="0" cy="0"/>
+        </a:xfrm>
+      </p:grpSpPr>
+      <p:sp>
+        <p:nvSpPr>
+          <p:cNvPr id="2" name="Title 1"/>
+          <p:cNvSpPr>
+            <a:spLocks noGrp="1"/>
+          </p:cNvSpPr>
+          <p:nvPr>
+            <p:ph type="title"/>
+          </p:nvPr>
+        </p:nvSpPr>
+        <p:spPr/>
+        <p:txBody>
+          <a:bodyPr/>
+          <a:lstStyle/>
+          <a:p>
+            <a:r>
+              <a:rPr lang="en-US" dirty="0" err="1"/>
+              <a:t>file_exists</a:t>
+            </a:r>
+            <a:r>
+              <a:rPr lang="en-US" dirty="0"/>
+              <a:t>()</a:t>
+            </a:r>
+          </a:p>
+        </p:txBody>
+      </p:sp>
+      <p:sp>
+        <p:nvSpPr>
+          <p:cNvPr id="3" name="Content Placeholder 2"/>
+          <p:cNvSpPr>
+            <a:spLocks noGrp="1"/>
+          </p:cNvSpPr>
+          <p:nvPr>
+            <p:ph idx="1"/>
+          </p:nvPr>
+        </p:nvSpPr>
+        <p:spPr/>
+        <p:txBody>
+          <a:bodyPr/>
+          <a:lstStyle/>
+          <a:p>
+            <a:r>
+              <a:rPr lang="en-US" dirty="0"/>
+              <a:t>Used to check if a file exists</a:t>
+            </a:r>
+          </a:p>
+          <a:p>
+            <a:r>
+              <a:rPr lang="en-US" dirty="0"/>
+              <a:t>One argument: the name of the file to look for</a:t>
+            </a:r>
+          </a:p>
+          <a:p>
+            <a:r>
+              <a:rPr lang="en-US" dirty="0"/>
+              <a:t>Returns </a:t>
+            </a:r>
+            <a:r>
+              <a:rPr lang="en-US" sz="2400" dirty="0">
+                <a:solidFill>
+                  <a:srgbClr val="0070C0"/>
+                </a:solidFill>
+                <a:latin typeface="Consolas" panose="020B0609020204030204" pitchFamily="49" charset="0"/>
+              </a:rPr>
+              <a:t>true</a:t>
+            </a:r>
+            <a:r>
+              <a:rPr lang="en-US" dirty="0"/>
+              <a:t> if the file exists</a:t>
+            </a:r>
+          </a:p>
+          <a:p>
+            <a:r>
+              <a:rPr lang="en-US" dirty="0"/>
+              <a:t>Returns </a:t>
+            </a:r>
+            <a:r>
+              <a:rPr lang="en-US" sz="2400" dirty="0">
+                <a:solidFill>
+                  <a:srgbClr val="0070C0"/>
+                </a:solidFill>
+                <a:latin typeface="Consolas" panose="020B0609020204030204" pitchFamily="49" charset="0"/>
+              </a:rPr>
+              <a:t>false</a:t>
+            </a:r>
+            <a:r>
+              <a:rPr lang="en-US" dirty="0"/>
+              <a:t> if the file does not exist</a:t>
+            </a:r>
+          </a:p>
+        </p:txBody>
+      </p:sp>
+    </p:spTree>
+    <p:extLst>
+      <p:ext uri="{BB962C8B-B14F-4D97-AF65-F5344CB8AC3E}">
+        <p14:creationId xmlns:p14="http://schemas.microsoft.com/office/powerpoint/2010/main" val="1301875048"/>
+      </p:ext>
+    </p:extLst>
+  </p:cSld>
+  <p:clrMapOvr>
+    <a:masterClrMapping/>
+  </p:clrMapOvr>
+</p:sld>
+</file>
+
+<file path=ppt/slides/slide61.xml><?xml version="1.0" encoding="utf-8"?>
+<p:sld xmlns:a="http://schemas.openxmlformats.org/drawingml/2006/main" xmlns:r="http://schemas.openxmlformats.org/officeDocument/2006/relationships" xmlns:p="http://schemas.openxmlformats.org/presentationml/2006/main">
+  <p:cSld>
+    <p:spTree>
+      <p:nvGrpSpPr>
+        <p:cNvPr id="1" name=""/>
+        <p:cNvGrpSpPr/>
+        <p:nvPr/>
+      </p:nvGrpSpPr>
+      <p:grpSpPr>
+        <a:xfrm>
+          <a:off x="0" y="0"/>
+          <a:ext cx="0" cy="0"/>
+          <a:chOff x="0" y="0"/>
+          <a:chExt cx="0" cy="0"/>
+        </a:xfrm>
+      </p:grpSpPr>
+      <p:sp>
+        <p:nvSpPr>
+          <p:cNvPr id="2" name="Title 1"/>
+          <p:cNvSpPr>
+            <a:spLocks noGrp="1"/>
+          </p:cNvSpPr>
+          <p:nvPr>
+            <p:ph type="title"/>
+          </p:nvPr>
+        </p:nvSpPr>
+        <p:spPr/>
+        <p:txBody>
+          <a:bodyPr/>
+          <a:lstStyle/>
+          <a:p>
+            <a:r>
+              <a:rPr lang="en-US" dirty="0"/>
+              <a:t>unlink()</a:t>
+            </a:r>
+          </a:p>
+        </p:txBody>
+      </p:sp>
+      <p:sp>
+        <p:nvSpPr>
+          <p:cNvPr id="3" name="Content Placeholder 2"/>
+          <p:cNvSpPr>
+            <a:spLocks noGrp="1"/>
+          </p:cNvSpPr>
+          <p:nvPr>
+            <p:ph idx="1"/>
+          </p:nvPr>
+        </p:nvSpPr>
+        <p:spPr/>
+        <p:txBody>
+          <a:bodyPr/>
+          <a:lstStyle/>
+          <a:p>
+            <a:r>
+              <a:rPr lang="en-US" dirty="0"/>
+              <a:t>Used to delete a file</a:t>
+            </a:r>
+          </a:p>
+          <a:p>
+            <a:r>
+              <a:rPr lang="en-US" dirty="0"/>
+              <a:t>One argument: the name of the file to delete</a:t>
+            </a:r>
+          </a:p>
+          <a:p>
+            <a:r>
+              <a:rPr lang="en-US" dirty="0"/>
+              <a:t>Returns </a:t>
+            </a:r>
+            <a:r>
+              <a:rPr lang="en-US" sz="2400" dirty="0">
+                <a:solidFill>
+                  <a:srgbClr val="0070C0"/>
+                </a:solidFill>
+                <a:latin typeface="Consolas" panose="020B0609020204030204" pitchFamily="49" charset="0"/>
+              </a:rPr>
+              <a:t>true</a:t>
+            </a:r>
+            <a:r>
+              <a:rPr lang="en-US" dirty="0">
+                <a:solidFill>
+                  <a:srgbClr val="0070C0"/>
+                </a:solidFill>
+              </a:rPr>
+              <a:t> </a:t>
+            </a:r>
+            <a:r>
+              <a:rPr lang="en-US" dirty="0"/>
+              <a:t>if the file was deleted</a:t>
+            </a:r>
+          </a:p>
+          <a:p>
+            <a:r>
+              <a:rPr lang="en-US" dirty="0"/>
+              <a:t>Returns </a:t>
+            </a:r>
+            <a:r>
+              <a:rPr lang="en-US" sz="2400" dirty="0">
+                <a:solidFill>
+                  <a:srgbClr val="0070C0"/>
+                </a:solidFill>
+                <a:latin typeface="Consolas" panose="020B0609020204030204" pitchFamily="49" charset="0"/>
+              </a:rPr>
+              <a:t>false</a:t>
+            </a:r>
+            <a:r>
+              <a:rPr lang="en-US" dirty="0"/>
+              <a:t> if the file was not deleted or did not exist</a:t>
+            </a:r>
+          </a:p>
+        </p:txBody>
+      </p:sp>
+    </p:spTree>
+    <p:extLst>
+      <p:ext uri="{BB962C8B-B14F-4D97-AF65-F5344CB8AC3E}">
+        <p14:creationId xmlns:p14="http://schemas.microsoft.com/office/powerpoint/2010/main" val="3108432492"/>
+      </p:ext>
+    </p:extLst>
+  </p:cSld>
+  <p:clrMapOvr>
+    <a:masterClrMapping/>
+  </p:clrMapOvr>
+</p:sld>
+</file>
+
+<file path=ppt/slides/slide62.xml><?xml version="1.0" encoding="utf-8"?>
+<p:sld xmlns:a="http://schemas.openxmlformats.org/drawingml/2006/main" xmlns:r="http://schemas.openxmlformats.org/officeDocument/2006/relationships" xmlns:p="http://schemas.openxmlformats.org/presentationml/2006/main">
+  <p:cSld>
+    <p:spTree>
+      <p:nvGrpSpPr>
+        <p:cNvPr id="1" name=""/>
+        <p:cNvGrpSpPr/>
+        <p:nvPr/>
+      </p:nvGrpSpPr>
+      <p:grpSpPr>
+        <a:xfrm>
+          <a:off x="0" y="0"/>
+          <a:ext cx="0" cy="0"/>
+          <a:chOff x="0" y="0"/>
+          <a:chExt cx="0" cy="0"/>
+        </a:xfrm>
+      </p:grpSpPr>
+      <p:sp>
+        <p:nvSpPr>
+          <p:cNvPr id="5" name="TextBox 4"/>
+          <p:cNvSpPr txBox="1"/>
+          <p:nvPr/>
+        </p:nvSpPr>
+        <p:spPr>
+          <a:xfrm>
+            <a:off x="0" y="583973"/>
+            <a:ext cx="935489" cy="6370975"/>
+          </a:xfrm>
+          <a:prstGeom prst="rect">
+            <a:avLst/>
+          </a:prstGeom>
+          <a:solidFill>
+            <a:schemeClr val="bg1">
+              <a:lumMod val="85000"/>
+            </a:schemeClr>
+          </a:solidFill>
+        </p:spPr>
+        <p:txBody>
+          <a:bodyPr wrap="square" rtlCol="0" anchor="ctr">
+            <a:spAutoFit/>
+          </a:bodyPr>
+          <a:lstStyle/>
+          <a:p>
+            <a:pPr algn="r"/>
+            <a:r>
+              <a:rPr lang="en-US" sz="2400" dirty="0">
+                <a:solidFill>
+                  <a:schemeClr val="accent3">
+                    <a:lumMod val="50000"/>
+                  </a:schemeClr>
+                </a:solidFill>
+                <a:latin typeface="Consolas" panose="020B0609020204030204" pitchFamily="49" charset="0"/>
+              </a:rPr>
+              <a:t>1</a:t>
+            </a:r>
+          </a:p>
+          <a:p>
+            <a:pPr algn="r"/>
+            <a:r>
+              <a:rPr lang="en-US" sz="2400" dirty="0">
+                <a:solidFill>
+                  <a:schemeClr val="accent3">
+                    <a:lumMod val="50000"/>
+                  </a:schemeClr>
+                </a:solidFill>
+                <a:latin typeface="Consolas" panose="020B0609020204030204" pitchFamily="49" charset="0"/>
+              </a:rPr>
+              <a:t>2</a:t>
+            </a:r>
+          </a:p>
+          <a:p>
+            <a:pPr algn="r"/>
+            <a:r>
+              <a:rPr lang="en-US" sz="2400" dirty="0">
+                <a:solidFill>
+                  <a:schemeClr val="accent3">
+                    <a:lumMod val="50000"/>
+                  </a:schemeClr>
+                </a:solidFill>
+                <a:latin typeface="Consolas" panose="020B0609020204030204" pitchFamily="49" charset="0"/>
+              </a:rPr>
+              <a:t>3</a:t>
+            </a:r>
+          </a:p>
+          <a:p>
+            <a:pPr algn="r"/>
+            <a:r>
+              <a:rPr lang="en-US" sz="2400" dirty="0">
+                <a:solidFill>
+                  <a:schemeClr val="accent3">
+                    <a:lumMod val="50000"/>
+                  </a:schemeClr>
+                </a:solidFill>
+                <a:latin typeface="Consolas" panose="020B0609020204030204" pitchFamily="49" charset="0"/>
+              </a:rPr>
+              <a:t>4</a:t>
+            </a:r>
+          </a:p>
+          <a:p>
+            <a:pPr algn="r"/>
+            <a:r>
+              <a:rPr lang="en-US" sz="2400" dirty="0">
+                <a:solidFill>
+                  <a:schemeClr val="accent3">
+                    <a:lumMod val="50000"/>
+                  </a:schemeClr>
+                </a:solidFill>
+                <a:latin typeface="Consolas" panose="020B0609020204030204" pitchFamily="49" charset="0"/>
+              </a:rPr>
+              <a:t>5</a:t>
+            </a:r>
+          </a:p>
+          <a:p>
+            <a:pPr algn="r"/>
+            <a:r>
+              <a:rPr lang="en-US" sz="2400" dirty="0">
+                <a:solidFill>
+                  <a:schemeClr val="accent3">
+                    <a:lumMod val="50000"/>
+                  </a:schemeClr>
+                </a:solidFill>
+                <a:latin typeface="Consolas" panose="020B0609020204030204" pitchFamily="49" charset="0"/>
+              </a:rPr>
+              <a:t>6</a:t>
+            </a:r>
+          </a:p>
+          <a:p>
+            <a:pPr algn="r"/>
+            <a:r>
+              <a:rPr lang="en-US" sz="2400" dirty="0">
+                <a:solidFill>
+                  <a:schemeClr val="accent3">
+                    <a:lumMod val="50000"/>
+                  </a:schemeClr>
+                </a:solidFill>
+                <a:latin typeface="Consolas" panose="020B0609020204030204" pitchFamily="49" charset="0"/>
+              </a:rPr>
+              <a:t>7</a:t>
+            </a:r>
+          </a:p>
+          <a:p>
+            <a:pPr algn="r"/>
+            <a:r>
+              <a:rPr lang="en-US" sz="2400" dirty="0">
+                <a:solidFill>
+                  <a:schemeClr val="accent3">
+                    <a:lumMod val="50000"/>
+                  </a:schemeClr>
+                </a:solidFill>
+                <a:latin typeface="Consolas" panose="020B0609020204030204" pitchFamily="49" charset="0"/>
+              </a:rPr>
+              <a:t>8</a:t>
+            </a:r>
+          </a:p>
+          <a:p>
+            <a:pPr algn="r"/>
+            <a:r>
+              <a:rPr lang="en-US" sz="2400" dirty="0">
+                <a:solidFill>
+                  <a:schemeClr val="accent3">
+                    <a:lumMod val="50000"/>
+                  </a:schemeClr>
+                </a:solidFill>
+                <a:latin typeface="Consolas" panose="020B0609020204030204" pitchFamily="49" charset="0"/>
+              </a:rPr>
+              <a:t>9</a:t>
+            </a:r>
+          </a:p>
+          <a:p>
+            <a:pPr algn="r"/>
+            <a:r>
+              <a:rPr lang="en-US" sz="2400" dirty="0">
+                <a:solidFill>
+                  <a:schemeClr val="accent3">
+                    <a:lumMod val="50000"/>
+                  </a:schemeClr>
+                </a:solidFill>
+                <a:latin typeface="Consolas" panose="020B0609020204030204" pitchFamily="49" charset="0"/>
+              </a:rPr>
+              <a:t>10</a:t>
+            </a:r>
+          </a:p>
+          <a:p>
+            <a:pPr algn="r"/>
+            <a:r>
+              <a:rPr lang="en-US" sz="2400" dirty="0">
+                <a:solidFill>
+                  <a:schemeClr val="accent3">
+                    <a:lumMod val="50000"/>
+                  </a:schemeClr>
+                </a:solidFill>
+                <a:latin typeface="Consolas" panose="020B0609020204030204" pitchFamily="49" charset="0"/>
+              </a:rPr>
+              <a:t>11</a:t>
+            </a:r>
+          </a:p>
+          <a:p>
+            <a:pPr algn="r"/>
+            <a:r>
+              <a:rPr lang="en-US" sz="2400" dirty="0">
+                <a:solidFill>
+                  <a:schemeClr val="accent3">
+                    <a:lumMod val="50000"/>
+                  </a:schemeClr>
+                </a:solidFill>
+                <a:latin typeface="Consolas" panose="020B0609020204030204" pitchFamily="49" charset="0"/>
+              </a:rPr>
+              <a:t>12</a:t>
+            </a:r>
+          </a:p>
+          <a:p>
+            <a:pPr algn="r"/>
+            <a:r>
+              <a:rPr lang="en-US" sz="2400" dirty="0">
+                <a:solidFill>
+                  <a:schemeClr val="accent3">
+                    <a:lumMod val="50000"/>
+                  </a:schemeClr>
+                </a:solidFill>
+                <a:latin typeface="Consolas" panose="020B0609020204030204" pitchFamily="49" charset="0"/>
+              </a:rPr>
+              <a:t>13</a:t>
+            </a:r>
+          </a:p>
+          <a:p>
+            <a:pPr algn="r"/>
+            <a:r>
+              <a:rPr lang="en-US" sz="2400" dirty="0">
+                <a:solidFill>
+                  <a:schemeClr val="accent3">
+                    <a:lumMod val="50000"/>
+                  </a:schemeClr>
+                </a:solidFill>
+                <a:latin typeface="Consolas" panose="020B0609020204030204" pitchFamily="49" charset="0"/>
+              </a:rPr>
+              <a:t>14</a:t>
+            </a:r>
+          </a:p>
+          <a:p>
+            <a:pPr algn="r"/>
+            <a:r>
+              <a:rPr lang="en-US" sz="2400" dirty="0">
+                <a:solidFill>
+                  <a:schemeClr val="accent3">
+                    <a:lumMod val="50000"/>
+                  </a:schemeClr>
+                </a:solidFill>
+                <a:latin typeface="Consolas" panose="020B0609020204030204" pitchFamily="49" charset="0"/>
+              </a:rPr>
+              <a:t>15</a:t>
+            </a:r>
+          </a:p>
+          <a:p>
+            <a:pPr algn="r"/>
+            <a:r>
+              <a:rPr lang="en-US" sz="2400" dirty="0">
+                <a:solidFill>
+                  <a:schemeClr val="accent3">
+                    <a:lumMod val="50000"/>
+                  </a:schemeClr>
+                </a:solidFill>
+                <a:latin typeface="Consolas" panose="020B0609020204030204" pitchFamily="49" charset="0"/>
+              </a:rPr>
+              <a:t>16</a:t>
+            </a:r>
+          </a:p>
+          <a:p>
+            <a:pPr algn="r"/>
+            <a:endParaRPr lang="en-US" sz="2400" dirty="0">
+              <a:latin typeface="Consolas" panose="020B0609020204030204" pitchFamily="49" charset="0"/>
+            </a:endParaRPr>
+          </a:p>
+        </p:txBody>
+      </p:sp>
+      <p:sp>
+        <p:nvSpPr>
+          <p:cNvPr id="6" name="TextBox 5"/>
+          <p:cNvSpPr txBox="1"/>
+          <p:nvPr/>
+        </p:nvSpPr>
+        <p:spPr>
+          <a:xfrm>
+            <a:off x="935490" y="583973"/>
+            <a:ext cx="11256511" cy="3416320"/>
+          </a:xfrm>
+          <a:prstGeom prst="rect">
+            <a:avLst/>
+          </a:prstGeom>
+          <a:noFill/>
+        </p:spPr>
+        <p:txBody>
+          <a:bodyPr wrap="square" rtlCol="0">
+            <a:spAutoFit/>
+          </a:bodyPr>
+          <a:lstStyle/>
+          <a:p>
+            <a:pPr marL="0" indent="0">
+              <a:buNone/>
+            </a:pPr>
+            <a:r>
+              <a:rPr lang="en-US" sz="2400" dirty="0">
+                <a:solidFill>
+                  <a:srgbClr val="7030A0"/>
+                </a:solidFill>
+                <a:latin typeface="Consolas" panose="020B0609020204030204" pitchFamily="49" charset="0"/>
+              </a:rPr>
+              <a:t>&lt;?php</a:t>
+            </a:r>
+            <a:endParaRPr lang="en-US" sz="2400" dirty="0">
+              <a:latin typeface="Consolas" panose="020B0609020204030204" pitchFamily="49" charset="0"/>
+            </a:endParaRPr>
+          </a:p>
+          <a:p>
+            <a:pPr marL="0" indent="0">
+              <a:buNone/>
+            </a:pPr>
+            <a:endParaRPr lang="en-US" sz="2400" dirty="0">
+              <a:latin typeface="Consolas" panose="020B0609020204030204" pitchFamily="49" charset="0"/>
+            </a:endParaRPr>
+          </a:p>
+          <a:p>
+            <a:r>
+              <a:rPr lang="en-US" sz="2400" dirty="0" err="1">
+                <a:latin typeface="Consolas" panose="020B0609020204030204" pitchFamily="49" charset="0"/>
+              </a:rPr>
+              <a:t>file_put_contents</a:t>
+            </a:r>
+            <a:r>
+              <a:rPr lang="en-US" sz="2400" dirty="0">
+                <a:latin typeface="Consolas" panose="020B0609020204030204" pitchFamily="49" charset="0"/>
+              </a:rPr>
+              <a:t>(</a:t>
+            </a:r>
+            <a:r>
+              <a:rPr lang="en-US" sz="2400" dirty="0">
+                <a:solidFill>
+                  <a:schemeClr val="accent2"/>
+                </a:solidFill>
+                <a:latin typeface="Consolas" panose="020B0609020204030204" pitchFamily="49" charset="0"/>
+              </a:rPr>
+              <a:t>"file.txt"</a:t>
+            </a:r>
+            <a:r>
+              <a:rPr lang="en-US" sz="2400" dirty="0">
+                <a:latin typeface="Consolas" panose="020B0609020204030204" pitchFamily="49" charset="0"/>
+              </a:rPr>
+              <a:t>, </a:t>
+            </a:r>
+            <a:r>
+              <a:rPr lang="en-US" sz="2400" dirty="0">
+                <a:solidFill>
+                  <a:schemeClr val="accent2"/>
+                </a:solidFill>
+                <a:latin typeface="Consolas" panose="020B0609020204030204" pitchFamily="49" charset="0"/>
+              </a:rPr>
+              <a:t>"foobar"</a:t>
+            </a:r>
+            <a:r>
+              <a:rPr lang="en-US" sz="2400" dirty="0">
+                <a:latin typeface="Consolas" panose="020B0609020204030204" pitchFamily="49" charset="0"/>
+              </a:rPr>
+              <a:t>);</a:t>
+            </a:r>
+          </a:p>
+          <a:p>
+            <a:endParaRPr lang="en-US" sz="2400" dirty="0">
+              <a:solidFill>
+                <a:srgbClr val="0070C0"/>
+              </a:solidFill>
+              <a:latin typeface="Consolas" panose="020B0609020204030204" pitchFamily="49" charset="0"/>
+            </a:endParaRPr>
+          </a:p>
+          <a:p>
+            <a:r>
+              <a:rPr lang="en-US" sz="2400" dirty="0">
+                <a:solidFill>
+                  <a:srgbClr val="0070C0"/>
+                </a:solidFill>
+                <a:latin typeface="Consolas" panose="020B0609020204030204" pitchFamily="49" charset="0"/>
+              </a:rPr>
+              <a:t>echo </a:t>
+            </a:r>
+            <a:r>
+              <a:rPr lang="en-US" sz="2400" dirty="0" err="1">
+                <a:latin typeface="Consolas" panose="020B0609020204030204" pitchFamily="49" charset="0"/>
+              </a:rPr>
+              <a:t>file_exists</a:t>
+            </a:r>
+            <a:r>
+              <a:rPr lang="en-US" sz="2400" dirty="0">
+                <a:latin typeface="Consolas" panose="020B0609020204030204" pitchFamily="49" charset="0"/>
+              </a:rPr>
+              <a:t>(</a:t>
+            </a:r>
+            <a:r>
+              <a:rPr lang="en-US" sz="2400" dirty="0">
+                <a:solidFill>
+                  <a:schemeClr val="accent2"/>
+                </a:solidFill>
+                <a:latin typeface="Consolas" panose="020B0609020204030204" pitchFamily="49" charset="0"/>
+              </a:rPr>
+              <a:t>"file.txt"</a:t>
+            </a:r>
+            <a:r>
+              <a:rPr lang="en-US" sz="2400" dirty="0">
+                <a:latin typeface="Consolas" panose="020B0609020204030204" pitchFamily="49" charset="0"/>
+              </a:rPr>
+              <a:t>);</a:t>
+            </a:r>
+          </a:p>
+          <a:p>
+            <a:endParaRPr lang="en-US" sz="2400" dirty="0">
+              <a:latin typeface="Consolas" panose="020B0609020204030204" pitchFamily="49" charset="0"/>
+            </a:endParaRPr>
+          </a:p>
+          <a:p>
+            <a:r>
+              <a:rPr lang="en-US" sz="2400" dirty="0">
+                <a:latin typeface="Consolas" panose="020B0609020204030204" pitchFamily="49" charset="0"/>
+              </a:rPr>
+              <a:t>unlink(</a:t>
+            </a:r>
+            <a:r>
+              <a:rPr lang="en-US" sz="2400" dirty="0">
+                <a:solidFill>
+                  <a:schemeClr val="accent2"/>
+                </a:solidFill>
+                <a:latin typeface="Consolas" panose="020B0609020204030204" pitchFamily="49" charset="0"/>
+              </a:rPr>
+              <a:t>"file.txt"</a:t>
+            </a:r>
+            <a:r>
+              <a:rPr lang="en-US" sz="2400" dirty="0">
+                <a:latin typeface="Consolas" panose="020B0609020204030204" pitchFamily="49" charset="0"/>
+              </a:rPr>
+              <a:t>);</a:t>
+            </a:r>
+          </a:p>
+          <a:p>
+            <a:endParaRPr lang="en-US" sz="2400" dirty="0">
+              <a:latin typeface="Consolas" panose="020B0609020204030204" pitchFamily="49" charset="0"/>
+            </a:endParaRPr>
+          </a:p>
+          <a:p>
+            <a:r>
+              <a:rPr lang="en-US" sz="2400" dirty="0">
+                <a:solidFill>
+                  <a:srgbClr val="0070C0"/>
+                </a:solidFill>
+                <a:latin typeface="Consolas" panose="020B0609020204030204" pitchFamily="49" charset="0"/>
+              </a:rPr>
+              <a:t>echo </a:t>
+            </a:r>
+            <a:r>
+              <a:rPr lang="en-US" sz="2400" dirty="0" err="1">
+                <a:latin typeface="Consolas" panose="020B0609020204030204" pitchFamily="49" charset="0"/>
+              </a:rPr>
+              <a:t>file_exists</a:t>
+            </a:r>
+            <a:r>
+              <a:rPr lang="en-US" sz="2400" dirty="0">
+                <a:latin typeface="Consolas" panose="020B0609020204030204" pitchFamily="49" charset="0"/>
+              </a:rPr>
+              <a:t>(</a:t>
+            </a:r>
+            <a:r>
+              <a:rPr lang="en-US" sz="2400" dirty="0">
+                <a:solidFill>
+                  <a:schemeClr val="accent2"/>
+                </a:solidFill>
+                <a:latin typeface="Consolas" panose="020B0609020204030204" pitchFamily="49" charset="0"/>
+              </a:rPr>
+              <a:t>"file.txt"</a:t>
+            </a:r>
+            <a:r>
+              <a:rPr lang="en-US" sz="2400" dirty="0">
+                <a:latin typeface="Consolas" panose="020B0609020204030204" pitchFamily="49" charset="0"/>
+              </a:rPr>
+              <a:t>);</a:t>
+            </a:r>
+          </a:p>
+        </p:txBody>
+      </p:sp>
+      <p:sp>
+        <p:nvSpPr>
+          <p:cNvPr id="2" name="Title 1"/>
+          <p:cNvSpPr>
+            <a:spLocks noGrp="1"/>
+          </p:cNvSpPr>
+          <p:nvPr>
+            <p:ph type="title"/>
+          </p:nvPr>
+        </p:nvSpPr>
+        <p:spPr>
+          <a:xfrm>
+            <a:off x="1" y="0"/>
+            <a:ext cx="12192000" cy="583973"/>
+          </a:xfrm>
+          <a:solidFill>
+            <a:schemeClr val="bg1">
+              <a:lumMod val="50000"/>
+            </a:schemeClr>
+          </a:solidFill>
+          <a:ln>
+            <a:noFill/>
+          </a:ln>
+        </p:spPr>
+        <p:style>
+          <a:lnRef idx="2">
+            <a:schemeClr val="accent3">
+              <a:shade val="50000"/>
+            </a:schemeClr>
+          </a:lnRef>
+          <a:fillRef idx="1">
+            <a:schemeClr val="accent3"/>
+          </a:fillRef>
+          <a:effectRef idx="0">
+            <a:schemeClr val="accent3"/>
+          </a:effectRef>
+          <a:fontRef idx="minor">
+            <a:schemeClr val="lt1"/>
+          </a:fontRef>
+        </p:style>
+        <p:txBody>
+          <a:bodyPr>
+            <a:normAutofit fontScale="90000"/>
+          </a:bodyPr>
+          <a:lstStyle/>
+          <a:p>
+            <a:pPr algn="ctr"/>
+            <a:r>
+              <a:rPr lang="en-US" sz="3600" dirty="0"/>
+              <a:t>Example 8-2: </a:t>
+            </a:r>
+            <a:r>
+              <a:rPr lang="en-US" sz="3600" dirty="0" err="1"/>
+              <a:t>file_exists</a:t>
+            </a:r>
+            <a:r>
+              <a:rPr lang="en-US" sz="3600" dirty="0"/>
+              <a:t>()/unlink()</a:t>
+            </a:r>
+          </a:p>
+        </p:txBody>
+      </p:sp>
+    </p:spTree>
+    <p:extLst>
+      <p:ext uri="{BB962C8B-B14F-4D97-AF65-F5344CB8AC3E}">
+        <p14:creationId xmlns:p14="http://schemas.microsoft.com/office/powerpoint/2010/main" val="3096470828"/>
+      </p:ext>
+    </p:extLst>
+  </p:cSld>
+  <p:clrMapOvr>
+    <a:masterClrMapping/>
+  </p:clrMapOvr>
+</p:sld>
+</file>
+
+<file path=ppt/slides/slide63.xml><?xml version="1.0" encoding="utf-8"?>
+<p:sld xmlns:a="http://schemas.openxmlformats.org/drawingml/2006/main" xmlns:r="http://schemas.openxmlformats.org/officeDocument/2006/relationships" xmlns:p="http://schemas.openxmlformats.org/presentationml/2006/main">
+  <p:cSld>
+    <p:spTree>
+      <p:nvGrpSpPr>
+        <p:cNvPr id="1" name=""/>
+        <p:cNvGrpSpPr/>
+        <p:nvPr/>
+      </p:nvGrpSpPr>
+      <p:grpSpPr>
+        <a:xfrm>
+          <a:off x="0" y="0"/>
+          <a:ext cx="0" cy="0"/>
+          <a:chOff x="0" y="0"/>
+          <a:chExt cx="0" cy="0"/>
+        </a:xfrm>
+      </p:grpSpPr>
+      <p:sp>
+        <p:nvSpPr>
+          <p:cNvPr id="2" name="Title 1"/>
+          <p:cNvSpPr>
+            <a:spLocks noGrp="1"/>
+          </p:cNvSpPr>
+          <p:nvPr>
+            <p:ph type="title"/>
+          </p:nvPr>
+        </p:nvSpPr>
+        <p:spPr/>
+        <p:txBody>
+          <a:bodyPr/>
+          <a:lstStyle/>
+          <a:p>
+            <a:r>
+              <a:rPr lang="en-US" dirty="0"/>
+              <a:t>Conclusion</a:t>
+            </a:r>
+          </a:p>
+        </p:txBody>
+      </p:sp>
+      <p:sp>
+        <p:nvSpPr>
+          <p:cNvPr id="3" name="Content Placeholder 2"/>
+          <p:cNvSpPr>
+            <a:spLocks noGrp="1"/>
+          </p:cNvSpPr>
+          <p:nvPr>
+            <p:ph type="body" idx="1"/>
+          </p:nvPr>
+        </p:nvSpPr>
+        <p:spPr/>
+        <p:txBody>
+          <a:bodyPr/>
+          <a:lstStyle/>
+          <a:p>
+            <a:endParaRPr lang="en-US"/>
+          </a:p>
+        </p:txBody>
+      </p:sp>
+    </p:spTree>
+    <p:extLst>
+      <p:ext uri="{BB962C8B-B14F-4D97-AF65-F5344CB8AC3E}">
+        <p14:creationId xmlns:p14="http://schemas.microsoft.com/office/powerpoint/2010/main" val="1028732288"/>
+      </p:ext>
+    </p:extLst>
+  </p:cSld>
+  <p:clrMapOvr>
+    <a:masterClrMapping/>
+  </p:clrMapOvr>
+</p:sld>
+</file>
+
+<file path=ppt/slides/slide64.xml><?xml version="1.0" encoding="utf-8"?>
+<p:sld xmlns:a="http://schemas.openxmlformats.org/drawingml/2006/main" xmlns:r="http://schemas.openxmlformats.org/officeDocument/2006/relationships" xmlns:p="http://schemas.openxmlformats.org/presentationml/2006/main">
+  <p:cSld>
+    <p:spTree>
+      <p:nvGrpSpPr>
+        <p:cNvPr id="1" name=""/>
+        <p:cNvGrpSpPr/>
+        <p:nvPr/>
+      </p:nvGrpSpPr>
+      <p:grpSpPr>
+        <a:xfrm>
+          <a:off x="0" y="0"/>
+          <a:ext cx="0" cy="0"/>
+          <a:chOff x="0" y="0"/>
+          <a:chExt cx="0" cy="0"/>
+        </a:xfrm>
+      </p:grpSpPr>
+      <p:sp>
+        <p:nvSpPr>
+          <p:cNvPr id="2" name="Title 1"/>
+          <p:cNvSpPr>
+            <a:spLocks noGrp="1"/>
+          </p:cNvSpPr>
+          <p:nvPr>
+            <p:ph type="title"/>
+          </p:nvPr>
+        </p:nvSpPr>
+        <p:spPr/>
+        <p:txBody>
+          <a:bodyPr/>
+          <a:lstStyle/>
+          <a:p>
+            <a:r>
+              <a:rPr lang="en-US" dirty="0"/>
+              <a:t>Useful links</a:t>
+            </a:r>
+          </a:p>
+        </p:txBody>
+      </p:sp>
+      <p:sp>
+        <p:nvSpPr>
+          <p:cNvPr id="3" name="Text Placeholder 2"/>
+          <p:cNvSpPr>
+            <a:spLocks noGrp="1"/>
+          </p:cNvSpPr>
+          <p:nvPr>
+            <p:ph idx="1"/>
+          </p:nvPr>
+        </p:nvSpPr>
+        <p:spPr/>
+        <p:txBody>
+          <a:bodyPr/>
+          <a:lstStyle/>
+          <a:p>
+            <a:r>
+              <a:rPr lang="en-US" dirty="0"/>
+              <a:t>The PHP website: php.net</a:t>
+            </a:r>
+          </a:p>
+          <a:p>
+            <a:r>
+              <a:rPr lang="en-US" dirty="0"/>
+              <a:t>The PHP manual: php.net/manual/</a:t>
+            </a:r>
+            <a:r>
+              <a:rPr lang="en-US" dirty="0" err="1"/>
+              <a:t>en</a:t>
+            </a:r>
+            <a:endParaRPr lang="en-US" dirty="0"/>
+          </a:p>
+          <a:p>
+            <a:r>
+              <a:rPr lang="en-US" dirty="0"/>
+              <a:t>Simple online PHP interpreter: 3v4l.org</a:t>
+            </a:r>
+          </a:p>
+          <a:p>
+            <a:r>
+              <a:rPr lang="en-US" dirty="0"/>
+              <a:t>Every programmers best friend: google.com</a:t>
+            </a:r>
+          </a:p>
+        </p:txBody>
+      </p:sp>
+    </p:spTree>
+    <p:extLst>
+      <p:ext uri="{BB962C8B-B14F-4D97-AF65-F5344CB8AC3E}">
+        <p14:creationId xmlns:p14="http://schemas.microsoft.com/office/powerpoint/2010/main" val="1777619885"/>
       </p:ext>
     </p:extLst>
   </p:cSld>

--- a/course/1 - Basic Programming/Basic Programming.pptx
+++ b/course/1 - Basic Programming/Basic Programming.pptx
@@ -4,6 +4,9 @@
   <p:sldMasterIdLst>
     <p:sldMasterId id="2147483660" r:id="rId1"/>
   </p:sldMasterIdLst>
+  <p:notesMasterIdLst>
+    <p:notesMasterId r:id="rId65"/>
+  </p:notesMasterIdLst>
   <p:sldIdLst>
     <p:sldId id="258" r:id="rId2"/>
     <p:sldId id="262" r:id="rId3"/>
@@ -67,8 +70,7 @@
     <p:sldId id="326" r:id="rId61"/>
     <p:sldId id="327" r:id="rId62"/>
     <p:sldId id="328" r:id="rId63"/>
-    <p:sldId id="329" r:id="rId64"/>
-    <p:sldId id="330" r:id="rId65"/>
+    <p:sldId id="330" r:id="rId64"/>
   </p:sldIdLst>
   <p:sldSz cx="12192000" cy="6858000"/>
   <p:notesSz cx="6858000" cy="9144000"/>
@@ -170,6 +172,523 @@
 </p:presentation>
 </file>
 
+<file path=ppt/notesMasters/notesMaster1.xml><?xml version="1.0" encoding="utf-8"?>
+<p:notesMaster xmlns:a="http://schemas.openxmlformats.org/drawingml/2006/main" xmlns:r="http://schemas.openxmlformats.org/officeDocument/2006/relationships" xmlns:p="http://schemas.openxmlformats.org/presentationml/2006/main">
+  <p:cSld>
+    <p:bg>
+      <p:bgRef idx="1001">
+        <a:schemeClr val="bg1"/>
+      </p:bgRef>
+    </p:bg>
+    <p:spTree>
+      <p:nvGrpSpPr>
+        <p:cNvPr id="1" name=""/>
+        <p:cNvGrpSpPr/>
+        <p:nvPr/>
+      </p:nvGrpSpPr>
+      <p:grpSpPr>
+        <a:xfrm>
+          <a:off x="0" y="0"/>
+          <a:ext cx="0" cy="0"/>
+          <a:chOff x="0" y="0"/>
+          <a:chExt cx="0" cy="0"/>
+        </a:xfrm>
+      </p:grpSpPr>
+      <p:sp>
+        <p:nvSpPr>
+          <p:cNvPr id="2" name="Header Placeholder 1"/>
+          <p:cNvSpPr>
+            <a:spLocks noGrp="1"/>
+          </p:cNvSpPr>
+          <p:nvPr>
+            <p:ph type="hdr" sz="quarter"/>
+          </p:nvPr>
+        </p:nvSpPr>
+        <p:spPr>
+          <a:xfrm>
+            <a:off x="0" y="0"/>
+            <a:ext cx="2971800" cy="458788"/>
+          </a:xfrm>
+          <a:prstGeom prst="rect">
+            <a:avLst/>
+          </a:prstGeom>
+        </p:spPr>
+        <p:txBody>
+          <a:bodyPr vert="horz" lIns="91440" tIns="45720" rIns="91440" bIns="45720" rtlCol="0"/>
+          <a:lstStyle>
+            <a:lvl1pPr algn="l">
+              <a:defRPr sz="1200"/>
+            </a:lvl1pPr>
+          </a:lstStyle>
+          <a:p>
+            <a:endParaRPr lang="en-US"/>
+          </a:p>
+        </p:txBody>
+      </p:sp>
+      <p:sp>
+        <p:nvSpPr>
+          <p:cNvPr id="3" name="Date Placeholder 2"/>
+          <p:cNvSpPr>
+            <a:spLocks noGrp="1"/>
+          </p:cNvSpPr>
+          <p:nvPr>
+            <p:ph type="dt" idx="1"/>
+          </p:nvPr>
+        </p:nvSpPr>
+        <p:spPr>
+          <a:xfrm>
+            <a:off x="3884613" y="0"/>
+            <a:ext cx="2971800" cy="458788"/>
+          </a:xfrm>
+          <a:prstGeom prst="rect">
+            <a:avLst/>
+          </a:prstGeom>
+        </p:spPr>
+        <p:txBody>
+          <a:bodyPr vert="horz" lIns="91440" tIns="45720" rIns="91440" bIns="45720" rtlCol="0"/>
+          <a:lstStyle>
+            <a:lvl1pPr algn="r">
+              <a:defRPr sz="1200"/>
+            </a:lvl1pPr>
+          </a:lstStyle>
+          <a:p>
+            <a:fld id="{7560A440-69D7-4478-B10E-1BFBF6E74C92}" type="datetimeFigureOut">
+              <a:rPr lang="en-US" smtClean="0"/>
+              <a:t>4/7/2016</a:t>
+            </a:fld>
+            <a:endParaRPr lang="en-US"/>
+          </a:p>
+        </p:txBody>
+      </p:sp>
+      <p:sp>
+        <p:nvSpPr>
+          <p:cNvPr id="4" name="Slide Image Placeholder 3"/>
+          <p:cNvSpPr>
+            <a:spLocks noGrp="1" noRot="1" noChangeAspect="1"/>
+          </p:cNvSpPr>
+          <p:nvPr>
+            <p:ph type="sldImg" idx="2"/>
+          </p:nvPr>
+        </p:nvSpPr>
+        <p:spPr>
+          <a:xfrm>
+            <a:off x="685800" y="1143000"/>
+            <a:ext cx="5486400" cy="3086100"/>
+          </a:xfrm>
+          <a:prstGeom prst="rect">
+            <a:avLst/>
+          </a:prstGeom>
+          <a:noFill/>
+          <a:ln w="12700">
+            <a:solidFill>
+              <a:prstClr val="black"/>
+            </a:solidFill>
+          </a:ln>
+        </p:spPr>
+        <p:txBody>
+          <a:bodyPr vert="horz" lIns="91440" tIns="45720" rIns="91440" bIns="45720" rtlCol="0" anchor="ctr"/>
+          <a:lstStyle/>
+          <a:p>
+            <a:endParaRPr lang="en-US"/>
+          </a:p>
+        </p:txBody>
+      </p:sp>
+      <p:sp>
+        <p:nvSpPr>
+          <p:cNvPr id="5" name="Notes Placeholder 4"/>
+          <p:cNvSpPr>
+            <a:spLocks noGrp="1"/>
+          </p:cNvSpPr>
+          <p:nvPr>
+            <p:ph type="body" sz="quarter" idx="3"/>
+          </p:nvPr>
+        </p:nvSpPr>
+        <p:spPr>
+          <a:xfrm>
+            <a:off x="685800" y="4400550"/>
+            <a:ext cx="5486400" cy="3600450"/>
+          </a:xfrm>
+          <a:prstGeom prst="rect">
+            <a:avLst/>
+          </a:prstGeom>
+        </p:spPr>
+        <p:txBody>
+          <a:bodyPr vert="horz" lIns="91440" tIns="45720" rIns="91440" bIns="45720" rtlCol="0"/>
+          <a:lstStyle/>
+          <a:p>
+            <a:pPr lvl="0"/>
+            <a:r>
+              <a:rPr lang="en-US"/>
+              <a:t>Edit Master text styles</a:t>
+            </a:r>
+          </a:p>
+          <a:p>
+            <a:pPr lvl="1"/>
+            <a:r>
+              <a:rPr lang="en-US"/>
+              <a:t>Second level</a:t>
+            </a:r>
+          </a:p>
+          <a:p>
+            <a:pPr lvl="2"/>
+            <a:r>
+              <a:rPr lang="en-US"/>
+              <a:t>Third level</a:t>
+            </a:r>
+          </a:p>
+          <a:p>
+            <a:pPr lvl="3"/>
+            <a:r>
+              <a:rPr lang="en-US"/>
+              <a:t>Fourth level</a:t>
+            </a:r>
+          </a:p>
+          <a:p>
+            <a:pPr lvl="4"/>
+            <a:r>
+              <a:rPr lang="en-US"/>
+              <a:t>Fifth level</a:t>
+            </a:r>
+          </a:p>
+        </p:txBody>
+      </p:sp>
+      <p:sp>
+        <p:nvSpPr>
+          <p:cNvPr id="6" name="Footer Placeholder 5"/>
+          <p:cNvSpPr>
+            <a:spLocks noGrp="1"/>
+          </p:cNvSpPr>
+          <p:nvPr>
+            <p:ph type="ftr" sz="quarter" idx="4"/>
+          </p:nvPr>
+        </p:nvSpPr>
+        <p:spPr>
+          <a:xfrm>
+            <a:off x="0" y="8685213"/>
+            <a:ext cx="2971800" cy="458787"/>
+          </a:xfrm>
+          <a:prstGeom prst="rect">
+            <a:avLst/>
+          </a:prstGeom>
+        </p:spPr>
+        <p:txBody>
+          <a:bodyPr vert="horz" lIns="91440" tIns="45720" rIns="91440" bIns="45720" rtlCol="0" anchor="b"/>
+          <a:lstStyle>
+            <a:lvl1pPr algn="l">
+              <a:defRPr sz="1200"/>
+            </a:lvl1pPr>
+          </a:lstStyle>
+          <a:p>
+            <a:endParaRPr lang="en-US"/>
+          </a:p>
+        </p:txBody>
+      </p:sp>
+      <p:sp>
+        <p:nvSpPr>
+          <p:cNvPr id="7" name="Slide Number Placeholder 6"/>
+          <p:cNvSpPr>
+            <a:spLocks noGrp="1"/>
+          </p:cNvSpPr>
+          <p:nvPr>
+            <p:ph type="sldNum" sz="quarter" idx="5"/>
+          </p:nvPr>
+        </p:nvSpPr>
+        <p:spPr>
+          <a:xfrm>
+            <a:off x="3884613" y="8685213"/>
+            <a:ext cx="2971800" cy="458787"/>
+          </a:xfrm>
+          <a:prstGeom prst="rect">
+            <a:avLst/>
+          </a:prstGeom>
+        </p:spPr>
+        <p:txBody>
+          <a:bodyPr vert="horz" lIns="91440" tIns="45720" rIns="91440" bIns="45720" rtlCol="0" anchor="b"/>
+          <a:lstStyle>
+            <a:lvl1pPr algn="r">
+              <a:defRPr sz="1200"/>
+            </a:lvl1pPr>
+          </a:lstStyle>
+          <a:p>
+            <a:fld id="{02F3D625-5A43-4569-B5BD-5B8E1E7C17E2}" type="slidenum">
+              <a:rPr lang="en-US" smtClean="0"/>
+              <a:t>‹#›</a:t>
+            </a:fld>
+            <a:endParaRPr lang="en-US"/>
+          </a:p>
+        </p:txBody>
+      </p:sp>
+    </p:spTree>
+    <p:extLst>
+      <p:ext uri="{BB962C8B-B14F-4D97-AF65-F5344CB8AC3E}">
+        <p14:creationId xmlns:p14="http://schemas.microsoft.com/office/powerpoint/2010/main" val="3075595855"/>
+      </p:ext>
+    </p:extLst>
+  </p:cSld>
+  <p:clrMap bg1="lt1" tx1="dk1" bg2="lt2" tx2="dk2" accent1="accent1" accent2="accent2" accent3="accent3" accent4="accent4" accent5="accent5" accent6="accent6" hlink="hlink" folHlink="folHlink"/>
+  <p:notesStyle>
+    <a:lvl1pPr marL="0" algn="l" defTabSz="914400" rtl="0" eaLnBrk="1" latinLnBrk="0" hangingPunct="1">
+      <a:defRPr sz="1200" kern="1200">
+        <a:solidFill>
+          <a:schemeClr val="tx1"/>
+        </a:solidFill>
+        <a:latin typeface="+mn-lt"/>
+        <a:ea typeface="+mn-ea"/>
+        <a:cs typeface="+mn-cs"/>
+      </a:defRPr>
+    </a:lvl1pPr>
+    <a:lvl2pPr marL="457200" algn="l" defTabSz="914400" rtl="0" eaLnBrk="1" latinLnBrk="0" hangingPunct="1">
+      <a:defRPr sz="1200" kern="1200">
+        <a:solidFill>
+          <a:schemeClr val="tx1"/>
+        </a:solidFill>
+        <a:latin typeface="+mn-lt"/>
+        <a:ea typeface="+mn-ea"/>
+        <a:cs typeface="+mn-cs"/>
+      </a:defRPr>
+    </a:lvl2pPr>
+    <a:lvl3pPr marL="914400" algn="l" defTabSz="914400" rtl="0" eaLnBrk="1" latinLnBrk="0" hangingPunct="1">
+      <a:defRPr sz="1200" kern="1200">
+        <a:solidFill>
+          <a:schemeClr val="tx1"/>
+        </a:solidFill>
+        <a:latin typeface="+mn-lt"/>
+        <a:ea typeface="+mn-ea"/>
+        <a:cs typeface="+mn-cs"/>
+      </a:defRPr>
+    </a:lvl3pPr>
+    <a:lvl4pPr marL="1371600" algn="l" defTabSz="914400" rtl="0" eaLnBrk="1" latinLnBrk="0" hangingPunct="1">
+      <a:defRPr sz="1200" kern="1200">
+        <a:solidFill>
+          <a:schemeClr val="tx1"/>
+        </a:solidFill>
+        <a:latin typeface="+mn-lt"/>
+        <a:ea typeface="+mn-ea"/>
+        <a:cs typeface="+mn-cs"/>
+      </a:defRPr>
+    </a:lvl4pPr>
+    <a:lvl5pPr marL="1828800" algn="l" defTabSz="914400" rtl="0" eaLnBrk="1" latinLnBrk="0" hangingPunct="1">
+      <a:defRPr sz="1200" kern="1200">
+        <a:solidFill>
+          <a:schemeClr val="tx1"/>
+        </a:solidFill>
+        <a:latin typeface="+mn-lt"/>
+        <a:ea typeface="+mn-ea"/>
+        <a:cs typeface="+mn-cs"/>
+      </a:defRPr>
+    </a:lvl5pPr>
+    <a:lvl6pPr marL="2286000" algn="l" defTabSz="914400" rtl="0" eaLnBrk="1" latinLnBrk="0" hangingPunct="1">
+      <a:defRPr sz="1200" kern="1200">
+        <a:solidFill>
+          <a:schemeClr val="tx1"/>
+        </a:solidFill>
+        <a:latin typeface="+mn-lt"/>
+        <a:ea typeface="+mn-ea"/>
+        <a:cs typeface="+mn-cs"/>
+      </a:defRPr>
+    </a:lvl6pPr>
+    <a:lvl7pPr marL="2743200" algn="l" defTabSz="914400" rtl="0" eaLnBrk="1" latinLnBrk="0" hangingPunct="1">
+      <a:defRPr sz="1200" kern="1200">
+        <a:solidFill>
+          <a:schemeClr val="tx1"/>
+        </a:solidFill>
+        <a:latin typeface="+mn-lt"/>
+        <a:ea typeface="+mn-ea"/>
+        <a:cs typeface="+mn-cs"/>
+      </a:defRPr>
+    </a:lvl7pPr>
+    <a:lvl8pPr marL="3200400" algn="l" defTabSz="914400" rtl="0" eaLnBrk="1" latinLnBrk="0" hangingPunct="1">
+      <a:defRPr sz="1200" kern="1200">
+        <a:solidFill>
+          <a:schemeClr val="tx1"/>
+        </a:solidFill>
+        <a:latin typeface="+mn-lt"/>
+        <a:ea typeface="+mn-ea"/>
+        <a:cs typeface="+mn-cs"/>
+      </a:defRPr>
+    </a:lvl8pPr>
+    <a:lvl9pPr marL="3657600" algn="l" defTabSz="914400" rtl="0" eaLnBrk="1" latinLnBrk="0" hangingPunct="1">
+      <a:defRPr sz="1200" kern="1200">
+        <a:solidFill>
+          <a:schemeClr val="tx1"/>
+        </a:solidFill>
+        <a:latin typeface="+mn-lt"/>
+        <a:ea typeface="+mn-ea"/>
+        <a:cs typeface="+mn-cs"/>
+      </a:defRPr>
+    </a:lvl9pPr>
+  </p:notesStyle>
+</p:notesMaster>
+</file>
+
+<file path=ppt/notesSlides/notesSlide1.xml><?xml version="1.0" encoding="utf-8"?>
+<p:notes xmlns:a="http://schemas.openxmlformats.org/drawingml/2006/main" xmlns:r="http://schemas.openxmlformats.org/officeDocument/2006/relationships" xmlns:p="http://schemas.openxmlformats.org/presentationml/2006/main">
+  <p:cSld>
+    <p:spTree>
+      <p:nvGrpSpPr>
+        <p:cNvPr id="1" name=""/>
+        <p:cNvGrpSpPr/>
+        <p:nvPr/>
+      </p:nvGrpSpPr>
+      <p:grpSpPr>
+        <a:xfrm>
+          <a:off x="0" y="0"/>
+          <a:ext cx="0" cy="0"/>
+          <a:chOff x="0" y="0"/>
+          <a:chExt cx="0" cy="0"/>
+        </a:xfrm>
+      </p:grpSpPr>
+      <p:sp>
+        <p:nvSpPr>
+          <p:cNvPr id="2" name="Slide Image Placeholder 1"/>
+          <p:cNvSpPr>
+            <a:spLocks noGrp="1" noRot="1" noChangeAspect="1"/>
+          </p:cNvSpPr>
+          <p:nvPr>
+            <p:ph type="sldImg"/>
+          </p:nvPr>
+        </p:nvSpPr>
+        <p:spPr/>
+      </p:sp>
+      <p:sp>
+        <p:nvSpPr>
+          <p:cNvPr id="3" name="Notes Placeholder 2"/>
+          <p:cNvSpPr>
+            <a:spLocks noGrp="1"/>
+          </p:cNvSpPr>
+          <p:nvPr>
+            <p:ph type="body" idx="1"/>
+          </p:nvPr>
+        </p:nvSpPr>
+        <p:spPr/>
+        <p:txBody>
+          <a:bodyPr/>
+          <a:lstStyle/>
+          <a:p>
+            <a:endParaRPr lang="en-US" dirty="0"/>
+          </a:p>
+        </p:txBody>
+      </p:sp>
+      <p:sp>
+        <p:nvSpPr>
+          <p:cNvPr id="4" name="Slide Number Placeholder 3"/>
+          <p:cNvSpPr>
+            <a:spLocks noGrp="1"/>
+          </p:cNvSpPr>
+          <p:nvPr>
+            <p:ph type="sldNum" sz="quarter" idx="10"/>
+          </p:nvPr>
+        </p:nvSpPr>
+        <p:spPr/>
+        <p:txBody>
+          <a:bodyPr/>
+          <a:lstStyle/>
+          <a:p>
+            <a:fld id="{02F3D625-5A43-4569-B5BD-5B8E1E7C17E2}" type="slidenum">
+              <a:rPr lang="en-US" smtClean="0"/>
+              <a:t>29</a:t>
+            </a:fld>
+            <a:endParaRPr lang="en-US"/>
+          </a:p>
+        </p:txBody>
+      </p:sp>
+    </p:spTree>
+    <p:extLst>
+      <p:ext uri="{BB962C8B-B14F-4D97-AF65-F5344CB8AC3E}">
+        <p14:creationId xmlns:p14="http://schemas.microsoft.com/office/powerpoint/2010/main" val="2181129883"/>
+      </p:ext>
+    </p:extLst>
+  </p:cSld>
+  <p:clrMapOvr>
+    <a:masterClrMapping/>
+  </p:clrMapOvr>
+</p:notes>
+</file>
+
+<file path=ppt/notesSlides/notesSlide2.xml><?xml version="1.0" encoding="utf-8"?>
+<p:notes xmlns:a="http://schemas.openxmlformats.org/drawingml/2006/main" xmlns:r="http://schemas.openxmlformats.org/officeDocument/2006/relationships" xmlns:p="http://schemas.openxmlformats.org/presentationml/2006/main">
+  <p:cSld>
+    <p:spTree>
+      <p:nvGrpSpPr>
+        <p:cNvPr id="1" name=""/>
+        <p:cNvGrpSpPr/>
+        <p:nvPr/>
+      </p:nvGrpSpPr>
+      <p:grpSpPr>
+        <a:xfrm>
+          <a:off x="0" y="0"/>
+          <a:ext cx="0" cy="0"/>
+          <a:chOff x="0" y="0"/>
+          <a:chExt cx="0" cy="0"/>
+        </a:xfrm>
+      </p:grpSpPr>
+      <p:sp>
+        <p:nvSpPr>
+          <p:cNvPr id="2" name="Slide Image Placeholder 1"/>
+          <p:cNvSpPr>
+            <a:spLocks noGrp="1" noRot="1" noChangeAspect="1"/>
+          </p:cNvSpPr>
+          <p:nvPr>
+            <p:ph type="sldImg"/>
+          </p:nvPr>
+        </p:nvSpPr>
+        <p:spPr/>
+      </p:sp>
+      <p:sp>
+        <p:nvSpPr>
+          <p:cNvPr id="3" name="Notes Placeholder 2"/>
+          <p:cNvSpPr>
+            <a:spLocks noGrp="1"/>
+          </p:cNvSpPr>
+          <p:nvPr>
+            <p:ph type="body" idx="1"/>
+          </p:nvPr>
+        </p:nvSpPr>
+        <p:spPr/>
+        <p:txBody>
+          <a:bodyPr/>
+          <a:lstStyle/>
+          <a:p>
+            <a:endParaRPr lang="en-US" dirty="0"/>
+          </a:p>
+        </p:txBody>
+      </p:sp>
+      <p:sp>
+        <p:nvSpPr>
+          <p:cNvPr id="4" name="Slide Number Placeholder 3"/>
+          <p:cNvSpPr>
+            <a:spLocks noGrp="1"/>
+          </p:cNvSpPr>
+          <p:nvPr>
+            <p:ph type="sldNum" sz="quarter" idx="10"/>
+          </p:nvPr>
+        </p:nvSpPr>
+        <p:spPr/>
+        <p:txBody>
+          <a:bodyPr/>
+          <a:lstStyle/>
+          <a:p>
+            <a:fld id="{02F3D625-5A43-4569-B5BD-5B8E1E7C17E2}" type="slidenum">
+              <a:rPr lang="en-US" smtClean="0"/>
+              <a:t>51</a:t>
+            </a:fld>
+            <a:endParaRPr lang="en-US"/>
+          </a:p>
+        </p:txBody>
+      </p:sp>
+    </p:spTree>
+    <p:extLst>
+      <p:ext uri="{BB962C8B-B14F-4D97-AF65-F5344CB8AC3E}">
+        <p14:creationId xmlns:p14="http://schemas.microsoft.com/office/powerpoint/2010/main" val="891778909"/>
+      </p:ext>
+    </p:extLst>
+  </p:cSld>
+  <p:clrMapOvr>
+    <a:masterClrMapping/>
+  </p:clrMapOvr>
+</p:notes>
+</file>
+
 <file path=ppt/slideLayouts/slideLayout1.xml><?xml version="1.0" encoding="utf-8"?>
 <p:sldLayout xmlns:a="http://schemas.openxmlformats.org/drawingml/2006/main" xmlns:r="http://schemas.openxmlformats.org/officeDocument/2006/relationships" xmlns:p="http://schemas.openxmlformats.org/presentationml/2006/main" type="title" preserve="1">
   <p:cSld name="Title Slide">
@@ -301,7 +820,7 @@
           <a:p>
             <a:fld id="{C764DE79-268F-4C1A-8933-263129D2AF90}" type="datetimeFigureOut">
               <a:rPr lang="en-US" dirty="0"/>
-              <a:t>4/3/2016</a:t>
+              <a:t>4/7/2016</a:t>
             </a:fld>
             <a:endParaRPr lang="en-US" dirty="0"/>
           </a:p>
@@ -471,7 +990,7 @@
           <a:p>
             <a:fld id="{C764DE79-268F-4C1A-8933-263129D2AF90}" type="datetimeFigureOut">
               <a:rPr lang="en-US" dirty="0"/>
-              <a:t>4/3/2016</a:t>
+              <a:t>4/7/2016</a:t>
             </a:fld>
             <a:endParaRPr lang="en-US" dirty="0"/>
           </a:p>
@@ -651,7 +1170,7 @@
           <a:p>
             <a:fld id="{C764DE79-268F-4C1A-8933-263129D2AF90}" type="datetimeFigureOut">
               <a:rPr lang="en-US" dirty="0"/>
-              <a:t>4/3/2016</a:t>
+              <a:t>4/7/2016</a:t>
             </a:fld>
             <a:endParaRPr lang="en-US" dirty="0"/>
           </a:p>
@@ -821,7 +1340,7 @@
           <a:p>
             <a:fld id="{C764DE79-268F-4C1A-8933-263129D2AF90}" type="datetimeFigureOut">
               <a:rPr lang="en-US" dirty="0"/>
-              <a:t>4/3/2016</a:t>
+              <a:t>4/7/2016</a:t>
             </a:fld>
             <a:endParaRPr lang="en-US" dirty="0"/>
           </a:p>
@@ -1067,7 +1586,7 @@
           <a:p>
             <a:fld id="{C764DE79-268F-4C1A-8933-263129D2AF90}" type="datetimeFigureOut">
               <a:rPr lang="en-US" dirty="0"/>
-              <a:t>4/3/2016</a:t>
+              <a:t>4/7/2016</a:t>
             </a:fld>
             <a:endParaRPr lang="en-US" dirty="0"/>
           </a:p>
@@ -1299,7 +1818,7 @@
           <a:p>
             <a:fld id="{C764DE79-268F-4C1A-8933-263129D2AF90}" type="datetimeFigureOut">
               <a:rPr lang="en-US" dirty="0"/>
-              <a:t>4/3/2016</a:t>
+              <a:t>4/7/2016</a:t>
             </a:fld>
             <a:endParaRPr lang="en-US" dirty="0"/>
           </a:p>
@@ -1666,7 +2185,7 @@
           <a:p>
             <a:fld id="{C764DE79-268F-4C1A-8933-263129D2AF90}" type="datetimeFigureOut">
               <a:rPr lang="en-US" dirty="0"/>
-              <a:t>4/3/2016</a:t>
+              <a:t>4/7/2016</a:t>
             </a:fld>
             <a:endParaRPr lang="en-US" dirty="0"/>
           </a:p>
@@ -1784,7 +2303,7 @@
           <a:p>
             <a:fld id="{C764DE79-268F-4C1A-8933-263129D2AF90}" type="datetimeFigureOut">
               <a:rPr lang="en-US" dirty="0"/>
-              <a:t>4/3/2016</a:t>
+              <a:t>4/7/2016</a:t>
             </a:fld>
             <a:endParaRPr lang="en-US" dirty="0"/>
           </a:p>
@@ -1879,7 +2398,7 @@
           <a:p>
             <a:fld id="{C764DE79-268F-4C1A-8933-263129D2AF90}" type="datetimeFigureOut">
               <a:rPr lang="en-US" dirty="0"/>
-              <a:t>4/3/2016</a:t>
+              <a:t>4/7/2016</a:t>
             </a:fld>
             <a:endParaRPr lang="en-US" dirty="0"/>
           </a:p>
@@ -2156,7 +2675,7 @@
           <a:p>
             <a:fld id="{C764DE79-268F-4C1A-8933-263129D2AF90}" type="datetimeFigureOut">
               <a:rPr lang="en-US" dirty="0"/>
-              <a:t>4/3/2016</a:t>
+              <a:t>4/7/2016</a:t>
             </a:fld>
             <a:endParaRPr lang="en-US" dirty="0"/>
           </a:p>
@@ -2413,7 +2932,7 @@
           <a:p>
             <a:fld id="{C764DE79-268F-4C1A-8933-263129D2AF90}" type="datetimeFigureOut">
               <a:rPr lang="en-US" dirty="0"/>
-              <a:t>4/3/2016</a:t>
+              <a:t>4/7/2016</a:t>
             </a:fld>
             <a:endParaRPr lang="en-US" dirty="0"/>
           </a:p>
@@ -2626,7 +3145,7 @@
           <a:p>
             <a:fld id="{C764DE79-268F-4C1A-8933-263129D2AF90}" type="datetimeFigureOut">
               <a:rPr lang="en-US" dirty="0"/>
-              <a:t>4/3/2016</a:t>
+              <a:t>4/7/2016</a:t>
             </a:fld>
             <a:endParaRPr lang="en-US" dirty="0"/>
           </a:p>
@@ -5021,7 +5540,7 @@
                 </a:solidFill>
                 <a:latin typeface="Consolas" panose="020B0609020204030204" pitchFamily="49" charset="0"/>
               </a:rPr>
-              <a:t>“10”</a:t>
+              <a:t>"10"</a:t>
             </a:r>
             <a:r>
               <a:rPr lang="en-US" sz="2400" dirty="0">
@@ -5089,7 +5608,7 @@
                 </a:solidFill>
                 <a:latin typeface="Consolas" panose="020B0609020204030204" pitchFamily="49" charset="0"/>
               </a:rPr>
-              <a:t>“10”</a:t>
+              <a:t>"10"</a:t>
             </a:r>
             <a:r>
               <a:rPr lang="en-US" sz="2400" dirty="0">
@@ -7521,6 +8040,32 @@
           <a:p>
             <a:pPr lvl="1"/>
             <a:r>
+              <a:rPr lang="en-US" sz="2000" dirty="0" err="1">
+                <a:latin typeface="Consolas" panose="020B0609020204030204" pitchFamily="49" charset="0"/>
+              </a:rPr>
+              <a:t>isset</a:t>
+            </a:r>
+            <a:r>
+              <a:rPr lang="en-US" sz="2000" dirty="0">
+                <a:latin typeface="Consolas" panose="020B0609020204030204" pitchFamily="49" charset="0"/>
+              </a:rPr>
+              <a:t>()</a:t>
+            </a:r>
+            <a:r>
+              <a:rPr lang="en-US" sz="2400" dirty="0"/>
+              <a:t> checks if a variable </a:t>
+            </a:r>
+            <a:r>
+              <a:rPr lang="en-US" dirty="0"/>
+              <a:t>exists</a:t>
+            </a:r>
+            <a:endParaRPr lang="en-US" sz="2000" dirty="0">
+              <a:latin typeface="Consolas" panose="020B0609020204030204" pitchFamily="49" charset="0"/>
+            </a:endParaRPr>
+          </a:p>
+          <a:p>
+            <a:pPr lvl="1"/>
+            <a:r>
               <a:rPr lang="en-US" sz="2000" dirty="0">
                 <a:latin typeface="Consolas" panose="020B0609020204030204" pitchFamily="49" charset="0"/>
               </a:rPr>
@@ -7837,8 +8382,31 @@
           <a:p>
             <a:r>
               <a:rPr lang="en-US" dirty="0"/>
-              <a:t>Arrays are created using brackets</a:t>
-            </a:r>
+              <a:t>Arrays are created using brackets </a:t>
+            </a:r>
+            <a:r>
+              <a:rPr lang="en-US" sz="2400" dirty="0">
+                <a:latin typeface="Consolas" panose="020B0609020204030204" pitchFamily="49" charset="0"/>
+              </a:rPr>
+              <a:t>[]</a:t>
+            </a:r>
+            <a:r>
+              <a:rPr lang="en-US" dirty="0"/>
+              <a:t> </a:t>
+            </a:r>
+            <a:r>
+              <a:rPr lang="en-US"/>
+              <a:t>or </a:t>
+            </a:r>
+            <a:r>
+              <a:rPr lang="en-US" sz="2400">
+                <a:latin typeface="Consolas" panose="020B0609020204030204" pitchFamily="49" charset="0"/>
+              </a:rPr>
+              <a:t>array()</a:t>
+            </a:r>
+            <a:endParaRPr lang="en-US" sz="2400" dirty="0">
+              <a:latin typeface="Consolas" panose="020B0609020204030204" pitchFamily="49" charset="0"/>
+            </a:endParaRPr>
           </a:p>
           <a:p>
             <a:r>
@@ -15961,6 +16529,12 @@
               </a:rPr>
               <a:t>"Properties are fun!"</a:t>
             </a:r>
+            <a:r>
+              <a:rPr lang="en-US" sz="2400" dirty="0">
+                <a:latin typeface="Consolas" panose="020B0609020204030204" pitchFamily="49" charset="0"/>
+              </a:rPr>
+              <a:t>;</a:t>
+            </a:r>
           </a:p>
           <a:p>
             <a:endParaRPr lang="en-US" sz="2400" dirty="0">
@@ -16118,18 +16692,6 @@
           <a:p>
             <a:r>
               <a:rPr lang="en-US" dirty="0"/>
-              <a:t>Can access other properties and methods using </a:t>
-            </a:r>
-            <a:r>
-              <a:rPr lang="en-US" sz="2400" dirty="0">
-                <a:latin typeface="Consolas" panose="020B0609020204030204" pitchFamily="49" charset="0"/>
-              </a:rPr>
-              <a:t>$this</a:t>
-            </a:r>
-          </a:p>
-          <a:p>
-            <a:r>
-              <a:rPr lang="en-US" dirty="0"/>
               <a:t>Called using the </a:t>
             </a:r>
             <a:r>
@@ -16142,9 +16704,12 @@
               <a:rPr lang="en-US" dirty="0"/>
               <a:t> operator, used just like functions</a:t>
             </a:r>
-            <a:endParaRPr lang="en-US" sz="2400" dirty="0">
-              <a:latin typeface="Consolas" panose="020B0609020204030204" pitchFamily="49" charset="0"/>
-            </a:endParaRPr>
+          </a:p>
+          <a:p>
+            <a:r>
+              <a:rPr lang="en-US" dirty="0"/>
+              <a:t>Constructor must be named __construct, cannot return anything</a:t>
+            </a:r>
           </a:p>
         </p:txBody>
       </p:sp>
@@ -19219,77 +19784,6 @@
           <a:p>
             <a:r>
               <a:rPr lang="en-US" dirty="0"/>
-              <a:t>Conclusion</a:t>
-            </a:r>
-          </a:p>
-        </p:txBody>
-      </p:sp>
-      <p:sp>
-        <p:nvSpPr>
-          <p:cNvPr id="3" name="Content Placeholder 2"/>
-          <p:cNvSpPr>
-            <a:spLocks noGrp="1"/>
-          </p:cNvSpPr>
-          <p:nvPr>
-            <p:ph type="body" idx="1"/>
-          </p:nvPr>
-        </p:nvSpPr>
-        <p:spPr/>
-        <p:txBody>
-          <a:bodyPr/>
-          <a:lstStyle/>
-          <a:p>
-            <a:endParaRPr lang="en-US"/>
-          </a:p>
-        </p:txBody>
-      </p:sp>
-    </p:spTree>
-    <p:extLst>
-      <p:ext uri="{BB962C8B-B14F-4D97-AF65-F5344CB8AC3E}">
-        <p14:creationId xmlns:p14="http://schemas.microsoft.com/office/powerpoint/2010/main" val="1028732288"/>
-      </p:ext>
-    </p:extLst>
-  </p:cSld>
-  <p:clrMapOvr>
-    <a:masterClrMapping/>
-  </p:clrMapOvr>
-</p:sld>
-</file>
-
-<file path=ppt/slides/slide64.xml><?xml version="1.0" encoding="utf-8"?>
-<p:sld xmlns:a="http://schemas.openxmlformats.org/drawingml/2006/main" xmlns:r="http://schemas.openxmlformats.org/officeDocument/2006/relationships" xmlns:p="http://schemas.openxmlformats.org/presentationml/2006/main">
-  <p:cSld>
-    <p:spTree>
-      <p:nvGrpSpPr>
-        <p:cNvPr id="1" name=""/>
-        <p:cNvGrpSpPr/>
-        <p:nvPr/>
-      </p:nvGrpSpPr>
-      <p:grpSpPr>
-        <a:xfrm>
-          <a:off x="0" y="0"/>
-          <a:ext cx="0" cy="0"/>
-          <a:chOff x="0" y="0"/>
-          <a:chExt cx="0" cy="0"/>
-        </a:xfrm>
-      </p:grpSpPr>
-      <p:sp>
-        <p:nvSpPr>
-          <p:cNvPr id="2" name="Title 1"/>
-          <p:cNvSpPr>
-            <a:spLocks noGrp="1"/>
-          </p:cNvSpPr>
-          <p:nvPr>
-            <p:ph type="title"/>
-          </p:nvPr>
-        </p:nvSpPr>
-        <p:spPr/>
-        <p:txBody>
-          <a:bodyPr/>
-          <a:lstStyle/>
-          <a:p>
-            <a:r>
-              <a:rPr lang="en-US" dirty="0"/>
               <a:t>Useful links</a:t>
             </a:r>
           </a:p>
@@ -19335,8 +19829,19 @@
           <a:p>
             <a:r>
               <a:rPr lang="en-US" dirty="0"/>
-              <a:t>Every programmers best friend: google.com</a:t>
-            </a:r>
+              <a:t>Every programmer’s best friend: google.com</a:t>
+            </a:r>
+          </a:p>
+          <a:p>
+            <a:r>
+              <a:rPr lang="en-US" dirty="0"/>
+              <a:t>Our website: github.com/</a:t>
+            </a:r>
+            <a:r>
+              <a:rPr lang="en-US" dirty="0" err="1"/>
+              <a:t>phpembark</a:t>
+            </a:r>
+            <a:endParaRPr lang="en-US" dirty="0"/>
           </a:p>
         </p:txBody>
       </p:sp>
@@ -20383,4 +20888,299 @@
     </a:ext>
   </a:extLst>
 </a:theme>
+</file>
+
+<file path=ppt/theme/theme2.xml><?xml version="1.0" encoding="utf-8"?>
+<a:theme xmlns:a="http://schemas.openxmlformats.org/drawingml/2006/main" name="Office Theme">
+  <a:themeElements>
+    <a:clrScheme name="Office">
+      <a:dk1>
+        <a:sysClr val="windowText" lastClr="000000"/>
+      </a:dk1>
+      <a:lt1>
+        <a:sysClr val="window" lastClr="FFFFFF"/>
+      </a:lt1>
+      <a:dk2>
+        <a:srgbClr val="44546A"/>
+      </a:dk2>
+      <a:lt2>
+        <a:srgbClr val="E7E6E6"/>
+      </a:lt2>
+      <a:accent1>
+        <a:srgbClr val="5B9BD5"/>
+      </a:accent1>
+      <a:accent2>
+        <a:srgbClr val="ED7D31"/>
+      </a:accent2>
+      <a:accent3>
+        <a:srgbClr val="A5A5A5"/>
+      </a:accent3>
+      <a:accent4>
+        <a:srgbClr val="FFC000"/>
+      </a:accent4>
+      <a:accent5>
+        <a:srgbClr val="4472C4"/>
+      </a:accent5>
+      <a:accent6>
+        <a:srgbClr val="70AD47"/>
+      </a:accent6>
+      <a:hlink>
+        <a:srgbClr val="0563C1"/>
+      </a:hlink>
+      <a:folHlink>
+        <a:srgbClr val="954F72"/>
+      </a:folHlink>
+    </a:clrScheme>
+    <a:fontScheme name="Office">
+      <a:majorFont>
+        <a:latin typeface="Calibri Light" panose="020F0302020204030204"/>
+        <a:ea typeface=""/>
+        <a:cs typeface=""/>
+        <a:font script="Jpan" typeface="游ゴシック Light"/>
+        <a:font script="Hang" typeface="맑은 고딕"/>
+        <a:font script="Hans" typeface="等线 Light"/>
+        <a:font script="Hant" typeface="新細明體"/>
+        <a:font script="Arab" typeface="Times New Roman"/>
+        <a:font script="Hebr" typeface="Times New Roman"/>
+        <a:font script="Thai" typeface="Angsana New"/>
+        <a:font script="Ethi" typeface="Nyala"/>
+        <a:font script="Beng" typeface="Vrinda"/>
+        <a:font script="Gujr" typeface="Shruti"/>
+        <a:font script="Khmr" typeface="MoolBoran"/>
+        <a:font script="Knda" typeface="Tunga"/>
+        <a:font script="Guru" typeface="Raavi"/>
+        <a:font script="Cans" typeface="Euphemia"/>
+        <a:font script="Cher" typeface="Plantagenet Cherokee"/>
+        <a:font script="Yiii" typeface="Microsoft Yi Baiti"/>
+        <a:font script="Tibt" typeface="Microsoft Himalaya"/>
+        <a:font script="Thaa" typeface="MV Boli"/>
+        <a:font script="Deva" typeface="Mangal"/>
+        <a:font script="Telu" typeface="Gautami"/>
+        <a:font script="Taml" typeface="Latha"/>
+        <a:font script="Syrc" typeface="Estrangelo Edessa"/>
+        <a:font script="Orya" typeface="Kalinga"/>
+        <a:font script="Mlym" typeface="Kartika"/>
+        <a:font script="Laoo" typeface="DokChampa"/>
+        <a:font script="Sinh" typeface="Iskoola Pota"/>
+        <a:font script="Mong" typeface="Mongolian Baiti"/>
+        <a:font script="Viet" typeface="Times New Roman"/>
+        <a:font script="Uigh" typeface="Microsoft Uighur"/>
+        <a:font script="Geor" typeface="Sylfaen"/>
+        <a:font script="Armn" typeface="Arial"/>
+        <a:font script="Bugi" typeface="Leelawadee UI"/>
+        <a:font script="Bopo" typeface="Microsoft JhengHei"/>
+        <a:font script="Java" typeface="Javanese Text"/>
+        <a:font script="Lisu" typeface="Segoe UI"/>
+        <a:font script="Mymr" typeface="Myanmar Text"/>
+        <a:font script="Nkoo" typeface="Ebrima"/>
+        <a:font script="Olck" typeface="Nirmala UI"/>
+        <a:font script="Osma" typeface="Ebrima"/>
+        <a:font script="Phag" typeface="Phagspa"/>
+        <a:font script="Syrn" typeface="Estrangelo Edessa"/>
+        <a:font script="Syrj" typeface="Estrangelo Edessa"/>
+        <a:font script="Syre" typeface="Estrangelo Edessa"/>
+        <a:font script="Sora" typeface="Nirmala UI"/>
+        <a:font script="Tale" typeface="Microsoft Tai Le"/>
+        <a:font script="Talu" typeface="Microsoft New Tai Lue"/>
+        <a:font script="Tfng" typeface="Ebrima"/>
+      </a:majorFont>
+      <a:minorFont>
+        <a:latin typeface="Calibri" panose="020F0502020204030204"/>
+        <a:ea typeface=""/>
+        <a:cs typeface=""/>
+        <a:font script="Jpan" typeface="游ゴシック"/>
+        <a:font script="Hang" typeface="맑은 고딕"/>
+        <a:font script="Hans" typeface="等线"/>
+        <a:font script="Hant" typeface="新細明體"/>
+        <a:font script="Arab" typeface="Arial"/>
+        <a:font script="Hebr" typeface="Arial"/>
+        <a:font script="Thai" typeface="Cordia New"/>
+        <a:font script="Ethi" typeface="Nyala"/>
+        <a:font script="Beng" typeface="Vrinda"/>
+        <a:font script="Gujr" typeface="Shruti"/>
+        <a:font script="Khmr" typeface="DaunPenh"/>
+        <a:font script="Knda" typeface="Tunga"/>
+        <a:font script="Guru" typeface="Raavi"/>
+        <a:font script="Cans" typeface="Euphemia"/>
+        <a:font script="Cher" typeface="Plantagenet Cherokee"/>
+        <a:font script="Yiii" typeface="Microsoft Yi Baiti"/>
+        <a:font script="Tibt" typeface="Microsoft Himalaya"/>
+        <a:font script="Thaa" typeface="MV Boli"/>
+        <a:font script="Deva" typeface="Mangal"/>
+        <a:font script="Telu" typeface="Gautami"/>
+        <a:font script="Taml" typeface="Latha"/>
+        <a:font script="Syrc" typeface="Estrangelo Edessa"/>
+        <a:font script="Orya" typeface="Kalinga"/>
+        <a:font script="Mlym" typeface="Kartika"/>
+        <a:font script="Laoo" typeface="DokChampa"/>
+        <a:font script="Sinh" typeface="Iskoola Pota"/>
+        <a:font script="Mong" typeface="Mongolian Baiti"/>
+        <a:font script="Viet" typeface="Arial"/>
+        <a:font script="Uigh" typeface="Microsoft Uighur"/>
+        <a:font script="Geor" typeface="Sylfaen"/>
+        <a:font script="Armn" typeface="Arial"/>
+        <a:font script="Bugi" typeface="Leelawadee UI"/>
+        <a:font script="Bopo" typeface="Microsoft JhengHei"/>
+        <a:font script="Java" typeface="Javanese Text"/>
+        <a:font script="Lisu" typeface="Segoe UI"/>
+        <a:font script="Mymr" typeface="Myanmar Text"/>
+        <a:font script="Nkoo" typeface="Ebrima"/>
+        <a:font script="Olck" typeface="Nirmala UI"/>
+        <a:font script="Osma" typeface="Ebrima"/>
+        <a:font script="Phag" typeface="Phagspa"/>
+        <a:font script="Syrn" typeface="Estrangelo Edessa"/>
+        <a:font script="Syrj" typeface="Estrangelo Edessa"/>
+        <a:font script="Syre" typeface="Estrangelo Edessa"/>
+        <a:font script="Sora" typeface="Nirmala UI"/>
+        <a:font script="Tale" typeface="Microsoft Tai Le"/>
+        <a:font script="Talu" typeface="Microsoft New Tai Lue"/>
+        <a:font script="Tfng" typeface="Ebrima"/>
+      </a:minorFont>
+    </a:fontScheme>
+    <a:fmtScheme name="Office">
+      <a:fillStyleLst>
+        <a:solidFill>
+          <a:schemeClr val="phClr"/>
+        </a:solidFill>
+        <a:gradFill rotWithShape="1">
+          <a:gsLst>
+            <a:gs pos="0">
+              <a:schemeClr val="phClr">
+                <a:lumMod val="110000"/>
+                <a:satMod val="105000"/>
+                <a:tint val="67000"/>
+              </a:schemeClr>
+            </a:gs>
+            <a:gs pos="50000">
+              <a:schemeClr val="phClr">
+                <a:lumMod val="105000"/>
+                <a:satMod val="103000"/>
+                <a:tint val="73000"/>
+              </a:schemeClr>
+            </a:gs>
+            <a:gs pos="100000">
+              <a:schemeClr val="phClr">
+                <a:lumMod val="105000"/>
+                <a:satMod val="109000"/>
+                <a:tint val="81000"/>
+              </a:schemeClr>
+            </a:gs>
+          </a:gsLst>
+          <a:lin ang="5400000" scaled="0"/>
+        </a:gradFill>
+        <a:gradFill rotWithShape="1">
+          <a:gsLst>
+            <a:gs pos="0">
+              <a:schemeClr val="phClr">
+                <a:satMod val="103000"/>
+                <a:lumMod val="102000"/>
+                <a:tint val="94000"/>
+              </a:schemeClr>
+            </a:gs>
+            <a:gs pos="50000">
+              <a:schemeClr val="phClr">
+                <a:satMod val="110000"/>
+                <a:lumMod val="100000"/>
+                <a:shade val="100000"/>
+              </a:schemeClr>
+            </a:gs>
+            <a:gs pos="100000">
+              <a:schemeClr val="phClr">
+                <a:lumMod val="99000"/>
+                <a:satMod val="120000"/>
+                <a:shade val="78000"/>
+              </a:schemeClr>
+            </a:gs>
+          </a:gsLst>
+          <a:lin ang="5400000" scaled="0"/>
+        </a:gradFill>
+      </a:fillStyleLst>
+      <a:lnStyleLst>
+        <a:ln w="6350" cap="flat" cmpd="sng" algn="ctr">
+          <a:solidFill>
+            <a:schemeClr val="phClr"/>
+          </a:solidFill>
+          <a:prstDash val="solid"/>
+          <a:miter lim="800000"/>
+        </a:ln>
+        <a:ln w="12700" cap="flat" cmpd="sng" algn="ctr">
+          <a:solidFill>
+            <a:schemeClr val="phClr"/>
+          </a:solidFill>
+          <a:prstDash val="solid"/>
+          <a:miter lim="800000"/>
+        </a:ln>
+        <a:ln w="19050" cap="flat" cmpd="sng" algn="ctr">
+          <a:solidFill>
+            <a:schemeClr val="phClr"/>
+          </a:solidFill>
+          <a:prstDash val="solid"/>
+          <a:miter lim="800000"/>
+        </a:ln>
+      </a:lnStyleLst>
+      <a:effectStyleLst>
+        <a:effectStyle>
+          <a:effectLst/>
+        </a:effectStyle>
+        <a:effectStyle>
+          <a:effectLst/>
+        </a:effectStyle>
+        <a:effectStyle>
+          <a:effectLst>
+            <a:outerShdw blurRad="57150" dist="19050" dir="5400000" algn="ctr" rotWithShape="0">
+              <a:srgbClr val="000000">
+                <a:alpha val="63000"/>
+              </a:srgbClr>
+            </a:outerShdw>
+          </a:effectLst>
+        </a:effectStyle>
+      </a:effectStyleLst>
+      <a:bgFillStyleLst>
+        <a:solidFill>
+          <a:schemeClr val="phClr"/>
+        </a:solidFill>
+        <a:solidFill>
+          <a:schemeClr val="phClr">
+            <a:tint val="95000"/>
+            <a:satMod val="170000"/>
+          </a:schemeClr>
+        </a:solidFill>
+        <a:gradFill rotWithShape="1">
+          <a:gsLst>
+            <a:gs pos="0">
+              <a:schemeClr val="phClr">
+                <a:tint val="93000"/>
+                <a:satMod val="150000"/>
+                <a:shade val="98000"/>
+                <a:lumMod val="102000"/>
+              </a:schemeClr>
+            </a:gs>
+            <a:gs pos="50000">
+              <a:schemeClr val="phClr">
+                <a:tint val="98000"/>
+                <a:satMod val="130000"/>
+                <a:shade val="90000"/>
+                <a:lumMod val="103000"/>
+              </a:schemeClr>
+            </a:gs>
+            <a:gs pos="100000">
+              <a:schemeClr val="phClr">
+                <a:shade val="63000"/>
+                <a:satMod val="120000"/>
+              </a:schemeClr>
+            </a:gs>
+          </a:gsLst>
+          <a:lin ang="5400000" scaled="0"/>
+        </a:gradFill>
+      </a:bgFillStyleLst>
+    </a:fmtScheme>
+  </a:themeElements>
+  <a:objectDefaults/>
+  <a:extraClrSchemeLst/>
+  <a:extLst>
+    <a:ext uri="{05A4C25C-085E-4340-85A3-A5531E510DB2}">
+      <thm15:themeFamily xmlns:thm15="http://schemas.microsoft.com/office/thememl/2012/main" name="Office Theme" id="{62F939B6-93AF-4DB8-9C6B-D6C7DFDC589F}" vid="{4A3C46E8-61CC-4603-A589-7422A47A8E4A}"/>
+    </a:ext>
+  </a:extLst>
+</a:theme>
 </file>